--- a/my_articles/3_course/автореферат/Kolbeko_AB.pptx
+++ b/my_articles/3_course/автореферат/Kolbeko_AB.pptx
@@ -12,21 +12,26 @@
     <p:sldId id="262" r:id="rId6"/>
     <p:sldId id="263" r:id="rId7"/>
     <p:sldId id="272" r:id="rId8"/>
-    <p:sldId id="264" r:id="rId9"/>
-    <p:sldId id="265" r:id="rId10"/>
-    <p:sldId id="266" r:id="rId11"/>
-    <p:sldId id="267" r:id="rId12"/>
-    <p:sldId id="268" r:id="rId13"/>
-    <p:sldId id="269" r:id="rId14"/>
-    <p:sldId id="270" r:id="rId15"/>
-    <p:sldId id="279" r:id="rId16"/>
-    <p:sldId id="271" r:id="rId17"/>
-    <p:sldId id="276" r:id="rId18"/>
-    <p:sldId id="259" r:id="rId19"/>
-    <p:sldId id="277" r:id="rId20"/>
-    <p:sldId id="278" r:id="rId21"/>
-    <p:sldId id="274" r:id="rId22"/>
-    <p:sldId id="275" r:id="rId23"/>
+    <p:sldId id="281" r:id="rId9"/>
+    <p:sldId id="282" r:id="rId10"/>
+    <p:sldId id="280" r:id="rId11"/>
+    <p:sldId id="283" r:id="rId12"/>
+    <p:sldId id="284" r:id="rId13"/>
+    <p:sldId id="264" r:id="rId14"/>
+    <p:sldId id="265" r:id="rId15"/>
+    <p:sldId id="266" r:id="rId16"/>
+    <p:sldId id="267" r:id="rId17"/>
+    <p:sldId id="268" r:id="rId18"/>
+    <p:sldId id="269" r:id="rId19"/>
+    <p:sldId id="270" r:id="rId20"/>
+    <p:sldId id="279" r:id="rId21"/>
+    <p:sldId id="271" r:id="rId22"/>
+    <p:sldId id="276" r:id="rId23"/>
+    <p:sldId id="259" r:id="rId24"/>
+    <p:sldId id="277" r:id="rId25"/>
+    <p:sldId id="278" r:id="rId26"/>
+    <p:sldId id="274" r:id="rId27"/>
+    <p:sldId id="275" r:id="rId28"/>
   </p:sldIdLst>
   <p:sldSz cx="12192000" cy="6858000"/>
   <p:notesSz cx="6858000" cy="9144000"/>
@@ -262,7 +267,7 @@
           <a:p>
             <a:fld id="{D4804C8C-A16D-40ED-B7C8-20CC6A7D0227}" type="datetimeFigureOut">
               <a:rPr lang="ru-RU" smtClean="0"/>
-              <a:t>15.12.2025</a:t>
+              <a:t>21.12.2025</a:t>
             </a:fld>
             <a:endParaRPr lang="ru-RU"/>
           </a:p>
@@ -430,7 +435,7 @@
           <a:p>
             <a:fld id="{D4804C8C-A16D-40ED-B7C8-20CC6A7D0227}" type="datetimeFigureOut">
               <a:rPr lang="ru-RU" smtClean="0"/>
-              <a:t>15.12.2025</a:t>
+              <a:t>21.12.2025</a:t>
             </a:fld>
             <a:endParaRPr lang="ru-RU"/>
           </a:p>
@@ -608,7 +613,7 @@
           <a:p>
             <a:fld id="{D4804C8C-A16D-40ED-B7C8-20CC6A7D0227}" type="datetimeFigureOut">
               <a:rPr lang="ru-RU" smtClean="0"/>
-              <a:t>15.12.2025</a:t>
+              <a:t>21.12.2025</a:t>
             </a:fld>
             <a:endParaRPr lang="ru-RU"/>
           </a:p>
@@ -776,7 +781,7 @@
           <a:p>
             <a:fld id="{D4804C8C-A16D-40ED-B7C8-20CC6A7D0227}" type="datetimeFigureOut">
               <a:rPr lang="ru-RU" smtClean="0"/>
-              <a:t>15.12.2025</a:t>
+              <a:t>21.12.2025</a:t>
             </a:fld>
             <a:endParaRPr lang="ru-RU"/>
           </a:p>
@@ -1021,7 +1026,7 @@
           <a:p>
             <a:fld id="{D4804C8C-A16D-40ED-B7C8-20CC6A7D0227}" type="datetimeFigureOut">
               <a:rPr lang="ru-RU" smtClean="0"/>
-              <a:t>15.12.2025</a:t>
+              <a:t>21.12.2025</a:t>
             </a:fld>
             <a:endParaRPr lang="ru-RU"/>
           </a:p>
@@ -1250,7 +1255,7 @@
           <a:p>
             <a:fld id="{D4804C8C-A16D-40ED-B7C8-20CC6A7D0227}" type="datetimeFigureOut">
               <a:rPr lang="ru-RU" smtClean="0"/>
-              <a:t>15.12.2025</a:t>
+              <a:t>21.12.2025</a:t>
             </a:fld>
             <a:endParaRPr lang="ru-RU"/>
           </a:p>
@@ -1614,7 +1619,7 @@
           <a:p>
             <a:fld id="{D4804C8C-A16D-40ED-B7C8-20CC6A7D0227}" type="datetimeFigureOut">
               <a:rPr lang="ru-RU" smtClean="0"/>
-              <a:t>15.12.2025</a:t>
+              <a:t>21.12.2025</a:t>
             </a:fld>
             <a:endParaRPr lang="ru-RU"/>
           </a:p>
@@ -1731,7 +1736,7 @@
           <a:p>
             <a:fld id="{D4804C8C-A16D-40ED-B7C8-20CC6A7D0227}" type="datetimeFigureOut">
               <a:rPr lang="ru-RU" smtClean="0"/>
-              <a:t>15.12.2025</a:t>
+              <a:t>21.12.2025</a:t>
             </a:fld>
             <a:endParaRPr lang="ru-RU"/>
           </a:p>
@@ -1826,7 +1831,7 @@
           <a:p>
             <a:fld id="{D4804C8C-A16D-40ED-B7C8-20CC6A7D0227}" type="datetimeFigureOut">
               <a:rPr lang="ru-RU" smtClean="0"/>
-              <a:t>15.12.2025</a:t>
+              <a:t>21.12.2025</a:t>
             </a:fld>
             <a:endParaRPr lang="ru-RU"/>
           </a:p>
@@ -2101,7 +2106,7 @@
           <a:p>
             <a:fld id="{D4804C8C-A16D-40ED-B7C8-20CC6A7D0227}" type="datetimeFigureOut">
               <a:rPr lang="ru-RU" smtClean="0"/>
-              <a:t>15.12.2025</a:t>
+              <a:t>21.12.2025</a:t>
             </a:fld>
             <a:endParaRPr lang="ru-RU"/>
           </a:p>
@@ -2353,7 +2358,7 @@
           <a:p>
             <a:fld id="{D4804C8C-A16D-40ED-B7C8-20CC6A7D0227}" type="datetimeFigureOut">
               <a:rPr lang="ru-RU" smtClean="0"/>
-              <a:t>15.12.2025</a:t>
+              <a:t>21.12.2025</a:t>
             </a:fld>
             <a:endParaRPr lang="ru-RU"/>
           </a:p>
@@ -2564,7 +2569,7 @@
           <a:p>
             <a:fld id="{D4804C8C-A16D-40ED-B7C8-20CC6A7D0227}" type="datetimeFigureOut">
               <a:rPr lang="ru-RU" smtClean="0"/>
-              <a:t>15.12.2025</a:t>
+              <a:t>21.12.2025</a:t>
             </a:fld>
             <a:endParaRPr lang="ru-RU"/>
           </a:p>
@@ -3037,7 +3042,7 @@
               <a:rPr lang="ru-RU" sz="3800" dirty="0">
                 <a:latin typeface="Fira Sans ExtraLight" panose="020B0403050000020004" pitchFamily="34" charset="0"/>
               </a:rPr>
-              <a:t>Методика физико-математического моделирования процессов тепломассопереноса в пластах с условиями образования гидратов</a:t>
+              <a:t>Развитие математических методов моделирования в задачах тепломассопереноса: численных и аналитических</a:t>
             </a:r>
           </a:p>
         </p:txBody>
@@ -3192,6 +3197,2150 @@
 </file>
 
 <file path=ppt/slides/slide10.xml><?xml version="1.0" encoding="utf-8"?>
+<p:sld xmlns:a="http://schemas.openxmlformats.org/drawingml/2006/main" xmlns:r="http://schemas.openxmlformats.org/officeDocument/2006/relationships" xmlns:p="http://schemas.openxmlformats.org/presentationml/2006/main">
+  <p:cSld>
+    <p:spTree>
+      <p:nvGrpSpPr>
+        <p:cNvPr id="1" name="">
+          <a:extLst>
+            <a:ext uri="{FF2B5EF4-FFF2-40B4-BE49-F238E27FC236}">
+              <a16:creationId xmlns:a16="http://schemas.microsoft.com/office/drawing/2014/main" id="{01F41997-1A69-22B7-DCE9-B3DAE2CC7730}"/>
+            </a:ext>
+          </a:extLst>
+        </p:cNvPr>
+        <p:cNvGrpSpPr/>
+        <p:nvPr/>
+      </p:nvGrpSpPr>
+      <p:grpSpPr>
+        <a:xfrm>
+          <a:off x="0" y="0"/>
+          <a:ext cx="0" cy="0"/>
+          <a:chOff x="0" y="0"/>
+          <a:chExt cx="0" cy="0"/>
+        </a:xfrm>
+      </p:grpSpPr>
+      <p:pic>
+        <p:nvPicPr>
+          <p:cNvPr id="4" name="Рисунок 3">
+            <a:extLst>
+              <a:ext uri="{FF2B5EF4-FFF2-40B4-BE49-F238E27FC236}">
+                <a16:creationId xmlns:a16="http://schemas.microsoft.com/office/drawing/2014/main" id="{F06EBECC-E263-FF40-9CA5-171CCBD4E57B}"/>
+              </a:ext>
+            </a:extLst>
+          </p:cNvPr>
+          <p:cNvPicPr>
+            <a:picLocks noChangeAspect="1"/>
+          </p:cNvPicPr>
+          <p:nvPr/>
+        </p:nvPicPr>
+        <p:blipFill>
+          <a:blip r:embed="rId2"/>
+          <a:stretch>
+            <a:fillRect/>
+          </a:stretch>
+        </p:blipFill>
+        <p:spPr>
+          <a:xfrm>
+            <a:off x="5567222" y="6213254"/>
+            <a:ext cx="1057557" cy="467471"/>
+          </a:xfrm>
+          <a:prstGeom prst="rect">
+            <a:avLst/>
+          </a:prstGeom>
+        </p:spPr>
+      </p:pic>
+      <p:cxnSp>
+        <p:nvCxnSpPr>
+          <p:cNvPr id="7" name="Прямая соединительная линия 6">
+            <a:extLst>
+              <a:ext uri="{FF2B5EF4-FFF2-40B4-BE49-F238E27FC236}">
+                <a16:creationId xmlns:a16="http://schemas.microsoft.com/office/drawing/2014/main" id="{2B552002-BAE7-E1B6-62EC-6B96E78C1EC8}"/>
+              </a:ext>
+            </a:extLst>
+          </p:cNvPr>
+          <p:cNvCxnSpPr/>
+          <p:nvPr/>
+        </p:nvCxnSpPr>
+        <p:spPr>
+          <a:xfrm>
+            <a:off x="0" y="617517"/>
+            <a:ext cx="12192000" cy="0"/>
+          </a:xfrm>
+          <a:prstGeom prst="line">
+            <a:avLst/>
+          </a:prstGeom>
+          <a:ln w="12700">
+            <a:solidFill>
+              <a:srgbClr val="00B0F0"/>
+            </a:solidFill>
+          </a:ln>
+        </p:spPr>
+        <p:style>
+          <a:lnRef idx="1">
+            <a:schemeClr val="accent1"/>
+          </a:lnRef>
+          <a:fillRef idx="0">
+            <a:schemeClr val="accent1"/>
+          </a:fillRef>
+          <a:effectRef idx="0">
+            <a:schemeClr val="accent1"/>
+          </a:effectRef>
+          <a:fontRef idx="minor">
+            <a:schemeClr val="tx1"/>
+          </a:fontRef>
+        </p:style>
+      </p:cxnSp>
+      <p:sp>
+        <p:nvSpPr>
+          <p:cNvPr id="2" name="Подзаголовок 2">
+            <a:extLst>
+              <a:ext uri="{FF2B5EF4-FFF2-40B4-BE49-F238E27FC236}">
+                <a16:creationId xmlns:a16="http://schemas.microsoft.com/office/drawing/2014/main" id="{6F883B81-8560-3F65-2C24-30C7BE8972A0}"/>
+              </a:ext>
+            </a:extLst>
+          </p:cNvPr>
+          <p:cNvSpPr txBox="1">
+            <a:spLocks/>
+          </p:cNvSpPr>
+          <p:nvPr/>
+        </p:nvSpPr>
+        <p:spPr>
+          <a:xfrm>
+            <a:off x="139454" y="102379"/>
+            <a:ext cx="9004545" cy="464004"/>
+          </a:xfrm>
+          <a:prstGeom prst="rect">
+            <a:avLst/>
+          </a:prstGeom>
+        </p:spPr>
+        <p:txBody>
+          <a:bodyPr vert="horz" lIns="104306" tIns="52153" rIns="104306" bIns="52153" rtlCol="0">
+            <a:normAutofit/>
+          </a:bodyPr>
+          <a:lstStyle>
+            <a:lvl1pPr marL="0" indent="0" algn="ctr" defTabSz="1043056" rtl="0" eaLnBrk="1" latinLnBrk="0" hangingPunct="1">
+              <a:lnSpc>
+                <a:spcPct val="90000"/>
+              </a:lnSpc>
+              <a:spcBef>
+                <a:spcPts val="1141"/>
+              </a:spcBef>
+              <a:buFont typeface="Arial" panose="020B0604020202020204" pitchFamily="34" charset="0"/>
+              <a:buNone/>
+              <a:defRPr sz="2700" kern="1200">
+                <a:solidFill>
+                  <a:schemeClr val="tx1"/>
+                </a:solidFill>
+                <a:latin typeface="+mn-lt"/>
+                <a:ea typeface="+mn-ea"/>
+                <a:cs typeface="+mn-cs"/>
+              </a:defRPr>
+            </a:lvl1pPr>
+            <a:lvl2pPr marL="521528" indent="0" algn="ctr" defTabSz="1043056" rtl="0" eaLnBrk="1" latinLnBrk="0" hangingPunct="1">
+              <a:lnSpc>
+                <a:spcPct val="90000"/>
+              </a:lnSpc>
+              <a:spcBef>
+                <a:spcPts val="570"/>
+              </a:spcBef>
+              <a:buFont typeface="Arial" panose="020B0604020202020204" pitchFamily="34" charset="0"/>
+              <a:buNone/>
+              <a:defRPr sz="2300" kern="1200">
+                <a:solidFill>
+                  <a:schemeClr val="tx1"/>
+                </a:solidFill>
+                <a:latin typeface="+mn-lt"/>
+                <a:ea typeface="+mn-ea"/>
+                <a:cs typeface="+mn-cs"/>
+              </a:defRPr>
+            </a:lvl2pPr>
+            <a:lvl3pPr marL="1043056" indent="0" algn="ctr" defTabSz="1043056" rtl="0" eaLnBrk="1" latinLnBrk="0" hangingPunct="1">
+              <a:lnSpc>
+                <a:spcPct val="90000"/>
+              </a:lnSpc>
+              <a:spcBef>
+                <a:spcPts val="570"/>
+              </a:spcBef>
+              <a:buFont typeface="Arial" panose="020B0604020202020204" pitchFamily="34" charset="0"/>
+              <a:buNone/>
+              <a:defRPr sz="2100" kern="1200">
+                <a:solidFill>
+                  <a:schemeClr val="tx1"/>
+                </a:solidFill>
+                <a:latin typeface="+mn-lt"/>
+                <a:ea typeface="+mn-ea"/>
+                <a:cs typeface="+mn-cs"/>
+              </a:defRPr>
+            </a:lvl3pPr>
+            <a:lvl4pPr marL="1564584" indent="0" algn="ctr" defTabSz="1043056" rtl="0" eaLnBrk="1" latinLnBrk="0" hangingPunct="1">
+              <a:lnSpc>
+                <a:spcPct val="90000"/>
+              </a:lnSpc>
+              <a:spcBef>
+                <a:spcPts val="570"/>
+              </a:spcBef>
+              <a:buFont typeface="Arial" panose="020B0604020202020204" pitchFamily="34" charset="0"/>
+              <a:buNone/>
+              <a:defRPr sz="1800" kern="1200">
+                <a:solidFill>
+                  <a:schemeClr val="tx1"/>
+                </a:solidFill>
+                <a:latin typeface="+mn-lt"/>
+                <a:ea typeface="+mn-ea"/>
+                <a:cs typeface="+mn-cs"/>
+              </a:defRPr>
+            </a:lvl4pPr>
+            <a:lvl5pPr marL="2086112" indent="0" algn="ctr" defTabSz="1043056" rtl="0" eaLnBrk="1" latinLnBrk="0" hangingPunct="1">
+              <a:lnSpc>
+                <a:spcPct val="90000"/>
+              </a:lnSpc>
+              <a:spcBef>
+                <a:spcPts val="570"/>
+              </a:spcBef>
+              <a:buFont typeface="Arial" panose="020B0604020202020204" pitchFamily="34" charset="0"/>
+              <a:buNone/>
+              <a:defRPr sz="1800" kern="1200">
+                <a:solidFill>
+                  <a:schemeClr val="tx1"/>
+                </a:solidFill>
+                <a:latin typeface="+mn-lt"/>
+                <a:ea typeface="+mn-ea"/>
+                <a:cs typeface="+mn-cs"/>
+              </a:defRPr>
+            </a:lvl5pPr>
+            <a:lvl6pPr marL="2607640" indent="0" algn="ctr" defTabSz="1043056" rtl="0" eaLnBrk="1" latinLnBrk="0" hangingPunct="1">
+              <a:lnSpc>
+                <a:spcPct val="90000"/>
+              </a:lnSpc>
+              <a:spcBef>
+                <a:spcPts val="570"/>
+              </a:spcBef>
+              <a:buFont typeface="Arial" panose="020B0604020202020204" pitchFamily="34" charset="0"/>
+              <a:buNone/>
+              <a:defRPr sz="1800" kern="1200">
+                <a:solidFill>
+                  <a:schemeClr val="tx1"/>
+                </a:solidFill>
+                <a:latin typeface="+mn-lt"/>
+                <a:ea typeface="+mn-ea"/>
+                <a:cs typeface="+mn-cs"/>
+              </a:defRPr>
+            </a:lvl6pPr>
+            <a:lvl7pPr marL="3129168" indent="0" algn="ctr" defTabSz="1043056" rtl="0" eaLnBrk="1" latinLnBrk="0" hangingPunct="1">
+              <a:lnSpc>
+                <a:spcPct val="90000"/>
+              </a:lnSpc>
+              <a:spcBef>
+                <a:spcPts val="570"/>
+              </a:spcBef>
+              <a:buFont typeface="Arial" panose="020B0604020202020204" pitchFamily="34" charset="0"/>
+              <a:buNone/>
+              <a:defRPr sz="1800" kern="1200">
+                <a:solidFill>
+                  <a:schemeClr val="tx1"/>
+                </a:solidFill>
+                <a:latin typeface="+mn-lt"/>
+                <a:ea typeface="+mn-ea"/>
+                <a:cs typeface="+mn-cs"/>
+              </a:defRPr>
+            </a:lvl7pPr>
+            <a:lvl8pPr marL="3650696" indent="0" algn="ctr" defTabSz="1043056" rtl="0" eaLnBrk="1" latinLnBrk="0" hangingPunct="1">
+              <a:lnSpc>
+                <a:spcPct val="90000"/>
+              </a:lnSpc>
+              <a:spcBef>
+                <a:spcPts val="570"/>
+              </a:spcBef>
+              <a:buFont typeface="Arial" panose="020B0604020202020204" pitchFamily="34" charset="0"/>
+              <a:buNone/>
+              <a:defRPr sz="1800" kern="1200">
+                <a:solidFill>
+                  <a:schemeClr val="tx1"/>
+                </a:solidFill>
+                <a:latin typeface="+mn-lt"/>
+                <a:ea typeface="+mn-ea"/>
+                <a:cs typeface="+mn-cs"/>
+              </a:defRPr>
+            </a:lvl8pPr>
+            <a:lvl9pPr marL="4172224" indent="0" algn="ctr" defTabSz="1043056" rtl="0" eaLnBrk="1" latinLnBrk="0" hangingPunct="1">
+              <a:lnSpc>
+                <a:spcPct val="90000"/>
+              </a:lnSpc>
+              <a:spcBef>
+                <a:spcPts val="570"/>
+              </a:spcBef>
+              <a:buFont typeface="Arial" panose="020B0604020202020204" pitchFamily="34" charset="0"/>
+              <a:buNone/>
+              <a:defRPr sz="1800" kern="1200">
+                <a:solidFill>
+                  <a:schemeClr val="tx1"/>
+                </a:solidFill>
+                <a:latin typeface="+mn-lt"/>
+                <a:ea typeface="+mn-ea"/>
+                <a:cs typeface="+mn-cs"/>
+              </a:defRPr>
+            </a:lvl9pPr>
+          </a:lstStyle>
+          <a:p>
+            <a:pPr algn="l"/>
+            <a:r>
+              <a:rPr lang="ru-RU" sz="2400" b="1" dirty="0">
+                <a:latin typeface="Fira Sans Bold"/>
+              </a:rPr>
+              <a:t>Анализ исходных данных</a:t>
+            </a:r>
+          </a:p>
+        </p:txBody>
+      </p:sp>
+      <p:pic>
+        <p:nvPicPr>
+          <p:cNvPr id="11" name="Рисунок 10">
+            <a:extLst>
+              <a:ext uri="{FF2B5EF4-FFF2-40B4-BE49-F238E27FC236}">
+                <a16:creationId xmlns:a16="http://schemas.microsoft.com/office/drawing/2014/main" id="{F4AF07AB-A834-FCE6-26FD-51A7B63D45DD}"/>
+              </a:ext>
+            </a:extLst>
+          </p:cNvPr>
+          <p:cNvPicPr>
+            <a:picLocks noChangeAspect="1"/>
+          </p:cNvPicPr>
+          <p:nvPr/>
+        </p:nvPicPr>
+        <p:blipFill>
+          <a:blip r:embed="rId3"/>
+          <a:stretch>
+            <a:fillRect/>
+          </a:stretch>
+        </p:blipFill>
+        <p:spPr>
+          <a:xfrm>
+            <a:off x="8106923" y="695735"/>
+            <a:ext cx="3596402" cy="2650419"/>
+          </a:xfrm>
+          <a:prstGeom prst="rect">
+            <a:avLst/>
+          </a:prstGeom>
+        </p:spPr>
+      </p:pic>
+      <p:pic>
+        <p:nvPicPr>
+          <p:cNvPr id="15" name="Рисунок 14">
+            <a:extLst>
+              <a:ext uri="{FF2B5EF4-FFF2-40B4-BE49-F238E27FC236}">
+                <a16:creationId xmlns:a16="http://schemas.microsoft.com/office/drawing/2014/main" id="{ACD12695-7146-C928-8B79-26F47147F331}"/>
+              </a:ext>
+            </a:extLst>
+          </p:cNvPr>
+          <p:cNvPicPr>
+            <a:picLocks noChangeAspect="1"/>
+          </p:cNvPicPr>
+          <p:nvPr/>
+        </p:nvPicPr>
+        <p:blipFill>
+          <a:blip r:embed="rId4"/>
+          <a:stretch>
+            <a:fillRect/>
+          </a:stretch>
+        </p:blipFill>
+        <p:spPr>
+          <a:xfrm>
+            <a:off x="492006" y="3475357"/>
+            <a:ext cx="3617823" cy="2666205"/>
+          </a:xfrm>
+          <a:prstGeom prst="rect">
+            <a:avLst/>
+          </a:prstGeom>
+          <a:ln>
+            <a:solidFill>
+              <a:srgbClr val="FFC000"/>
+            </a:solidFill>
+          </a:ln>
+        </p:spPr>
+      </p:pic>
+      <p:pic>
+        <p:nvPicPr>
+          <p:cNvPr id="17" name="Рисунок 16">
+            <a:extLst>
+              <a:ext uri="{FF2B5EF4-FFF2-40B4-BE49-F238E27FC236}">
+                <a16:creationId xmlns:a16="http://schemas.microsoft.com/office/drawing/2014/main" id="{79252D1D-8540-8165-63F0-5A73B174A217}"/>
+              </a:ext>
+            </a:extLst>
+          </p:cNvPr>
+          <p:cNvPicPr>
+            <a:picLocks noChangeAspect="1"/>
+          </p:cNvPicPr>
+          <p:nvPr/>
+        </p:nvPicPr>
+        <p:blipFill>
+          <a:blip r:embed="rId5"/>
+          <a:stretch>
+            <a:fillRect/>
+          </a:stretch>
+        </p:blipFill>
+        <p:spPr>
+          <a:xfrm>
+            <a:off x="8067165" y="3450507"/>
+            <a:ext cx="3689348" cy="2718917"/>
+          </a:xfrm>
+          <a:prstGeom prst="rect">
+            <a:avLst/>
+          </a:prstGeom>
+        </p:spPr>
+      </p:pic>
+      <p:sp>
+        <p:nvSpPr>
+          <p:cNvPr id="19" name="Овал 18">
+            <a:extLst>
+              <a:ext uri="{FF2B5EF4-FFF2-40B4-BE49-F238E27FC236}">
+                <a16:creationId xmlns:a16="http://schemas.microsoft.com/office/drawing/2014/main" id="{86C8A22D-20F1-77C5-6E6B-553323A2BBD7}"/>
+              </a:ext>
+            </a:extLst>
+          </p:cNvPr>
+          <p:cNvSpPr/>
+          <p:nvPr/>
+        </p:nvSpPr>
+        <p:spPr>
+          <a:xfrm rot="290689">
+            <a:off x="1101919" y="3752021"/>
+            <a:ext cx="3096134" cy="223630"/>
+          </a:xfrm>
+          <a:prstGeom prst="ellipse">
+            <a:avLst/>
+          </a:prstGeom>
+          <a:noFill/>
+        </p:spPr>
+        <p:style>
+          <a:lnRef idx="2">
+            <a:schemeClr val="accent1">
+              <a:shade val="15000"/>
+            </a:schemeClr>
+          </a:lnRef>
+          <a:fillRef idx="1">
+            <a:schemeClr val="accent1"/>
+          </a:fillRef>
+          <a:effectRef idx="0">
+            <a:schemeClr val="accent1"/>
+          </a:effectRef>
+          <a:fontRef idx="minor">
+            <a:schemeClr val="lt1"/>
+          </a:fontRef>
+        </p:style>
+        <p:txBody>
+          <a:bodyPr rtlCol="0" anchor="ctr"/>
+          <a:lstStyle/>
+          <a:p>
+            <a:pPr algn="ctr"/>
+            <a:endParaRPr lang="ru-RU" dirty="0"/>
+          </a:p>
+        </p:txBody>
+      </p:sp>
+      <p:sp>
+        <p:nvSpPr>
+          <p:cNvPr id="20" name="Овал 19">
+            <a:extLst>
+              <a:ext uri="{FF2B5EF4-FFF2-40B4-BE49-F238E27FC236}">
+                <a16:creationId xmlns:a16="http://schemas.microsoft.com/office/drawing/2014/main" id="{779D9503-E63E-080D-E1EE-6BE7785C500A}"/>
+              </a:ext>
+            </a:extLst>
+          </p:cNvPr>
+          <p:cNvSpPr/>
+          <p:nvPr/>
+        </p:nvSpPr>
+        <p:spPr>
+          <a:xfrm rot="1435194">
+            <a:off x="865105" y="3967727"/>
+            <a:ext cx="1881036" cy="535916"/>
+          </a:xfrm>
+          <a:prstGeom prst="ellipse">
+            <a:avLst/>
+          </a:prstGeom>
+          <a:noFill/>
+          <a:ln>
+            <a:solidFill>
+              <a:srgbClr val="FF0000"/>
+            </a:solidFill>
+          </a:ln>
+        </p:spPr>
+        <p:style>
+          <a:lnRef idx="2">
+            <a:schemeClr val="accent1">
+              <a:shade val="15000"/>
+            </a:schemeClr>
+          </a:lnRef>
+          <a:fillRef idx="1">
+            <a:schemeClr val="accent1"/>
+          </a:fillRef>
+          <a:effectRef idx="0">
+            <a:schemeClr val="accent1"/>
+          </a:effectRef>
+          <a:fontRef idx="minor">
+            <a:schemeClr val="lt1"/>
+          </a:fontRef>
+        </p:style>
+        <p:txBody>
+          <a:bodyPr rtlCol="0" anchor="ctr"/>
+          <a:lstStyle/>
+          <a:p>
+            <a:pPr algn="ctr"/>
+            <a:endParaRPr lang="ru-RU"/>
+          </a:p>
+        </p:txBody>
+      </p:sp>
+      <p:pic>
+        <p:nvPicPr>
+          <p:cNvPr id="24" name="Рисунок 23">
+            <a:extLst>
+              <a:ext uri="{FF2B5EF4-FFF2-40B4-BE49-F238E27FC236}">
+                <a16:creationId xmlns:a16="http://schemas.microsoft.com/office/drawing/2014/main" id="{46026E1C-8DA1-02D0-16BE-B8F3C2504148}"/>
+              </a:ext>
+            </a:extLst>
+          </p:cNvPr>
+          <p:cNvPicPr>
+            <a:picLocks noChangeAspect="1"/>
+          </p:cNvPicPr>
+          <p:nvPr/>
+        </p:nvPicPr>
+        <p:blipFill>
+          <a:blip r:embed="rId6"/>
+          <a:stretch>
+            <a:fillRect/>
+          </a:stretch>
+        </p:blipFill>
+        <p:spPr>
+          <a:xfrm>
+            <a:off x="535917" y="695737"/>
+            <a:ext cx="3534252" cy="2604617"/>
+          </a:xfrm>
+          <a:prstGeom prst="rect">
+            <a:avLst/>
+          </a:prstGeom>
+        </p:spPr>
+      </p:pic>
+      <p:pic>
+        <p:nvPicPr>
+          <p:cNvPr id="3" name="Рисунок 2">
+            <a:extLst>
+              <a:ext uri="{FF2B5EF4-FFF2-40B4-BE49-F238E27FC236}">
+                <a16:creationId xmlns:a16="http://schemas.microsoft.com/office/drawing/2014/main" id="{969A3449-8496-F0A2-48BF-678B1D170BEE}"/>
+              </a:ext>
+            </a:extLst>
+          </p:cNvPr>
+          <p:cNvPicPr>
+            <a:picLocks noChangeAspect="1"/>
+          </p:cNvPicPr>
+          <p:nvPr/>
+        </p:nvPicPr>
+        <p:blipFill>
+          <a:blip r:embed="rId7"/>
+          <a:stretch>
+            <a:fillRect/>
+          </a:stretch>
+        </p:blipFill>
+        <p:spPr>
+          <a:xfrm>
+            <a:off x="4294713" y="3474678"/>
+            <a:ext cx="3616073" cy="2664916"/>
+          </a:xfrm>
+          <a:prstGeom prst="rect">
+            <a:avLst/>
+          </a:prstGeom>
+          <a:ln>
+            <a:solidFill>
+              <a:srgbClr val="FFC000"/>
+            </a:solidFill>
+          </a:ln>
+        </p:spPr>
+      </p:pic>
+      <p:cxnSp>
+        <p:nvCxnSpPr>
+          <p:cNvPr id="6" name="Прямая соединительная линия 5">
+            <a:extLst>
+              <a:ext uri="{FF2B5EF4-FFF2-40B4-BE49-F238E27FC236}">
+                <a16:creationId xmlns:a16="http://schemas.microsoft.com/office/drawing/2014/main" id="{BEC712D4-28EE-1AAB-CC26-19E153ED2808}"/>
+              </a:ext>
+            </a:extLst>
+          </p:cNvPr>
+          <p:cNvCxnSpPr/>
+          <p:nvPr/>
+        </p:nvCxnSpPr>
+        <p:spPr>
+          <a:xfrm>
+            <a:off x="4840357" y="4105998"/>
+            <a:ext cx="2748169" cy="167828"/>
+          </a:xfrm>
+          <a:prstGeom prst="line">
+            <a:avLst/>
+          </a:prstGeom>
+        </p:spPr>
+        <p:style>
+          <a:lnRef idx="1">
+            <a:schemeClr val="accent1"/>
+          </a:lnRef>
+          <a:fillRef idx="0">
+            <a:schemeClr val="accent1"/>
+          </a:fillRef>
+          <a:effectRef idx="0">
+            <a:schemeClr val="accent1"/>
+          </a:effectRef>
+          <a:fontRef idx="minor">
+            <a:schemeClr val="tx1"/>
+          </a:fontRef>
+        </p:style>
+      </p:cxnSp>
+      <p:cxnSp>
+        <p:nvCxnSpPr>
+          <p:cNvPr id="8" name="Прямая соединительная линия 7">
+            <a:extLst>
+              <a:ext uri="{FF2B5EF4-FFF2-40B4-BE49-F238E27FC236}">
+                <a16:creationId xmlns:a16="http://schemas.microsoft.com/office/drawing/2014/main" id="{A7517900-FB21-E3E0-491A-848D9B9032B3}"/>
+              </a:ext>
+            </a:extLst>
+          </p:cNvPr>
+          <p:cNvCxnSpPr>
+            <a:cxnSpLocks/>
+          </p:cNvCxnSpPr>
+          <p:nvPr/>
+        </p:nvCxnSpPr>
+        <p:spPr>
+          <a:xfrm>
+            <a:off x="6296439" y="4127751"/>
+            <a:ext cx="1341783" cy="414432"/>
+          </a:xfrm>
+          <a:prstGeom prst="line">
+            <a:avLst/>
+          </a:prstGeom>
+        </p:spPr>
+        <p:style>
+          <a:lnRef idx="1">
+            <a:schemeClr val="accent1"/>
+          </a:lnRef>
+          <a:fillRef idx="0">
+            <a:schemeClr val="accent1"/>
+          </a:fillRef>
+          <a:effectRef idx="0">
+            <a:schemeClr val="accent1"/>
+          </a:effectRef>
+          <a:fontRef idx="minor">
+            <a:schemeClr val="tx1"/>
+          </a:fontRef>
+        </p:style>
+      </p:cxnSp>
+      <p:pic>
+        <p:nvPicPr>
+          <p:cNvPr id="14" name="Рисунок 13">
+            <a:extLst>
+              <a:ext uri="{FF2B5EF4-FFF2-40B4-BE49-F238E27FC236}">
+                <a16:creationId xmlns:a16="http://schemas.microsoft.com/office/drawing/2014/main" id="{479AD169-F9A8-6513-E84A-7AB4F74C6BBC}"/>
+              </a:ext>
+            </a:extLst>
+          </p:cNvPr>
+          <p:cNvPicPr>
+            <a:picLocks noChangeAspect="1"/>
+          </p:cNvPicPr>
+          <p:nvPr/>
+        </p:nvPicPr>
+        <p:blipFill>
+          <a:blip r:embed="rId8"/>
+          <a:stretch>
+            <a:fillRect/>
+          </a:stretch>
+        </p:blipFill>
+        <p:spPr>
+          <a:xfrm>
+            <a:off x="4285536" y="693556"/>
+            <a:ext cx="3534252" cy="2604617"/>
+          </a:xfrm>
+          <a:prstGeom prst="rect">
+            <a:avLst/>
+          </a:prstGeom>
+          <a:ln>
+            <a:solidFill>
+              <a:srgbClr val="FFC000"/>
+            </a:solidFill>
+          </a:ln>
+        </p:spPr>
+      </p:pic>
+    </p:spTree>
+    <p:extLst>
+      <p:ext uri="{BB962C8B-B14F-4D97-AF65-F5344CB8AC3E}">
+        <p14:creationId xmlns:p14="http://schemas.microsoft.com/office/powerpoint/2010/main" val="489330952"/>
+      </p:ext>
+    </p:extLst>
+  </p:cSld>
+  <p:clrMapOvr>
+    <a:masterClrMapping/>
+  </p:clrMapOvr>
+</p:sld>
+</file>
+
+<file path=ppt/slides/slide11.xml><?xml version="1.0" encoding="utf-8"?>
+<p:sld xmlns:a="http://schemas.openxmlformats.org/drawingml/2006/main" xmlns:r="http://schemas.openxmlformats.org/officeDocument/2006/relationships" xmlns:p="http://schemas.openxmlformats.org/presentationml/2006/main">
+  <p:cSld>
+    <p:spTree>
+      <p:nvGrpSpPr>
+        <p:cNvPr id="1" name="">
+          <a:extLst>
+            <a:ext uri="{FF2B5EF4-FFF2-40B4-BE49-F238E27FC236}">
+              <a16:creationId xmlns:a16="http://schemas.microsoft.com/office/drawing/2014/main" id="{BA496B8D-234B-6FF3-6A0A-18F414400E01}"/>
+            </a:ext>
+          </a:extLst>
+        </p:cNvPr>
+        <p:cNvGrpSpPr/>
+        <p:nvPr/>
+      </p:nvGrpSpPr>
+      <p:grpSpPr>
+        <a:xfrm>
+          <a:off x="0" y="0"/>
+          <a:ext cx="0" cy="0"/>
+          <a:chOff x="0" y="0"/>
+          <a:chExt cx="0" cy="0"/>
+        </a:xfrm>
+      </p:grpSpPr>
+      <p:pic>
+        <p:nvPicPr>
+          <p:cNvPr id="4" name="Рисунок 3">
+            <a:extLst>
+              <a:ext uri="{FF2B5EF4-FFF2-40B4-BE49-F238E27FC236}">
+                <a16:creationId xmlns:a16="http://schemas.microsoft.com/office/drawing/2014/main" id="{8F50D41C-5C6C-2A13-DD4F-99B4721DCD58}"/>
+              </a:ext>
+            </a:extLst>
+          </p:cNvPr>
+          <p:cNvPicPr>
+            <a:picLocks noChangeAspect="1"/>
+          </p:cNvPicPr>
+          <p:nvPr/>
+        </p:nvPicPr>
+        <p:blipFill>
+          <a:blip r:embed="rId2"/>
+          <a:stretch>
+            <a:fillRect/>
+          </a:stretch>
+        </p:blipFill>
+        <p:spPr>
+          <a:xfrm>
+            <a:off x="5567222" y="6213254"/>
+            <a:ext cx="1057557" cy="467471"/>
+          </a:xfrm>
+          <a:prstGeom prst="rect">
+            <a:avLst/>
+          </a:prstGeom>
+        </p:spPr>
+      </p:pic>
+      <p:cxnSp>
+        <p:nvCxnSpPr>
+          <p:cNvPr id="7" name="Прямая соединительная линия 6">
+            <a:extLst>
+              <a:ext uri="{FF2B5EF4-FFF2-40B4-BE49-F238E27FC236}">
+                <a16:creationId xmlns:a16="http://schemas.microsoft.com/office/drawing/2014/main" id="{263A00EB-F8A7-5F6F-A2F5-5ADB9E084542}"/>
+              </a:ext>
+            </a:extLst>
+          </p:cNvPr>
+          <p:cNvCxnSpPr/>
+          <p:nvPr/>
+        </p:nvCxnSpPr>
+        <p:spPr>
+          <a:xfrm>
+            <a:off x="0" y="617517"/>
+            <a:ext cx="12192000" cy="0"/>
+          </a:xfrm>
+          <a:prstGeom prst="line">
+            <a:avLst/>
+          </a:prstGeom>
+          <a:ln w="12700">
+            <a:solidFill>
+              <a:srgbClr val="00B0F0"/>
+            </a:solidFill>
+          </a:ln>
+        </p:spPr>
+        <p:style>
+          <a:lnRef idx="1">
+            <a:schemeClr val="accent1"/>
+          </a:lnRef>
+          <a:fillRef idx="0">
+            <a:schemeClr val="accent1"/>
+          </a:fillRef>
+          <a:effectRef idx="0">
+            <a:schemeClr val="accent1"/>
+          </a:effectRef>
+          <a:fontRef idx="minor">
+            <a:schemeClr val="tx1"/>
+          </a:fontRef>
+        </p:style>
+      </p:cxnSp>
+      <p:sp>
+        <p:nvSpPr>
+          <p:cNvPr id="2" name="Подзаголовок 2">
+            <a:extLst>
+              <a:ext uri="{FF2B5EF4-FFF2-40B4-BE49-F238E27FC236}">
+                <a16:creationId xmlns:a16="http://schemas.microsoft.com/office/drawing/2014/main" id="{0BF94AE4-A983-3DF4-15D7-A80F332384F3}"/>
+              </a:ext>
+            </a:extLst>
+          </p:cNvPr>
+          <p:cNvSpPr txBox="1">
+            <a:spLocks/>
+          </p:cNvSpPr>
+          <p:nvPr/>
+        </p:nvSpPr>
+        <p:spPr>
+          <a:xfrm>
+            <a:off x="139454" y="102379"/>
+            <a:ext cx="9004545" cy="464004"/>
+          </a:xfrm>
+          <a:prstGeom prst="rect">
+            <a:avLst/>
+          </a:prstGeom>
+        </p:spPr>
+        <p:txBody>
+          <a:bodyPr vert="horz" lIns="104306" tIns="52153" rIns="104306" bIns="52153" rtlCol="0">
+            <a:normAutofit/>
+          </a:bodyPr>
+          <a:lstStyle>
+            <a:lvl1pPr marL="0" indent="0" algn="ctr" defTabSz="1043056" rtl="0" eaLnBrk="1" latinLnBrk="0" hangingPunct="1">
+              <a:lnSpc>
+                <a:spcPct val="90000"/>
+              </a:lnSpc>
+              <a:spcBef>
+                <a:spcPts val="1141"/>
+              </a:spcBef>
+              <a:buFont typeface="Arial" panose="020B0604020202020204" pitchFamily="34" charset="0"/>
+              <a:buNone/>
+              <a:defRPr sz="2700" kern="1200">
+                <a:solidFill>
+                  <a:schemeClr val="tx1"/>
+                </a:solidFill>
+                <a:latin typeface="+mn-lt"/>
+                <a:ea typeface="+mn-ea"/>
+                <a:cs typeface="+mn-cs"/>
+              </a:defRPr>
+            </a:lvl1pPr>
+            <a:lvl2pPr marL="521528" indent="0" algn="ctr" defTabSz="1043056" rtl="0" eaLnBrk="1" latinLnBrk="0" hangingPunct="1">
+              <a:lnSpc>
+                <a:spcPct val="90000"/>
+              </a:lnSpc>
+              <a:spcBef>
+                <a:spcPts val="570"/>
+              </a:spcBef>
+              <a:buFont typeface="Arial" panose="020B0604020202020204" pitchFamily="34" charset="0"/>
+              <a:buNone/>
+              <a:defRPr sz="2300" kern="1200">
+                <a:solidFill>
+                  <a:schemeClr val="tx1"/>
+                </a:solidFill>
+                <a:latin typeface="+mn-lt"/>
+                <a:ea typeface="+mn-ea"/>
+                <a:cs typeface="+mn-cs"/>
+              </a:defRPr>
+            </a:lvl2pPr>
+            <a:lvl3pPr marL="1043056" indent="0" algn="ctr" defTabSz="1043056" rtl="0" eaLnBrk="1" latinLnBrk="0" hangingPunct="1">
+              <a:lnSpc>
+                <a:spcPct val="90000"/>
+              </a:lnSpc>
+              <a:spcBef>
+                <a:spcPts val="570"/>
+              </a:spcBef>
+              <a:buFont typeface="Arial" panose="020B0604020202020204" pitchFamily="34" charset="0"/>
+              <a:buNone/>
+              <a:defRPr sz="2100" kern="1200">
+                <a:solidFill>
+                  <a:schemeClr val="tx1"/>
+                </a:solidFill>
+                <a:latin typeface="+mn-lt"/>
+                <a:ea typeface="+mn-ea"/>
+                <a:cs typeface="+mn-cs"/>
+              </a:defRPr>
+            </a:lvl3pPr>
+            <a:lvl4pPr marL="1564584" indent="0" algn="ctr" defTabSz="1043056" rtl="0" eaLnBrk="1" latinLnBrk="0" hangingPunct="1">
+              <a:lnSpc>
+                <a:spcPct val="90000"/>
+              </a:lnSpc>
+              <a:spcBef>
+                <a:spcPts val="570"/>
+              </a:spcBef>
+              <a:buFont typeface="Arial" panose="020B0604020202020204" pitchFamily="34" charset="0"/>
+              <a:buNone/>
+              <a:defRPr sz="1800" kern="1200">
+                <a:solidFill>
+                  <a:schemeClr val="tx1"/>
+                </a:solidFill>
+                <a:latin typeface="+mn-lt"/>
+                <a:ea typeface="+mn-ea"/>
+                <a:cs typeface="+mn-cs"/>
+              </a:defRPr>
+            </a:lvl4pPr>
+            <a:lvl5pPr marL="2086112" indent="0" algn="ctr" defTabSz="1043056" rtl="0" eaLnBrk="1" latinLnBrk="0" hangingPunct="1">
+              <a:lnSpc>
+                <a:spcPct val="90000"/>
+              </a:lnSpc>
+              <a:spcBef>
+                <a:spcPts val="570"/>
+              </a:spcBef>
+              <a:buFont typeface="Arial" panose="020B0604020202020204" pitchFamily="34" charset="0"/>
+              <a:buNone/>
+              <a:defRPr sz="1800" kern="1200">
+                <a:solidFill>
+                  <a:schemeClr val="tx1"/>
+                </a:solidFill>
+                <a:latin typeface="+mn-lt"/>
+                <a:ea typeface="+mn-ea"/>
+                <a:cs typeface="+mn-cs"/>
+              </a:defRPr>
+            </a:lvl5pPr>
+            <a:lvl6pPr marL="2607640" indent="0" algn="ctr" defTabSz="1043056" rtl="0" eaLnBrk="1" latinLnBrk="0" hangingPunct="1">
+              <a:lnSpc>
+                <a:spcPct val="90000"/>
+              </a:lnSpc>
+              <a:spcBef>
+                <a:spcPts val="570"/>
+              </a:spcBef>
+              <a:buFont typeface="Arial" panose="020B0604020202020204" pitchFamily="34" charset="0"/>
+              <a:buNone/>
+              <a:defRPr sz="1800" kern="1200">
+                <a:solidFill>
+                  <a:schemeClr val="tx1"/>
+                </a:solidFill>
+                <a:latin typeface="+mn-lt"/>
+                <a:ea typeface="+mn-ea"/>
+                <a:cs typeface="+mn-cs"/>
+              </a:defRPr>
+            </a:lvl6pPr>
+            <a:lvl7pPr marL="3129168" indent="0" algn="ctr" defTabSz="1043056" rtl="0" eaLnBrk="1" latinLnBrk="0" hangingPunct="1">
+              <a:lnSpc>
+                <a:spcPct val="90000"/>
+              </a:lnSpc>
+              <a:spcBef>
+                <a:spcPts val="570"/>
+              </a:spcBef>
+              <a:buFont typeface="Arial" panose="020B0604020202020204" pitchFamily="34" charset="0"/>
+              <a:buNone/>
+              <a:defRPr sz="1800" kern="1200">
+                <a:solidFill>
+                  <a:schemeClr val="tx1"/>
+                </a:solidFill>
+                <a:latin typeface="+mn-lt"/>
+                <a:ea typeface="+mn-ea"/>
+                <a:cs typeface="+mn-cs"/>
+              </a:defRPr>
+            </a:lvl7pPr>
+            <a:lvl8pPr marL="3650696" indent="0" algn="ctr" defTabSz="1043056" rtl="0" eaLnBrk="1" latinLnBrk="0" hangingPunct="1">
+              <a:lnSpc>
+                <a:spcPct val="90000"/>
+              </a:lnSpc>
+              <a:spcBef>
+                <a:spcPts val="570"/>
+              </a:spcBef>
+              <a:buFont typeface="Arial" panose="020B0604020202020204" pitchFamily="34" charset="0"/>
+              <a:buNone/>
+              <a:defRPr sz="1800" kern="1200">
+                <a:solidFill>
+                  <a:schemeClr val="tx1"/>
+                </a:solidFill>
+                <a:latin typeface="+mn-lt"/>
+                <a:ea typeface="+mn-ea"/>
+                <a:cs typeface="+mn-cs"/>
+              </a:defRPr>
+            </a:lvl8pPr>
+            <a:lvl9pPr marL="4172224" indent="0" algn="ctr" defTabSz="1043056" rtl="0" eaLnBrk="1" latinLnBrk="0" hangingPunct="1">
+              <a:lnSpc>
+                <a:spcPct val="90000"/>
+              </a:lnSpc>
+              <a:spcBef>
+                <a:spcPts val="570"/>
+              </a:spcBef>
+              <a:buFont typeface="Arial" panose="020B0604020202020204" pitchFamily="34" charset="0"/>
+              <a:buNone/>
+              <a:defRPr sz="1800" kern="1200">
+                <a:solidFill>
+                  <a:schemeClr val="tx1"/>
+                </a:solidFill>
+                <a:latin typeface="+mn-lt"/>
+                <a:ea typeface="+mn-ea"/>
+                <a:cs typeface="+mn-cs"/>
+              </a:defRPr>
+            </a:lvl9pPr>
+          </a:lstStyle>
+          <a:p>
+            <a:pPr algn="l"/>
+            <a:r>
+              <a:rPr lang="ru-RU" sz="2400" b="1" dirty="0">
+                <a:latin typeface="Fira Sans Bold"/>
+              </a:rPr>
+              <a:t>Результаты численного моделирования в симуляторе</a:t>
+            </a:r>
+          </a:p>
+        </p:txBody>
+      </p:sp>
+      <p:pic>
+        <p:nvPicPr>
+          <p:cNvPr id="6" name="Рисунок 5">
+            <a:extLst>
+              <a:ext uri="{FF2B5EF4-FFF2-40B4-BE49-F238E27FC236}">
+                <a16:creationId xmlns:a16="http://schemas.microsoft.com/office/drawing/2014/main" id="{3D427C2D-2E7A-9A9A-28BD-8E8A996BD1C3}"/>
+              </a:ext>
+            </a:extLst>
+          </p:cNvPr>
+          <p:cNvPicPr>
+            <a:picLocks noChangeAspect="1"/>
+          </p:cNvPicPr>
+          <p:nvPr/>
+        </p:nvPicPr>
+        <p:blipFill>
+          <a:blip r:embed="rId3"/>
+          <a:stretch>
+            <a:fillRect/>
+          </a:stretch>
+        </p:blipFill>
+        <p:spPr>
+          <a:xfrm>
+            <a:off x="1123879" y="700706"/>
+            <a:ext cx="3998393" cy="2604056"/>
+          </a:xfrm>
+          <a:prstGeom prst="rect">
+            <a:avLst/>
+          </a:prstGeom>
+        </p:spPr>
+      </p:pic>
+      <p:pic>
+        <p:nvPicPr>
+          <p:cNvPr id="9" name="Рисунок 8">
+            <a:extLst>
+              <a:ext uri="{FF2B5EF4-FFF2-40B4-BE49-F238E27FC236}">
+                <a16:creationId xmlns:a16="http://schemas.microsoft.com/office/drawing/2014/main" id="{4A236405-CB6F-B311-7086-E2FB092B778C}"/>
+              </a:ext>
+            </a:extLst>
+          </p:cNvPr>
+          <p:cNvPicPr>
+            <a:picLocks noChangeAspect="1"/>
+          </p:cNvPicPr>
+          <p:nvPr/>
+        </p:nvPicPr>
+        <p:blipFill>
+          <a:blip r:embed="rId4"/>
+          <a:stretch>
+            <a:fillRect/>
+          </a:stretch>
+        </p:blipFill>
+        <p:spPr>
+          <a:xfrm>
+            <a:off x="5457340" y="678066"/>
+            <a:ext cx="3916250" cy="2626696"/>
+          </a:xfrm>
+          <a:prstGeom prst="rect">
+            <a:avLst/>
+          </a:prstGeom>
+        </p:spPr>
+      </p:pic>
+      <p:pic>
+        <p:nvPicPr>
+          <p:cNvPr id="11" name="Рисунок 10">
+            <a:extLst>
+              <a:ext uri="{FF2B5EF4-FFF2-40B4-BE49-F238E27FC236}">
+                <a16:creationId xmlns:a16="http://schemas.microsoft.com/office/drawing/2014/main" id="{F97BE98C-D246-ACCC-9136-4A8798479544}"/>
+              </a:ext>
+            </a:extLst>
+          </p:cNvPr>
+          <p:cNvPicPr>
+            <a:picLocks noChangeAspect="1"/>
+          </p:cNvPicPr>
+          <p:nvPr/>
+        </p:nvPicPr>
+        <p:blipFill>
+          <a:blip r:embed="rId5"/>
+          <a:stretch>
+            <a:fillRect/>
+          </a:stretch>
+        </p:blipFill>
+        <p:spPr>
+          <a:xfrm>
+            <a:off x="1108206" y="3429000"/>
+            <a:ext cx="4014066" cy="2633463"/>
+          </a:xfrm>
+          <a:prstGeom prst="rect">
+            <a:avLst/>
+          </a:prstGeom>
+        </p:spPr>
+      </p:pic>
+      <p:pic>
+        <p:nvPicPr>
+          <p:cNvPr id="12" name="Рисунок 11">
+            <a:extLst>
+              <a:ext uri="{FF2B5EF4-FFF2-40B4-BE49-F238E27FC236}">
+                <a16:creationId xmlns:a16="http://schemas.microsoft.com/office/drawing/2014/main" id="{9DC23413-A3A2-066E-2EF6-C24A8717F54C}"/>
+              </a:ext>
+            </a:extLst>
+          </p:cNvPr>
+          <p:cNvPicPr>
+            <a:picLocks noChangeAspect="1"/>
+          </p:cNvPicPr>
+          <p:nvPr/>
+        </p:nvPicPr>
+        <p:blipFill>
+          <a:blip r:embed="rId6"/>
+          <a:stretch>
+            <a:fillRect/>
+          </a:stretch>
+        </p:blipFill>
+        <p:spPr>
+          <a:xfrm>
+            <a:off x="5457339" y="3429000"/>
+            <a:ext cx="3916249" cy="2623508"/>
+          </a:xfrm>
+          <a:prstGeom prst="rect">
+            <a:avLst/>
+          </a:prstGeom>
+        </p:spPr>
+      </p:pic>
+    </p:spTree>
+    <p:extLst>
+      <p:ext uri="{BB962C8B-B14F-4D97-AF65-F5344CB8AC3E}">
+        <p14:creationId xmlns:p14="http://schemas.microsoft.com/office/powerpoint/2010/main" val="290342002"/>
+      </p:ext>
+    </p:extLst>
+  </p:cSld>
+  <p:clrMapOvr>
+    <a:masterClrMapping/>
+  </p:clrMapOvr>
+</p:sld>
+</file>
+
+<file path=ppt/slides/slide12.xml><?xml version="1.0" encoding="utf-8"?>
+<p:sld xmlns:a="http://schemas.openxmlformats.org/drawingml/2006/main" xmlns:r="http://schemas.openxmlformats.org/officeDocument/2006/relationships" xmlns:p="http://schemas.openxmlformats.org/presentationml/2006/main">
+  <p:cSld>
+    <p:spTree>
+      <p:nvGrpSpPr>
+        <p:cNvPr id="1" name="">
+          <a:extLst>
+            <a:ext uri="{FF2B5EF4-FFF2-40B4-BE49-F238E27FC236}">
+              <a16:creationId xmlns:a16="http://schemas.microsoft.com/office/drawing/2014/main" id="{13CA8C05-10E8-986D-EF59-BC9A23A5DFA9}"/>
+            </a:ext>
+          </a:extLst>
+        </p:cNvPr>
+        <p:cNvGrpSpPr/>
+        <p:nvPr/>
+      </p:nvGrpSpPr>
+      <p:grpSpPr>
+        <a:xfrm>
+          <a:off x="0" y="0"/>
+          <a:ext cx="0" cy="0"/>
+          <a:chOff x="0" y="0"/>
+          <a:chExt cx="0" cy="0"/>
+        </a:xfrm>
+      </p:grpSpPr>
+      <p:pic>
+        <p:nvPicPr>
+          <p:cNvPr id="4" name="Рисунок 3">
+            <a:extLst>
+              <a:ext uri="{FF2B5EF4-FFF2-40B4-BE49-F238E27FC236}">
+                <a16:creationId xmlns:a16="http://schemas.microsoft.com/office/drawing/2014/main" id="{00AAD128-CA44-56A7-188C-3E5E90F5A352}"/>
+              </a:ext>
+            </a:extLst>
+          </p:cNvPr>
+          <p:cNvPicPr>
+            <a:picLocks noChangeAspect="1"/>
+          </p:cNvPicPr>
+          <p:nvPr/>
+        </p:nvPicPr>
+        <p:blipFill>
+          <a:blip r:embed="rId2"/>
+          <a:stretch>
+            <a:fillRect/>
+          </a:stretch>
+        </p:blipFill>
+        <p:spPr>
+          <a:xfrm>
+            <a:off x="5567222" y="6213254"/>
+            <a:ext cx="1057557" cy="467471"/>
+          </a:xfrm>
+          <a:prstGeom prst="rect">
+            <a:avLst/>
+          </a:prstGeom>
+        </p:spPr>
+      </p:pic>
+      <p:cxnSp>
+        <p:nvCxnSpPr>
+          <p:cNvPr id="7" name="Прямая соединительная линия 6">
+            <a:extLst>
+              <a:ext uri="{FF2B5EF4-FFF2-40B4-BE49-F238E27FC236}">
+                <a16:creationId xmlns:a16="http://schemas.microsoft.com/office/drawing/2014/main" id="{08AF43C2-32DA-35D3-A5D5-CB234A159CEF}"/>
+              </a:ext>
+            </a:extLst>
+          </p:cNvPr>
+          <p:cNvCxnSpPr/>
+          <p:nvPr/>
+        </p:nvCxnSpPr>
+        <p:spPr>
+          <a:xfrm>
+            <a:off x="0" y="617517"/>
+            <a:ext cx="12192000" cy="0"/>
+          </a:xfrm>
+          <a:prstGeom prst="line">
+            <a:avLst/>
+          </a:prstGeom>
+          <a:ln w="12700">
+            <a:solidFill>
+              <a:srgbClr val="00B0F0"/>
+            </a:solidFill>
+          </a:ln>
+        </p:spPr>
+        <p:style>
+          <a:lnRef idx="1">
+            <a:schemeClr val="accent1"/>
+          </a:lnRef>
+          <a:fillRef idx="0">
+            <a:schemeClr val="accent1"/>
+          </a:fillRef>
+          <a:effectRef idx="0">
+            <a:schemeClr val="accent1"/>
+          </a:effectRef>
+          <a:fontRef idx="minor">
+            <a:schemeClr val="tx1"/>
+          </a:fontRef>
+        </p:style>
+      </p:cxnSp>
+      <p:sp>
+        <p:nvSpPr>
+          <p:cNvPr id="2" name="Подзаголовок 2">
+            <a:extLst>
+              <a:ext uri="{FF2B5EF4-FFF2-40B4-BE49-F238E27FC236}">
+                <a16:creationId xmlns:a16="http://schemas.microsoft.com/office/drawing/2014/main" id="{2A296324-A5AD-6032-922A-1D8532682117}"/>
+              </a:ext>
+            </a:extLst>
+          </p:cNvPr>
+          <p:cNvSpPr txBox="1">
+            <a:spLocks/>
+          </p:cNvSpPr>
+          <p:nvPr/>
+        </p:nvSpPr>
+        <p:spPr>
+          <a:xfrm>
+            <a:off x="139454" y="102379"/>
+            <a:ext cx="9004545" cy="464004"/>
+          </a:xfrm>
+          <a:prstGeom prst="rect">
+            <a:avLst/>
+          </a:prstGeom>
+        </p:spPr>
+        <p:txBody>
+          <a:bodyPr vert="horz" lIns="104306" tIns="52153" rIns="104306" bIns="52153" rtlCol="0">
+            <a:normAutofit/>
+          </a:bodyPr>
+          <a:lstStyle>
+            <a:lvl1pPr marL="0" indent="0" algn="ctr" defTabSz="1043056" rtl="0" eaLnBrk="1" latinLnBrk="0" hangingPunct="1">
+              <a:lnSpc>
+                <a:spcPct val="90000"/>
+              </a:lnSpc>
+              <a:spcBef>
+                <a:spcPts val="1141"/>
+              </a:spcBef>
+              <a:buFont typeface="Arial" panose="020B0604020202020204" pitchFamily="34" charset="0"/>
+              <a:buNone/>
+              <a:defRPr sz="2700" kern="1200">
+                <a:solidFill>
+                  <a:schemeClr val="tx1"/>
+                </a:solidFill>
+                <a:latin typeface="+mn-lt"/>
+                <a:ea typeface="+mn-ea"/>
+                <a:cs typeface="+mn-cs"/>
+              </a:defRPr>
+            </a:lvl1pPr>
+            <a:lvl2pPr marL="521528" indent="0" algn="ctr" defTabSz="1043056" rtl="0" eaLnBrk="1" latinLnBrk="0" hangingPunct="1">
+              <a:lnSpc>
+                <a:spcPct val="90000"/>
+              </a:lnSpc>
+              <a:spcBef>
+                <a:spcPts val="570"/>
+              </a:spcBef>
+              <a:buFont typeface="Arial" panose="020B0604020202020204" pitchFamily="34" charset="0"/>
+              <a:buNone/>
+              <a:defRPr sz="2300" kern="1200">
+                <a:solidFill>
+                  <a:schemeClr val="tx1"/>
+                </a:solidFill>
+                <a:latin typeface="+mn-lt"/>
+                <a:ea typeface="+mn-ea"/>
+                <a:cs typeface="+mn-cs"/>
+              </a:defRPr>
+            </a:lvl2pPr>
+            <a:lvl3pPr marL="1043056" indent="0" algn="ctr" defTabSz="1043056" rtl="0" eaLnBrk="1" latinLnBrk="0" hangingPunct="1">
+              <a:lnSpc>
+                <a:spcPct val="90000"/>
+              </a:lnSpc>
+              <a:spcBef>
+                <a:spcPts val="570"/>
+              </a:spcBef>
+              <a:buFont typeface="Arial" panose="020B0604020202020204" pitchFamily="34" charset="0"/>
+              <a:buNone/>
+              <a:defRPr sz="2100" kern="1200">
+                <a:solidFill>
+                  <a:schemeClr val="tx1"/>
+                </a:solidFill>
+                <a:latin typeface="+mn-lt"/>
+                <a:ea typeface="+mn-ea"/>
+                <a:cs typeface="+mn-cs"/>
+              </a:defRPr>
+            </a:lvl3pPr>
+            <a:lvl4pPr marL="1564584" indent="0" algn="ctr" defTabSz="1043056" rtl="0" eaLnBrk="1" latinLnBrk="0" hangingPunct="1">
+              <a:lnSpc>
+                <a:spcPct val="90000"/>
+              </a:lnSpc>
+              <a:spcBef>
+                <a:spcPts val="570"/>
+              </a:spcBef>
+              <a:buFont typeface="Arial" panose="020B0604020202020204" pitchFamily="34" charset="0"/>
+              <a:buNone/>
+              <a:defRPr sz="1800" kern="1200">
+                <a:solidFill>
+                  <a:schemeClr val="tx1"/>
+                </a:solidFill>
+                <a:latin typeface="+mn-lt"/>
+                <a:ea typeface="+mn-ea"/>
+                <a:cs typeface="+mn-cs"/>
+              </a:defRPr>
+            </a:lvl4pPr>
+            <a:lvl5pPr marL="2086112" indent="0" algn="ctr" defTabSz="1043056" rtl="0" eaLnBrk="1" latinLnBrk="0" hangingPunct="1">
+              <a:lnSpc>
+                <a:spcPct val="90000"/>
+              </a:lnSpc>
+              <a:spcBef>
+                <a:spcPts val="570"/>
+              </a:spcBef>
+              <a:buFont typeface="Arial" panose="020B0604020202020204" pitchFamily="34" charset="0"/>
+              <a:buNone/>
+              <a:defRPr sz="1800" kern="1200">
+                <a:solidFill>
+                  <a:schemeClr val="tx1"/>
+                </a:solidFill>
+                <a:latin typeface="+mn-lt"/>
+                <a:ea typeface="+mn-ea"/>
+                <a:cs typeface="+mn-cs"/>
+              </a:defRPr>
+            </a:lvl5pPr>
+            <a:lvl6pPr marL="2607640" indent="0" algn="ctr" defTabSz="1043056" rtl="0" eaLnBrk="1" latinLnBrk="0" hangingPunct="1">
+              <a:lnSpc>
+                <a:spcPct val="90000"/>
+              </a:lnSpc>
+              <a:spcBef>
+                <a:spcPts val="570"/>
+              </a:spcBef>
+              <a:buFont typeface="Arial" panose="020B0604020202020204" pitchFamily="34" charset="0"/>
+              <a:buNone/>
+              <a:defRPr sz="1800" kern="1200">
+                <a:solidFill>
+                  <a:schemeClr val="tx1"/>
+                </a:solidFill>
+                <a:latin typeface="+mn-lt"/>
+                <a:ea typeface="+mn-ea"/>
+                <a:cs typeface="+mn-cs"/>
+              </a:defRPr>
+            </a:lvl6pPr>
+            <a:lvl7pPr marL="3129168" indent="0" algn="ctr" defTabSz="1043056" rtl="0" eaLnBrk="1" latinLnBrk="0" hangingPunct="1">
+              <a:lnSpc>
+                <a:spcPct val="90000"/>
+              </a:lnSpc>
+              <a:spcBef>
+                <a:spcPts val="570"/>
+              </a:spcBef>
+              <a:buFont typeface="Arial" panose="020B0604020202020204" pitchFamily="34" charset="0"/>
+              <a:buNone/>
+              <a:defRPr sz="1800" kern="1200">
+                <a:solidFill>
+                  <a:schemeClr val="tx1"/>
+                </a:solidFill>
+                <a:latin typeface="+mn-lt"/>
+                <a:ea typeface="+mn-ea"/>
+                <a:cs typeface="+mn-cs"/>
+              </a:defRPr>
+            </a:lvl7pPr>
+            <a:lvl8pPr marL="3650696" indent="0" algn="ctr" defTabSz="1043056" rtl="0" eaLnBrk="1" latinLnBrk="0" hangingPunct="1">
+              <a:lnSpc>
+                <a:spcPct val="90000"/>
+              </a:lnSpc>
+              <a:spcBef>
+                <a:spcPts val="570"/>
+              </a:spcBef>
+              <a:buFont typeface="Arial" panose="020B0604020202020204" pitchFamily="34" charset="0"/>
+              <a:buNone/>
+              <a:defRPr sz="1800" kern="1200">
+                <a:solidFill>
+                  <a:schemeClr val="tx1"/>
+                </a:solidFill>
+                <a:latin typeface="+mn-lt"/>
+                <a:ea typeface="+mn-ea"/>
+                <a:cs typeface="+mn-cs"/>
+              </a:defRPr>
+            </a:lvl8pPr>
+            <a:lvl9pPr marL="4172224" indent="0" algn="ctr" defTabSz="1043056" rtl="0" eaLnBrk="1" latinLnBrk="0" hangingPunct="1">
+              <a:lnSpc>
+                <a:spcPct val="90000"/>
+              </a:lnSpc>
+              <a:spcBef>
+                <a:spcPts val="570"/>
+              </a:spcBef>
+              <a:buFont typeface="Arial" panose="020B0604020202020204" pitchFamily="34" charset="0"/>
+              <a:buNone/>
+              <a:defRPr sz="1800" kern="1200">
+                <a:solidFill>
+                  <a:schemeClr val="tx1"/>
+                </a:solidFill>
+                <a:latin typeface="+mn-lt"/>
+                <a:ea typeface="+mn-ea"/>
+                <a:cs typeface="+mn-cs"/>
+              </a:defRPr>
+            </a:lvl9pPr>
+          </a:lstStyle>
+          <a:p>
+            <a:pPr algn="l"/>
+            <a:r>
+              <a:rPr lang="ru-RU" sz="2400" b="1" dirty="0">
+                <a:latin typeface="Fira Sans Bold"/>
+              </a:rPr>
+              <a:t>Результаты численного моделирования в симуляторе</a:t>
+            </a:r>
+          </a:p>
+        </p:txBody>
+      </p:sp>
+      <p:pic>
+        <p:nvPicPr>
+          <p:cNvPr id="3" name="Рисунок 2">
+            <a:extLst>
+              <a:ext uri="{FF2B5EF4-FFF2-40B4-BE49-F238E27FC236}">
+                <a16:creationId xmlns:a16="http://schemas.microsoft.com/office/drawing/2014/main" id="{55FB8B95-7A9A-AA8B-36A8-6699E1F6B2D9}"/>
+              </a:ext>
+            </a:extLst>
+          </p:cNvPr>
+          <p:cNvPicPr>
+            <a:picLocks noChangeAspect="1"/>
+          </p:cNvPicPr>
+          <p:nvPr/>
+        </p:nvPicPr>
+        <p:blipFill>
+          <a:blip r:embed="rId3"/>
+          <a:stretch>
+            <a:fillRect/>
+          </a:stretch>
+        </p:blipFill>
+        <p:spPr>
+          <a:xfrm>
+            <a:off x="259428" y="863671"/>
+            <a:ext cx="3709038" cy="2437887"/>
+          </a:xfrm>
+          <a:prstGeom prst="rect">
+            <a:avLst/>
+          </a:prstGeom>
+        </p:spPr>
+      </p:pic>
+      <p:pic>
+        <p:nvPicPr>
+          <p:cNvPr id="5" name="Рисунок 4">
+            <a:extLst>
+              <a:ext uri="{FF2B5EF4-FFF2-40B4-BE49-F238E27FC236}">
+                <a16:creationId xmlns:a16="http://schemas.microsoft.com/office/drawing/2014/main" id="{CA385DFF-1EB1-5DD9-3867-CA04EAE6D26A}"/>
+              </a:ext>
+            </a:extLst>
+          </p:cNvPr>
+          <p:cNvPicPr>
+            <a:picLocks noChangeAspect="1"/>
+          </p:cNvPicPr>
+          <p:nvPr/>
+        </p:nvPicPr>
+        <p:blipFill>
+          <a:blip r:embed="rId4"/>
+          <a:stretch>
+            <a:fillRect/>
+          </a:stretch>
+        </p:blipFill>
+        <p:spPr>
+          <a:xfrm>
+            <a:off x="297567" y="3422100"/>
+            <a:ext cx="3670899" cy="2480216"/>
+          </a:xfrm>
+          <a:prstGeom prst="rect">
+            <a:avLst/>
+          </a:prstGeom>
+        </p:spPr>
+      </p:pic>
+      <p:pic>
+        <p:nvPicPr>
+          <p:cNvPr id="8" name="Рисунок 7">
+            <a:extLst>
+              <a:ext uri="{FF2B5EF4-FFF2-40B4-BE49-F238E27FC236}">
+                <a16:creationId xmlns:a16="http://schemas.microsoft.com/office/drawing/2014/main" id="{CDB86F5D-662B-B1FC-37D1-6C01F2856B45}"/>
+              </a:ext>
+            </a:extLst>
+          </p:cNvPr>
+          <p:cNvPicPr>
+            <a:picLocks noChangeAspect="1"/>
+          </p:cNvPicPr>
+          <p:nvPr/>
+        </p:nvPicPr>
+        <p:blipFill>
+          <a:blip r:embed="rId5"/>
+          <a:stretch>
+            <a:fillRect/>
+          </a:stretch>
+        </p:blipFill>
+        <p:spPr>
+          <a:xfrm>
+            <a:off x="4260429" y="863671"/>
+            <a:ext cx="3747799" cy="2437889"/>
+          </a:xfrm>
+          <a:prstGeom prst="rect">
+            <a:avLst/>
+          </a:prstGeom>
+        </p:spPr>
+      </p:pic>
+      <p:pic>
+        <p:nvPicPr>
+          <p:cNvPr id="10" name="Рисунок 9">
+            <a:extLst>
+              <a:ext uri="{FF2B5EF4-FFF2-40B4-BE49-F238E27FC236}">
+                <a16:creationId xmlns:a16="http://schemas.microsoft.com/office/drawing/2014/main" id="{3772E06E-8825-817A-B50D-D4D99170398C}"/>
+              </a:ext>
+            </a:extLst>
+          </p:cNvPr>
+          <p:cNvPicPr>
+            <a:picLocks noChangeAspect="1"/>
+          </p:cNvPicPr>
+          <p:nvPr/>
+        </p:nvPicPr>
+        <p:blipFill>
+          <a:blip r:embed="rId6"/>
+          <a:stretch>
+            <a:fillRect/>
+          </a:stretch>
+        </p:blipFill>
+        <p:spPr>
+          <a:xfrm>
+            <a:off x="4260429" y="3422100"/>
+            <a:ext cx="3747799" cy="2513712"/>
+          </a:xfrm>
+          <a:prstGeom prst="rect">
+            <a:avLst/>
+          </a:prstGeom>
+        </p:spPr>
+      </p:pic>
+      <p:pic>
+        <p:nvPicPr>
+          <p:cNvPr id="13" name="Рисунок 12">
+            <a:extLst>
+              <a:ext uri="{FF2B5EF4-FFF2-40B4-BE49-F238E27FC236}">
+                <a16:creationId xmlns:a16="http://schemas.microsoft.com/office/drawing/2014/main" id="{1C7090EC-16F7-B47A-730B-5142F273E3A9}"/>
+              </a:ext>
+            </a:extLst>
+          </p:cNvPr>
+          <p:cNvPicPr>
+            <a:picLocks noChangeAspect="1"/>
+          </p:cNvPicPr>
+          <p:nvPr/>
+        </p:nvPicPr>
+        <p:blipFill>
+          <a:blip r:embed="rId7"/>
+          <a:stretch>
+            <a:fillRect/>
+          </a:stretch>
+        </p:blipFill>
+        <p:spPr>
+          <a:xfrm>
+            <a:off x="8223536" y="867802"/>
+            <a:ext cx="3747798" cy="2437888"/>
+          </a:xfrm>
+          <a:prstGeom prst="rect">
+            <a:avLst/>
+          </a:prstGeom>
+        </p:spPr>
+      </p:pic>
+      <p:pic>
+        <p:nvPicPr>
+          <p:cNvPr id="14" name="Рисунок 13">
+            <a:extLst>
+              <a:ext uri="{FF2B5EF4-FFF2-40B4-BE49-F238E27FC236}">
+                <a16:creationId xmlns:a16="http://schemas.microsoft.com/office/drawing/2014/main" id="{0A4B81FC-AA11-146C-E8A0-605ED41F8D89}"/>
+              </a:ext>
+            </a:extLst>
+          </p:cNvPr>
+          <p:cNvPicPr>
+            <a:picLocks noChangeAspect="1"/>
+          </p:cNvPicPr>
+          <p:nvPr/>
+        </p:nvPicPr>
+        <p:blipFill>
+          <a:blip r:embed="rId8"/>
+          <a:stretch>
+            <a:fillRect/>
+          </a:stretch>
+        </p:blipFill>
+        <p:spPr>
+          <a:xfrm>
+            <a:off x="8167805" y="3429000"/>
+            <a:ext cx="3747798" cy="2510661"/>
+          </a:xfrm>
+          <a:prstGeom prst="rect">
+            <a:avLst/>
+          </a:prstGeom>
+        </p:spPr>
+      </p:pic>
+    </p:spTree>
+    <p:extLst>
+      <p:ext uri="{BB962C8B-B14F-4D97-AF65-F5344CB8AC3E}">
+        <p14:creationId xmlns:p14="http://schemas.microsoft.com/office/powerpoint/2010/main" val="643514034"/>
+      </p:ext>
+    </p:extLst>
+  </p:cSld>
+  <p:clrMapOvr>
+    <a:masterClrMapping/>
+  </p:clrMapOvr>
+</p:sld>
+</file>
+
+<file path=ppt/slides/slide13.xml><?xml version="1.0" encoding="utf-8"?>
+<p:sld xmlns:a="http://schemas.openxmlformats.org/drawingml/2006/main" xmlns:r="http://schemas.openxmlformats.org/officeDocument/2006/relationships" xmlns:p="http://schemas.openxmlformats.org/presentationml/2006/main">
+  <p:cSld>
+    <p:spTree>
+      <p:nvGrpSpPr>
+        <p:cNvPr id="1" name="">
+          <a:extLst>
+            <a:ext uri="{FF2B5EF4-FFF2-40B4-BE49-F238E27FC236}">
+              <a16:creationId xmlns:a16="http://schemas.microsoft.com/office/drawing/2014/main" id="{3AEBCBEB-57E3-76AB-F7ED-81119659C27B}"/>
+            </a:ext>
+          </a:extLst>
+        </p:cNvPr>
+        <p:cNvGrpSpPr/>
+        <p:nvPr/>
+      </p:nvGrpSpPr>
+      <p:grpSpPr>
+        <a:xfrm>
+          <a:off x="0" y="0"/>
+          <a:ext cx="0" cy="0"/>
+          <a:chOff x="0" y="0"/>
+          <a:chExt cx="0" cy="0"/>
+        </a:xfrm>
+      </p:grpSpPr>
+      <p:pic>
+        <p:nvPicPr>
+          <p:cNvPr id="4" name="Рисунок 3">
+            <a:extLst>
+              <a:ext uri="{FF2B5EF4-FFF2-40B4-BE49-F238E27FC236}">
+                <a16:creationId xmlns:a16="http://schemas.microsoft.com/office/drawing/2014/main" id="{D9F0B0AD-C355-C7EF-87E8-FA77C34C3249}"/>
+              </a:ext>
+            </a:extLst>
+          </p:cNvPr>
+          <p:cNvPicPr>
+            <a:picLocks noChangeAspect="1"/>
+          </p:cNvPicPr>
+          <p:nvPr/>
+        </p:nvPicPr>
+        <p:blipFill>
+          <a:blip r:embed="rId2"/>
+          <a:stretch>
+            <a:fillRect/>
+          </a:stretch>
+        </p:blipFill>
+        <p:spPr>
+          <a:xfrm>
+            <a:off x="5567222" y="6213254"/>
+            <a:ext cx="1057557" cy="467471"/>
+          </a:xfrm>
+          <a:prstGeom prst="rect">
+            <a:avLst/>
+          </a:prstGeom>
+        </p:spPr>
+      </p:pic>
+      <p:cxnSp>
+        <p:nvCxnSpPr>
+          <p:cNvPr id="7" name="Прямая соединительная линия 6">
+            <a:extLst>
+              <a:ext uri="{FF2B5EF4-FFF2-40B4-BE49-F238E27FC236}">
+                <a16:creationId xmlns:a16="http://schemas.microsoft.com/office/drawing/2014/main" id="{1342D912-8654-B548-E972-6ACE5636F856}"/>
+              </a:ext>
+            </a:extLst>
+          </p:cNvPr>
+          <p:cNvCxnSpPr/>
+          <p:nvPr/>
+        </p:nvCxnSpPr>
+        <p:spPr>
+          <a:xfrm>
+            <a:off x="0" y="617517"/>
+            <a:ext cx="12192000" cy="0"/>
+          </a:xfrm>
+          <a:prstGeom prst="line">
+            <a:avLst/>
+          </a:prstGeom>
+          <a:ln w="12700">
+            <a:solidFill>
+              <a:srgbClr val="00B0F0"/>
+            </a:solidFill>
+          </a:ln>
+        </p:spPr>
+        <p:style>
+          <a:lnRef idx="1">
+            <a:schemeClr val="accent1"/>
+          </a:lnRef>
+          <a:fillRef idx="0">
+            <a:schemeClr val="accent1"/>
+          </a:fillRef>
+          <a:effectRef idx="0">
+            <a:schemeClr val="accent1"/>
+          </a:effectRef>
+          <a:fontRef idx="minor">
+            <a:schemeClr val="tx1"/>
+          </a:fontRef>
+        </p:style>
+      </p:cxnSp>
+      <p:sp>
+        <p:nvSpPr>
+          <p:cNvPr id="2" name="Подзаголовок 2">
+            <a:extLst>
+              <a:ext uri="{FF2B5EF4-FFF2-40B4-BE49-F238E27FC236}">
+                <a16:creationId xmlns:a16="http://schemas.microsoft.com/office/drawing/2014/main" id="{A9FBE2AF-1D94-7BDD-ED5A-C306E2C4EE53}"/>
+              </a:ext>
+            </a:extLst>
+          </p:cNvPr>
+          <p:cNvSpPr txBox="1">
+            <a:spLocks/>
+          </p:cNvSpPr>
+          <p:nvPr/>
+        </p:nvSpPr>
+        <p:spPr>
+          <a:xfrm>
+            <a:off x="117722" y="34120"/>
+            <a:ext cx="6582408" cy="515138"/>
+          </a:xfrm>
+          <a:prstGeom prst="rect">
+            <a:avLst/>
+          </a:prstGeom>
+        </p:spPr>
+        <p:txBody>
+          <a:bodyPr vert="horz" lIns="104306" tIns="52153" rIns="104306" bIns="52153" rtlCol="0">
+            <a:normAutofit/>
+          </a:bodyPr>
+          <a:lstStyle>
+            <a:lvl1pPr marL="0" indent="0" algn="ctr" defTabSz="1043056" rtl="0" eaLnBrk="1" latinLnBrk="0" hangingPunct="1">
+              <a:lnSpc>
+                <a:spcPct val="90000"/>
+              </a:lnSpc>
+              <a:spcBef>
+                <a:spcPts val="1141"/>
+              </a:spcBef>
+              <a:buFont typeface="Arial" panose="020B0604020202020204" pitchFamily="34" charset="0"/>
+              <a:buNone/>
+              <a:defRPr sz="2700" kern="1200">
+                <a:solidFill>
+                  <a:schemeClr val="tx1"/>
+                </a:solidFill>
+                <a:latin typeface="+mn-lt"/>
+                <a:ea typeface="+mn-ea"/>
+                <a:cs typeface="+mn-cs"/>
+              </a:defRPr>
+            </a:lvl1pPr>
+            <a:lvl2pPr marL="521528" indent="0" algn="ctr" defTabSz="1043056" rtl="0" eaLnBrk="1" latinLnBrk="0" hangingPunct="1">
+              <a:lnSpc>
+                <a:spcPct val="90000"/>
+              </a:lnSpc>
+              <a:spcBef>
+                <a:spcPts val="570"/>
+              </a:spcBef>
+              <a:buFont typeface="Arial" panose="020B0604020202020204" pitchFamily="34" charset="0"/>
+              <a:buNone/>
+              <a:defRPr sz="2300" kern="1200">
+                <a:solidFill>
+                  <a:schemeClr val="tx1"/>
+                </a:solidFill>
+                <a:latin typeface="+mn-lt"/>
+                <a:ea typeface="+mn-ea"/>
+                <a:cs typeface="+mn-cs"/>
+              </a:defRPr>
+            </a:lvl2pPr>
+            <a:lvl3pPr marL="1043056" indent="0" algn="ctr" defTabSz="1043056" rtl="0" eaLnBrk="1" latinLnBrk="0" hangingPunct="1">
+              <a:lnSpc>
+                <a:spcPct val="90000"/>
+              </a:lnSpc>
+              <a:spcBef>
+                <a:spcPts val="570"/>
+              </a:spcBef>
+              <a:buFont typeface="Arial" panose="020B0604020202020204" pitchFamily="34" charset="0"/>
+              <a:buNone/>
+              <a:defRPr sz="2100" kern="1200">
+                <a:solidFill>
+                  <a:schemeClr val="tx1"/>
+                </a:solidFill>
+                <a:latin typeface="+mn-lt"/>
+                <a:ea typeface="+mn-ea"/>
+                <a:cs typeface="+mn-cs"/>
+              </a:defRPr>
+            </a:lvl3pPr>
+            <a:lvl4pPr marL="1564584" indent="0" algn="ctr" defTabSz="1043056" rtl="0" eaLnBrk="1" latinLnBrk="0" hangingPunct="1">
+              <a:lnSpc>
+                <a:spcPct val="90000"/>
+              </a:lnSpc>
+              <a:spcBef>
+                <a:spcPts val="570"/>
+              </a:spcBef>
+              <a:buFont typeface="Arial" panose="020B0604020202020204" pitchFamily="34" charset="0"/>
+              <a:buNone/>
+              <a:defRPr sz="1800" kern="1200">
+                <a:solidFill>
+                  <a:schemeClr val="tx1"/>
+                </a:solidFill>
+                <a:latin typeface="+mn-lt"/>
+                <a:ea typeface="+mn-ea"/>
+                <a:cs typeface="+mn-cs"/>
+              </a:defRPr>
+            </a:lvl4pPr>
+            <a:lvl5pPr marL="2086112" indent="0" algn="ctr" defTabSz="1043056" rtl="0" eaLnBrk="1" latinLnBrk="0" hangingPunct="1">
+              <a:lnSpc>
+                <a:spcPct val="90000"/>
+              </a:lnSpc>
+              <a:spcBef>
+                <a:spcPts val="570"/>
+              </a:spcBef>
+              <a:buFont typeface="Arial" panose="020B0604020202020204" pitchFamily="34" charset="0"/>
+              <a:buNone/>
+              <a:defRPr sz="1800" kern="1200">
+                <a:solidFill>
+                  <a:schemeClr val="tx1"/>
+                </a:solidFill>
+                <a:latin typeface="+mn-lt"/>
+                <a:ea typeface="+mn-ea"/>
+                <a:cs typeface="+mn-cs"/>
+              </a:defRPr>
+            </a:lvl5pPr>
+            <a:lvl6pPr marL="2607640" indent="0" algn="ctr" defTabSz="1043056" rtl="0" eaLnBrk="1" latinLnBrk="0" hangingPunct="1">
+              <a:lnSpc>
+                <a:spcPct val="90000"/>
+              </a:lnSpc>
+              <a:spcBef>
+                <a:spcPts val="570"/>
+              </a:spcBef>
+              <a:buFont typeface="Arial" panose="020B0604020202020204" pitchFamily="34" charset="0"/>
+              <a:buNone/>
+              <a:defRPr sz="1800" kern="1200">
+                <a:solidFill>
+                  <a:schemeClr val="tx1"/>
+                </a:solidFill>
+                <a:latin typeface="+mn-lt"/>
+                <a:ea typeface="+mn-ea"/>
+                <a:cs typeface="+mn-cs"/>
+              </a:defRPr>
+            </a:lvl6pPr>
+            <a:lvl7pPr marL="3129168" indent="0" algn="ctr" defTabSz="1043056" rtl="0" eaLnBrk="1" latinLnBrk="0" hangingPunct="1">
+              <a:lnSpc>
+                <a:spcPct val="90000"/>
+              </a:lnSpc>
+              <a:spcBef>
+                <a:spcPts val="570"/>
+              </a:spcBef>
+              <a:buFont typeface="Arial" panose="020B0604020202020204" pitchFamily="34" charset="0"/>
+              <a:buNone/>
+              <a:defRPr sz="1800" kern="1200">
+                <a:solidFill>
+                  <a:schemeClr val="tx1"/>
+                </a:solidFill>
+                <a:latin typeface="+mn-lt"/>
+                <a:ea typeface="+mn-ea"/>
+                <a:cs typeface="+mn-cs"/>
+              </a:defRPr>
+            </a:lvl7pPr>
+            <a:lvl8pPr marL="3650696" indent="0" algn="ctr" defTabSz="1043056" rtl="0" eaLnBrk="1" latinLnBrk="0" hangingPunct="1">
+              <a:lnSpc>
+                <a:spcPct val="90000"/>
+              </a:lnSpc>
+              <a:spcBef>
+                <a:spcPts val="570"/>
+              </a:spcBef>
+              <a:buFont typeface="Arial" panose="020B0604020202020204" pitchFamily="34" charset="0"/>
+              <a:buNone/>
+              <a:defRPr sz="1800" kern="1200">
+                <a:solidFill>
+                  <a:schemeClr val="tx1"/>
+                </a:solidFill>
+                <a:latin typeface="+mn-lt"/>
+                <a:ea typeface="+mn-ea"/>
+                <a:cs typeface="+mn-cs"/>
+              </a:defRPr>
+            </a:lvl8pPr>
+            <a:lvl9pPr marL="4172224" indent="0" algn="ctr" defTabSz="1043056" rtl="0" eaLnBrk="1" latinLnBrk="0" hangingPunct="1">
+              <a:lnSpc>
+                <a:spcPct val="90000"/>
+              </a:lnSpc>
+              <a:spcBef>
+                <a:spcPts val="570"/>
+              </a:spcBef>
+              <a:buFont typeface="Arial" panose="020B0604020202020204" pitchFamily="34" charset="0"/>
+              <a:buNone/>
+              <a:defRPr sz="1800" kern="1200">
+                <a:solidFill>
+                  <a:schemeClr val="tx1"/>
+                </a:solidFill>
+                <a:latin typeface="+mn-lt"/>
+                <a:ea typeface="+mn-ea"/>
+                <a:cs typeface="+mn-cs"/>
+              </a:defRPr>
+            </a:lvl9pPr>
+          </a:lstStyle>
+          <a:p>
+            <a:pPr algn="l"/>
+            <a:r>
+              <a:rPr lang="ru-RU" sz="2400" b="1" dirty="0">
+                <a:latin typeface="Fira Sans Bold"/>
+              </a:rPr>
+              <a:t>Блок-схема алгоритма (ИКР)</a:t>
+            </a:r>
+          </a:p>
+        </p:txBody>
+      </p:sp>
+      <p:pic>
+        <p:nvPicPr>
+          <p:cNvPr id="3" name="Рисунок 2">
+            <a:extLst>
+              <a:ext uri="{FF2B5EF4-FFF2-40B4-BE49-F238E27FC236}">
+                <a16:creationId xmlns:a16="http://schemas.microsoft.com/office/drawing/2014/main" id="{F7B70FF3-B4CC-4501-A762-F35821794934}"/>
+              </a:ext>
+            </a:extLst>
+          </p:cNvPr>
+          <p:cNvPicPr>
+            <a:picLocks noChangeAspect="1"/>
+          </p:cNvPicPr>
+          <p:nvPr/>
+        </p:nvPicPr>
+        <p:blipFill>
+          <a:blip r:embed="rId3">
+            <a:extLst>
+              <a:ext uri="{28A0092B-C50C-407E-A947-70E740481C1C}">
+                <a14:useLocalDpi xmlns:a14="http://schemas.microsoft.com/office/drawing/2010/main" val="0"/>
+              </a:ext>
+            </a:extLst>
+          </a:blip>
+          <a:stretch>
+            <a:fillRect/>
+          </a:stretch>
+        </p:blipFill>
+        <p:spPr>
+          <a:xfrm>
+            <a:off x="1227801" y="755734"/>
+            <a:ext cx="3818904" cy="5401124"/>
+          </a:xfrm>
+          <a:prstGeom prst="rect">
+            <a:avLst/>
+          </a:prstGeom>
+        </p:spPr>
+      </p:pic>
+      <p:sp>
+        <p:nvSpPr>
+          <p:cNvPr id="5" name="TextBox 4">
+            <a:extLst>
+              <a:ext uri="{FF2B5EF4-FFF2-40B4-BE49-F238E27FC236}">
+                <a16:creationId xmlns:a16="http://schemas.microsoft.com/office/drawing/2014/main" id="{E4D9EAEE-EA33-D908-743B-35DF25DCF3E1}"/>
+              </a:ext>
+            </a:extLst>
+          </p:cNvPr>
+          <p:cNvSpPr txBox="1"/>
+          <p:nvPr/>
+        </p:nvSpPr>
+        <p:spPr>
+          <a:xfrm>
+            <a:off x="6169367" y="1167667"/>
+            <a:ext cx="4330996" cy="4031873"/>
+          </a:xfrm>
+          <a:prstGeom prst="rect">
+            <a:avLst/>
+          </a:prstGeom>
+          <a:noFill/>
+        </p:spPr>
+        <p:txBody>
+          <a:bodyPr wrap="square" rtlCol="0">
+            <a:spAutoFit/>
+          </a:bodyPr>
+          <a:lstStyle/>
+          <a:p>
+            <a:r>
+              <a:rPr lang="ru-RU" sz="1600" b="1" dirty="0"/>
+              <a:t>Плюсы</a:t>
+            </a:r>
+            <a:r>
+              <a:rPr lang="en-US" sz="1600" b="1" dirty="0"/>
+              <a:t>:</a:t>
+            </a:r>
+            <a:endParaRPr lang="ru-RU" sz="1600" b="1" dirty="0"/>
+          </a:p>
+          <a:p>
+            <a:pPr marL="285750" indent="-285750">
+              <a:buFontTx/>
+              <a:buChar char="-"/>
+            </a:pPr>
+            <a:r>
+              <a:rPr lang="ru-RU" sz="1600" dirty="0"/>
+              <a:t>Падение продуктивности вследствие образования гидрата</a:t>
+            </a:r>
+          </a:p>
+          <a:p>
+            <a:pPr marL="285750" indent="-285750">
+              <a:buFontTx/>
+              <a:buChar char="-"/>
+            </a:pPr>
+            <a:r>
+              <a:rPr lang="ru-RU" sz="1600" dirty="0"/>
+              <a:t>Нет потребности реализовывать численную схему для тепломассопереноса</a:t>
+            </a:r>
+          </a:p>
+          <a:p>
+            <a:endParaRPr lang="ru-RU" sz="1600" b="1" dirty="0"/>
+          </a:p>
+          <a:p>
+            <a:r>
+              <a:rPr lang="ru-RU" sz="1600" b="1" dirty="0"/>
+              <a:t>Недостатки</a:t>
+            </a:r>
+            <a:r>
+              <a:rPr lang="en-US" sz="1600" b="1" dirty="0"/>
+              <a:t>:</a:t>
+            </a:r>
+          </a:p>
+          <a:p>
+            <a:pPr marL="342900" indent="-342900">
+              <a:buFontTx/>
+              <a:buChar char="-"/>
+            </a:pPr>
+            <a:r>
+              <a:rPr lang="ru-RU" sz="1600" dirty="0"/>
+              <a:t>Завершение расчетного шага без влияния выпадения гидрата</a:t>
+            </a:r>
+            <a:r>
+              <a:rPr lang="en-US" sz="1600" dirty="0"/>
+              <a:t>, </a:t>
+            </a:r>
+            <a:r>
+              <a:rPr lang="ru-RU" sz="1600" dirty="0"/>
+              <a:t>влияние на продуктивность на следующем шаге</a:t>
+            </a:r>
+          </a:p>
+          <a:p>
+            <a:pPr marL="342900" indent="-342900">
+              <a:buFontTx/>
+              <a:buChar char="-"/>
+            </a:pPr>
+            <a:r>
+              <a:rPr lang="ru-RU" sz="1600" dirty="0"/>
+              <a:t>Создание промежуточных моделей</a:t>
+            </a:r>
+          </a:p>
+          <a:p>
+            <a:pPr marL="342900" indent="-342900">
+              <a:buFontTx/>
+              <a:buChar char="-"/>
+            </a:pPr>
+            <a:r>
+              <a:rPr lang="ru-RU" sz="1600" dirty="0"/>
+              <a:t>Влияние порядка обхода блоков (перенос не </a:t>
+            </a:r>
+            <a:r>
+              <a:rPr lang="ru-RU" sz="1600" dirty="0" err="1"/>
+              <a:t>кольматировавшегося</a:t>
+            </a:r>
+            <a:r>
+              <a:rPr lang="ru-RU" sz="1600" dirty="0"/>
+              <a:t> гидрата в соседние блоки)</a:t>
+            </a:r>
+          </a:p>
+          <a:p>
+            <a:pPr marL="342900" indent="-342900">
+              <a:buFontTx/>
+              <a:buChar char="-"/>
+            </a:pPr>
+            <a:r>
+              <a:rPr lang="ru-RU" sz="1600" dirty="0"/>
+              <a:t>Нет учета падения минерализации связанной воды</a:t>
+            </a:r>
+          </a:p>
+        </p:txBody>
+      </p:sp>
+    </p:spTree>
+    <p:extLst>
+      <p:ext uri="{BB962C8B-B14F-4D97-AF65-F5344CB8AC3E}">
+        <p14:creationId xmlns:p14="http://schemas.microsoft.com/office/powerpoint/2010/main" val="2327865510"/>
+      </p:ext>
+    </p:extLst>
+  </p:cSld>
+  <p:clrMapOvr>
+    <a:masterClrMapping/>
+  </p:clrMapOvr>
+</p:sld>
+</file>
+
+<file path=ppt/slides/slide14.xml><?xml version="1.0" encoding="utf-8"?>
+<p:sld xmlns:a="http://schemas.openxmlformats.org/drawingml/2006/main" xmlns:r="http://schemas.openxmlformats.org/officeDocument/2006/relationships" xmlns:p="http://schemas.openxmlformats.org/presentationml/2006/main">
+  <p:cSld>
+    <p:spTree>
+      <p:nvGrpSpPr>
+        <p:cNvPr id="1" name=""/>
+        <p:cNvGrpSpPr/>
+        <p:nvPr/>
+      </p:nvGrpSpPr>
+      <p:grpSpPr>
+        <a:xfrm>
+          <a:off x="0" y="0"/>
+          <a:ext cx="0" cy="0"/>
+          <a:chOff x="0" y="0"/>
+          <a:chExt cx="0" cy="0"/>
+        </a:xfrm>
+      </p:grpSpPr>
+      <p:sp>
+        <p:nvSpPr>
+          <p:cNvPr id="2" name="Заголовок 1">
+            <a:extLst>
+              <a:ext uri="{FF2B5EF4-FFF2-40B4-BE49-F238E27FC236}">
+                <a16:creationId xmlns:a16="http://schemas.microsoft.com/office/drawing/2014/main" id="{179772FC-040C-6C99-50E6-42F78CA735CA}"/>
+              </a:ext>
+            </a:extLst>
+          </p:cNvPr>
+          <p:cNvSpPr>
+            <a:spLocks noGrp="1"/>
+          </p:cNvSpPr>
+          <p:nvPr>
+            <p:ph type="ctrTitle"/>
+          </p:nvPr>
+        </p:nvSpPr>
+        <p:spPr/>
+        <p:txBody>
+          <a:bodyPr/>
+          <a:lstStyle/>
+          <a:p>
+            <a:endParaRPr lang="ru-RU"/>
+          </a:p>
+        </p:txBody>
+      </p:sp>
+      <p:sp>
+        <p:nvSpPr>
+          <p:cNvPr id="3" name="Подзаголовок 2">
+            <a:extLst>
+              <a:ext uri="{FF2B5EF4-FFF2-40B4-BE49-F238E27FC236}">
+                <a16:creationId xmlns:a16="http://schemas.microsoft.com/office/drawing/2014/main" id="{2004B410-5F19-D2DF-C317-5EEE6B2348BB}"/>
+              </a:ext>
+            </a:extLst>
+          </p:cNvPr>
+          <p:cNvSpPr>
+            <a:spLocks noGrp="1"/>
+          </p:cNvSpPr>
+          <p:nvPr>
+            <p:ph type="subTitle" idx="1"/>
+          </p:nvPr>
+        </p:nvSpPr>
+        <p:spPr/>
+        <p:txBody>
+          <a:bodyPr/>
+          <a:lstStyle/>
+          <a:p>
+            <a:endParaRPr lang="ru-RU"/>
+          </a:p>
+        </p:txBody>
+      </p:sp>
+    </p:spTree>
+  </p:cSld>
+  <p:clrMapOvr>
+    <a:masterClrMapping/>
+  </p:clrMapOvr>
+</p:sld>
+</file>
+
+<file path=ppt/slides/slide15.xml><?xml version="1.0" encoding="utf-8"?>
 <p:sld xmlns:a="http://schemas.openxmlformats.org/drawingml/2006/main" xmlns:r="http://schemas.openxmlformats.org/officeDocument/2006/relationships" xmlns:p="http://schemas.openxmlformats.org/presentationml/2006/main">
   <p:cSld>
     <p:spTree>
@@ -3854,7 +6003,7 @@
             <p:spPr>
               <a:xfrm>
                 <a:off x="2716056" y="1580797"/>
-                <a:ext cx="5346550" cy="461665"/>
+                <a:ext cx="5346550" cy="497893"/>
               </a:xfrm>
               <a:prstGeom prst="rect">
                 <a:avLst/>
@@ -3884,18 +6033,15 @@
                         </m:sSubPr>
                         <m:e>
                           <m:r>
-                            <m:rPr>
-                              <m:sty m:val="p"/>
-                            </m:rPr>
-                            <a:rPr lang="ru-RU">
+                            <a:rPr lang="ru-RU" b="0" i="1">
                               <a:latin typeface="Cambria Math" panose="02040503050406030204" pitchFamily="18" charset="0"/>
                             </a:rPr>
-                            <m:t>Γ</m:t>
+                            <m:t>𝛤</m:t>
                           </m:r>
                         </m:e>
                         <m:sub>
                           <m:r>
-                            <a:rPr lang="en-US" sz="2400" i="1">
+                            <a:rPr lang="en-US" sz="2400" b="0" i="1">
                               <a:latin typeface="Cambria Math" panose="02040503050406030204" pitchFamily="18" charset="0"/>
                               <a:ea typeface="Times New Roman" panose="02020603050405020304" pitchFamily="18" charset="0"/>
                               <a:cs typeface="Symbol" panose="05050102010706020507" pitchFamily="18" charset="2"/>
@@ -3905,7 +6051,7 @@
                         </m:sub>
                       </m:sSub>
                       <m:r>
-                        <a:rPr lang="ru-RU" i="0">
+                        <a:rPr lang="ru-RU" b="0" i="0">
                           <a:latin typeface="Cambria Math" panose="02040503050406030204" pitchFamily="18" charset="0"/>
                         </a:rPr>
                         <m:t>=</m:t>
@@ -3920,7 +6066,7 @@
                         </m:sSubPr>
                         <m:e>
                           <m:r>
-                            <a:rPr lang="ru-RU" i="1">
+                            <a:rPr lang="ru-RU" b="0" i="1">
                               <a:latin typeface="Cambria Math" panose="02040503050406030204" pitchFamily="18" charset="0"/>
                             </a:rPr>
                             <m:t>𝜈</m:t>
@@ -3928,7 +6074,7 @@
                         </m:e>
                         <m:sub>
                           <m:r>
-                            <a:rPr lang="en-US" sz="2400" i="1">
+                            <a:rPr lang="en-US" sz="2400" b="0" i="1">
                               <a:latin typeface="Cambria Math" panose="02040503050406030204" pitchFamily="18" charset="0"/>
                               <a:ea typeface="Times New Roman" panose="02020603050405020304" pitchFamily="18" charset="0"/>
                               <a:cs typeface="Symbol" panose="05050102010706020507" pitchFamily="18" charset="2"/>
@@ -3949,7 +6095,7 @@
                         </m:sSubPr>
                         <m:e>
                           <m:r>
-                            <a:rPr lang="en-US" sz="2400" i="1">
+                            <a:rPr lang="en-US" sz="2400" b="0" i="1">
                               <a:latin typeface="Cambria Math" panose="02040503050406030204" pitchFamily="18" charset="0"/>
                               <a:ea typeface="Times New Roman" panose="02020603050405020304" pitchFamily="18" charset="0"/>
                               <a:cs typeface="Times New Roman" panose="02020603050405020304" pitchFamily="18" charset="0"/>
@@ -3959,7 +6105,7 @@
                         </m:e>
                         <m:sub>
                           <m:r>
-                            <a:rPr lang="ru-RU" sz="2400" i="1">
+                            <a:rPr lang="ru-RU" sz="2400" b="0" i="1">
                               <a:latin typeface="Cambria Math" panose="02040503050406030204" pitchFamily="18" charset="0"/>
                               <a:ea typeface="Times New Roman" panose="02020603050405020304" pitchFamily="18" charset="0"/>
                               <a:cs typeface="Times New Roman" panose="02020603050405020304" pitchFamily="18" charset="0"/>
@@ -3980,7 +6126,7 @@
                         </m:dPr>
                         <m:e>
                           <m:r>
-                            <a:rPr lang="en-US" sz="2400" i="1">
+                            <a:rPr lang="en-US" sz="2400" b="0" i="1">
                               <a:latin typeface="Cambria Math" panose="02040503050406030204" pitchFamily="18" charset="0"/>
                               <a:ea typeface="Times New Roman" panose="02020603050405020304" pitchFamily="18" charset="0"/>
                               <a:cs typeface="Times New Roman" panose="02020603050405020304" pitchFamily="18" charset="0"/>
@@ -3988,7 +6134,7 @@
                             <m:t>𝑡</m:t>
                           </m:r>
                           <m:r>
-                            <a:rPr lang="ru-RU" sz="2400">
+                            <a:rPr lang="ru-RU" sz="2400" b="0">
                               <a:latin typeface="Cambria Math" panose="02040503050406030204" pitchFamily="18" charset="0"/>
                               <a:ea typeface="Times New Roman" panose="02020603050405020304" pitchFamily="18" charset="0"/>
                               <a:cs typeface="Times New Roman" panose="02020603050405020304" pitchFamily="18" charset="0"/>
@@ -3996,15 +6142,15 @@
                             <m:t>,</m:t>
                           </m:r>
                           <m:r>
-                            <a:rPr lang="en-US" sz="2400" b="1" i="1">
+                            <a:rPr lang="en-US" sz="2400" b="0" i="1">
                               <a:latin typeface="Cambria Math" panose="02040503050406030204" pitchFamily="18" charset="0"/>
                               <a:ea typeface="Times New Roman" panose="02020603050405020304" pitchFamily="18" charset="0"/>
                               <a:cs typeface="Times New Roman" panose="02020603050405020304" pitchFamily="18" charset="0"/>
                             </a:rPr>
-                            <m:t>𝐱</m:t>
+                            <m:t>𝑥</m:t>
                           </m:r>
                           <m:r>
-                            <a:rPr lang="en-US" sz="2400" b="1" i="1">
+                            <a:rPr lang="en-US" sz="2400" b="0" i="1">
                               <a:latin typeface="Cambria Math" panose="02040503050406030204" pitchFamily="18" charset="0"/>
                               <a:ea typeface="Times New Roman" panose="02020603050405020304" pitchFamily="18" charset="0"/>
                               <a:cs typeface="Times New Roman" panose="02020603050405020304" pitchFamily="18" charset="0"/>
@@ -4012,15 +6158,15 @@
                             <m:t>, </m:t>
                           </m:r>
                           <m:r>
-                            <a:rPr lang="en-US" sz="2400" b="1" i="1">
+                            <a:rPr lang="en-US" sz="2400" b="0" i="1">
                               <a:latin typeface="Cambria Math" panose="02040503050406030204" pitchFamily="18" charset="0"/>
                               <a:ea typeface="Times New Roman" panose="02020603050405020304" pitchFamily="18" charset="0"/>
                               <a:cs typeface="Times New Roman" panose="02020603050405020304" pitchFamily="18" charset="0"/>
                             </a:rPr>
-                            <m:t>𝒚</m:t>
+                            <m:t>𝑦</m:t>
                           </m:r>
                           <m:r>
-                            <a:rPr lang="en-US" sz="2400" b="1" i="1">
+                            <a:rPr lang="en-US" sz="2400" b="0" i="1">
                               <a:latin typeface="Cambria Math" panose="02040503050406030204" pitchFamily="18" charset="0"/>
                               <a:ea typeface="Times New Roman" panose="02020603050405020304" pitchFamily="18" charset="0"/>
                               <a:cs typeface="Times New Roman" panose="02020603050405020304" pitchFamily="18" charset="0"/>
@@ -4028,15 +6174,15 @@
                             <m:t>, </m:t>
                           </m:r>
                           <m:r>
-                            <a:rPr lang="en-US" sz="2400" b="1" i="1" smtClean="0">
+                            <a:rPr lang="en-US" sz="2400" b="0" i="1" smtClean="0">
                               <a:latin typeface="Cambria Math" panose="02040503050406030204" pitchFamily="18" charset="0"/>
                               <a:ea typeface="Times New Roman" panose="02020603050405020304" pitchFamily="18" charset="0"/>
                               <a:cs typeface="Times New Roman" panose="02020603050405020304" pitchFamily="18" charset="0"/>
                             </a:rPr>
-                            <m:t>𝒛</m:t>
+                            <m:t>𝑧</m:t>
                           </m:r>
                           <m:r>
-                            <a:rPr lang="en-US" sz="2400" b="1" i="1" smtClean="0">
+                            <a:rPr lang="en-US" sz="2400" b="0" i="1" smtClean="0">
                               <a:latin typeface="Cambria Math" panose="02040503050406030204" pitchFamily="18" charset="0"/>
                               <a:ea typeface="Times New Roman" panose="02020603050405020304" pitchFamily="18" charset="0"/>
                               <a:cs typeface="Times New Roman" panose="02020603050405020304" pitchFamily="18" charset="0"/>
@@ -4044,12 +6190,12 @@
                             <m:t>, </m:t>
                           </m:r>
                           <m:r>
-                            <a:rPr lang="en-US" sz="2400" b="1" i="1" smtClean="0">
+                            <a:rPr lang="en-US" sz="2400" b="0" i="1" smtClean="0">
                               <a:latin typeface="Cambria Math" panose="02040503050406030204" pitchFamily="18" charset="0"/>
                               <a:ea typeface="Times New Roman" panose="02020603050405020304" pitchFamily="18" charset="0"/>
                               <a:cs typeface="Times New Roman" panose="02020603050405020304" pitchFamily="18" charset="0"/>
                             </a:rPr>
-                            <m:t>𝑻</m:t>
+                            <m:t>𝑇</m:t>
                           </m:r>
                         </m:e>
                       </m:d>
@@ -4079,7 +6225,7 @@
             <p:spPr>
               <a:xfrm>
                 <a:off x="2716056" y="1580797"/>
-                <a:ext cx="5346550" cy="461665"/>
+                <a:ext cx="5346550" cy="497893"/>
               </a:xfrm>
               <a:prstGeom prst="rect">
                 <a:avLst/>
@@ -4087,7 +6233,7 @@
               <a:blipFill>
                 <a:blip r:embed="rId4"/>
                 <a:stretch>
-                  <a:fillRect b="-10526"/>
+                  <a:fillRect b="-2439"/>
                 </a:stretch>
               </a:blipFill>
             </p:spPr>
@@ -5204,7 +7350,7 @@
             <p:spPr>
               <a:xfrm>
                 <a:off x="807555" y="5408562"/>
-                <a:ext cx="8471647" cy="851002"/>
+                <a:ext cx="8471647" cy="604781"/>
               </a:xfrm>
               <a:prstGeom prst="rect">
                 <a:avLst/>
@@ -5514,7 +7660,7 @@
                     <a:ea typeface="Times New Roman" panose="02020603050405020304" pitchFamily="18" charset="0"/>
                     <a:cs typeface="Times New Roman" panose="02020603050405020304" pitchFamily="18" charset="0"/>
                   </a:rPr>
-                  <a:t>- скорость образования гидрата (масса на единицу объёма и времени), </a:t>
+                  <a:t>- скорость образования гидрата, </a:t>
                 </a:r>
                 <a14:m>
                   <m:oMath xmlns:m="http://schemas.openxmlformats.org/officeDocument/2006/math">
@@ -5680,7 +7826,7 @@
             <p:spPr>
               <a:xfrm>
                 <a:off x="807555" y="5408562"/>
-                <a:ext cx="8471647" cy="851002"/>
+                <a:ext cx="8471647" cy="604781"/>
               </a:xfrm>
               <a:prstGeom prst="rect">
                 <a:avLst/>
@@ -5688,7 +7834,7 @@
               <a:blipFill>
                 <a:blip r:embed="rId9"/>
                 <a:stretch>
-                  <a:fillRect l="-360" t="-2143" b="-7857"/>
+                  <a:fillRect l="-360" t="-3030" b="-10101"/>
                 </a:stretch>
               </a:blipFill>
             </p:spPr>
@@ -5720,18 +7866,12 @@
 </p:sld>
 </file>
 
-<file path=ppt/slides/slide11.xml><?xml version="1.0" encoding="utf-8"?>
+<file path=ppt/slides/slide16.xml><?xml version="1.0" encoding="utf-8"?>
 <p:sld xmlns:a="http://schemas.openxmlformats.org/drawingml/2006/main" xmlns:r="http://schemas.openxmlformats.org/officeDocument/2006/relationships" xmlns:p="http://schemas.openxmlformats.org/presentationml/2006/main">
   <p:cSld>
     <p:spTree>
       <p:nvGrpSpPr>
-        <p:cNvPr id="1" name="">
-          <a:extLst>
-            <a:ext uri="{FF2B5EF4-FFF2-40B4-BE49-F238E27FC236}">
-              <a16:creationId xmlns:a16="http://schemas.microsoft.com/office/drawing/2014/main" id="{DEE21A4E-AF9D-BB9C-D3C1-C415482C19D9}"/>
-            </a:ext>
-          </a:extLst>
-        </p:cNvPr>
+        <p:cNvPr id="1" name=""/>
         <p:cNvGrpSpPr/>
         <p:nvPr/>
       </p:nvGrpSpPr>
@@ -5743,1951 +7883,57 @@
           <a:chExt cx="0" cy="0"/>
         </a:xfrm>
       </p:grpSpPr>
-      <p:pic>
-        <p:nvPicPr>
-          <p:cNvPr id="4" name="Рисунок 3">
+      <p:sp>
+        <p:nvSpPr>
+          <p:cNvPr id="2" name="Заголовок 1">
             <a:extLst>
               <a:ext uri="{FF2B5EF4-FFF2-40B4-BE49-F238E27FC236}">
-                <a16:creationId xmlns:a16="http://schemas.microsoft.com/office/drawing/2014/main" id="{D4C337CD-413E-635F-E4BD-A005FB4AE394}"/>
+                <a16:creationId xmlns:a16="http://schemas.microsoft.com/office/drawing/2014/main" id="{8A3167B2-90E3-582A-53D1-3A759DE7F0E4}"/>
               </a:ext>
             </a:extLst>
           </p:cNvPr>
-          <p:cNvPicPr>
-            <a:picLocks noChangeAspect="1"/>
-          </p:cNvPicPr>
-          <p:nvPr/>
-        </p:nvPicPr>
-        <p:blipFill>
-          <a:blip r:embed="rId2"/>
-          <a:stretch>
-            <a:fillRect/>
-          </a:stretch>
-        </p:blipFill>
-        <p:spPr>
-          <a:xfrm>
-            <a:off x="5567222" y="6213254"/>
-            <a:ext cx="1057557" cy="467471"/>
-          </a:xfrm>
-          <a:prstGeom prst="rect">
-            <a:avLst/>
-          </a:prstGeom>
-        </p:spPr>
-      </p:pic>
-      <p:cxnSp>
-        <p:nvCxnSpPr>
-          <p:cNvPr id="7" name="Прямая соединительная линия 6">
+          <p:cNvSpPr>
+            <a:spLocks noGrp="1"/>
+          </p:cNvSpPr>
+          <p:nvPr>
+            <p:ph type="ctrTitle"/>
+          </p:nvPr>
+        </p:nvSpPr>
+        <p:spPr/>
+        <p:txBody>
+          <a:bodyPr/>
+          <a:lstStyle/>
+          <a:p>
+            <a:endParaRPr lang="ru-RU"/>
+          </a:p>
+        </p:txBody>
+      </p:sp>
+      <p:sp>
+        <p:nvSpPr>
+          <p:cNvPr id="3" name="Подзаголовок 2">
             <a:extLst>
               <a:ext uri="{FF2B5EF4-FFF2-40B4-BE49-F238E27FC236}">
-                <a16:creationId xmlns:a16="http://schemas.microsoft.com/office/drawing/2014/main" id="{95507178-8032-1FEF-026F-368C9F30DFF7}"/>
+                <a16:creationId xmlns:a16="http://schemas.microsoft.com/office/drawing/2014/main" id="{449A6609-5011-D6E8-075D-6FDF71295D35}"/>
               </a:ext>
             </a:extLst>
           </p:cNvPr>
-          <p:cNvCxnSpPr/>
-          <p:nvPr/>
-        </p:nvCxnSpPr>
-        <p:spPr>
-          <a:xfrm>
-            <a:off x="0" y="617517"/>
-            <a:ext cx="12192000" cy="0"/>
-          </a:xfrm>
-          <a:prstGeom prst="line">
-            <a:avLst/>
-          </a:prstGeom>
-          <a:ln w="12700">
-            <a:solidFill>
-              <a:srgbClr val="00B0F0"/>
-            </a:solidFill>
-          </a:ln>
-        </p:spPr>
-        <p:style>
-          <a:lnRef idx="1">
-            <a:schemeClr val="accent1"/>
-          </a:lnRef>
-          <a:fillRef idx="0">
-            <a:schemeClr val="accent1"/>
-          </a:fillRef>
-          <a:effectRef idx="0">
-            <a:schemeClr val="accent1"/>
-          </a:effectRef>
-          <a:fontRef idx="minor">
-            <a:schemeClr val="tx1"/>
-          </a:fontRef>
-        </p:style>
-      </p:cxnSp>
-      <mc:AlternateContent xmlns:mc="http://schemas.openxmlformats.org/markup-compatibility/2006" xmlns:a14="http://schemas.microsoft.com/office/drawing/2010/main">
-        <mc:Choice Requires="a14">
-          <p:sp>
-            <p:nvSpPr>
-              <p:cNvPr id="2" name="TextBox 1">
-                <a:extLst>
-                  <a:ext uri="{FF2B5EF4-FFF2-40B4-BE49-F238E27FC236}">
-                    <a16:creationId xmlns:a16="http://schemas.microsoft.com/office/drawing/2014/main" id="{A44844A6-C6D1-A1BC-992A-1C9249B9D031}"/>
-                  </a:ext>
-                </a:extLst>
-              </p:cNvPr>
-              <p:cNvSpPr txBox="1"/>
-              <p:nvPr/>
-            </p:nvSpPr>
-            <p:spPr>
-              <a:xfrm>
-                <a:off x="579851" y="866281"/>
-                <a:ext cx="9974741" cy="830997"/>
-              </a:xfrm>
-              <a:prstGeom prst="rect">
-                <a:avLst/>
-              </a:prstGeom>
-              <a:noFill/>
-            </p:spPr>
-            <p:txBody>
-              <a:bodyPr wrap="square">
-                <a:spAutoFit/>
-              </a:bodyPr>
-              <a:lstStyle/>
-              <a:p>
-                <a:r>
-                  <a:rPr lang="ru-RU" sz="1600" dirty="0">
-                    <a:effectLst/>
-                    <a:ea typeface="Times New Roman" panose="02020603050405020304" pitchFamily="18" charset="0"/>
-                    <a:cs typeface="Times New Roman" panose="02020603050405020304" pitchFamily="18" charset="0"/>
-                  </a:rPr>
-                  <a:t>Если предположить, что плотность гидрата </a:t>
-                </a:r>
-                <a14:m>
-                  <m:oMath xmlns:m="http://schemas.openxmlformats.org/officeDocument/2006/math">
-                    <m:sSub>
-                      <m:sSubPr>
-                        <m:ctrlPr>
-                          <a:rPr lang="ru-RU" sz="1600" i="1">
-                            <a:effectLst/>
-                            <a:latin typeface="Cambria Math" panose="02040503050406030204" pitchFamily="18" charset="0"/>
-                          </a:rPr>
-                        </m:ctrlPr>
-                      </m:sSubPr>
-                      <m:e>
-                        <m:r>
-                          <a:rPr lang="en-US" sz="1600" i="1">
-                            <a:effectLst/>
-                            <a:latin typeface="Cambria Math" panose="02040503050406030204" pitchFamily="18" charset="0"/>
-                            <a:ea typeface="Times New Roman" panose="02020603050405020304" pitchFamily="18" charset="0"/>
-                            <a:cs typeface="Times New Roman" panose="02020603050405020304" pitchFamily="18" charset="0"/>
-                          </a:rPr>
-                          <m:t>𝜌</m:t>
-                        </m:r>
-                      </m:e>
-                      <m:sub>
-                        <m:r>
-                          <a:rPr lang="ru-RU" sz="1600" i="1">
-                            <a:effectLst/>
-                            <a:latin typeface="Cambria Math" panose="02040503050406030204" pitchFamily="18" charset="0"/>
-                            <a:ea typeface="Times New Roman" panose="02020603050405020304" pitchFamily="18" charset="0"/>
-                            <a:cs typeface="Times New Roman" panose="02020603050405020304" pitchFamily="18" charset="0"/>
-                          </a:rPr>
-                          <m:t>h</m:t>
-                        </m:r>
-                      </m:sub>
-                    </m:sSub>
-                  </m:oMath>
-                </a14:m>
-                <a:r>
-                  <a:rPr lang="ru-RU" sz="1600" dirty="0">
-                    <a:effectLst/>
-                    <a:ea typeface="Times New Roman" panose="02020603050405020304" pitchFamily="18" charset="0"/>
-                    <a:cs typeface="Times New Roman" panose="02020603050405020304" pitchFamily="18" charset="0"/>
-                  </a:rPr>
-                  <a:t> и пористость </a:t>
-                </a:r>
-                <a14:m>
-                  <m:oMath xmlns:m="http://schemas.openxmlformats.org/officeDocument/2006/math">
-                    <m:r>
-                      <a:rPr lang="en-US" sz="1600" i="1">
-                        <a:effectLst/>
-                        <a:latin typeface="Cambria Math" panose="02040503050406030204" pitchFamily="18" charset="0"/>
-                        <a:ea typeface="Times New Roman" panose="02020603050405020304" pitchFamily="18" charset="0"/>
-                        <a:cs typeface="Times New Roman" panose="02020603050405020304" pitchFamily="18" charset="0"/>
-                      </a:rPr>
-                      <m:t>𝜙</m:t>
-                    </m:r>
-                  </m:oMath>
-                </a14:m>
-                <a:r>
-                  <a:rPr lang="ru-RU" sz="1600" dirty="0">
-                    <a:effectLst/>
-                    <a:ea typeface="Times New Roman" panose="02020603050405020304" pitchFamily="18" charset="0"/>
-                    <a:cs typeface="Times New Roman" panose="02020603050405020304" pitchFamily="18" charset="0"/>
-                  </a:rPr>
-                  <a:t> не зависят от времени</a:t>
-                </a:r>
-                <a:r>
-                  <a:rPr lang="en-US" sz="1600" dirty="0">
-                    <a:effectLst/>
-                    <a:ea typeface="Times New Roman" panose="02020603050405020304" pitchFamily="18" charset="0"/>
-                    <a:cs typeface="Times New Roman" panose="02020603050405020304" pitchFamily="18" charset="0"/>
-                  </a:rPr>
-                  <a:t>,</a:t>
-                </a:r>
-                <a:r>
-                  <a:rPr lang="ru-RU" sz="1600" dirty="0">
-                    <a:effectLst/>
-                    <a:ea typeface="Times New Roman" panose="02020603050405020304" pitchFamily="18" charset="0"/>
-                    <a:cs typeface="Times New Roman" panose="02020603050405020304" pitchFamily="18" charset="0"/>
-                  </a:rPr>
-                  <a:t> </a:t>
-                </a:r>
-                <a:r>
-                  <a:rPr lang="ru-RU" sz="1600" dirty="0">
-                    <a:ea typeface="Times New Roman" panose="02020603050405020304" pitchFamily="18" charset="0"/>
-                    <a:cs typeface="Times New Roman" panose="02020603050405020304" pitchFamily="18" charset="0"/>
-                  </a:rPr>
-                  <a:t>монотонно</a:t>
-                </a:r>
-                <a:r>
-                  <a:rPr lang="en-US" sz="1600" dirty="0">
-                    <a:ea typeface="Times New Roman" panose="02020603050405020304" pitchFamily="18" charset="0"/>
-                    <a:cs typeface="Times New Roman" panose="02020603050405020304" pitchFamily="18" charset="0"/>
-                  </a:rPr>
-                  <a:t> </a:t>
-                </a:r>
-                <a:r>
-                  <a:rPr lang="ru-RU" sz="1600" dirty="0">
-                    <a:ea typeface="Times New Roman" panose="02020603050405020304" pitchFamily="18" charset="0"/>
-                    <a:cs typeface="Times New Roman" panose="02020603050405020304" pitchFamily="18" charset="0"/>
-                  </a:rPr>
-                  <a:t>между некоторыми равновесными </a:t>
-                </a:r>
-                <a:r>
-                  <a:rPr lang="ru-RU" sz="1600" dirty="0" err="1">
-                    <a:ea typeface="Times New Roman" panose="02020603050405020304" pitchFamily="18" charset="0"/>
-                    <a:cs typeface="Times New Roman" panose="02020603050405020304" pitchFamily="18" charset="0"/>
-                  </a:rPr>
-                  <a:t>состояними</a:t>
-                </a:r>
-                <a:r>
-                  <a:rPr lang="en-US" sz="1600" dirty="0">
-                    <a:ea typeface="Times New Roman" panose="02020603050405020304" pitchFamily="18" charset="0"/>
-                    <a:cs typeface="Times New Roman" panose="02020603050405020304" pitchFamily="18" charset="0"/>
-                  </a:rPr>
-                  <a:t>, </a:t>
-                </a:r>
-                <a:r>
-                  <a:rPr lang="ru-RU" sz="1600" dirty="0">
-                    <a:ea typeface="Times New Roman" panose="02020603050405020304" pitchFamily="18" charset="0"/>
-                    <a:cs typeface="Times New Roman" panose="02020603050405020304" pitchFamily="18" charset="0"/>
-                  </a:rPr>
-                  <a:t>то подставляя в закон сохранения массы гидрата уравнение для концентрации фазы</a:t>
-                </a:r>
-                <a:r>
-                  <a:rPr lang="en-US" sz="1600" dirty="0">
-                    <a:ea typeface="Times New Roman" panose="02020603050405020304" pitchFamily="18" charset="0"/>
-                    <a:cs typeface="Times New Roman" panose="02020603050405020304" pitchFamily="18" charset="0"/>
-                  </a:rPr>
-                  <a:t>, </a:t>
-                </a:r>
-                <a:r>
-                  <a:rPr lang="ru-RU" sz="1600" dirty="0">
-                    <a:ea typeface="Times New Roman" panose="02020603050405020304" pitchFamily="18" charset="0"/>
-                    <a:cs typeface="Times New Roman" panose="02020603050405020304" pitchFamily="18" charset="0"/>
-                  </a:rPr>
-                  <a:t>получим связь вида</a:t>
-                </a:r>
-                <a:r>
-                  <a:rPr lang="en-US" sz="1600" dirty="0">
-                    <a:ea typeface="Times New Roman" panose="02020603050405020304" pitchFamily="18" charset="0"/>
-                    <a:cs typeface="Times New Roman" panose="02020603050405020304" pitchFamily="18" charset="0"/>
-                  </a:rPr>
-                  <a:t>:</a:t>
-                </a:r>
-                <a:endParaRPr lang="ru-RU" sz="1600" dirty="0"/>
-              </a:p>
-            </p:txBody>
-          </p:sp>
-        </mc:Choice>
-        <mc:Fallback xmlns="">
-          <p:sp>
-            <p:nvSpPr>
-              <p:cNvPr id="2" name="TextBox 1">
-                <a:extLst>
-                  <a:ext uri="{FF2B5EF4-FFF2-40B4-BE49-F238E27FC236}">
-                    <a16:creationId xmlns:a16="http://schemas.microsoft.com/office/drawing/2014/main" id="{A44844A6-C6D1-A1BC-992A-1C9249B9D031}"/>
-                  </a:ext>
-                </a:extLst>
-              </p:cNvPr>
-              <p:cNvSpPr txBox="1">
-                <a:spLocks noRot="1" noChangeAspect="1" noMove="1" noResize="1" noEditPoints="1" noAdjustHandles="1" noChangeArrowheads="1" noChangeShapeType="1" noTextEdit="1"/>
-              </p:cNvSpPr>
-              <p:nvPr/>
-            </p:nvSpPr>
-            <p:spPr>
-              <a:xfrm>
-                <a:off x="579851" y="866281"/>
-                <a:ext cx="9974741" cy="830997"/>
-              </a:xfrm>
-              <a:prstGeom prst="rect">
-                <a:avLst/>
-              </a:prstGeom>
-              <a:blipFill>
-                <a:blip r:embed="rId3"/>
-                <a:stretch>
-                  <a:fillRect l="-306" t="-2206" b="-8824"/>
-                </a:stretch>
-              </a:blipFill>
-            </p:spPr>
-            <p:txBody>
-              <a:bodyPr/>
-              <a:lstStyle/>
-              <a:p>
-                <a:r>
-                  <a:rPr lang="ru-RU">
-                    <a:noFill/>
-                  </a:rPr>
-                  <a:t> </a:t>
-                </a:r>
-              </a:p>
-            </p:txBody>
-          </p:sp>
-        </mc:Fallback>
-      </mc:AlternateContent>
-      <mc:AlternateContent xmlns:mc="http://schemas.openxmlformats.org/markup-compatibility/2006" xmlns:a14="http://schemas.microsoft.com/office/drawing/2010/main">
-        <mc:Choice Requires="a14">
-          <p:sp>
-            <p:nvSpPr>
-              <p:cNvPr id="3" name="TextBox 2">
-                <a:extLst>
-                  <a:ext uri="{FF2B5EF4-FFF2-40B4-BE49-F238E27FC236}">
-                    <a16:creationId xmlns:a16="http://schemas.microsoft.com/office/drawing/2014/main" id="{6FA47F66-F55B-DC4A-F211-03CCA825328A}"/>
-                  </a:ext>
-                </a:extLst>
-              </p:cNvPr>
-              <p:cNvSpPr txBox="1"/>
-              <p:nvPr/>
-            </p:nvSpPr>
-            <p:spPr>
-              <a:xfrm>
-                <a:off x="2018400" y="1950597"/>
-                <a:ext cx="5346550" cy="761555"/>
-              </a:xfrm>
-              <a:prstGeom prst="rect">
-                <a:avLst/>
-              </a:prstGeom>
-              <a:noFill/>
-            </p:spPr>
-            <p:txBody>
-              <a:bodyPr wrap="square">
-                <a:spAutoFit/>
-              </a:bodyPr>
-              <a:lstStyle/>
-              <a:p>
-                <a:pPr/>
-                <a14:m>
-                  <m:oMathPara xmlns:m="http://schemas.openxmlformats.org/officeDocument/2006/math">
-                    <m:oMathParaPr>
-                      <m:jc m:val="centerGroup"/>
-                    </m:oMathParaPr>
-                    <m:oMath xmlns:m="http://schemas.openxmlformats.org/officeDocument/2006/math">
-                      <m:sSub>
-                        <m:sSubPr>
-                          <m:ctrlPr>
-                            <a:rPr lang="ru-RU" i="1" smtClean="0">
-                              <a:latin typeface="Cambria Math" panose="02040503050406030204" pitchFamily="18" charset="0"/>
-                            </a:rPr>
-                          </m:ctrlPr>
-                        </m:sSubPr>
-                        <m:e>
-                          <m:r>
-                            <a:rPr lang="ru-RU" i="1">
-                              <a:latin typeface="Cambria Math" panose="02040503050406030204" pitchFamily="18" charset="0"/>
-                            </a:rPr>
-                            <m:t>𝜌</m:t>
-                          </m:r>
-                        </m:e>
-                        <m:sub>
-                          <m:r>
-                            <a:rPr lang="ru-RU" i="1">
-                              <a:latin typeface="Cambria Math" panose="02040503050406030204" pitchFamily="18" charset="0"/>
-                            </a:rPr>
-                            <m:t>h</m:t>
-                          </m:r>
-                        </m:sub>
-                      </m:sSub>
-                      <m:r>
-                        <a:rPr lang="ru-RU" i="1">
-                          <a:latin typeface="Cambria Math" panose="02040503050406030204" pitchFamily="18" charset="0"/>
-                        </a:rPr>
-                        <m:t>𝜙</m:t>
-                      </m:r>
-                      <m:r>
-                        <a:rPr lang="ru-RU" i="0">
-                          <a:latin typeface="Cambria Math" panose="02040503050406030204" pitchFamily="18" charset="0"/>
-                        </a:rPr>
-                        <m:t> </m:t>
-                      </m:r>
-                      <m:f>
-                        <m:fPr>
-                          <m:ctrlPr>
-                            <a:rPr lang="ru-RU" i="1">
-                              <a:latin typeface="Cambria Math" panose="02040503050406030204" pitchFamily="18" charset="0"/>
-                            </a:rPr>
-                          </m:ctrlPr>
-                        </m:fPr>
-                        <m:num>
-                          <m:r>
-                            <a:rPr lang="ru-RU" i="0">
-                              <a:latin typeface="Cambria Math" panose="02040503050406030204" pitchFamily="18" charset="0"/>
-                            </a:rPr>
-                            <m:t>𝜕</m:t>
-                          </m:r>
-                          <m:sSub>
-                            <m:sSubPr>
-                              <m:ctrlPr>
-                                <a:rPr lang="ru-RU" i="1">
-                                  <a:latin typeface="Cambria Math" panose="02040503050406030204" pitchFamily="18" charset="0"/>
-                                </a:rPr>
-                              </m:ctrlPr>
-                            </m:sSubPr>
-                            <m:e>
-                              <m:r>
-                                <a:rPr lang="ru-RU" i="1">
-                                  <a:latin typeface="Cambria Math" panose="02040503050406030204" pitchFamily="18" charset="0"/>
-                                </a:rPr>
-                                <m:t>𝑆</m:t>
-                              </m:r>
-                            </m:e>
-                            <m:sub>
-                              <m:r>
-                                <a:rPr lang="ru-RU" i="1">
-                                  <a:latin typeface="Cambria Math" panose="02040503050406030204" pitchFamily="18" charset="0"/>
-                                </a:rPr>
-                                <m:t>h</m:t>
-                              </m:r>
-                            </m:sub>
-                          </m:sSub>
-                        </m:num>
-                        <m:den>
-                          <m:r>
-                            <a:rPr lang="ru-RU" i="0">
-                              <a:latin typeface="Cambria Math" panose="02040503050406030204" pitchFamily="18" charset="0"/>
-                            </a:rPr>
-                            <m:t>𝜕</m:t>
-                          </m:r>
-                          <m:r>
-                            <a:rPr lang="ru-RU" i="1">
-                              <a:latin typeface="Cambria Math" panose="02040503050406030204" pitchFamily="18" charset="0"/>
-                            </a:rPr>
-                            <m:t>𝑡</m:t>
-                          </m:r>
-                        </m:den>
-                      </m:f>
-                      <m:r>
-                        <a:rPr lang="ru-RU" i="0">
-                          <a:latin typeface="Cambria Math" panose="02040503050406030204" pitchFamily="18" charset="0"/>
-                        </a:rPr>
-                        <m:t>=</m:t>
-                      </m:r>
-                      <m:sSub>
-                        <m:sSubPr>
-                          <m:ctrlPr>
-                            <a:rPr lang="ru-RU" i="1">
-                              <a:latin typeface="Cambria Math" panose="02040503050406030204" pitchFamily="18" charset="0"/>
-                            </a:rPr>
-                          </m:ctrlPr>
-                        </m:sSubPr>
-                        <m:e>
-                          <m:r>
-                            <a:rPr lang="ru-RU" i="1">
-                              <a:latin typeface="Cambria Math" panose="02040503050406030204" pitchFamily="18" charset="0"/>
-                            </a:rPr>
-                            <m:t>𝜈</m:t>
-                          </m:r>
-                        </m:e>
-                        <m:sub>
-                          <m:r>
-                            <a:rPr lang="ru-RU" i="1">
-                              <a:latin typeface="Cambria Math" panose="02040503050406030204" pitchFamily="18" charset="0"/>
-                            </a:rPr>
-                            <m:t>h</m:t>
-                          </m:r>
-                        </m:sub>
-                      </m:sSub>
-                      <m:sSub>
-                        <m:sSubPr>
-                          <m:ctrlPr>
-                            <a:rPr lang="ru-RU" i="1">
-                              <a:latin typeface="Cambria Math" panose="02040503050406030204" pitchFamily="18" charset="0"/>
-                            </a:rPr>
-                          </m:ctrlPr>
-                        </m:sSubPr>
-                        <m:e>
-                          <m:r>
-                            <a:rPr lang="ru-RU" i="1">
-                              <a:latin typeface="Cambria Math" panose="02040503050406030204" pitchFamily="18" charset="0"/>
-                            </a:rPr>
-                            <m:t>𝑅</m:t>
-                          </m:r>
-                        </m:e>
-                        <m:sub>
-                          <m:r>
-                            <a:rPr lang="ru-RU" i="1">
-                              <a:latin typeface="Cambria Math" panose="02040503050406030204" pitchFamily="18" charset="0"/>
-                            </a:rPr>
-                            <m:t>h</m:t>
-                          </m:r>
-                        </m:sub>
-                      </m:sSub>
-                      <m:r>
-                        <a:rPr lang="ru-RU" i="0">
-                          <a:latin typeface="Cambria Math" panose="02040503050406030204" pitchFamily="18" charset="0"/>
-                        </a:rPr>
-                        <m:t> ⇒ </m:t>
-                      </m:r>
-                      <m:f>
-                        <m:fPr>
-                          <m:ctrlPr>
-                            <a:rPr lang="ru-RU" i="1">
-                              <a:latin typeface="Cambria Math" panose="02040503050406030204" pitchFamily="18" charset="0"/>
-                            </a:rPr>
-                          </m:ctrlPr>
-                        </m:fPr>
-                        <m:num>
-                          <m:r>
-                            <a:rPr lang="ru-RU" i="0">
-                              <a:latin typeface="Cambria Math" panose="02040503050406030204" pitchFamily="18" charset="0"/>
-                            </a:rPr>
-                            <m:t>𝜕</m:t>
-                          </m:r>
-                          <m:sSub>
-                            <m:sSubPr>
-                              <m:ctrlPr>
-                                <a:rPr lang="ru-RU" i="1">
-                                  <a:latin typeface="Cambria Math" panose="02040503050406030204" pitchFamily="18" charset="0"/>
-                                </a:rPr>
-                              </m:ctrlPr>
-                            </m:sSubPr>
-                            <m:e>
-                              <m:r>
-                                <a:rPr lang="ru-RU" i="1">
-                                  <a:latin typeface="Cambria Math" panose="02040503050406030204" pitchFamily="18" charset="0"/>
-                                </a:rPr>
-                                <m:t>𝑆</m:t>
-                              </m:r>
-                            </m:e>
-                            <m:sub>
-                              <m:r>
-                                <a:rPr lang="ru-RU" i="1">
-                                  <a:latin typeface="Cambria Math" panose="02040503050406030204" pitchFamily="18" charset="0"/>
-                                </a:rPr>
-                                <m:t>h</m:t>
-                              </m:r>
-                            </m:sub>
-                          </m:sSub>
-                        </m:num>
-                        <m:den>
-                          <m:r>
-                            <a:rPr lang="ru-RU" i="0">
-                              <a:latin typeface="Cambria Math" panose="02040503050406030204" pitchFamily="18" charset="0"/>
-                            </a:rPr>
-                            <m:t>𝜕</m:t>
-                          </m:r>
-                          <m:r>
-                            <a:rPr lang="ru-RU" i="1">
-                              <a:latin typeface="Cambria Math" panose="02040503050406030204" pitchFamily="18" charset="0"/>
-                            </a:rPr>
-                            <m:t>𝑡</m:t>
-                          </m:r>
-                        </m:den>
-                      </m:f>
-                      <m:r>
-                        <a:rPr lang="ru-RU" i="0">
-                          <a:latin typeface="Cambria Math" panose="02040503050406030204" pitchFamily="18" charset="0"/>
-                        </a:rPr>
-                        <m:t>=</m:t>
-                      </m:r>
-                      <m:f>
-                        <m:fPr>
-                          <m:ctrlPr>
-                            <a:rPr lang="ru-RU" i="1">
-                              <a:latin typeface="Cambria Math" panose="02040503050406030204" pitchFamily="18" charset="0"/>
-                            </a:rPr>
-                          </m:ctrlPr>
-                        </m:fPr>
-                        <m:num>
-                          <m:sSub>
-                            <m:sSubPr>
-                              <m:ctrlPr>
-                                <a:rPr lang="ru-RU" i="1">
-                                  <a:latin typeface="Cambria Math" panose="02040503050406030204" pitchFamily="18" charset="0"/>
-                                </a:rPr>
-                              </m:ctrlPr>
-                            </m:sSubPr>
-                            <m:e>
-                              <m:r>
-                                <a:rPr lang="ru-RU" i="1">
-                                  <a:latin typeface="Cambria Math" panose="02040503050406030204" pitchFamily="18" charset="0"/>
-                                </a:rPr>
-                                <m:t>𝜈</m:t>
-                              </m:r>
-                            </m:e>
-                            <m:sub>
-                              <m:r>
-                                <a:rPr lang="ru-RU" i="1">
-                                  <a:latin typeface="Cambria Math" panose="02040503050406030204" pitchFamily="18" charset="0"/>
-                                </a:rPr>
-                                <m:t>h</m:t>
-                              </m:r>
-                            </m:sub>
-                          </m:sSub>
-                        </m:num>
-                        <m:den>
-                          <m:sSub>
-                            <m:sSubPr>
-                              <m:ctrlPr>
-                                <a:rPr lang="ru-RU" i="1">
-                                  <a:latin typeface="Cambria Math" panose="02040503050406030204" pitchFamily="18" charset="0"/>
-                                </a:rPr>
-                              </m:ctrlPr>
-                            </m:sSubPr>
-                            <m:e>
-                              <m:r>
-                                <a:rPr lang="ru-RU" i="1">
-                                  <a:latin typeface="Cambria Math" panose="02040503050406030204" pitchFamily="18" charset="0"/>
-                                </a:rPr>
-                                <m:t>𝜌</m:t>
-                              </m:r>
-                            </m:e>
-                            <m:sub>
-                              <m:r>
-                                <a:rPr lang="ru-RU" i="1">
-                                  <a:latin typeface="Cambria Math" panose="02040503050406030204" pitchFamily="18" charset="0"/>
-                                </a:rPr>
-                                <m:t>h</m:t>
-                              </m:r>
-                            </m:sub>
-                          </m:sSub>
-                          <m:r>
-                            <a:rPr lang="ru-RU" i="1">
-                              <a:latin typeface="Cambria Math" panose="02040503050406030204" pitchFamily="18" charset="0"/>
-                            </a:rPr>
-                            <m:t>𝜙</m:t>
-                          </m:r>
-                        </m:den>
-                      </m:f>
-                      <m:sSub>
-                        <m:sSubPr>
-                          <m:ctrlPr>
-                            <a:rPr lang="ru-RU" i="1">
-                              <a:latin typeface="Cambria Math" panose="02040503050406030204" pitchFamily="18" charset="0"/>
-                            </a:rPr>
-                          </m:ctrlPr>
-                        </m:sSubPr>
-                        <m:e>
-                          <m:r>
-                            <a:rPr lang="ru-RU" i="1">
-                              <a:latin typeface="Cambria Math" panose="02040503050406030204" pitchFamily="18" charset="0"/>
-                            </a:rPr>
-                            <m:t>𝑅</m:t>
-                          </m:r>
-                        </m:e>
-                        <m:sub>
-                          <m:r>
-                            <a:rPr lang="ru-RU" i="1">
-                              <a:latin typeface="Cambria Math" panose="02040503050406030204" pitchFamily="18" charset="0"/>
-                            </a:rPr>
-                            <m:t>h</m:t>
-                          </m:r>
-                        </m:sub>
-                      </m:sSub>
-                    </m:oMath>
-                  </m:oMathPara>
-                </a14:m>
-                <a:endParaRPr lang="ru-RU" dirty="0"/>
-              </a:p>
-            </p:txBody>
-          </p:sp>
-        </mc:Choice>
-        <mc:Fallback xmlns="">
-          <p:sp>
-            <p:nvSpPr>
-              <p:cNvPr id="3" name="TextBox 2">
-                <a:extLst>
-                  <a:ext uri="{FF2B5EF4-FFF2-40B4-BE49-F238E27FC236}">
-                    <a16:creationId xmlns:a16="http://schemas.microsoft.com/office/drawing/2014/main" id="{6FA47F66-F55B-DC4A-F211-03CCA825328A}"/>
-                  </a:ext>
-                </a:extLst>
-              </p:cNvPr>
-              <p:cNvSpPr txBox="1">
-                <a:spLocks noRot="1" noChangeAspect="1" noMove="1" noResize="1" noEditPoints="1" noAdjustHandles="1" noChangeArrowheads="1" noChangeShapeType="1" noTextEdit="1"/>
-              </p:cNvSpPr>
-              <p:nvPr/>
-            </p:nvSpPr>
-            <p:spPr>
-              <a:xfrm>
-                <a:off x="2018400" y="1950597"/>
-                <a:ext cx="5346550" cy="761555"/>
-              </a:xfrm>
-              <a:prstGeom prst="rect">
-                <a:avLst/>
-              </a:prstGeom>
-              <a:blipFill>
-                <a:blip r:embed="rId4"/>
-                <a:stretch>
-                  <a:fillRect/>
-                </a:stretch>
-              </a:blipFill>
-            </p:spPr>
-            <p:txBody>
-              <a:bodyPr/>
-              <a:lstStyle/>
-              <a:p>
-                <a:r>
-                  <a:rPr lang="ru-RU">
-                    <a:noFill/>
-                  </a:rPr>
-                  <a:t> </a:t>
-                </a:r>
-              </a:p>
-            </p:txBody>
-          </p:sp>
-        </mc:Fallback>
-      </mc:AlternateContent>
-      <mc:AlternateContent xmlns:mc="http://schemas.openxmlformats.org/markup-compatibility/2006" xmlns:a14="http://schemas.microsoft.com/office/drawing/2010/main">
-        <mc:Choice Requires="a14">
-          <p:sp>
-            <p:nvSpPr>
-              <p:cNvPr id="5" name="TextBox 4">
-                <a:extLst>
-                  <a:ext uri="{FF2B5EF4-FFF2-40B4-BE49-F238E27FC236}">
-                    <a16:creationId xmlns:a16="http://schemas.microsoft.com/office/drawing/2014/main" id="{7BE95AFB-18CB-1EB6-F44D-CAB2762BE5C2}"/>
-                  </a:ext>
-                </a:extLst>
-              </p:cNvPr>
-              <p:cNvSpPr txBox="1"/>
-              <p:nvPr/>
-            </p:nvSpPr>
-            <p:spPr>
-              <a:xfrm>
-                <a:off x="702347" y="2845414"/>
-                <a:ext cx="9077113" cy="1077218"/>
-              </a:xfrm>
-              <a:prstGeom prst="rect">
-                <a:avLst/>
-              </a:prstGeom>
-              <a:noFill/>
-            </p:spPr>
-            <p:txBody>
-              <a:bodyPr wrap="square">
-                <a:spAutoFit/>
-              </a:bodyPr>
-              <a:lstStyle/>
-              <a:p>
-                <a:pPr>
-                  <a:spcBef>
-                    <a:spcPts val="900"/>
-                  </a:spcBef>
-                  <a:spcAft>
-                    <a:spcPts val="900"/>
-                  </a:spcAft>
-                  <a:buNone/>
-                </a:pPr>
-                <a:r>
-                  <a:rPr lang="ru-RU" sz="1600" dirty="0">
-                    <a:effectLst/>
-                    <a:ea typeface="Times New Roman" panose="02020603050405020304" pitchFamily="18" charset="0"/>
-                    <a:cs typeface="Times New Roman" panose="02020603050405020304" pitchFamily="18" charset="0"/>
-                  </a:rPr>
-                  <a:t>Таким образом, используя функцию скорости образования гидрата </a:t>
-                </a:r>
-                <a14:m>
-                  <m:oMath xmlns:m="http://schemas.openxmlformats.org/officeDocument/2006/math">
-                    <m:sSub>
-                      <m:sSubPr>
-                        <m:ctrlPr>
-                          <a:rPr lang="ru-RU" sz="1600" i="1">
-                            <a:effectLst/>
-                            <a:latin typeface="Cambria Math" panose="02040503050406030204" pitchFamily="18" charset="0"/>
-                            <a:ea typeface="Times New Roman" panose="02020603050405020304" pitchFamily="18" charset="0"/>
-                            <a:cs typeface="Times New Roman" panose="02020603050405020304" pitchFamily="18" charset="0"/>
-                          </a:rPr>
-                        </m:ctrlPr>
-                      </m:sSubPr>
-                      <m:e>
-                        <m:r>
-                          <a:rPr lang="en-US" sz="1600" i="1">
-                            <a:effectLst/>
-                            <a:latin typeface="Cambria Math" panose="02040503050406030204" pitchFamily="18" charset="0"/>
-                            <a:ea typeface="Times New Roman" panose="02020603050405020304" pitchFamily="18" charset="0"/>
-                            <a:cs typeface="Times New Roman" panose="02020603050405020304" pitchFamily="18" charset="0"/>
-                          </a:rPr>
-                          <m:t>𝑅</m:t>
-                        </m:r>
-                      </m:e>
-                      <m:sub>
-                        <m:r>
-                          <a:rPr lang="ru-RU" sz="1600" i="1">
-                            <a:effectLst/>
-                            <a:latin typeface="Cambria Math" panose="02040503050406030204" pitchFamily="18" charset="0"/>
-                            <a:ea typeface="Times New Roman" panose="02020603050405020304" pitchFamily="18" charset="0"/>
-                            <a:cs typeface="Times New Roman" panose="02020603050405020304" pitchFamily="18" charset="0"/>
-                          </a:rPr>
-                          <m:t>h</m:t>
-                        </m:r>
-                      </m:sub>
-                    </m:sSub>
-                  </m:oMath>
-                </a14:m>
-                <a:r>
-                  <a:rPr lang="ru-RU" sz="1600" dirty="0">
-                    <a:effectLst/>
-                    <a:ea typeface="Times New Roman" panose="02020603050405020304" pitchFamily="18" charset="0"/>
-                    <a:cs typeface="Times New Roman" panose="02020603050405020304" pitchFamily="18" charset="0"/>
-                  </a:rPr>
-                  <a:t> (кинетику образования гидрата), можно определять насыщение порового пространства газовым гидратом </a:t>
-                </a:r>
-                <a14:m>
-                  <m:oMath xmlns:m="http://schemas.openxmlformats.org/officeDocument/2006/math">
-                    <m:sSub>
-                      <m:sSubPr>
-                        <m:ctrlPr>
-                          <a:rPr lang="ru-RU" sz="1600" i="1">
-                            <a:effectLst/>
-                            <a:latin typeface="Cambria Math" panose="02040503050406030204" pitchFamily="18" charset="0"/>
-                            <a:ea typeface="Times New Roman" panose="02020603050405020304" pitchFamily="18" charset="0"/>
-                            <a:cs typeface="Times New Roman" panose="02020603050405020304" pitchFamily="18" charset="0"/>
-                          </a:rPr>
-                        </m:ctrlPr>
-                      </m:sSubPr>
-                      <m:e>
-                        <m:r>
-                          <a:rPr lang="en-US" sz="1600" i="1">
-                            <a:effectLst/>
-                            <a:latin typeface="Cambria Math" panose="02040503050406030204" pitchFamily="18" charset="0"/>
-                            <a:ea typeface="Times New Roman" panose="02020603050405020304" pitchFamily="18" charset="0"/>
-                            <a:cs typeface="Times New Roman" panose="02020603050405020304" pitchFamily="18" charset="0"/>
-                          </a:rPr>
-                          <m:t>𝑆</m:t>
-                        </m:r>
-                      </m:e>
-                      <m:sub>
-                        <m:r>
-                          <a:rPr lang="ru-RU" sz="1600" i="1">
-                            <a:effectLst/>
-                            <a:latin typeface="Cambria Math" panose="02040503050406030204" pitchFamily="18" charset="0"/>
-                            <a:ea typeface="Times New Roman" panose="02020603050405020304" pitchFamily="18" charset="0"/>
-                            <a:cs typeface="Times New Roman" panose="02020603050405020304" pitchFamily="18" charset="0"/>
-                          </a:rPr>
-                          <m:t>h</m:t>
-                        </m:r>
-                      </m:sub>
-                    </m:sSub>
-                    <m:r>
-                      <a:rPr lang="ru-RU" sz="1600">
-                        <a:effectLst/>
-                        <a:latin typeface="Cambria Math" panose="02040503050406030204" pitchFamily="18" charset="0"/>
-                        <a:ea typeface="Times New Roman" panose="02020603050405020304" pitchFamily="18" charset="0"/>
-                        <a:cs typeface="Times New Roman" panose="02020603050405020304" pitchFamily="18" charset="0"/>
-                      </a:rPr>
-                      <m:t>(</m:t>
-                    </m:r>
-                    <m:r>
-                      <a:rPr lang="en-US" sz="1600" i="1">
-                        <a:effectLst/>
-                        <a:latin typeface="Cambria Math" panose="02040503050406030204" pitchFamily="18" charset="0"/>
-                        <a:ea typeface="Times New Roman" panose="02020603050405020304" pitchFamily="18" charset="0"/>
-                        <a:cs typeface="Times New Roman" panose="02020603050405020304" pitchFamily="18" charset="0"/>
-                      </a:rPr>
-                      <m:t>𝑡</m:t>
-                    </m:r>
-                    <m:r>
-                      <a:rPr lang="ru-RU" sz="1600">
-                        <a:effectLst/>
-                        <a:latin typeface="Cambria Math" panose="02040503050406030204" pitchFamily="18" charset="0"/>
-                        <a:ea typeface="Times New Roman" panose="02020603050405020304" pitchFamily="18" charset="0"/>
-                        <a:cs typeface="Times New Roman" panose="02020603050405020304" pitchFamily="18" charset="0"/>
-                      </a:rPr>
-                      <m:t>,</m:t>
-                    </m:r>
-                    <m:r>
-                      <a:rPr lang="en-US" sz="1600" b="1" i="1">
-                        <a:effectLst/>
-                        <a:latin typeface="Cambria Math" panose="02040503050406030204" pitchFamily="18" charset="0"/>
-                        <a:ea typeface="Times New Roman" panose="02020603050405020304" pitchFamily="18" charset="0"/>
-                        <a:cs typeface="Times New Roman" panose="02020603050405020304" pitchFamily="18" charset="0"/>
-                      </a:rPr>
-                      <m:t>𝐱</m:t>
-                    </m:r>
-                    <m:r>
-                      <a:rPr lang="ru-RU" sz="1600">
-                        <a:effectLst/>
-                        <a:latin typeface="Cambria Math" panose="02040503050406030204" pitchFamily="18" charset="0"/>
-                        <a:ea typeface="Times New Roman" panose="02020603050405020304" pitchFamily="18" charset="0"/>
-                        <a:cs typeface="Times New Roman" panose="02020603050405020304" pitchFamily="18" charset="0"/>
-                      </a:rPr>
-                      <m:t>)</m:t>
-                    </m:r>
-                  </m:oMath>
-                </a14:m>
-                <a:r>
-                  <a:rPr lang="ru-RU" sz="1600" dirty="0">
-                    <a:effectLst/>
-                    <a:ea typeface="Times New Roman" panose="02020603050405020304" pitchFamily="18" charset="0"/>
-                    <a:cs typeface="Times New Roman" panose="02020603050405020304" pitchFamily="18" charset="0"/>
-                  </a:rPr>
-                  <a:t>. </a:t>
-                </a:r>
-                <a:r>
-                  <a:rPr lang="ru-RU" sz="1600" dirty="0">
-                    <a:ea typeface="Times New Roman" panose="02020603050405020304" pitchFamily="18" charset="0"/>
-                    <a:cs typeface="Times New Roman" panose="02020603050405020304" pitchFamily="18" charset="0"/>
-                  </a:rPr>
-                  <a:t>Имея с одной стороны выражение уравнение </a:t>
-                </a:r>
-                <a14:m>
-                  <m:oMath xmlns:m="http://schemas.openxmlformats.org/officeDocument/2006/math">
-                    <m:sSub>
-                      <m:sSubPr>
-                        <m:ctrlPr>
-                          <a:rPr lang="ru-RU" sz="1600" i="1">
-                            <a:latin typeface="Cambria Math" panose="02040503050406030204" pitchFamily="18" charset="0"/>
-                          </a:rPr>
-                        </m:ctrlPr>
-                      </m:sSubPr>
-                      <m:e>
-                        <m:r>
-                          <a:rPr lang="ru-RU" sz="1600" i="1">
-                            <a:latin typeface="Cambria Math" panose="02040503050406030204" pitchFamily="18" charset="0"/>
-                          </a:rPr>
-                          <m:t>𝑅</m:t>
-                        </m:r>
-                      </m:e>
-                      <m:sub>
-                        <m:r>
-                          <a:rPr lang="ru-RU" sz="1600" i="1">
-                            <a:latin typeface="Cambria Math" panose="02040503050406030204" pitchFamily="18" charset="0"/>
-                          </a:rPr>
-                          <m:t>h</m:t>
-                        </m:r>
-                      </m:sub>
-                    </m:sSub>
-                    <m:r>
-                      <a:rPr lang="ru-RU" sz="1600" b="0" i="1" smtClean="0">
-                        <a:latin typeface="Cambria Math" panose="02040503050406030204" pitchFamily="18" charset="0"/>
-                      </a:rPr>
-                      <m:t> </m:t>
-                    </m:r>
-                  </m:oMath>
-                </a14:m>
-                <a:r>
-                  <a:rPr lang="ru-RU" sz="1600" dirty="0">
-                    <a:ea typeface="Times New Roman" panose="02020603050405020304" pitchFamily="18" charset="0"/>
-                    <a:cs typeface="Times New Roman" panose="02020603050405020304" pitchFamily="18" charset="0"/>
-                  </a:rPr>
-                  <a:t> из закона сохранения массы</a:t>
-                </a:r>
-                <a:r>
-                  <a:rPr lang="en-US" sz="1600" dirty="0">
-                    <a:ea typeface="Times New Roman" panose="02020603050405020304" pitchFamily="18" charset="0"/>
-                    <a:cs typeface="Times New Roman" panose="02020603050405020304" pitchFamily="18" charset="0"/>
-                  </a:rPr>
-                  <a:t>, </a:t>
-                </a:r>
-                <a:r>
-                  <a:rPr lang="ru-RU" sz="1600" dirty="0">
-                    <a:ea typeface="Times New Roman" panose="02020603050405020304" pitchFamily="18" charset="0"/>
-                    <a:cs typeface="Times New Roman" panose="02020603050405020304" pitchFamily="18" charset="0"/>
-                  </a:rPr>
-                  <a:t>а с другой из модели адсорбции</a:t>
-                </a:r>
-                <a:r>
-                  <a:rPr lang="en-US" sz="1600" dirty="0">
-                    <a:ea typeface="Times New Roman" panose="02020603050405020304" pitchFamily="18" charset="0"/>
-                    <a:cs typeface="Times New Roman" panose="02020603050405020304" pitchFamily="18" charset="0"/>
-                  </a:rPr>
-                  <a:t>, </a:t>
-                </a:r>
-                <a:r>
-                  <a:rPr lang="ru-RU" sz="1600" dirty="0">
-                    <a:ea typeface="Times New Roman" panose="02020603050405020304" pitchFamily="18" charset="0"/>
-                    <a:cs typeface="Times New Roman" panose="02020603050405020304" pitchFamily="18" charset="0"/>
-                  </a:rPr>
-                  <a:t>получим</a:t>
-                </a:r>
-                <a:r>
-                  <a:rPr lang="en-US" sz="1600" dirty="0">
-                    <a:effectLst/>
-                    <a:ea typeface="Times New Roman" panose="02020603050405020304" pitchFamily="18" charset="0"/>
-                    <a:cs typeface="Times New Roman" panose="02020603050405020304" pitchFamily="18" charset="0"/>
-                  </a:rPr>
-                  <a:t>:</a:t>
-                </a:r>
-                <a:endParaRPr lang="ru-RU" sz="1600" dirty="0">
-                  <a:effectLst/>
-                  <a:ea typeface="Times New Roman" panose="02020603050405020304" pitchFamily="18" charset="0"/>
-                  <a:cs typeface="Times New Roman" panose="02020603050405020304" pitchFamily="18" charset="0"/>
-                </a:endParaRPr>
-              </a:p>
-            </p:txBody>
-          </p:sp>
-        </mc:Choice>
-        <mc:Fallback xmlns="">
-          <p:sp>
-            <p:nvSpPr>
-              <p:cNvPr id="5" name="TextBox 4">
-                <a:extLst>
-                  <a:ext uri="{FF2B5EF4-FFF2-40B4-BE49-F238E27FC236}">
-                    <a16:creationId xmlns:a16="http://schemas.microsoft.com/office/drawing/2014/main" id="{7BE95AFB-18CB-1EB6-F44D-CAB2762BE5C2}"/>
-                  </a:ext>
-                </a:extLst>
-              </p:cNvPr>
-              <p:cNvSpPr txBox="1">
-                <a:spLocks noRot="1" noChangeAspect="1" noMove="1" noResize="1" noEditPoints="1" noAdjustHandles="1" noChangeArrowheads="1" noChangeShapeType="1" noTextEdit="1"/>
-              </p:cNvSpPr>
-              <p:nvPr/>
-            </p:nvSpPr>
-            <p:spPr>
-              <a:xfrm>
-                <a:off x="702347" y="2845414"/>
-                <a:ext cx="9077113" cy="1077218"/>
-              </a:xfrm>
-              <a:prstGeom prst="rect">
-                <a:avLst/>
-              </a:prstGeom>
-              <a:blipFill>
-                <a:blip r:embed="rId5"/>
-                <a:stretch>
-                  <a:fillRect l="-336" t="-1705" b="-6818"/>
-                </a:stretch>
-              </a:blipFill>
-            </p:spPr>
-            <p:txBody>
-              <a:bodyPr/>
-              <a:lstStyle/>
-              <a:p>
-                <a:r>
-                  <a:rPr lang="ru-RU">
-                    <a:noFill/>
-                  </a:rPr>
-                  <a:t> </a:t>
-                </a:r>
-              </a:p>
-            </p:txBody>
-          </p:sp>
-        </mc:Fallback>
-      </mc:AlternateContent>
-      <mc:AlternateContent xmlns:mc="http://schemas.openxmlformats.org/markup-compatibility/2006" xmlns:a14="http://schemas.microsoft.com/office/drawing/2010/main">
-        <mc:Choice Requires="a14">
-          <p:sp>
-            <p:nvSpPr>
-              <p:cNvPr id="6" name="TextBox 5">
-                <a:extLst>
-                  <a:ext uri="{FF2B5EF4-FFF2-40B4-BE49-F238E27FC236}">
-                    <a16:creationId xmlns:a16="http://schemas.microsoft.com/office/drawing/2014/main" id="{60AC9568-4C4F-5E4D-995B-184805BDDBB1}"/>
-                  </a:ext>
-                </a:extLst>
-              </p:cNvPr>
-              <p:cNvSpPr txBox="1"/>
-              <p:nvPr/>
-            </p:nvSpPr>
-            <p:spPr>
-              <a:xfrm>
-                <a:off x="2397395" y="4055894"/>
-                <a:ext cx="5346550" cy="761299"/>
-              </a:xfrm>
-              <a:prstGeom prst="rect">
-                <a:avLst/>
-              </a:prstGeom>
-              <a:noFill/>
-            </p:spPr>
-            <p:txBody>
-              <a:bodyPr wrap="square">
-                <a:spAutoFit/>
-              </a:bodyPr>
-              <a:lstStyle/>
-              <a:p>
-                <a:pPr/>
-                <a14:m>
-                  <m:oMathPara xmlns:m="http://schemas.openxmlformats.org/officeDocument/2006/math">
-                    <m:oMathParaPr>
-                      <m:jc m:val="centerGroup"/>
-                    </m:oMathParaPr>
-                    <m:oMath xmlns:m="http://schemas.openxmlformats.org/officeDocument/2006/math">
-                      <m:f>
-                        <m:fPr>
-                          <m:ctrlPr>
-                            <a:rPr lang="ru-RU" i="1" smtClean="0">
-                              <a:latin typeface="Cambria Math" panose="02040503050406030204" pitchFamily="18" charset="0"/>
-                            </a:rPr>
-                          </m:ctrlPr>
-                        </m:fPr>
-                        <m:num>
-                          <m:r>
-                            <a:rPr lang="ru-RU">
-                              <a:latin typeface="Cambria Math" panose="02040503050406030204" pitchFamily="18" charset="0"/>
-                            </a:rPr>
-                            <m:t>𝜕</m:t>
-                          </m:r>
-                          <m:sSub>
-                            <m:sSubPr>
-                              <m:ctrlPr>
-                                <a:rPr lang="ru-RU" i="1">
-                                  <a:latin typeface="Cambria Math" panose="02040503050406030204" pitchFamily="18" charset="0"/>
-                                </a:rPr>
-                              </m:ctrlPr>
-                            </m:sSubPr>
-                            <m:e>
-                              <m:r>
-                                <a:rPr lang="ru-RU" i="1">
-                                  <a:latin typeface="Cambria Math" panose="02040503050406030204" pitchFamily="18" charset="0"/>
-                                </a:rPr>
-                                <m:t>𝑆</m:t>
-                              </m:r>
-                            </m:e>
-                            <m:sub>
-                              <m:r>
-                                <a:rPr lang="ru-RU" i="1">
-                                  <a:latin typeface="Cambria Math" panose="02040503050406030204" pitchFamily="18" charset="0"/>
-                                </a:rPr>
-                                <m:t>h</m:t>
-                              </m:r>
-                            </m:sub>
-                          </m:sSub>
-                        </m:num>
-                        <m:den>
-                          <m:r>
-                            <a:rPr lang="ru-RU" i="0">
-                              <a:latin typeface="Cambria Math" panose="02040503050406030204" pitchFamily="18" charset="0"/>
-                            </a:rPr>
-                            <m:t>𝜕</m:t>
-                          </m:r>
-                          <m:r>
-                            <a:rPr lang="ru-RU" i="1">
-                              <a:latin typeface="Cambria Math" panose="02040503050406030204" pitchFamily="18" charset="0"/>
-                            </a:rPr>
-                            <m:t>𝑡</m:t>
-                          </m:r>
-                        </m:den>
-                      </m:f>
-                      <m:r>
-                        <a:rPr lang="ru-RU" i="0">
-                          <a:latin typeface="Cambria Math" panose="02040503050406030204" pitchFamily="18" charset="0"/>
-                        </a:rPr>
-                        <m:t>=</m:t>
-                      </m:r>
-                      <m:f>
-                        <m:fPr>
-                          <m:ctrlPr>
-                            <a:rPr lang="ru-RU" i="1">
-                              <a:latin typeface="Cambria Math" panose="02040503050406030204" pitchFamily="18" charset="0"/>
-                            </a:rPr>
-                          </m:ctrlPr>
-                        </m:fPr>
-                        <m:num>
-                          <m:sSub>
-                            <m:sSubPr>
-                              <m:ctrlPr>
-                                <a:rPr lang="ru-RU" i="1">
-                                  <a:latin typeface="Cambria Math" panose="02040503050406030204" pitchFamily="18" charset="0"/>
-                                </a:rPr>
-                              </m:ctrlPr>
-                            </m:sSubPr>
-                            <m:e>
-                              <m:r>
-                                <a:rPr lang="ru-RU" i="1">
-                                  <a:latin typeface="Cambria Math" panose="02040503050406030204" pitchFamily="18" charset="0"/>
-                                </a:rPr>
-                                <m:t>𝜈</m:t>
-                              </m:r>
-                            </m:e>
-                            <m:sub>
-                              <m:r>
-                                <a:rPr lang="ru-RU" i="1">
-                                  <a:latin typeface="Cambria Math" panose="02040503050406030204" pitchFamily="18" charset="0"/>
-                                </a:rPr>
-                                <m:t>h</m:t>
-                              </m:r>
-                            </m:sub>
-                          </m:sSub>
-                          <m:sSub>
-                            <m:sSubPr>
-                              <m:ctrlPr>
-                                <a:rPr lang="ru-RU" i="1">
-                                  <a:latin typeface="Cambria Math" panose="02040503050406030204" pitchFamily="18" charset="0"/>
-                                </a:rPr>
-                              </m:ctrlPr>
-                            </m:sSubPr>
-                            <m:e>
-                              <m:r>
-                                <a:rPr lang="ru-RU" i="1">
-                                  <a:latin typeface="Cambria Math" panose="02040503050406030204" pitchFamily="18" charset="0"/>
-                                </a:rPr>
-                                <m:t>𝑘</m:t>
-                              </m:r>
-                            </m:e>
-                            <m:sub>
-                              <m:r>
-                                <a:rPr lang="ru-RU" i="1">
-                                  <a:latin typeface="Cambria Math" panose="02040503050406030204" pitchFamily="18" charset="0"/>
-                                </a:rPr>
-                                <m:t>𝐿</m:t>
-                              </m:r>
-                            </m:sub>
-                          </m:sSub>
-                        </m:num>
-                        <m:den>
-                          <m:r>
-                            <a:rPr lang="ru-RU" i="1">
-                              <a:latin typeface="Cambria Math" panose="02040503050406030204" pitchFamily="18" charset="0"/>
-                            </a:rPr>
-                            <m:t>𝜙</m:t>
-                          </m:r>
-                        </m:den>
-                      </m:f>
-                      <m:d>
-                        <m:dPr>
-                          <m:ctrlPr>
-                            <a:rPr lang="ru-RU" i="1">
-                              <a:latin typeface="Cambria Math" panose="02040503050406030204" pitchFamily="18" charset="0"/>
-                            </a:rPr>
-                          </m:ctrlPr>
-                        </m:dPr>
-                        <m:e>
-                          <m:sSubSup>
-                            <m:sSubSupPr>
-                              <m:ctrlPr>
-                                <a:rPr lang="ru-RU" i="1">
-                                  <a:latin typeface="Cambria Math" panose="02040503050406030204" pitchFamily="18" charset="0"/>
-                                </a:rPr>
-                              </m:ctrlPr>
-                            </m:sSubSupPr>
-                            <m:e>
-                              <m:r>
-                                <a:rPr lang="ru-RU" i="1">
-                                  <a:latin typeface="Cambria Math" panose="02040503050406030204" pitchFamily="18" charset="0"/>
-                                </a:rPr>
-                                <m:t>𝑆</m:t>
-                              </m:r>
-                            </m:e>
-                            <m:sub>
-                              <m:r>
-                                <a:rPr lang="ru-RU" i="1">
-                                  <a:latin typeface="Cambria Math" panose="02040503050406030204" pitchFamily="18" charset="0"/>
-                                </a:rPr>
-                                <m:t>h</m:t>
-                              </m:r>
-                            </m:sub>
-                            <m:sup>
-                              <m:r>
-                                <m:rPr>
-                                  <m:sty m:val="p"/>
-                                </m:rPr>
-                                <a:rPr lang="ru-RU" i="0">
-                                  <a:latin typeface="Cambria Math" panose="02040503050406030204" pitchFamily="18" charset="0"/>
-                                </a:rPr>
-                                <m:t>eq</m:t>
-                              </m:r>
-                            </m:sup>
-                          </m:sSubSup>
-                          <m:d>
-                            <m:dPr>
-                              <m:sepChr m:val=","/>
-                              <m:ctrlPr>
-                                <a:rPr lang="ru-RU" i="1">
-                                  <a:latin typeface="Cambria Math" panose="02040503050406030204" pitchFamily="18" charset="0"/>
-                                </a:rPr>
-                              </m:ctrlPr>
-                            </m:dPr>
-                            <m:e>
-                              <m:sSub>
-                                <m:sSubPr>
-                                  <m:ctrlPr>
-                                    <a:rPr lang="ru-RU" i="1">
-                                      <a:latin typeface="Cambria Math" panose="02040503050406030204" pitchFamily="18" charset="0"/>
-                                    </a:rPr>
-                                  </m:ctrlPr>
-                                </m:sSubPr>
-                                <m:e>
-                                  <m:r>
-                                    <a:rPr lang="ru-RU" i="1">
-                                      <a:latin typeface="Cambria Math" panose="02040503050406030204" pitchFamily="18" charset="0"/>
-                                    </a:rPr>
-                                    <m:t>𝑝</m:t>
-                                  </m:r>
-                                </m:e>
-                                <m:sub>
-                                  <m:r>
-                                    <a:rPr lang="ru-RU" i="1">
-                                      <a:latin typeface="Cambria Math" panose="02040503050406030204" pitchFamily="18" charset="0"/>
-                                    </a:rPr>
-                                    <m:t>𝑔</m:t>
-                                  </m:r>
-                                </m:sub>
-                              </m:sSub>
-                            </m:e>
-                            <m:e>
-                              <m:r>
-                                <a:rPr lang="ru-RU" i="1">
-                                  <a:latin typeface="Cambria Math" panose="02040503050406030204" pitchFamily="18" charset="0"/>
-                                </a:rPr>
-                                <m:t>𝑇</m:t>
-                              </m:r>
-                            </m:e>
-                          </m:d>
-                          <m:r>
-                            <a:rPr lang="ru-RU" i="0">
-                              <a:latin typeface="Cambria Math" panose="02040503050406030204" pitchFamily="18" charset="0"/>
-                            </a:rPr>
-                            <m:t>−</m:t>
-                          </m:r>
-                          <m:sSub>
-                            <m:sSubPr>
-                              <m:ctrlPr>
-                                <a:rPr lang="ru-RU" i="1">
-                                  <a:latin typeface="Cambria Math" panose="02040503050406030204" pitchFamily="18" charset="0"/>
-                                </a:rPr>
-                              </m:ctrlPr>
-                            </m:sSubPr>
-                            <m:e>
-                              <m:r>
-                                <a:rPr lang="ru-RU" i="1">
-                                  <a:latin typeface="Cambria Math" panose="02040503050406030204" pitchFamily="18" charset="0"/>
-                                </a:rPr>
-                                <m:t>𝑆</m:t>
-                              </m:r>
-                            </m:e>
-                            <m:sub>
-                              <m:r>
-                                <a:rPr lang="ru-RU" i="1">
-                                  <a:latin typeface="Cambria Math" panose="02040503050406030204" pitchFamily="18" charset="0"/>
-                                </a:rPr>
-                                <m:t>h</m:t>
-                              </m:r>
-                            </m:sub>
-                          </m:sSub>
-                        </m:e>
-                      </m:d>
-                    </m:oMath>
-                  </m:oMathPara>
-                </a14:m>
-                <a:endParaRPr lang="ru-RU" dirty="0"/>
-              </a:p>
-            </p:txBody>
-          </p:sp>
-        </mc:Choice>
-        <mc:Fallback xmlns="">
-          <p:sp>
-            <p:nvSpPr>
-              <p:cNvPr id="6" name="TextBox 5">
-                <a:extLst>
-                  <a:ext uri="{FF2B5EF4-FFF2-40B4-BE49-F238E27FC236}">
-                    <a16:creationId xmlns:a16="http://schemas.microsoft.com/office/drawing/2014/main" id="{60AC9568-4C4F-5E4D-995B-184805BDDBB1}"/>
-                  </a:ext>
-                </a:extLst>
-              </p:cNvPr>
-              <p:cNvSpPr txBox="1">
-                <a:spLocks noRot="1" noChangeAspect="1" noMove="1" noResize="1" noEditPoints="1" noAdjustHandles="1" noChangeArrowheads="1" noChangeShapeType="1" noTextEdit="1"/>
-              </p:cNvSpPr>
-              <p:nvPr/>
-            </p:nvSpPr>
-            <p:spPr>
-              <a:xfrm>
-                <a:off x="2397395" y="4055894"/>
-                <a:ext cx="5346550" cy="761299"/>
-              </a:xfrm>
-              <a:prstGeom prst="rect">
-                <a:avLst/>
-              </a:prstGeom>
-              <a:blipFill>
-                <a:blip r:embed="rId6"/>
-                <a:stretch>
-                  <a:fillRect/>
-                </a:stretch>
-              </a:blipFill>
-            </p:spPr>
-            <p:txBody>
-              <a:bodyPr/>
-              <a:lstStyle/>
-              <a:p>
-                <a:r>
-                  <a:rPr lang="ru-RU">
-                    <a:noFill/>
-                  </a:rPr>
-                  <a:t> </a:t>
-                </a:r>
-              </a:p>
-            </p:txBody>
-          </p:sp>
-        </mc:Fallback>
-      </mc:AlternateContent>
-      <p:sp>
-        <p:nvSpPr>
-          <p:cNvPr id="8" name="TextBox 7">
-            <a:extLst>
-              <a:ext uri="{FF2B5EF4-FFF2-40B4-BE49-F238E27FC236}">
-                <a16:creationId xmlns:a16="http://schemas.microsoft.com/office/drawing/2014/main" id="{44FAEC60-AD2F-FACC-2CE1-D9F4206B6E0A}"/>
-              </a:ext>
-            </a:extLst>
-          </p:cNvPr>
-          <p:cNvSpPr txBox="1"/>
-          <p:nvPr/>
+          <p:cNvSpPr>
+            <a:spLocks noGrp="1"/>
+          </p:cNvSpPr>
+          <p:nvPr>
+            <p:ph type="subTitle" idx="1"/>
+          </p:nvPr>
         </p:nvSpPr>
-        <p:spPr>
-          <a:xfrm>
-            <a:off x="579851" y="4950455"/>
-            <a:ext cx="9077113" cy="584775"/>
-          </a:xfrm>
-          <a:prstGeom prst="rect">
-            <a:avLst/>
-          </a:prstGeom>
-          <a:noFill/>
-        </p:spPr>
+        <p:spPr/>
         <p:txBody>
-          <a:bodyPr wrap="square">
-            <a:spAutoFit/>
-          </a:bodyPr>
+          <a:bodyPr/>
           <a:lstStyle/>
           <a:p>
-            <a:pPr>
-              <a:spcBef>
-                <a:spcPts val="900"/>
-              </a:spcBef>
-              <a:spcAft>
-                <a:spcPts val="900"/>
-              </a:spcAft>
-              <a:buNone/>
-            </a:pPr>
-            <a:r>
-              <a:rPr lang="ru-RU" sz="1600" dirty="0">
-                <a:effectLst/>
-                <a:ea typeface="Times New Roman" panose="02020603050405020304" pitchFamily="18" charset="0"/>
-                <a:cs typeface="Times New Roman" panose="02020603050405020304" pitchFamily="18" charset="0"/>
-              </a:rPr>
-              <a:t>Решив уравнение относительно насыщени</a:t>
-            </a:r>
-            <a:r>
-              <a:rPr lang="ru-RU" sz="1600" dirty="0">
-                <a:ea typeface="Times New Roman" panose="02020603050405020304" pitchFamily="18" charset="0"/>
-                <a:cs typeface="Times New Roman" panose="02020603050405020304" pitchFamily="18" charset="0"/>
-              </a:rPr>
-              <a:t>я гидратом и подставив полученное насыщение в зависимость пористости от проницаемости по формуле </a:t>
-            </a:r>
-            <a:r>
-              <a:rPr lang="ru-RU" sz="1600" dirty="0" err="1">
-                <a:ea typeface="Times New Roman" panose="02020603050405020304" pitchFamily="18" charset="0"/>
-                <a:cs typeface="Times New Roman" panose="02020603050405020304" pitchFamily="18" charset="0"/>
-              </a:rPr>
-              <a:t>Козени</a:t>
-            </a:r>
-            <a:r>
-              <a:rPr lang="ru-RU" sz="1600" dirty="0">
-                <a:ea typeface="Times New Roman" panose="02020603050405020304" pitchFamily="18" charset="0"/>
-                <a:cs typeface="Times New Roman" panose="02020603050405020304" pitchFamily="18" charset="0"/>
-              </a:rPr>
-              <a:t>–Кармана</a:t>
-            </a:r>
-            <a:r>
-              <a:rPr lang="en-US" sz="1600" dirty="0">
-                <a:ea typeface="Times New Roman" panose="02020603050405020304" pitchFamily="18" charset="0"/>
-                <a:cs typeface="Times New Roman" panose="02020603050405020304" pitchFamily="18" charset="0"/>
-              </a:rPr>
-              <a:t>, </a:t>
-            </a:r>
-            <a:r>
-              <a:rPr lang="ru-RU" sz="1600" dirty="0">
-                <a:ea typeface="Times New Roman" panose="02020603050405020304" pitchFamily="18" charset="0"/>
-                <a:cs typeface="Times New Roman" panose="02020603050405020304" pitchFamily="18" charset="0"/>
-              </a:rPr>
-              <a:t>получим</a:t>
-            </a:r>
-            <a:r>
-              <a:rPr lang="en-US" sz="1600" dirty="0">
-                <a:ea typeface="Times New Roman" panose="02020603050405020304" pitchFamily="18" charset="0"/>
-                <a:cs typeface="Times New Roman" panose="02020603050405020304" pitchFamily="18" charset="0"/>
-              </a:rPr>
-              <a:t>:</a:t>
-            </a:r>
-            <a:endParaRPr lang="ru-RU" sz="1600" dirty="0">
-              <a:effectLst/>
-              <a:ea typeface="Times New Roman" panose="02020603050405020304" pitchFamily="18" charset="0"/>
-              <a:cs typeface="Times New Roman" panose="02020603050405020304" pitchFamily="18" charset="0"/>
-            </a:endParaRPr>
-          </a:p>
-        </p:txBody>
-      </p:sp>
-      <mc:AlternateContent xmlns:mc="http://schemas.openxmlformats.org/markup-compatibility/2006" xmlns:a14="http://schemas.microsoft.com/office/drawing/2010/main">
-        <mc:Choice Requires="a14">
-          <p:sp>
-            <p:nvSpPr>
-              <p:cNvPr id="9" name="TextBox 8">
-                <a:extLst>
-                  <a:ext uri="{FF2B5EF4-FFF2-40B4-BE49-F238E27FC236}">
-                    <a16:creationId xmlns:a16="http://schemas.microsoft.com/office/drawing/2014/main" id="{C59D2C5A-79A0-CD2B-6161-4B20D315FF75}"/>
-                  </a:ext>
-                </a:extLst>
-              </p:cNvPr>
-              <p:cNvSpPr txBox="1"/>
-              <p:nvPr/>
-            </p:nvSpPr>
-            <p:spPr>
-              <a:xfrm>
-                <a:off x="2319614" y="5693085"/>
-                <a:ext cx="5346550" cy="415498"/>
-              </a:xfrm>
-              <a:prstGeom prst="rect">
-                <a:avLst/>
-              </a:prstGeom>
-              <a:noFill/>
-            </p:spPr>
-            <p:txBody>
-              <a:bodyPr wrap="square">
-                <a:spAutoFit/>
-              </a:bodyPr>
-              <a:lstStyle/>
-              <a:p>
-                <a:pPr/>
-                <a14:m>
-                  <m:oMathPara xmlns:m="http://schemas.openxmlformats.org/officeDocument/2006/math">
-                    <m:oMathParaPr>
-                      <m:jc m:val="centerGroup"/>
-                    </m:oMathParaPr>
-                    <m:oMath xmlns:m="http://schemas.openxmlformats.org/officeDocument/2006/math">
-                      <m:sSub>
-                        <m:sSubPr>
-                          <m:ctrlPr>
-                            <a:rPr lang="ru-RU" i="1" smtClean="0">
-                              <a:latin typeface="Cambria Math" panose="02040503050406030204" pitchFamily="18" charset="0"/>
-                            </a:rPr>
-                          </m:ctrlPr>
-                        </m:sSubPr>
-                        <m:e>
-                          <m:r>
-                            <a:rPr lang="ru-RU" i="1">
-                              <a:latin typeface="Cambria Math" panose="02040503050406030204" pitchFamily="18" charset="0"/>
-                            </a:rPr>
-                            <m:t>𝑘</m:t>
-                          </m:r>
-                        </m:e>
-                        <m:sub>
-                          <m:r>
-                            <m:rPr>
-                              <m:sty m:val="p"/>
-                            </m:rPr>
-                            <a:rPr lang="ru-RU" i="0">
-                              <a:latin typeface="Cambria Math" panose="02040503050406030204" pitchFamily="18" charset="0"/>
-                            </a:rPr>
-                            <m:t>abs</m:t>
-                          </m:r>
-                        </m:sub>
-                      </m:sSub>
-                      <m:d>
-                        <m:dPr>
-                          <m:ctrlPr>
-                            <a:rPr lang="ru-RU" i="1">
-                              <a:latin typeface="Cambria Math" panose="02040503050406030204" pitchFamily="18" charset="0"/>
-                            </a:rPr>
-                          </m:ctrlPr>
-                        </m:dPr>
-                        <m:e>
-                          <m:sSub>
-                            <m:sSubPr>
-                              <m:ctrlPr>
-                                <a:rPr lang="ru-RU" i="1">
-                                  <a:latin typeface="Cambria Math" panose="02040503050406030204" pitchFamily="18" charset="0"/>
-                                </a:rPr>
-                              </m:ctrlPr>
-                            </m:sSubPr>
-                            <m:e>
-                              <m:r>
-                                <a:rPr lang="ru-RU" i="1">
-                                  <a:latin typeface="Cambria Math" panose="02040503050406030204" pitchFamily="18" charset="0"/>
-                                </a:rPr>
-                                <m:t>𝑆</m:t>
-                              </m:r>
-                            </m:e>
-                            <m:sub>
-                              <m:r>
-                                <a:rPr lang="ru-RU" i="1">
-                                  <a:latin typeface="Cambria Math" panose="02040503050406030204" pitchFamily="18" charset="0"/>
-                                </a:rPr>
-                                <m:t>h</m:t>
-                              </m:r>
-                            </m:sub>
-                          </m:sSub>
-                        </m:e>
-                      </m:d>
-                      <m:r>
-                        <a:rPr lang="ru-RU" i="0">
-                          <a:latin typeface="Cambria Math" panose="02040503050406030204" pitchFamily="18" charset="0"/>
-                        </a:rPr>
-                        <m:t>=</m:t>
-                      </m:r>
-                      <m:sSub>
-                        <m:sSubPr>
-                          <m:ctrlPr>
-                            <a:rPr lang="ru-RU" i="1">
-                              <a:latin typeface="Cambria Math" panose="02040503050406030204" pitchFamily="18" charset="0"/>
-                            </a:rPr>
-                          </m:ctrlPr>
-                        </m:sSubPr>
-                        <m:e>
-                          <m:r>
-                            <a:rPr lang="ru-RU" i="1">
-                              <a:latin typeface="Cambria Math" panose="02040503050406030204" pitchFamily="18" charset="0"/>
-                            </a:rPr>
-                            <m:t>𝑘</m:t>
-                          </m:r>
-                        </m:e>
-                        <m:sub>
-                          <m:r>
-                            <a:rPr lang="ru-RU" i="0">
-                              <a:latin typeface="Cambria Math" panose="02040503050406030204" pitchFamily="18" charset="0"/>
-                            </a:rPr>
-                            <m:t>0</m:t>
-                          </m:r>
-                        </m:sub>
-                      </m:sSub>
-                      <m:sSup>
-                        <m:sSupPr>
-                          <m:ctrlPr>
-                            <a:rPr lang="ru-RU" i="1">
-                              <a:latin typeface="Cambria Math" panose="02040503050406030204" pitchFamily="18" charset="0"/>
-                            </a:rPr>
-                          </m:ctrlPr>
-                        </m:sSupPr>
-                        <m:e>
-                          <m:d>
-                            <m:dPr>
-                              <m:ctrlPr>
-                                <a:rPr lang="ru-RU" i="1">
-                                  <a:latin typeface="Cambria Math" panose="02040503050406030204" pitchFamily="18" charset="0"/>
-                                </a:rPr>
-                              </m:ctrlPr>
-                            </m:dPr>
-                            <m:e>
-                              <m:r>
-                                <a:rPr lang="ru-RU" i="0">
-                                  <a:latin typeface="Cambria Math" panose="02040503050406030204" pitchFamily="18" charset="0"/>
-                                </a:rPr>
-                                <m:t>1−</m:t>
-                              </m:r>
-                              <m:sSub>
-                                <m:sSubPr>
-                                  <m:ctrlPr>
-                                    <a:rPr lang="ru-RU" i="1">
-                                      <a:latin typeface="Cambria Math" panose="02040503050406030204" pitchFamily="18" charset="0"/>
-                                    </a:rPr>
-                                  </m:ctrlPr>
-                                </m:sSubPr>
-                                <m:e>
-                                  <m:r>
-                                    <a:rPr lang="ru-RU" i="1">
-                                      <a:latin typeface="Cambria Math" panose="02040503050406030204" pitchFamily="18" charset="0"/>
-                                    </a:rPr>
-                                    <m:t>𝛽</m:t>
-                                  </m:r>
-                                </m:e>
-                                <m:sub>
-                                  <m:r>
-                                    <a:rPr lang="ru-RU" i="1">
-                                      <a:latin typeface="Cambria Math" panose="02040503050406030204" pitchFamily="18" charset="0"/>
-                                    </a:rPr>
-                                    <m:t>h</m:t>
-                                  </m:r>
-                                </m:sub>
-                              </m:sSub>
-                              <m:sSub>
-                                <m:sSubPr>
-                                  <m:ctrlPr>
-                                    <a:rPr lang="ru-RU" i="1">
-                                      <a:latin typeface="Cambria Math" panose="02040503050406030204" pitchFamily="18" charset="0"/>
-                                    </a:rPr>
-                                  </m:ctrlPr>
-                                </m:sSubPr>
-                                <m:e>
-                                  <m:r>
-                                    <a:rPr lang="ru-RU" i="1">
-                                      <a:latin typeface="Cambria Math" panose="02040503050406030204" pitchFamily="18" charset="0"/>
-                                    </a:rPr>
-                                    <m:t>𝑆</m:t>
-                                  </m:r>
-                                </m:e>
-                                <m:sub>
-                                  <m:r>
-                                    <a:rPr lang="ru-RU" i="1">
-                                      <a:latin typeface="Cambria Math" panose="02040503050406030204" pitchFamily="18" charset="0"/>
-                                    </a:rPr>
-                                    <m:t>h</m:t>
-                                  </m:r>
-                                </m:sub>
-                              </m:sSub>
-                            </m:e>
-                          </m:d>
-                        </m:e>
-                        <m:sup>
-                          <m:r>
-                            <a:rPr lang="ru-RU" i="1">
-                              <a:latin typeface="Cambria Math" panose="02040503050406030204" pitchFamily="18" charset="0"/>
-                            </a:rPr>
-                            <m:t>𝑚</m:t>
-                          </m:r>
-                        </m:sup>
-                      </m:sSup>
-                    </m:oMath>
-                  </m:oMathPara>
-                </a14:m>
-                <a:endParaRPr lang="ru-RU" dirty="0"/>
-              </a:p>
-            </p:txBody>
-          </p:sp>
-        </mc:Choice>
-        <mc:Fallback xmlns="">
-          <p:sp>
-            <p:nvSpPr>
-              <p:cNvPr id="9" name="TextBox 8">
-                <a:extLst>
-                  <a:ext uri="{FF2B5EF4-FFF2-40B4-BE49-F238E27FC236}">
-                    <a16:creationId xmlns:a16="http://schemas.microsoft.com/office/drawing/2014/main" id="{C59D2C5A-79A0-CD2B-6161-4B20D315FF75}"/>
-                  </a:ext>
-                </a:extLst>
-              </p:cNvPr>
-              <p:cNvSpPr txBox="1">
-                <a:spLocks noRot="1" noChangeAspect="1" noMove="1" noResize="1" noEditPoints="1" noAdjustHandles="1" noChangeArrowheads="1" noChangeShapeType="1" noTextEdit="1"/>
-              </p:cNvSpPr>
-              <p:nvPr/>
-            </p:nvSpPr>
-            <p:spPr>
-              <a:xfrm>
-                <a:off x="2319614" y="5693085"/>
-                <a:ext cx="5346550" cy="415498"/>
-              </a:xfrm>
-              <a:prstGeom prst="rect">
-                <a:avLst/>
-              </a:prstGeom>
-              <a:blipFill>
-                <a:blip r:embed="rId7"/>
-                <a:stretch>
-                  <a:fillRect/>
-                </a:stretch>
-              </a:blipFill>
-            </p:spPr>
-            <p:txBody>
-              <a:bodyPr/>
-              <a:lstStyle/>
-              <a:p>
-                <a:r>
-                  <a:rPr lang="ru-RU">
-                    <a:noFill/>
-                  </a:rPr>
-                  <a:t> </a:t>
-                </a:r>
-              </a:p>
-            </p:txBody>
-          </p:sp>
-        </mc:Fallback>
-      </mc:AlternateContent>
-      <p:sp>
-        <p:nvSpPr>
-          <p:cNvPr id="10" name="Подзаголовок 2">
-            <a:extLst>
-              <a:ext uri="{FF2B5EF4-FFF2-40B4-BE49-F238E27FC236}">
-                <a16:creationId xmlns:a16="http://schemas.microsoft.com/office/drawing/2014/main" id="{FA9AE4D7-1015-C758-155B-43442A0B5EC3}"/>
-              </a:ext>
-            </a:extLst>
-          </p:cNvPr>
-          <p:cNvSpPr txBox="1">
-            <a:spLocks/>
-          </p:cNvSpPr>
-          <p:nvPr/>
-        </p:nvSpPr>
-        <p:spPr>
-          <a:xfrm>
-            <a:off x="303228" y="97824"/>
-            <a:ext cx="6582408" cy="515138"/>
-          </a:xfrm>
-          <a:prstGeom prst="rect">
-            <a:avLst/>
-          </a:prstGeom>
-        </p:spPr>
-        <p:txBody>
-          <a:bodyPr vert="horz" lIns="104306" tIns="52153" rIns="104306" bIns="52153" rtlCol="0">
-            <a:normAutofit/>
-          </a:bodyPr>
-          <a:lstStyle>
-            <a:lvl1pPr marL="0" indent="0" algn="ctr" defTabSz="1043056" rtl="0" eaLnBrk="1" latinLnBrk="0" hangingPunct="1">
-              <a:lnSpc>
-                <a:spcPct val="90000"/>
-              </a:lnSpc>
-              <a:spcBef>
-                <a:spcPts val="1141"/>
-              </a:spcBef>
-              <a:buFont typeface="Arial" panose="020B0604020202020204" pitchFamily="34" charset="0"/>
-              <a:buNone/>
-              <a:defRPr sz="2700" kern="1200">
-                <a:solidFill>
-                  <a:schemeClr val="tx1"/>
-                </a:solidFill>
-                <a:latin typeface="+mn-lt"/>
-                <a:ea typeface="+mn-ea"/>
-                <a:cs typeface="+mn-cs"/>
-              </a:defRPr>
-            </a:lvl1pPr>
-            <a:lvl2pPr marL="521528" indent="0" algn="ctr" defTabSz="1043056" rtl="0" eaLnBrk="1" latinLnBrk="0" hangingPunct="1">
-              <a:lnSpc>
-                <a:spcPct val="90000"/>
-              </a:lnSpc>
-              <a:spcBef>
-                <a:spcPts val="570"/>
-              </a:spcBef>
-              <a:buFont typeface="Arial" panose="020B0604020202020204" pitchFamily="34" charset="0"/>
-              <a:buNone/>
-              <a:defRPr sz="2300" kern="1200">
-                <a:solidFill>
-                  <a:schemeClr val="tx1"/>
-                </a:solidFill>
-                <a:latin typeface="+mn-lt"/>
-                <a:ea typeface="+mn-ea"/>
-                <a:cs typeface="+mn-cs"/>
-              </a:defRPr>
-            </a:lvl2pPr>
-            <a:lvl3pPr marL="1043056" indent="0" algn="ctr" defTabSz="1043056" rtl="0" eaLnBrk="1" latinLnBrk="0" hangingPunct="1">
-              <a:lnSpc>
-                <a:spcPct val="90000"/>
-              </a:lnSpc>
-              <a:spcBef>
-                <a:spcPts val="570"/>
-              </a:spcBef>
-              <a:buFont typeface="Arial" panose="020B0604020202020204" pitchFamily="34" charset="0"/>
-              <a:buNone/>
-              <a:defRPr sz="2100" kern="1200">
-                <a:solidFill>
-                  <a:schemeClr val="tx1"/>
-                </a:solidFill>
-                <a:latin typeface="+mn-lt"/>
-                <a:ea typeface="+mn-ea"/>
-                <a:cs typeface="+mn-cs"/>
-              </a:defRPr>
-            </a:lvl3pPr>
-            <a:lvl4pPr marL="1564584" indent="0" algn="ctr" defTabSz="1043056" rtl="0" eaLnBrk="1" latinLnBrk="0" hangingPunct="1">
-              <a:lnSpc>
-                <a:spcPct val="90000"/>
-              </a:lnSpc>
-              <a:spcBef>
-                <a:spcPts val="570"/>
-              </a:spcBef>
-              <a:buFont typeface="Arial" panose="020B0604020202020204" pitchFamily="34" charset="0"/>
-              <a:buNone/>
-              <a:defRPr sz="1800" kern="1200">
-                <a:solidFill>
-                  <a:schemeClr val="tx1"/>
-                </a:solidFill>
-                <a:latin typeface="+mn-lt"/>
-                <a:ea typeface="+mn-ea"/>
-                <a:cs typeface="+mn-cs"/>
-              </a:defRPr>
-            </a:lvl4pPr>
-            <a:lvl5pPr marL="2086112" indent="0" algn="ctr" defTabSz="1043056" rtl="0" eaLnBrk="1" latinLnBrk="0" hangingPunct="1">
-              <a:lnSpc>
-                <a:spcPct val="90000"/>
-              </a:lnSpc>
-              <a:spcBef>
-                <a:spcPts val="570"/>
-              </a:spcBef>
-              <a:buFont typeface="Arial" panose="020B0604020202020204" pitchFamily="34" charset="0"/>
-              <a:buNone/>
-              <a:defRPr sz="1800" kern="1200">
-                <a:solidFill>
-                  <a:schemeClr val="tx1"/>
-                </a:solidFill>
-                <a:latin typeface="+mn-lt"/>
-                <a:ea typeface="+mn-ea"/>
-                <a:cs typeface="+mn-cs"/>
-              </a:defRPr>
-            </a:lvl5pPr>
-            <a:lvl6pPr marL="2607640" indent="0" algn="ctr" defTabSz="1043056" rtl="0" eaLnBrk="1" latinLnBrk="0" hangingPunct="1">
-              <a:lnSpc>
-                <a:spcPct val="90000"/>
-              </a:lnSpc>
-              <a:spcBef>
-                <a:spcPts val="570"/>
-              </a:spcBef>
-              <a:buFont typeface="Arial" panose="020B0604020202020204" pitchFamily="34" charset="0"/>
-              <a:buNone/>
-              <a:defRPr sz="1800" kern="1200">
-                <a:solidFill>
-                  <a:schemeClr val="tx1"/>
-                </a:solidFill>
-                <a:latin typeface="+mn-lt"/>
-                <a:ea typeface="+mn-ea"/>
-                <a:cs typeface="+mn-cs"/>
-              </a:defRPr>
-            </a:lvl6pPr>
-            <a:lvl7pPr marL="3129168" indent="0" algn="ctr" defTabSz="1043056" rtl="0" eaLnBrk="1" latinLnBrk="0" hangingPunct="1">
-              <a:lnSpc>
-                <a:spcPct val="90000"/>
-              </a:lnSpc>
-              <a:spcBef>
-                <a:spcPts val="570"/>
-              </a:spcBef>
-              <a:buFont typeface="Arial" panose="020B0604020202020204" pitchFamily="34" charset="0"/>
-              <a:buNone/>
-              <a:defRPr sz="1800" kern="1200">
-                <a:solidFill>
-                  <a:schemeClr val="tx1"/>
-                </a:solidFill>
-                <a:latin typeface="+mn-lt"/>
-                <a:ea typeface="+mn-ea"/>
-                <a:cs typeface="+mn-cs"/>
-              </a:defRPr>
-            </a:lvl7pPr>
-            <a:lvl8pPr marL="3650696" indent="0" algn="ctr" defTabSz="1043056" rtl="0" eaLnBrk="1" latinLnBrk="0" hangingPunct="1">
-              <a:lnSpc>
-                <a:spcPct val="90000"/>
-              </a:lnSpc>
-              <a:spcBef>
-                <a:spcPts val="570"/>
-              </a:spcBef>
-              <a:buFont typeface="Arial" panose="020B0604020202020204" pitchFamily="34" charset="0"/>
-              <a:buNone/>
-              <a:defRPr sz="1800" kern="1200">
-                <a:solidFill>
-                  <a:schemeClr val="tx1"/>
-                </a:solidFill>
-                <a:latin typeface="+mn-lt"/>
-                <a:ea typeface="+mn-ea"/>
-                <a:cs typeface="+mn-cs"/>
-              </a:defRPr>
-            </a:lvl8pPr>
-            <a:lvl9pPr marL="4172224" indent="0" algn="ctr" defTabSz="1043056" rtl="0" eaLnBrk="1" latinLnBrk="0" hangingPunct="1">
-              <a:lnSpc>
-                <a:spcPct val="90000"/>
-              </a:lnSpc>
-              <a:spcBef>
-                <a:spcPts val="570"/>
-              </a:spcBef>
-              <a:buFont typeface="Arial" panose="020B0604020202020204" pitchFamily="34" charset="0"/>
-              <a:buNone/>
-              <a:defRPr sz="1800" kern="1200">
-                <a:solidFill>
-                  <a:schemeClr val="tx1"/>
-                </a:solidFill>
-                <a:latin typeface="+mn-lt"/>
-                <a:ea typeface="+mn-ea"/>
-                <a:cs typeface="+mn-cs"/>
-              </a:defRPr>
-            </a:lvl9pPr>
-          </a:lstStyle>
-          <a:p>
-            <a:pPr algn="l"/>
-            <a:r>
-              <a:rPr lang="ru-RU" sz="2400" b="1" dirty="0">
-                <a:latin typeface="Fira Sans Bold"/>
-              </a:rPr>
-              <a:t>Модель аккумуляции гидрата коллектором</a:t>
-            </a:r>
+            <a:endParaRPr lang="ru-RU"/>
           </a:p>
         </p:txBody>
       </p:sp>
     </p:spTree>
-    <p:extLst>
-      <p:ext uri="{BB962C8B-B14F-4D97-AF65-F5344CB8AC3E}">
-        <p14:creationId xmlns:p14="http://schemas.microsoft.com/office/powerpoint/2010/main" val="1893454996"/>
-      </p:ext>
-    </p:extLst>
   </p:cSld>
   <p:clrMapOvr>
     <a:masterClrMapping/>
@@ -7695,7 +7941,7 @@
 </p:sld>
 </file>
 
-<file path=ppt/slides/slide12.xml><?xml version="1.0" encoding="utf-8"?>
+<file path=ppt/slides/slide17.xml><?xml version="1.0" encoding="utf-8"?>
 <p:sld xmlns:a="http://schemas.openxmlformats.org/drawingml/2006/main" xmlns:r="http://schemas.openxmlformats.org/officeDocument/2006/relationships" xmlns:p="http://schemas.openxmlformats.org/presentationml/2006/main">
   <p:cSld>
     <p:spTree>
@@ -9662,7 +9908,7 @@
 </p:sld>
 </file>
 
-<file path=ppt/slides/slide13.xml><?xml version="1.0" encoding="utf-8"?>
+<file path=ppt/slides/slide18.xml><?xml version="1.0" encoding="utf-8"?>
 <p:sld xmlns:a="http://schemas.openxmlformats.org/drawingml/2006/main" xmlns:r="http://schemas.openxmlformats.org/officeDocument/2006/relationships" xmlns:p="http://schemas.openxmlformats.org/presentationml/2006/main">
   <p:cSld>
     <p:spTree>
@@ -9953,7 +10199,7 @@
               <a:rPr lang="ru-RU" sz="2400" b="1" dirty="0">
                 <a:latin typeface="Fira Sans Bold"/>
               </a:rPr>
-              <a:t>Граничные условия</a:t>
+              <a:t>Начальные и граничные условия</a:t>
             </a:r>
           </a:p>
         </p:txBody>
@@ -10230,7 +10476,7 @@
           <a:p>
             <a:r>
               <a:rPr lang="ru-RU" dirty="0"/>
-              <a:t>обратный произвольный переход не рассматривается</a:t>
+              <a:t>обратный произвольный переход не рассматривается (нет диссоциации)</a:t>
             </a:r>
             <a:r>
               <a:rPr lang="en-US" dirty="0"/>
@@ -10260,7 +10506,7 @@
             </a:pPr>
             <a:r>
               <a:rPr lang="ru-RU" dirty="0"/>
-              <a:t>Известная кривая </a:t>
+              <a:t>Известна кривая </a:t>
             </a:r>
             <a:r>
               <a:rPr lang="ru-RU" dirty="0" err="1"/>
@@ -10285,12 +10531,8 @@
           </a:p>
           <a:p>
             <a:r>
-              <a:rPr lang="ru-RU" dirty="0" err="1"/>
-              <a:t>парфинов</a:t>
-            </a:r>
-            <a:r>
               <a:rPr lang="ru-RU" dirty="0"/>
-              <a:t> или иных примесей</a:t>
+              <a:t>парафинов или иных примесей</a:t>
             </a:r>
             <a:r>
               <a:rPr lang="en-US" dirty="0"/>
@@ -10313,7 +10555,7 @@
 </p:sld>
 </file>
 
-<file path=ppt/slides/slide14.xml><?xml version="1.0" encoding="utf-8"?>
+<file path=ppt/slides/slide19.xml><?xml version="1.0" encoding="utf-8"?>
 <p:sld xmlns:a="http://schemas.openxmlformats.org/drawingml/2006/main" xmlns:r="http://schemas.openxmlformats.org/officeDocument/2006/relationships" xmlns:p="http://schemas.openxmlformats.org/presentationml/2006/main">
   <p:cSld>
     <p:spTree>
@@ -10623,8 +10865,8 @@
         </p:nvSpPr>
         <p:spPr>
           <a:xfrm>
-            <a:off x="523349" y="2054935"/>
-            <a:ext cx="2828018" cy="369332"/>
+            <a:off x="276607" y="1244896"/>
+            <a:ext cx="11329705" cy="1754326"/>
           </a:xfrm>
           <a:prstGeom prst="rect">
             <a:avLst/>
@@ -10637,13 +10879,112 @@
           </a:bodyPr>
           <a:lstStyle/>
           <a:p>
-            <a:r>
-              <a:rPr lang="ru-RU" dirty="0">
-                <a:solidFill>
-                  <a:srgbClr val="FF0000"/>
-                </a:solidFill>
-              </a:rPr>
-              <a:t>На основе С2-С3 диаграмм</a:t>
+            <a:pPr marL="285750" indent="-285750">
+              <a:buFontTx/>
+              <a:buChar char="-"/>
+            </a:pPr>
+            <a:r>
+              <a:rPr lang="en-US" dirty="0"/>
+              <a:t>Cli-</a:t>
+            </a:r>
+            <a:r>
+              <a:rPr lang="ru-RU" dirty="0"/>
+              <a:t>утилита  для моделирования тепломассопереноса залежей с аномальными термобарическими условиями</a:t>
+            </a:r>
+          </a:p>
+          <a:p>
+            <a:pPr marL="285750" indent="-285750">
+              <a:buFontTx/>
+              <a:buChar char="-"/>
+            </a:pPr>
+            <a:r>
+              <a:rPr lang="ru-RU" dirty="0"/>
+              <a:t>Логирование шагов </a:t>
+            </a:r>
+            <a:r>
+              <a:rPr lang="ru-RU" dirty="0" err="1"/>
+              <a:t>рассчета</a:t>
+            </a:r>
+            <a:r>
+              <a:rPr lang="en-US" dirty="0"/>
+              <a:t> (SPDLOG) </a:t>
+            </a:r>
+          </a:p>
+          <a:p>
+            <a:pPr marL="285750" indent="-285750">
+              <a:buFontTx/>
+              <a:buChar char="-"/>
+            </a:pPr>
+            <a:r>
+              <a:rPr lang="ru-RU" dirty="0"/>
+              <a:t>Инициализация расчётной области из </a:t>
+            </a:r>
+            <a:r>
+              <a:rPr lang="en-US" dirty="0"/>
+              <a:t>eclipse-</a:t>
+            </a:r>
+            <a:r>
+              <a:rPr lang="ru-RU" dirty="0"/>
+              <a:t>форматов</a:t>
+            </a:r>
+            <a:r>
+              <a:rPr lang="en-US" dirty="0"/>
+              <a:t> </a:t>
+            </a:r>
+            <a:r>
+              <a:rPr lang="ru-RU" dirty="0"/>
+              <a:t>данных (</a:t>
+            </a:r>
+            <a:r>
+              <a:rPr lang="en-US" dirty="0"/>
+              <a:t>OPM-parser</a:t>
+            </a:r>
+            <a:r>
+              <a:rPr lang="ru-RU" dirty="0"/>
+              <a:t>)</a:t>
+            </a:r>
+          </a:p>
+          <a:p>
+            <a:pPr marL="285750" indent="-285750">
+              <a:buFontTx/>
+              <a:buChar char="-"/>
+            </a:pPr>
+            <a:r>
+              <a:rPr lang="ru-RU" dirty="0"/>
+              <a:t>Решение на прогноз ДУ с ЧП с учетом падения проницаемости от </a:t>
+            </a:r>
+            <a:r>
+              <a:rPr lang="ru-RU" dirty="0" err="1"/>
+              <a:t>гидратообразования</a:t>
+            </a:r>
+            <a:r>
+              <a:rPr lang="en-US" dirty="0"/>
+              <a:t> (backward Euler),</a:t>
+            </a:r>
+            <a:endParaRPr lang="ru-RU" dirty="0"/>
+          </a:p>
+          <a:p>
+            <a:r>
+              <a:rPr lang="ru-RU" dirty="0"/>
+              <a:t>решение задачи вычислительной гидродинамики</a:t>
+            </a:r>
+          </a:p>
+          <a:p>
+            <a:pPr marL="285750" indent="-285750">
+              <a:buFontTx/>
+              <a:buChar char="-"/>
+            </a:pPr>
+            <a:r>
+              <a:rPr lang="ru-RU" dirty="0"/>
+              <a:t>Экспорт данных в </a:t>
+            </a:r>
+            <a:r>
+              <a:rPr lang="en-US" dirty="0"/>
+              <a:t>HDF5/VTK </a:t>
+            </a:r>
+            <a:r>
+              <a:rPr lang="ru-RU" dirty="0"/>
+              <a:t>форматах для анализа и сравнения результатов</a:t>
             </a:r>
           </a:p>
         </p:txBody>
@@ -10661,7 +11002,441 @@
 </p:sld>
 </file>
 
-<file path=ppt/slides/slide15.xml><?xml version="1.0" encoding="utf-8"?>
+<file path=ppt/slides/slide2.xml><?xml version="1.0" encoding="utf-8"?>
+<p:sld xmlns:a="http://schemas.openxmlformats.org/drawingml/2006/main" xmlns:r="http://schemas.openxmlformats.org/officeDocument/2006/relationships" xmlns:p="http://schemas.openxmlformats.org/presentationml/2006/main">
+  <p:cSld>
+    <p:bg>
+      <p:bgPr>
+        <a:blipFill>
+          <a:blip r:embed="rId2"/>
+          <a:stretch>
+            <a:fillRect/>
+          </a:stretch>
+        </a:blipFill>
+        <a:effectLst/>
+      </p:bgPr>
+    </p:bg>
+    <p:spTree>
+      <p:nvGrpSpPr>
+        <p:cNvPr id="1" name=""/>
+        <p:cNvGrpSpPr/>
+        <p:nvPr/>
+      </p:nvGrpSpPr>
+      <p:grpSpPr>
+        <a:xfrm>
+          <a:off x="0" y="0"/>
+          <a:ext cx="0" cy="0"/>
+          <a:chOff x="0" y="0"/>
+          <a:chExt cx="0" cy="0"/>
+        </a:xfrm>
+      </p:grpSpPr>
+      <p:pic>
+        <p:nvPicPr>
+          <p:cNvPr id="4" name="Рисунок 3"/>
+          <p:cNvPicPr>
+            <a:picLocks noChangeAspect="1"/>
+          </p:cNvPicPr>
+          <p:nvPr/>
+        </p:nvPicPr>
+        <p:blipFill>
+          <a:blip r:embed="rId3"/>
+          <a:stretch>
+            <a:fillRect/>
+          </a:stretch>
+        </p:blipFill>
+        <p:spPr>
+          <a:xfrm>
+            <a:off x="5567222" y="6213254"/>
+            <a:ext cx="1057557" cy="467471"/>
+          </a:xfrm>
+          <a:prstGeom prst="rect">
+            <a:avLst/>
+          </a:prstGeom>
+        </p:spPr>
+      </p:pic>
+      <p:cxnSp>
+        <p:nvCxnSpPr>
+          <p:cNvPr id="7" name="Прямая соединительная линия 6"/>
+          <p:cNvCxnSpPr/>
+          <p:nvPr/>
+        </p:nvCxnSpPr>
+        <p:spPr>
+          <a:xfrm>
+            <a:off x="0" y="617517"/>
+            <a:ext cx="12192000" cy="0"/>
+          </a:xfrm>
+          <a:prstGeom prst="line">
+            <a:avLst/>
+          </a:prstGeom>
+          <a:ln w="12700">
+            <a:solidFill>
+              <a:srgbClr val="00B0F0"/>
+            </a:solidFill>
+          </a:ln>
+        </p:spPr>
+        <p:style>
+          <a:lnRef idx="1">
+            <a:schemeClr val="accent1"/>
+          </a:lnRef>
+          <a:fillRef idx="0">
+            <a:schemeClr val="accent1"/>
+          </a:fillRef>
+          <a:effectRef idx="0">
+            <a:schemeClr val="accent1"/>
+          </a:effectRef>
+          <a:fontRef idx="minor">
+            <a:schemeClr val="tx1"/>
+          </a:fontRef>
+        </p:style>
+      </p:cxnSp>
+      <p:sp>
+        <p:nvSpPr>
+          <p:cNvPr id="12" name="Заголовок 1"/>
+          <p:cNvSpPr txBox="1">
+            <a:spLocks/>
+          </p:cNvSpPr>
+          <p:nvPr/>
+        </p:nvSpPr>
+        <p:spPr>
+          <a:xfrm>
+            <a:off x="301124" y="131506"/>
+            <a:ext cx="7325803" cy="232898"/>
+          </a:xfrm>
+          <a:prstGeom prst="rect">
+            <a:avLst/>
+          </a:prstGeom>
+        </p:spPr>
+        <p:txBody>
+          <a:bodyPr vert="horz" lIns="91440" tIns="45720" rIns="91440" bIns="45720" rtlCol="0" anchor="t">
+            <a:noAutofit/>
+          </a:bodyPr>
+          <a:lstStyle>
+            <a:lvl1pPr algn="ctr" defTabSz="914400" rtl="0" eaLnBrk="1" latinLnBrk="0" hangingPunct="1">
+              <a:lnSpc>
+                <a:spcPct val="90000"/>
+              </a:lnSpc>
+              <a:spcBef>
+                <a:spcPct val="0"/>
+              </a:spcBef>
+              <a:buNone/>
+              <a:defRPr sz="6000" kern="1200">
+                <a:solidFill>
+                  <a:schemeClr val="tx1"/>
+                </a:solidFill>
+                <a:latin typeface="+mj-lt"/>
+                <a:ea typeface="+mj-ea"/>
+                <a:cs typeface="+mj-cs"/>
+              </a:defRPr>
+            </a:lvl1pPr>
+          </a:lstStyle>
+          <a:p>
+            <a:pPr algn="l"/>
+            <a:r>
+              <a:rPr lang="ru-RU" sz="2800" b="1" dirty="0">
+                <a:solidFill>
+                  <a:schemeClr val="tx1">
+                    <a:lumMod val="75000"/>
+                    <a:lumOff val="25000"/>
+                  </a:schemeClr>
+                </a:solidFill>
+              </a:rPr>
+              <a:t>Актуальность проблема</a:t>
+            </a:r>
+          </a:p>
+        </p:txBody>
+      </p:sp>
+      <p:sp>
+        <p:nvSpPr>
+          <p:cNvPr id="3" name="Подзаголовок 2">
+            <a:extLst>
+              <a:ext uri="{FF2B5EF4-FFF2-40B4-BE49-F238E27FC236}">
+                <a16:creationId xmlns:a16="http://schemas.microsoft.com/office/drawing/2014/main" id="{3BEEB70D-F326-5285-61B9-3BD1379EDC90}"/>
+              </a:ext>
+            </a:extLst>
+          </p:cNvPr>
+          <p:cNvSpPr txBox="1">
+            <a:spLocks/>
+          </p:cNvSpPr>
+          <p:nvPr/>
+        </p:nvSpPr>
+        <p:spPr>
+          <a:xfrm>
+            <a:off x="301124" y="808805"/>
+            <a:ext cx="9783667" cy="948430"/>
+          </a:xfrm>
+          <a:prstGeom prst="rect">
+            <a:avLst/>
+          </a:prstGeom>
+        </p:spPr>
+        <p:txBody>
+          <a:bodyPr vert="horz" lIns="104306" tIns="52153" rIns="104306" bIns="52153" rtlCol="0">
+            <a:normAutofit fontScale="92500"/>
+          </a:bodyPr>
+          <a:lstStyle>
+            <a:lvl1pPr marL="0" indent="0" algn="ctr" defTabSz="1043056" rtl="0" eaLnBrk="1" latinLnBrk="0" hangingPunct="1">
+              <a:lnSpc>
+                <a:spcPct val="90000"/>
+              </a:lnSpc>
+              <a:spcBef>
+                <a:spcPts val="1141"/>
+              </a:spcBef>
+              <a:buFont typeface="Arial" panose="020B0604020202020204" pitchFamily="34" charset="0"/>
+              <a:buNone/>
+              <a:defRPr sz="2700" kern="1200">
+                <a:solidFill>
+                  <a:schemeClr val="tx1"/>
+                </a:solidFill>
+                <a:latin typeface="+mn-lt"/>
+                <a:ea typeface="+mn-ea"/>
+                <a:cs typeface="+mn-cs"/>
+              </a:defRPr>
+            </a:lvl1pPr>
+            <a:lvl2pPr marL="521528" indent="0" algn="ctr" defTabSz="1043056" rtl="0" eaLnBrk="1" latinLnBrk="0" hangingPunct="1">
+              <a:lnSpc>
+                <a:spcPct val="90000"/>
+              </a:lnSpc>
+              <a:spcBef>
+                <a:spcPts val="570"/>
+              </a:spcBef>
+              <a:buFont typeface="Arial" panose="020B0604020202020204" pitchFamily="34" charset="0"/>
+              <a:buNone/>
+              <a:defRPr sz="2300" kern="1200">
+                <a:solidFill>
+                  <a:schemeClr val="tx1"/>
+                </a:solidFill>
+                <a:latin typeface="+mn-lt"/>
+                <a:ea typeface="+mn-ea"/>
+                <a:cs typeface="+mn-cs"/>
+              </a:defRPr>
+            </a:lvl2pPr>
+            <a:lvl3pPr marL="1043056" indent="0" algn="ctr" defTabSz="1043056" rtl="0" eaLnBrk="1" latinLnBrk="0" hangingPunct="1">
+              <a:lnSpc>
+                <a:spcPct val="90000"/>
+              </a:lnSpc>
+              <a:spcBef>
+                <a:spcPts val="570"/>
+              </a:spcBef>
+              <a:buFont typeface="Arial" panose="020B0604020202020204" pitchFamily="34" charset="0"/>
+              <a:buNone/>
+              <a:defRPr sz="2100" kern="1200">
+                <a:solidFill>
+                  <a:schemeClr val="tx1"/>
+                </a:solidFill>
+                <a:latin typeface="+mn-lt"/>
+                <a:ea typeface="+mn-ea"/>
+                <a:cs typeface="+mn-cs"/>
+              </a:defRPr>
+            </a:lvl3pPr>
+            <a:lvl4pPr marL="1564584" indent="0" algn="ctr" defTabSz="1043056" rtl="0" eaLnBrk="1" latinLnBrk="0" hangingPunct="1">
+              <a:lnSpc>
+                <a:spcPct val="90000"/>
+              </a:lnSpc>
+              <a:spcBef>
+                <a:spcPts val="570"/>
+              </a:spcBef>
+              <a:buFont typeface="Arial" panose="020B0604020202020204" pitchFamily="34" charset="0"/>
+              <a:buNone/>
+              <a:defRPr sz="1800" kern="1200">
+                <a:solidFill>
+                  <a:schemeClr val="tx1"/>
+                </a:solidFill>
+                <a:latin typeface="+mn-lt"/>
+                <a:ea typeface="+mn-ea"/>
+                <a:cs typeface="+mn-cs"/>
+              </a:defRPr>
+            </a:lvl4pPr>
+            <a:lvl5pPr marL="2086112" indent="0" algn="ctr" defTabSz="1043056" rtl="0" eaLnBrk="1" latinLnBrk="0" hangingPunct="1">
+              <a:lnSpc>
+                <a:spcPct val="90000"/>
+              </a:lnSpc>
+              <a:spcBef>
+                <a:spcPts val="570"/>
+              </a:spcBef>
+              <a:buFont typeface="Arial" panose="020B0604020202020204" pitchFamily="34" charset="0"/>
+              <a:buNone/>
+              <a:defRPr sz="1800" kern="1200">
+                <a:solidFill>
+                  <a:schemeClr val="tx1"/>
+                </a:solidFill>
+                <a:latin typeface="+mn-lt"/>
+                <a:ea typeface="+mn-ea"/>
+                <a:cs typeface="+mn-cs"/>
+              </a:defRPr>
+            </a:lvl5pPr>
+            <a:lvl6pPr marL="2607640" indent="0" algn="ctr" defTabSz="1043056" rtl="0" eaLnBrk="1" latinLnBrk="0" hangingPunct="1">
+              <a:lnSpc>
+                <a:spcPct val="90000"/>
+              </a:lnSpc>
+              <a:spcBef>
+                <a:spcPts val="570"/>
+              </a:spcBef>
+              <a:buFont typeface="Arial" panose="020B0604020202020204" pitchFamily="34" charset="0"/>
+              <a:buNone/>
+              <a:defRPr sz="1800" kern="1200">
+                <a:solidFill>
+                  <a:schemeClr val="tx1"/>
+                </a:solidFill>
+                <a:latin typeface="+mn-lt"/>
+                <a:ea typeface="+mn-ea"/>
+                <a:cs typeface="+mn-cs"/>
+              </a:defRPr>
+            </a:lvl6pPr>
+            <a:lvl7pPr marL="3129168" indent="0" algn="ctr" defTabSz="1043056" rtl="0" eaLnBrk="1" latinLnBrk="0" hangingPunct="1">
+              <a:lnSpc>
+                <a:spcPct val="90000"/>
+              </a:lnSpc>
+              <a:spcBef>
+                <a:spcPts val="570"/>
+              </a:spcBef>
+              <a:buFont typeface="Arial" panose="020B0604020202020204" pitchFamily="34" charset="0"/>
+              <a:buNone/>
+              <a:defRPr sz="1800" kern="1200">
+                <a:solidFill>
+                  <a:schemeClr val="tx1"/>
+                </a:solidFill>
+                <a:latin typeface="+mn-lt"/>
+                <a:ea typeface="+mn-ea"/>
+                <a:cs typeface="+mn-cs"/>
+              </a:defRPr>
+            </a:lvl7pPr>
+            <a:lvl8pPr marL="3650696" indent="0" algn="ctr" defTabSz="1043056" rtl="0" eaLnBrk="1" latinLnBrk="0" hangingPunct="1">
+              <a:lnSpc>
+                <a:spcPct val="90000"/>
+              </a:lnSpc>
+              <a:spcBef>
+                <a:spcPts val="570"/>
+              </a:spcBef>
+              <a:buFont typeface="Arial" panose="020B0604020202020204" pitchFamily="34" charset="0"/>
+              <a:buNone/>
+              <a:defRPr sz="1800" kern="1200">
+                <a:solidFill>
+                  <a:schemeClr val="tx1"/>
+                </a:solidFill>
+                <a:latin typeface="+mn-lt"/>
+                <a:ea typeface="+mn-ea"/>
+                <a:cs typeface="+mn-cs"/>
+              </a:defRPr>
+            </a:lvl8pPr>
+            <a:lvl9pPr marL="4172224" indent="0" algn="ctr" defTabSz="1043056" rtl="0" eaLnBrk="1" latinLnBrk="0" hangingPunct="1">
+              <a:lnSpc>
+                <a:spcPct val="90000"/>
+              </a:lnSpc>
+              <a:spcBef>
+                <a:spcPts val="570"/>
+              </a:spcBef>
+              <a:buFont typeface="Arial" panose="020B0604020202020204" pitchFamily="34" charset="0"/>
+              <a:buNone/>
+              <a:defRPr sz="1800" kern="1200">
+                <a:solidFill>
+                  <a:schemeClr val="tx1"/>
+                </a:solidFill>
+                <a:latin typeface="+mn-lt"/>
+                <a:ea typeface="+mn-ea"/>
+                <a:cs typeface="+mn-cs"/>
+              </a:defRPr>
+            </a:lvl9pPr>
+          </a:lstStyle>
+          <a:p>
+            <a:pPr algn="l"/>
+            <a:r>
+              <a:rPr lang="ru-RU" dirty="0"/>
+              <a:t>Вовлечение в разработку залежей с аномальными термобарическими условиями – актуальный вызов для нефтегазовой отрасли.</a:t>
+            </a:r>
+          </a:p>
+        </p:txBody>
+      </p:sp>
+      <p:pic>
+        <p:nvPicPr>
+          <p:cNvPr id="5" name="Рисунок 4">
+            <a:extLst>
+              <a:ext uri="{FF2B5EF4-FFF2-40B4-BE49-F238E27FC236}">
+                <a16:creationId xmlns:a16="http://schemas.microsoft.com/office/drawing/2014/main" id="{1C659C20-D0AE-75CF-2D85-1A52497962F5}"/>
+              </a:ext>
+            </a:extLst>
+          </p:cNvPr>
+          <p:cNvPicPr>
+            <a:picLocks noChangeAspect="1"/>
+          </p:cNvPicPr>
+          <p:nvPr/>
+        </p:nvPicPr>
+        <p:blipFill>
+          <a:blip r:embed="rId4"/>
+          <a:stretch>
+            <a:fillRect/>
+          </a:stretch>
+        </p:blipFill>
+        <p:spPr>
+          <a:xfrm>
+            <a:off x="2826495" y="1617511"/>
+            <a:ext cx="5450872" cy="4049458"/>
+          </a:xfrm>
+          <a:prstGeom prst="rect">
+            <a:avLst/>
+          </a:prstGeom>
+        </p:spPr>
+      </p:pic>
+      <p:sp>
+        <p:nvSpPr>
+          <p:cNvPr id="6" name="TextBox 5">
+            <a:extLst>
+              <a:ext uri="{FF2B5EF4-FFF2-40B4-BE49-F238E27FC236}">
+                <a16:creationId xmlns:a16="http://schemas.microsoft.com/office/drawing/2014/main" id="{4EC3AA89-6608-DFE6-34D3-9D703EC8C04E}"/>
+              </a:ext>
+            </a:extLst>
+          </p:cNvPr>
+          <p:cNvSpPr txBox="1"/>
+          <p:nvPr/>
+        </p:nvSpPr>
+        <p:spPr>
+          <a:xfrm>
+            <a:off x="1418597" y="5609099"/>
+            <a:ext cx="9354806" cy="568041"/>
+          </a:xfrm>
+          <a:prstGeom prst="rect">
+            <a:avLst/>
+          </a:prstGeom>
+          <a:noFill/>
+        </p:spPr>
+        <p:txBody>
+          <a:bodyPr wrap="square">
+            <a:spAutoFit/>
+          </a:bodyPr>
+          <a:lstStyle/>
+          <a:p>
+            <a:pPr algn="just">
+              <a:lnSpc>
+                <a:spcPct val="115000"/>
+              </a:lnSpc>
+              <a:spcAft>
+                <a:spcPts val="1000"/>
+              </a:spcAft>
+              <a:buNone/>
+            </a:pPr>
+            <a:r>
+              <a:rPr lang="ru-RU" sz="1400" dirty="0">
+                <a:effectLst/>
+                <a:latin typeface="Times New Roman" panose="02020603050405020304" pitchFamily="18" charset="0"/>
+                <a:ea typeface="Calibri" panose="020F0502020204030204" pitchFamily="34" charset="0"/>
+              </a:rPr>
+              <a:t>Укрупненная группировка упоминаемых в публикациях месторождений на стратиграфической шкале (на основе материалов всероссийского научно-исследовательского геологического института им. А.П. Карпинского)</a:t>
+            </a:r>
+          </a:p>
+        </p:txBody>
+      </p:sp>
+    </p:spTree>
+    <p:extLst>
+      <p:ext uri="{BB962C8B-B14F-4D97-AF65-F5344CB8AC3E}">
+        <p14:creationId xmlns:p14="http://schemas.microsoft.com/office/powerpoint/2010/main" val="3683339947"/>
+      </p:ext>
+    </p:extLst>
+  </p:cSld>
+  <p:clrMapOvr>
+    <a:masterClrMapping/>
+  </p:clrMapOvr>
+</p:sld>
+</file>
+
+<file path=ppt/slides/slide20.xml><?xml version="1.0" encoding="utf-8"?>
 <p:sld xmlns:a="http://schemas.openxmlformats.org/drawingml/2006/main" xmlns:r="http://schemas.openxmlformats.org/officeDocument/2006/relationships" xmlns:p="http://schemas.openxmlformats.org/presentationml/2006/main">
   <p:cSld>
     <p:spTree>
@@ -10985,7 +11760,7 @@
         </p:blipFill>
         <p:spPr>
           <a:xfrm>
-            <a:off x="2428089" y="670630"/>
+            <a:off x="2124958" y="740500"/>
             <a:ext cx="7840527" cy="5161429"/>
           </a:xfrm>
           <a:prstGeom prst="rect">
@@ -11007,7 +11782,7 @@
         </p:nvSpPr>
         <p:spPr>
           <a:xfrm>
-            <a:off x="2965986" y="5832059"/>
+            <a:off x="2548553" y="5901929"/>
             <a:ext cx="1739222" cy="338554"/>
           </a:xfrm>
           <a:prstGeom prst="rect">
@@ -11046,7 +11821,7 @@
 </p:sld>
 </file>
 
-<file path=ppt/slides/slide16.xml><?xml version="1.0" encoding="utf-8"?>
+<file path=ppt/slides/slide21.xml><?xml version="1.0" encoding="utf-8"?>
 <p:sld xmlns:a="http://schemas.openxmlformats.org/drawingml/2006/main" xmlns:r="http://schemas.openxmlformats.org/officeDocument/2006/relationships" xmlns:p="http://schemas.openxmlformats.org/presentationml/2006/main">
   <p:cSld>
     <p:spTree>
@@ -11413,7 +12188,7 @@
             </a:pPr>
             <a:r>
               <a:rPr lang="ru-RU" sz="1800" dirty="0"/>
-              <a:t>В процессе разработки физико-математическая модель</a:t>
+              <a:t>Выполнена первая итерация разработки физико-математической модели</a:t>
             </a:r>
           </a:p>
           <a:p>
@@ -11465,7 +12240,7 @@
 </p:sld>
 </file>
 
-<file path=ppt/slides/slide17.xml><?xml version="1.0" encoding="utf-8"?>
+<file path=ppt/slides/slide22.xml><?xml version="1.0" encoding="utf-8"?>
 <p:sld xmlns:a="http://schemas.openxmlformats.org/drawingml/2006/main" xmlns:r="http://schemas.openxmlformats.org/officeDocument/2006/relationships" xmlns:p="http://schemas.openxmlformats.org/presentationml/2006/main">
   <p:cSld>
     <p:spTree>
@@ -12107,7 +12882,7 @@
         <p:spPr>
           <a:xfrm>
             <a:off x="270300" y="4117491"/>
-            <a:ext cx="11739730" cy="1022459"/>
+            <a:ext cx="11739730" cy="1787797"/>
           </a:xfrm>
           <a:prstGeom prst="rect">
             <a:avLst/>
@@ -12120,24 +12895,16 @@
           </a:bodyPr>
           <a:lstStyle/>
           <a:p>
-            <a:pPr>
+            <a:pPr marL="285750" indent="-285750">
               <a:lnSpc>
                 <a:spcPct val="115000"/>
               </a:lnSpc>
               <a:spcAft>
                 <a:spcPts val="1000"/>
               </a:spcAft>
-              <a:buNone/>
+              <a:buFontTx/>
+              <a:buChar char="-"/>
             </a:pPr>
-            <a:r>
-              <a:rPr lang="en-US" sz="1800" dirty="0">
-                <a:effectLst/>
-                <a:latin typeface="Times New Roman" panose="02020603050405020304" pitchFamily="18" charset="0"/>
-                <a:ea typeface="Times New Roman" panose="02020603050405020304" pitchFamily="18" charset="0"/>
-                <a:cs typeface="Arial" panose="020B0604020202020204" pitchFamily="34" charset="0"/>
-              </a:rPr>
-              <a:t>- </a:t>
-            </a:r>
             <a:r>
               <a:rPr lang="ru-RU" sz="1800" dirty="0">
                 <a:effectLst/>
@@ -12170,6 +12937,72 @@
                 <a:latin typeface="Times New Roman" panose="02020603050405020304" pitchFamily="18" charset="0"/>
                 <a:ea typeface="Times New Roman" panose="02020603050405020304" pitchFamily="18" charset="0"/>
                 <a:cs typeface="Arial" panose="020B0604020202020204" pitchFamily="34" charset="0"/>
+              </a:rPr>
+              <a:t>”</a:t>
+            </a:r>
+            <a:endParaRPr lang="ru-RU" sz="1800" dirty="0">
+              <a:effectLst/>
+              <a:latin typeface="Times New Roman" panose="02020603050405020304" pitchFamily="18" charset="0"/>
+              <a:ea typeface="Times New Roman" panose="02020603050405020304" pitchFamily="18" charset="0"/>
+              <a:cs typeface="Arial" panose="020B0604020202020204" pitchFamily="34" charset="0"/>
+            </a:endParaRPr>
+          </a:p>
+          <a:p>
+            <a:pPr marL="285750" indent="-285750">
+              <a:lnSpc>
+                <a:spcPct val="115000"/>
+              </a:lnSpc>
+              <a:spcAft>
+                <a:spcPts val="1000"/>
+              </a:spcAft>
+              <a:buFontTx/>
+              <a:buChar char="-"/>
+            </a:pPr>
+            <a:r>
+              <a:rPr lang="ru-RU" sz="1800" dirty="0">
+                <a:effectLst/>
+                <a:latin typeface="Times New Roman" panose="02020603050405020304" pitchFamily="18" charset="0"/>
+                <a:ea typeface="Calibri" panose="020F0502020204030204" pitchFamily="34" charset="0"/>
+              </a:rPr>
+              <a:t>Статья </a:t>
+            </a:r>
+            <a:r>
+              <a:rPr lang="en-US" sz="1800" dirty="0">
+                <a:effectLst/>
+                <a:latin typeface="Times New Roman" panose="02020603050405020304" pitchFamily="18" charset="0"/>
+                <a:ea typeface="Calibri" panose="020F0502020204030204" pitchFamily="34" charset="0"/>
+              </a:rPr>
+              <a:t>“</a:t>
+            </a:r>
+            <a:r>
+              <a:rPr lang="ru-RU" sz="1800" dirty="0">
+                <a:effectLst/>
+                <a:latin typeface="Times New Roman" panose="02020603050405020304" pitchFamily="18" charset="0"/>
+                <a:ea typeface="Calibri" panose="020F0502020204030204" pitchFamily="34" charset="0"/>
+              </a:rPr>
+              <a:t>Физико-математическая модель тепломассопереноса в </a:t>
+            </a:r>
+            <a:r>
+              <a:rPr lang="ru-RU" sz="1800" dirty="0" err="1">
+                <a:effectLst/>
+                <a:latin typeface="Times New Roman" panose="02020603050405020304" pitchFamily="18" charset="0"/>
+                <a:ea typeface="Calibri" panose="020F0502020204030204" pitchFamily="34" charset="0"/>
+              </a:rPr>
+              <a:t>газовы</a:t>
+            </a:r>
+            <a:r>
+              <a:rPr lang="ru-RU" sz="1800" dirty="0">
+                <a:effectLst/>
+                <a:latin typeface="Times New Roman" panose="02020603050405020304" pitchFamily="18" charset="0"/>
+                <a:ea typeface="Calibri" panose="020F0502020204030204" pitchFamily="34" charset="0"/>
+              </a:rPr>
+              <a:t> пластах с учетом фазовых переходов в газовые гидраты</a:t>
+            </a:r>
+            <a:r>
+              <a:rPr lang="en-US" sz="1800" dirty="0">
+                <a:effectLst/>
+                <a:latin typeface="Times New Roman" panose="02020603050405020304" pitchFamily="18" charset="0"/>
+                <a:ea typeface="Calibri" panose="020F0502020204030204" pitchFamily="34" charset="0"/>
               </a:rPr>
               <a:t>”</a:t>
             </a:r>
@@ -12194,7 +13027,7 @@
 </p:sld>
 </file>
 
-<file path=ppt/slides/slide18.xml><?xml version="1.0" encoding="utf-8"?>
+<file path=ppt/slides/slide23.xml><?xml version="1.0" encoding="utf-8"?>
 <p:sld xmlns:a="http://schemas.openxmlformats.org/drawingml/2006/main" xmlns:r="http://schemas.openxmlformats.org/officeDocument/2006/relationships" xmlns:p="http://schemas.openxmlformats.org/presentationml/2006/main">
   <p:cSld>
     <p:bg>
@@ -12314,7 +13147,7 @@
 </p:sld>
 </file>
 
-<file path=ppt/slides/slide19.xml><?xml version="1.0" encoding="utf-8"?>
+<file path=ppt/slides/slide24.xml><?xml version="1.0" encoding="utf-8"?>
 <p:sld xmlns:a="http://schemas.openxmlformats.org/drawingml/2006/main" xmlns:r="http://schemas.openxmlformats.org/officeDocument/2006/relationships" xmlns:p="http://schemas.openxmlformats.org/presentationml/2006/main">
   <p:cSld>
     <p:spTree>
@@ -12602,16 +13435,10 @@
           <a:p>
             <a:pPr algn="l"/>
             <a:r>
-              <a:rPr lang="ru-RU" sz="2400" b="1" dirty="0" err="1">
-                <a:latin typeface="Fira Sans Bold"/>
-              </a:rPr>
-              <a:t>Интеграоьная</a:t>
-            </a:r>
-            <a:r>
               <a:rPr lang="ru-RU" sz="2400" b="1" dirty="0">
                 <a:latin typeface="Fira Sans Bold"/>
               </a:rPr>
-              <a:t> форма для закона сохранения энергии</a:t>
+              <a:t>Интегральная форма для закона сохранения энергии</a:t>
             </a:r>
           </a:p>
         </p:txBody>
@@ -12659,441 +13486,7 @@
 </p:sld>
 </file>
 
-<file path=ppt/slides/slide2.xml><?xml version="1.0" encoding="utf-8"?>
-<p:sld xmlns:a="http://schemas.openxmlformats.org/drawingml/2006/main" xmlns:r="http://schemas.openxmlformats.org/officeDocument/2006/relationships" xmlns:p="http://schemas.openxmlformats.org/presentationml/2006/main">
-  <p:cSld>
-    <p:bg>
-      <p:bgPr>
-        <a:blipFill>
-          <a:blip r:embed="rId2"/>
-          <a:stretch>
-            <a:fillRect/>
-          </a:stretch>
-        </a:blipFill>
-        <a:effectLst/>
-      </p:bgPr>
-    </p:bg>
-    <p:spTree>
-      <p:nvGrpSpPr>
-        <p:cNvPr id="1" name=""/>
-        <p:cNvGrpSpPr/>
-        <p:nvPr/>
-      </p:nvGrpSpPr>
-      <p:grpSpPr>
-        <a:xfrm>
-          <a:off x="0" y="0"/>
-          <a:ext cx="0" cy="0"/>
-          <a:chOff x="0" y="0"/>
-          <a:chExt cx="0" cy="0"/>
-        </a:xfrm>
-      </p:grpSpPr>
-      <p:pic>
-        <p:nvPicPr>
-          <p:cNvPr id="4" name="Рисунок 3"/>
-          <p:cNvPicPr>
-            <a:picLocks noChangeAspect="1"/>
-          </p:cNvPicPr>
-          <p:nvPr/>
-        </p:nvPicPr>
-        <p:blipFill>
-          <a:blip r:embed="rId3"/>
-          <a:stretch>
-            <a:fillRect/>
-          </a:stretch>
-        </p:blipFill>
-        <p:spPr>
-          <a:xfrm>
-            <a:off x="5567222" y="6213254"/>
-            <a:ext cx="1057557" cy="467471"/>
-          </a:xfrm>
-          <a:prstGeom prst="rect">
-            <a:avLst/>
-          </a:prstGeom>
-        </p:spPr>
-      </p:pic>
-      <p:cxnSp>
-        <p:nvCxnSpPr>
-          <p:cNvPr id="7" name="Прямая соединительная линия 6"/>
-          <p:cNvCxnSpPr/>
-          <p:nvPr/>
-        </p:nvCxnSpPr>
-        <p:spPr>
-          <a:xfrm>
-            <a:off x="0" y="617517"/>
-            <a:ext cx="12192000" cy="0"/>
-          </a:xfrm>
-          <a:prstGeom prst="line">
-            <a:avLst/>
-          </a:prstGeom>
-          <a:ln w="12700">
-            <a:solidFill>
-              <a:srgbClr val="00B0F0"/>
-            </a:solidFill>
-          </a:ln>
-        </p:spPr>
-        <p:style>
-          <a:lnRef idx="1">
-            <a:schemeClr val="accent1"/>
-          </a:lnRef>
-          <a:fillRef idx="0">
-            <a:schemeClr val="accent1"/>
-          </a:fillRef>
-          <a:effectRef idx="0">
-            <a:schemeClr val="accent1"/>
-          </a:effectRef>
-          <a:fontRef idx="minor">
-            <a:schemeClr val="tx1"/>
-          </a:fontRef>
-        </p:style>
-      </p:cxnSp>
-      <p:sp>
-        <p:nvSpPr>
-          <p:cNvPr id="12" name="Заголовок 1"/>
-          <p:cNvSpPr txBox="1">
-            <a:spLocks/>
-          </p:cNvSpPr>
-          <p:nvPr/>
-        </p:nvSpPr>
-        <p:spPr>
-          <a:xfrm>
-            <a:off x="301124" y="131506"/>
-            <a:ext cx="7325803" cy="232898"/>
-          </a:xfrm>
-          <a:prstGeom prst="rect">
-            <a:avLst/>
-          </a:prstGeom>
-        </p:spPr>
-        <p:txBody>
-          <a:bodyPr vert="horz" lIns="91440" tIns="45720" rIns="91440" bIns="45720" rtlCol="0" anchor="t">
-            <a:noAutofit/>
-          </a:bodyPr>
-          <a:lstStyle>
-            <a:lvl1pPr algn="ctr" defTabSz="914400" rtl="0" eaLnBrk="1" latinLnBrk="0" hangingPunct="1">
-              <a:lnSpc>
-                <a:spcPct val="90000"/>
-              </a:lnSpc>
-              <a:spcBef>
-                <a:spcPct val="0"/>
-              </a:spcBef>
-              <a:buNone/>
-              <a:defRPr sz="6000" kern="1200">
-                <a:solidFill>
-                  <a:schemeClr val="tx1"/>
-                </a:solidFill>
-                <a:latin typeface="+mj-lt"/>
-                <a:ea typeface="+mj-ea"/>
-                <a:cs typeface="+mj-cs"/>
-              </a:defRPr>
-            </a:lvl1pPr>
-          </a:lstStyle>
-          <a:p>
-            <a:pPr algn="l"/>
-            <a:r>
-              <a:rPr lang="ru-RU" sz="2800" b="1" dirty="0">
-                <a:solidFill>
-                  <a:schemeClr val="tx1">
-                    <a:lumMod val="75000"/>
-                    <a:lumOff val="25000"/>
-                  </a:schemeClr>
-                </a:solidFill>
-              </a:rPr>
-              <a:t>Актуальность проблема</a:t>
-            </a:r>
-          </a:p>
-        </p:txBody>
-      </p:sp>
-      <p:sp>
-        <p:nvSpPr>
-          <p:cNvPr id="3" name="Подзаголовок 2">
-            <a:extLst>
-              <a:ext uri="{FF2B5EF4-FFF2-40B4-BE49-F238E27FC236}">
-                <a16:creationId xmlns:a16="http://schemas.microsoft.com/office/drawing/2014/main" id="{3BEEB70D-F326-5285-61B9-3BD1379EDC90}"/>
-              </a:ext>
-            </a:extLst>
-          </p:cNvPr>
-          <p:cNvSpPr txBox="1">
-            <a:spLocks/>
-          </p:cNvSpPr>
-          <p:nvPr/>
-        </p:nvSpPr>
-        <p:spPr>
-          <a:xfrm>
-            <a:off x="301124" y="808805"/>
-            <a:ext cx="9783667" cy="948430"/>
-          </a:xfrm>
-          <a:prstGeom prst="rect">
-            <a:avLst/>
-          </a:prstGeom>
-        </p:spPr>
-        <p:txBody>
-          <a:bodyPr vert="horz" lIns="104306" tIns="52153" rIns="104306" bIns="52153" rtlCol="0">
-            <a:normAutofit fontScale="92500"/>
-          </a:bodyPr>
-          <a:lstStyle>
-            <a:lvl1pPr marL="0" indent="0" algn="ctr" defTabSz="1043056" rtl="0" eaLnBrk="1" latinLnBrk="0" hangingPunct="1">
-              <a:lnSpc>
-                <a:spcPct val="90000"/>
-              </a:lnSpc>
-              <a:spcBef>
-                <a:spcPts val="1141"/>
-              </a:spcBef>
-              <a:buFont typeface="Arial" panose="020B0604020202020204" pitchFamily="34" charset="0"/>
-              <a:buNone/>
-              <a:defRPr sz="2700" kern="1200">
-                <a:solidFill>
-                  <a:schemeClr val="tx1"/>
-                </a:solidFill>
-                <a:latin typeface="+mn-lt"/>
-                <a:ea typeface="+mn-ea"/>
-                <a:cs typeface="+mn-cs"/>
-              </a:defRPr>
-            </a:lvl1pPr>
-            <a:lvl2pPr marL="521528" indent="0" algn="ctr" defTabSz="1043056" rtl="0" eaLnBrk="1" latinLnBrk="0" hangingPunct="1">
-              <a:lnSpc>
-                <a:spcPct val="90000"/>
-              </a:lnSpc>
-              <a:spcBef>
-                <a:spcPts val="570"/>
-              </a:spcBef>
-              <a:buFont typeface="Arial" panose="020B0604020202020204" pitchFamily="34" charset="0"/>
-              <a:buNone/>
-              <a:defRPr sz="2300" kern="1200">
-                <a:solidFill>
-                  <a:schemeClr val="tx1"/>
-                </a:solidFill>
-                <a:latin typeface="+mn-lt"/>
-                <a:ea typeface="+mn-ea"/>
-                <a:cs typeface="+mn-cs"/>
-              </a:defRPr>
-            </a:lvl2pPr>
-            <a:lvl3pPr marL="1043056" indent="0" algn="ctr" defTabSz="1043056" rtl="0" eaLnBrk="1" latinLnBrk="0" hangingPunct="1">
-              <a:lnSpc>
-                <a:spcPct val="90000"/>
-              </a:lnSpc>
-              <a:spcBef>
-                <a:spcPts val="570"/>
-              </a:spcBef>
-              <a:buFont typeface="Arial" panose="020B0604020202020204" pitchFamily="34" charset="0"/>
-              <a:buNone/>
-              <a:defRPr sz="2100" kern="1200">
-                <a:solidFill>
-                  <a:schemeClr val="tx1"/>
-                </a:solidFill>
-                <a:latin typeface="+mn-lt"/>
-                <a:ea typeface="+mn-ea"/>
-                <a:cs typeface="+mn-cs"/>
-              </a:defRPr>
-            </a:lvl3pPr>
-            <a:lvl4pPr marL="1564584" indent="0" algn="ctr" defTabSz="1043056" rtl="0" eaLnBrk="1" latinLnBrk="0" hangingPunct="1">
-              <a:lnSpc>
-                <a:spcPct val="90000"/>
-              </a:lnSpc>
-              <a:spcBef>
-                <a:spcPts val="570"/>
-              </a:spcBef>
-              <a:buFont typeface="Arial" panose="020B0604020202020204" pitchFamily="34" charset="0"/>
-              <a:buNone/>
-              <a:defRPr sz="1800" kern="1200">
-                <a:solidFill>
-                  <a:schemeClr val="tx1"/>
-                </a:solidFill>
-                <a:latin typeface="+mn-lt"/>
-                <a:ea typeface="+mn-ea"/>
-                <a:cs typeface="+mn-cs"/>
-              </a:defRPr>
-            </a:lvl4pPr>
-            <a:lvl5pPr marL="2086112" indent="0" algn="ctr" defTabSz="1043056" rtl="0" eaLnBrk="1" latinLnBrk="0" hangingPunct="1">
-              <a:lnSpc>
-                <a:spcPct val="90000"/>
-              </a:lnSpc>
-              <a:spcBef>
-                <a:spcPts val="570"/>
-              </a:spcBef>
-              <a:buFont typeface="Arial" panose="020B0604020202020204" pitchFamily="34" charset="0"/>
-              <a:buNone/>
-              <a:defRPr sz="1800" kern="1200">
-                <a:solidFill>
-                  <a:schemeClr val="tx1"/>
-                </a:solidFill>
-                <a:latin typeface="+mn-lt"/>
-                <a:ea typeface="+mn-ea"/>
-                <a:cs typeface="+mn-cs"/>
-              </a:defRPr>
-            </a:lvl5pPr>
-            <a:lvl6pPr marL="2607640" indent="0" algn="ctr" defTabSz="1043056" rtl="0" eaLnBrk="1" latinLnBrk="0" hangingPunct="1">
-              <a:lnSpc>
-                <a:spcPct val="90000"/>
-              </a:lnSpc>
-              <a:spcBef>
-                <a:spcPts val="570"/>
-              </a:spcBef>
-              <a:buFont typeface="Arial" panose="020B0604020202020204" pitchFamily="34" charset="0"/>
-              <a:buNone/>
-              <a:defRPr sz="1800" kern="1200">
-                <a:solidFill>
-                  <a:schemeClr val="tx1"/>
-                </a:solidFill>
-                <a:latin typeface="+mn-lt"/>
-                <a:ea typeface="+mn-ea"/>
-                <a:cs typeface="+mn-cs"/>
-              </a:defRPr>
-            </a:lvl6pPr>
-            <a:lvl7pPr marL="3129168" indent="0" algn="ctr" defTabSz="1043056" rtl="0" eaLnBrk="1" latinLnBrk="0" hangingPunct="1">
-              <a:lnSpc>
-                <a:spcPct val="90000"/>
-              </a:lnSpc>
-              <a:spcBef>
-                <a:spcPts val="570"/>
-              </a:spcBef>
-              <a:buFont typeface="Arial" panose="020B0604020202020204" pitchFamily="34" charset="0"/>
-              <a:buNone/>
-              <a:defRPr sz="1800" kern="1200">
-                <a:solidFill>
-                  <a:schemeClr val="tx1"/>
-                </a:solidFill>
-                <a:latin typeface="+mn-lt"/>
-                <a:ea typeface="+mn-ea"/>
-                <a:cs typeface="+mn-cs"/>
-              </a:defRPr>
-            </a:lvl7pPr>
-            <a:lvl8pPr marL="3650696" indent="0" algn="ctr" defTabSz="1043056" rtl="0" eaLnBrk="1" latinLnBrk="0" hangingPunct="1">
-              <a:lnSpc>
-                <a:spcPct val="90000"/>
-              </a:lnSpc>
-              <a:spcBef>
-                <a:spcPts val="570"/>
-              </a:spcBef>
-              <a:buFont typeface="Arial" panose="020B0604020202020204" pitchFamily="34" charset="0"/>
-              <a:buNone/>
-              <a:defRPr sz="1800" kern="1200">
-                <a:solidFill>
-                  <a:schemeClr val="tx1"/>
-                </a:solidFill>
-                <a:latin typeface="+mn-lt"/>
-                <a:ea typeface="+mn-ea"/>
-                <a:cs typeface="+mn-cs"/>
-              </a:defRPr>
-            </a:lvl8pPr>
-            <a:lvl9pPr marL="4172224" indent="0" algn="ctr" defTabSz="1043056" rtl="0" eaLnBrk="1" latinLnBrk="0" hangingPunct="1">
-              <a:lnSpc>
-                <a:spcPct val="90000"/>
-              </a:lnSpc>
-              <a:spcBef>
-                <a:spcPts val="570"/>
-              </a:spcBef>
-              <a:buFont typeface="Arial" panose="020B0604020202020204" pitchFamily="34" charset="0"/>
-              <a:buNone/>
-              <a:defRPr sz="1800" kern="1200">
-                <a:solidFill>
-                  <a:schemeClr val="tx1"/>
-                </a:solidFill>
-                <a:latin typeface="+mn-lt"/>
-                <a:ea typeface="+mn-ea"/>
-                <a:cs typeface="+mn-cs"/>
-              </a:defRPr>
-            </a:lvl9pPr>
-          </a:lstStyle>
-          <a:p>
-            <a:pPr algn="l"/>
-            <a:r>
-              <a:rPr lang="ru-RU" dirty="0"/>
-              <a:t>Вовлечение в разработку залежей с аномальными термобарическими условиями – актуальный вызов для нефтегазовой отрасли.</a:t>
-            </a:r>
-          </a:p>
-        </p:txBody>
-      </p:sp>
-      <p:pic>
-        <p:nvPicPr>
-          <p:cNvPr id="5" name="Рисунок 4">
-            <a:extLst>
-              <a:ext uri="{FF2B5EF4-FFF2-40B4-BE49-F238E27FC236}">
-                <a16:creationId xmlns:a16="http://schemas.microsoft.com/office/drawing/2014/main" id="{1C659C20-D0AE-75CF-2D85-1A52497962F5}"/>
-              </a:ext>
-            </a:extLst>
-          </p:cNvPr>
-          <p:cNvPicPr>
-            <a:picLocks noChangeAspect="1"/>
-          </p:cNvPicPr>
-          <p:nvPr/>
-        </p:nvPicPr>
-        <p:blipFill>
-          <a:blip r:embed="rId4"/>
-          <a:stretch>
-            <a:fillRect/>
-          </a:stretch>
-        </p:blipFill>
-        <p:spPr>
-          <a:xfrm>
-            <a:off x="2826495" y="1617511"/>
-            <a:ext cx="5450872" cy="4049458"/>
-          </a:xfrm>
-          <a:prstGeom prst="rect">
-            <a:avLst/>
-          </a:prstGeom>
-        </p:spPr>
-      </p:pic>
-      <p:sp>
-        <p:nvSpPr>
-          <p:cNvPr id="6" name="TextBox 5">
-            <a:extLst>
-              <a:ext uri="{FF2B5EF4-FFF2-40B4-BE49-F238E27FC236}">
-                <a16:creationId xmlns:a16="http://schemas.microsoft.com/office/drawing/2014/main" id="{4EC3AA89-6608-DFE6-34D3-9D703EC8C04E}"/>
-              </a:ext>
-            </a:extLst>
-          </p:cNvPr>
-          <p:cNvSpPr txBox="1"/>
-          <p:nvPr/>
-        </p:nvSpPr>
-        <p:spPr>
-          <a:xfrm>
-            <a:off x="1418597" y="5609099"/>
-            <a:ext cx="9354806" cy="568041"/>
-          </a:xfrm>
-          <a:prstGeom prst="rect">
-            <a:avLst/>
-          </a:prstGeom>
-          <a:noFill/>
-        </p:spPr>
-        <p:txBody>
-          <a:bodyPr wrap="square">
-            <a:spAutoFit/>
-          </a:bodyPr>
-          <a:lstStyle/>
-          <a:p>
-            <a:pPr algn="just">
-              <a:lnSpc>
-                <a:spcPct val="115000"/>
-              </a:lnSpc>
-              <a:spcAft>
-                <a:spcPts val="1000"/>
-              </a:spcAft>
-              <a:buNone/>
-            </a:pPr>
-            <a:r>
-              <a:rPr lang="ru-RU" sz="1400" dirty="0">
-                <a:effectLst/>
-                <a:latin typeface="Times New Roman" panose="02020603050405020304" pitchFamily="18" charset="0"/>
-                <a:ea typeface="Calibri" panose="020F0502020204030204" pitchFamily="34" charset="0"/>
-              </a:rPr>
-              <a:t>Укрупненная группировка упоминаемых в публикациях месторождений на стратиграфической шкале (на основе материалов всероссийского научно-исследовательского геологического института им. А.П. Карпинского)</a:t>
-            </a:r>
-          </a:p>
-        </p:txBody>
-      </p:sp>
-    </p:spTree>
-    <p:extLst>
-      <p:ext uri="{BB962C8B-B14F-4D97-AF65-F5344CB8AC3E}">
-        <p14:creationId xmlns:p14="http://schemas.microsoft.com/office/powerpoint/2010/main" val="3683339947"/>
-      </p:ext>
-    </p:extLst>
-  </p:cSld>
-  <p:clrMapOvr>
-    <a:masterClrMapping/>
-  </p:clrMapOvr>
-</p:sld>
-</file>
-
-<file path=ppt/slides/slide20.xml><?xml version="1.0" encoding="utf-8"?>
+<file path=ppt/slides/slide25.xml><?xml version="1.0" encoding="utf-8"?>
 <p:sld xmlns:a="http://schemas.openxmlformats.org/drawingml/2006/main" xmlns:r="http://schemas.openxmlformats.org/officeDocument/2006/relationships" xmlns:p="http://schemas.openxmlformats.org/presentationml/2006/main">
   <p:cSld>
     <p:spTree>
@@ -13432,7 +13825,7 @@
 </p:sld>
 </file>
 
-<file path=ppt/slides/slide21.xml><?xml version="1.0" encoding="utf-8"?>
+<file path=ppt/slides/slide26.xml><?xml version="1.0" encoding="utf-8"?>
 <p:sld xmlns:a="http://schemas.openxmlformats.org/drawingml/2006/main" xmlns:r="http://schemas.openxmlformats.org/officeDocument/2006/relationships" xmlns:p="http://schemas.openxmlformats.org/presentationml/2006/main">
   <p:cSld>
     <p:spTree>
@@ -13820,7 +14213,7 @@
 </p:sld>
 </file>
 
-<file path=ppt/slides/slide22.xml><?xml version="1.0" encoding="utf-8"?>
+<file path=ppt/slides/slide27.xml><?xml version="1.0" encoding="utf-8"?>
 <p:sld xmlns:a="http://schemas.openxmlformats.org/drawingml/2006/main" xmlns:r="http://schemas.openxmlformats.org/officeDocument/2006/relationships" xmlns:p="http://schemas.openxmlformats.org/presentationml/2006/main">
   <p:cSld>
     <p:spTree>
@@ -15724,7 +16117,7 @@
             </a:r>
             <a:r>
               <a:rPr lang="ru-RU" sz="1800" dirty="0"/>
-              <a:t> влияние на термодинамическое равновесие пластового флюида.</a:t>
+              <a:t> влияние на термодинамическое равновесие пластового флюида и фазовые переходы.</a:t>
             </a:r>
           </a:p>
           <a:p>
@@ -17554,7 +17947,7 @@
         </p:nvSpPr>
         <p:spPr>
           <a:xfrm>
-            <a:off x="139454" y="102379"/>
+            <a:off x="139454" y="82500"/>
             <a:ext cx="9004545" cy="464004"/>
           </a:xfrm>
           <a:prstGeom prst="rect">
@@ -17735,7 +18128,111 @@
               <a:rPr lang="ru-RU" sz="2400" b="1" dirty="0">
                 <a:latin typeface="Fira Sans Bold"/>
               </a:rPr>
-              <a:t>Численное моделирование в симуляторе</a:t>
+              <a:t>План эксперимента</a:t>
+            </a:r>
+          </a:p>
+        </p:txBody>
+      </p:sp>
+      <p:sp>
+        <p:nvSpPr>
+          <p:cNvPr id="3" name="TextBox 2">
+            <a:extLst>
+              <a:ext uri="{FF2B5EF4-FFF2-40B4-BE49-F238E27FC236}">
+                <a16:creationId xmlns:a16="http://schemas.microsoft.com/office/drawing/2014/main" id="{2E3FDA8B-1EA1-6BF3-C133-187A307F6F06}"/>
+              </a:ext>
+            </a:extLst>
+          </p:cNvPr>
+          <p:cNvSpPr txBox="1"/>
+          <p:nvPr/>
+        </p:nvSpPr>
+        <p:spPr>
+          <a:xfrm>
+            <a:off x="214516" y="1135348"/>
+            <a:ext cx="11229131" cy="1477328"/>
+          </a:xfrm>
+          <a:prstGeom prst="rect">
+            <a:avLst/>
+          </a:prstGeom>
+          <a:noFill/>
+        </p:spPr>
+        <p:txBody>
+          <a:bodyPr wrap="square">
+            <a:spAutoFit/>
+          </a:bodyPr>
+          <a:lstStyle/>
+          <a:p>
+            <a:pPr marL="342900" indent="-342900" algn="just">
+              <a:buAutoNum type="arabicParenR"/>
+            </a:pPr>
+            <a:r>
+              <a:rPr lang="ru-RU" sz="1800" dirty="0"/>
+              <a:t>Валидация и отбор скважин с аномальными кривыми продуктивности</a:t>
+            </a:r>
+          </a:p>
+          <a:p>
+            <a:pPr algn="just"/>
+            <a:r>
+              <a:rPr lang="ru-RU" sz="1800" dirty="0"/>
+              <a:t>2)</a:t>
+            </a:r>
+            <a:r>
+              <a:rPr lang="ru-RU" dirty="0"/>
+              <a:t> </a:t>
+            </a:r>
+            <a:r>
+              <a:rPr lang="ru-RU" sz="1800" dirty="0"/>
+              <a:t> Подготовка секторных моделей для целевых скважин</a:t>
+            </a:r>
+            <a:r>
+              <a:rPr lang="ru-RU" dirty="0"/>
+              <a:t> в симуляторе</a:t>
+            </a:r>
+            <a:endParaRPr lang="ru-RU" sz="1800" dirty="0"/>
+          </a:p>
+          <a:p>
+            <a:pPr algn="just"/>
+            <a:r>
+              <a:rPr lang="ru-RU" sz="1800" dirty="0"/>
+              <a:t>3) Воспроизведение режима работы скважины в соответствии с ГДИ (</a:t>
+            </a:r>
+            <a:r>
+              <a:rPr lang="en-US" sz="1800" dirty="0"/>
+              <a:t>rate-control</a:t>
+            </a:r>
+            <a:r>
+              <a:rPr lang="ru-RU" sz="1800" dirty="0"/>
+              <a:t>)</a:t>
+            </a:r>
+            <a:r>
+              <a:rPr lang="en-US" sz="1800" dirty="0"/>
+              <a:t> </a:t>
+            </a:r>
+            <a:r>
+              <a:rPr lang="ru-RU" sz="1800" dirty="0"/>
+              <a:t>для скважины</a:t>
+            </a:r>
+            <a:r>
+              <a:rPr lang="en-US" sz="1800" dirty="0"/>
+              <a:t>, </a:t>
+            </a:r>
+            <a:r>
+              <a:rPr lang="ru-RU" sz="1800" dirty="0"/>
+              <a:t>вычисление  расчётного забойного давления</a:t>
+            </a:r>
+          </a:p>
+          <a:p>
+            <a:pPr algn="just"/>
+            <a:r>
+              <a:rPr lang="ru-RU" sz="1800" dirty="0"/>
+              <a:t>4) Анализ результатов</a:t>
+            </a:r>
+            <a:r>
+              <a:rPr lang="en-US" sz="1800" dirty="0"/>
+              <a:t>, </a:t>
+            </a:r>
+            <a:r>
+              <a:rPr lang="ru-RU" sz="1800" dirty="0"/>
+              <a:t>выводы о применимости симулятора для скважин месторождения Х.</a:t>
             </a:r>
           </a:p>
         </p:txBody>
@@ -17761,7 +18258,7 @@
         <p:cNvPr id="1" name="">
           <a:extLst>
             <a:ext uri="{FF2B5EF4-FFF2-40B4-BE49-F238E27FC236}">
-              <a16:creationId xmlns:a16="http://schemas.microsoft.com/office/drawing/2014/main" id="{3AEBCBEB-57E3-76AB-F7ED-81119659C27B}"/>
+              <a16:creationId xmlns:a16="http://schemas.microsoft.com/office/drawing/2014/main" id="{29B3551D-A7D3-E98D-08B9-107EFEDDA450}"/>
             </a:ext>
           </a:extLst>
         </p:cNvPr>
@@ -17781,7 +18278,7 @@
           <p:cNvPr id="4" name="Рисунок 3">
             <a:extLst>
               <a:ext uri="{FF2B5EF4-FFF2-40B4-BE49-F238E27FC236}">
-                <a16:creationId xmlns:a16="http://schemas.microsoft.com/office/drawing/2014/main" id="{D9F0B0AD-C355-C7EF-87E8-FA77C34C3249}"/>
+                <a16:creationId xmlns:a16="http://schemas.microsoft.com/office/drawing/2014/main" id="{5E271134-98DE-F0B9-787B-E9214353EA1C}"/>
               </a:ext>
             </a:extLst>
           </p:cNvPr>
@@ -17811,7 +18308,7 @@
           <p:cNvPr id="7" name="Прямая соединительная линия 6">
             <a:extLst>
               <a:ext uri="{FF2B5EF4-FFF2-40B4-BE49-F238E27FC236}">
-                <a16:creationId xmlns:a16="http://schemas.microsoft.com/office/drawing/2014/main" id="{1342D912-8654-B548-E972-6ACE5636F856}"/>
+                <a16:creationId xmlns:a16="http://schemas.microsoft.com/office/drawing/2014/main" id="{4E1B2B35-BC58-2F42-AA14-4919780C4728}"/>
               </a:ext>
             </a:extLst>
           </p:cNvPr>
@@ -17852,7 +18349,7 @@
           <p:cNvPr id="2" name="Подзаголовок 2">
             <a:extLst>
               <a:ext uri="{FF2B5EF4-FFF2-40B4-BE49-F238E27FC236}">
-                <a16:creationId xmlns:a16="http://schemas.microsoft.com/office/drawing/2014/main" id="{A9FBE2AF-1D94-7BDD-ED5A-C306E2C4EE53}"/>
+                <a16:creationId xmlns:a16="http://schemas.microsoft.com/office/drawing/2014/main" id="{99E02B29-5C20-269E-4D6D-F4715F3F8E75}"/>
               </a:ext>
             </a:extLst>
           </p:cNvPr>
@@ -17863,8 +18360,8 @@
         </p:nvSpPr>
         <p:spPr>
           <a:xfrm>
-            <a:off x="117722" y="34120"/>
-            <a:ext cx="6582408" cy="515138"/>
+            <a:off x="139454" y="102379"/>
+            <a:ext cx="9004545" cy="464004"/>
           </a:xfrm>
           <a:prstGeom prst="rect">
             <a:avLst/>
@@ -18044,17 +18541,17 @@
               <a:rPr lang="ru-RU" sz="2400" b="1" dirty="0">
                 <a:latin typeface="Fira Sans Bold"/>
               </a:rPr>
-              <a:t>Блок-схема алгоритма (ИКР)</a:t>
+              <a:t>Анализ исходных данных</a:t>
             </a:r>
           </a:p>
         </p:txBody>
       </p:sp>
       <p:pic>
         <p:nvPicPr>
-          <p:cNvPr id="3" name="Рисунок 2">
+          <p:cNvPr id="8" name="Рисунок 7">
             <a:extLst>
               <a:ext uri="{FF2B5EF4-FFF2-40B4-BE49-F238E27FC236}">
-                <a16:creationId xmlns:a16="http://schemas.microsoft.com/office/drawing/2014/main" id="{F7B70FF3-B4CC-4501-A762-F35821794934}"/>
+                <a16:creationId xmlns:a16="http://schemas.microsoft.com/office/drawing/2014/main" id="{95B526CC-71DE-AF65-C090-10A643B4F664}"/>
               </a:ext>
             </a:extLst>
           </p:cNvPr>
@@ -18064,33 +18561,62 @@
           <p:nvPr/>
         </p:nvPicPr>
         <p:blipFill>
-          <a:blip r:embed="rId3">
-            <a:extLst>
-              <a:ext uri="{28A0092B-C50C-407E-A947-70E740481C1C}">
-                <a14:useLocalDpi xmlns:a14="http://schemas.microsoft.com/office/drawing/2010/main" val="0"/>
-              </a:ext>
-            </a:extLst>
-          </a:blip>
+          <a:blip r:embed="rId3"/>
           <a:stretch>
             <a:fillRect/>
           </a:stretch>
         </p:blipFill>
         <p:spPr>
           <a:xfrm>
-            <a:off x="1227801" y="755734"/>
-            <a:ext cx="3818904" cy="5401124"/>
+            <a:off x="456743" y="2695345"/>
+            <a:ext cx="3534252" cy="2604617"/>
           </a:xfrm>
           <a:prstGeom prst="rect">
             <a:avLst/>
           </a:prstGeom>
         </p:spPr>
       </p:pic>
+      <p:pic>
+        <p:nvPicPr>
+          <p:cNvPr id="22" name="Рисунок 21">
+            <a:extLst>
+              <a:ext uri="{FF2B5EF4-FFF2-40B4-BE49-F238E27FC236}">
+                <a16:creationId xmlns:a16="http://schemas.microsoft.com/office/drawing/2014/main" id="{260492E7-3804-7429-82A1-59B7620044FB}"/>
+              </a:ext>
+            </a:extLst>
+          </p:cNvPr>
+          <p:cNvPicPr>
+            <a:picLocks noChangeAspect="1"/>
+          </p:cNvPicPr>
+          <p:nvPr/>
+        </p:nvPicPr>
+        <p:blipFill>
+          <a:blip r:embed="rId4"/>
+          <a:stretch>
+            <a:fillRect/>
+          </a:stretch>
+        </p:blipFill>
+        <p:spPr>
+          <a:xfrm>
+            <a:off x="4310396" y="2695345"/>
+            <a:ext cx="3534252" cy="2604616"/>
+          </a:xfrm>
+          <a:prstGeom prst="rect">
+            <a:avLst/>
+          </a:prstGeom>
+          <a:ln>
+            <a:solidFill>
+              <a:srgbClr val="FFC000"/>
+            </a:solidFill>
+          </a:ln>
+        </p:spPr>
+      </p:pic>
       <p:sp>
         <p:nvSpPr>
-          <p:cNvPr id="5" name="TextBox 4">
+          <p:cNvPr id="3" name="TextBox 2">
             <a:extLst>
               <a:ext uri="{FF2B5EF4-FFF2-40B4-BE49-F238E27FC236}">
-                <a16:creationId xmlns:a16="http://schemas.microsoft.com/office/drawing/2014/main" id="{E4D9EAEE-EA33-D908-743B-35DF25DCF3E1}"/>
+                <a16:creationId xmlns:a16="http://schemas.microsoft.com/office/drawing/2014/main" id="{715824BE-B43B-5E5E-30F1-8E16ECBCA34D}"/>
               </a:ext>
             </a:extLst>
           </p:cNvPr>
@@ -18099,8 +18625,8 @@
         </p:nvSpPr>
         <p:spPr>
           <a:xfrm>
-            <a:off x="6169367" y="1167667"/>
-            <a:ext cx="4330996" cy="4031873"/>
+            <a:off x="218440" y="1000764"/>
+            <a:ext cx="11474947" cy="1477328"/>
           </a:xfrm>
           <a:prstGeom prst="rect">
             <a:avLst/>
@@ -18113,111 +18639,230 @@
           </a:bodyPr>
           <a:lstStyle/>
           <a:p>
-            <a:r>
-              <a:rPr lang="ru-RU" sz="1600" b="1" dirty="0"/>
-              <a:t>Плюсы</a:t>
-            </a:r>
-            <a:r>
-              <a:rPr lang="en-US" sz="1600" b="1" dirty="0"/>
-              <a:t>:</a:t>
-            </a:r>
-            <a:endParaRPr lang="ru-RU" sz="1600" b="1" dirty="0"/>
-          </a:p>
-          <a:p>
-            <a:pPr marL="285750" indent="-285750">
-              <a:buFontTx/>
-              <a:buChar char="-"/>
+            <a:pPr marL="342900" indent="-342900" algn="just">
+              <a:buAutoNum type="arabicParenR"/>
             </a:pPr>
             <a:r>
-              <a:rPr lang="ru-RU" sz="1600" dirty="0"/>
-              <a:t>Падение продуктивности вследствие образования гидрата</a:t>
-            </a:r>
-          </a:p>
-          <a:p>
-            <a:pPr marL="285750" indent="-285750">
-              <a:buFontTx/>
-              <a:buChar char="-"/>
-            </a:pPr>
-            <a:r>
-              <a:rPr lang="ru-RU" sz="1600" dirty="0"/>
-              <a:t>Нет потребности реализовывать численную схему для тепломассопереноса</a:t>
-            </a:r>
-          </a:p>
-          <a:p>
-            <a:endParaRPr lang="ru-RU" sz="1600" b="1" dirty="0"/>
-          </a:p>
-          <a:p>
-            <a:r>
-              <a:rPr lang="ru-RU" sz="1600" b="1" dirty="0"/>
-              <a:t>Недостатки</a:t>
-            </a:r>
-            <a:r>
-              <a:rPr lang="en-US" sz="1600" b="1" dirty="0"/>
-              <a:t>:</a:t>
-            </a:r>
-          </a:p>
-          <a:p>
-            <a:pPr marL="342900" indent="-342900">
-              <a:buFontTx/>
-              <a:buChar char="-"/>
-            </a:pPr>
-            <a:r>
-              <a:rPr lang="ru-RU" sz="1600" dirty="0"/>
-              <a:t>Завершение расчетного шага без влияния выпадения гидрата</a:t>
-            </a:r>
-            <a:r>
-              <a:rPr lang="en-US" sz="1600" dirty="0"/>
+              <a:rPr lang="ru-RU" dirty="0"/>
+              <a:t>Тип исследования происходит уменьшение диаметра устьевого штуцера</a:t>
+            </a:r>
+            <a:r>
+              <a:rPr lang="en-US" dirty="0"/>
               <a:t>, </a:t>
             </a:r>
             <a:r>
-              <a:rPr lang="ru-RU" sz="1600" dirty="0"/>
-              <a:t>влияние на продуктивность на следующем шаге</a:t>
-            </a:r>
-          </a:p>
-          <a:p>
-            <a:pPr marL="342900" indent="-342900">
-              <a:buFontTx/>
-              <a:buChar char="-"/>
-            </a:pPr>
-            <a:r>
-              <a:rPr lang="ru-RU" sz="1600" dirty="0"/>
-              <a:t>Создание промежуточных моделей</a:t>
-            </a:r>
-          </a:p>
-          <a:p>
-            <a:pPr marL="342900" indent="-342900">
-              <a:buFontTx/>
-              <a:buChar char="-"/>
-            </a:pPr>
-            <a:r>
-              <a:rPr lang="ru-RU" sz="1600" dirty="0"/>
-              <a:t>Влияние порядка обхода блоков (перенос не </a:t>
-            </a:r>
-            <a:r>
-              <a:rPr lang="ru-RU" sz="1600" dirty="0" err="1"/>
-              <a:t>кольматировавшегося</a:t>
-            </a:r>
-            <a:r>
-              <a:rPr lang="ru-RU" sz="1600" dirty="0"/>
-              <a:t> гидрата в соседние блоки)</a:t>
-            </a:r>
-          </a:p>
-          <a:p>
-            <a:pPr marL="342900" indent="-342900">
-              <a:buFontTx/>
-              <a:buChar char="-"/>
-            </a:pPr>
-            <a:r>
-              <a:rPr lang="ru-RU" sz="1600" dirty="0"/>
-              <a:t>Нет учета падения минерализации связанной воды</a:t>
-            </a:r>
+              <a:rPr lang="ru-RU" dirty="0"/>
+              <a:t>отработки скважины на режимах от 3 до 34 часов.</a:t>
+            </a:r>
+          </a:p>
+          <a:p>
+            <a:pPr algn="just"/>
+            <a:r>
+              <a:rPr lang="ru-RU" dirty="0"/>
+              <a:t>2) На основе данных ГДИ строится кривая продуктивности</a:t>
+            </a:r>
+          </a:p>
+          <a:p>
+            <a:pPr algn="just"/>
+            <a:r>
+              <a:rPr lang="ru-RU" dirty="0"/>
+              <a:t>3) Скважины с аномальным поведением кривой – кандидаты.</a:t>
+            </a:r>
+          </a:p>
+          <a:p>
+            <a:endParaRPr lang="ru-RU" dirty="0"/>
           </a:p>
         </p:txBody>
       </p:sp>
+      <p:pic>
+        <p:nvPicPr>
+          <p:cNvPr id="5" name="Рисунок 4">
+            <a:extLst>
+              <a:ext uri="{FF2B5EF4-FFF2-40B4-BE49-F238E27FC236}">
+                <a16:creationId xmlns:a16="http://schemas.microsoft.com/office/drawing/2014/main" id="{280220F1-280F-5411-EC71-B030D7B22589}"/>
+              </a:ext>
+            </a:extLst>
+          </p:cNvPr>
+          <p:cNvPicPr>
+            <a:picLocks noChangeAspect="1"/>
+          </p:cNvPicPr>
+          <p:nvPr/>
+        </p:nvPicPr>
+        <p:blipFill>
+          <a:blip r:embed="rId5"/>
+          <a:stretch>
+            <a:fillRect/>
+          </a:stretch>
+        </p:blipFill>
+        <p:spPr>
+          <a:xfrm>
+            <a:off x="8164050" y="2684814"/>
+            <a:ext cx="3548538" cy="2615145"/>
+          </a:xfrm>
+          <a:prstGeom prst="rect">
+            <a:avLst/>
+          </a:prstGeom>
+          <a:ln>
+            <a:solidFill>
+              <a:srgbClr val="FFC000"/>
+            </a:solidFill>
+          </a:ln>
+        </p:spPr>
+      </p:pic>
+      <p:cxnSp>
+        <p:nvCxnSpPr>
+          <p:cNvPr id="9" name="Прямая соединительная линия 8">
+            <a:extLst>
+              <a:ext uri="{FF2B5EF4-FFF2-40B4-BE49-F238E27FC236}">
+                <a16:creationId xmlns:a16="http://schemas.microsoft.com/office/drawing/2014/main" id="{3975B29B-403D-9933-BBF7-F9A07A99A16D}"/>
+              </a:ext>
+            </a:extLst>
+          </p:cNvPr>
+          <p:cNvCxnSpPr/>
+          <p:nvPr/>
+        </p:nvCxnSpPr>
+        <p:spPr>
+          <a:xfrm>
+            <a:off x="4831773" y="3065318"/>
+            <a:ext cx="3012875" cy="187037"/>
+          </a:xfrm>
+          <a:prstGeom prst="line">
+            <a:avLst/>
+          </a:prstGeom>
+        </p:spPr>
+        <p:style>
+          <a:lnRef idx="1">
+            <a:schemeClr val="accent1"/>
+          </a:lnRef>
+          <a:fillRef idx="0">
+            <a:schemeClr val="accent1"/>
+          </a:fillRef>
+          <a:effectRef idx="0">
+            <a:schemeClr val="accent1"/>
+          </a:effectRef>
+          <a:fontRef idx="minor">
+            <a:schemeClr val="tx1"/>
+          </a:fontRef>
+        </p:style>
+      </p:cxnSp>
+      <p:cxnSp>
+        <p:nvCxnSpPr>
+          <p:cNvPr id="10" name="Прямая соединительная линия 9">
+            <a:extLst>
+              <a:ext uri="{FF2B5EF4-FFF2-40B4-BE49-F238E27FC236}">
+                <a16:creationId xmlns:a16="http://schemas.microsoft.com/office/drawing/2014/main" id="{75F27223-1489-76E1-B832-D74F01A42448}"/>
+              </a:ext>
+            </a:extLst>
+          </p:cNvPr>
+          <p:cNvCxnSpPr>
+            <a:cxnSpLocks/>
+          </p:cNvCxnSpPr>
+          <p:nvPr/>
+        </p:nvCxnSpPr>
+        <p:spPr>
+          <a:xfrm>
+            <a:off x="6421582" y="3127664"/>
+            <a:ext cx="1288473" cy="363681"/>
+          </a:xfrm>
+          <a:prstGeom prst="line">
+            <a:avLst/>
+          </a:prstGeom>
+        </p:spPr>
+        <p:style>
+          <a:lnRef idx="1">
+            <a:schemeClr val="accent1"/>
+          </a:lnRef>
+          <a:fillRef idx="0">
+            <a:schemeClr val="accent1"/>
+          </a:fillRef>
+          <a:effectRef idx="0">
+            <a:schemeClr val="accent1"/>
+          </a:effectRef>
+          <a:fontRef idx="minor">
+            <a:schemeClr val="tx1"/>
+          </a:fontRef>
+        </p:style>
+      </p:cxnSp>
+      <p:cxnSp>
+        <p:nvCxnSpPr>
+          <p:cNvPr id="13" name="Прямая соединительная линия 12">
+            <a:extLst>
+              <a:ext uri="{FF2B5EF4-FFF2-40B4-BE49-F238E27FC236}">
+                <a16:creationId xmlns:a16="http://schemas.microsoft.com/office/drawing/2014/main" id="{009B8EC3-837B-25AF-9AB6-6A5D1CFA1A1E}"/>
+              </a:ext>
+            </a:extLst>
+          </p:cNvPr>
+          <p:cNvCxnSpPr>
+            <a:cxnSpLocks/>
+          </p:cNvCxnSpPr>
+          <p:nvPr/>
+        </p:nvCxnSpPr>
+        <p:spPr>
+          <a:xfrm>
+            <a:off x="8879032" y="3252355"/>
+            <a:ext cx="2473036" cy="176645"/>
+          </a:xfrm>
+          <a:prstGeom prst="line">
+            <a:avLst/>
+          </a:prstGeom>
+        </p:spPr>
+        <p:style>
+          <a:lnRef idx="1">
+            <a:schemeClr val="accent1"/>
+          </a:lnRef>
+          <a:fillRef idx="0">
+            <a:schemeClr val="accent1"/>
+          </a:fillRef>
+          <a:effectRef idx="0">
+            <a:schemeClr val="accent1"/>
+          </a:effectRef>
+          <a:fontRef idx="minor">
+            <a:schemeClr val="tx1"/>
+          </a:fontRef>
+        </p:style>
+      </p:cxnSp>
+      <p:cxnSp>
+        <p:nvCxnSpPr>
+          <p:cNvPr id="16" name="Прямая соединительная линия 15">
+            <a:extLst>
+              <a:ext uri="{FF2B5EF4-FFF2-40B4-BE49-F238E27FC236}">
+                <a16:creationId xmlns:a16="http://schemas.microsoft.com/office/drawing/2014/main" id="{EFF96F1D-3B8E-6D6B-BECF-ECC21DCC5BED}"/>
+              </a:ext>
+            </a:extLst>
+          </p:cNvPr>
+          <p:cNvCxnSpPr>
+            <a:cxnSpLocks/>
+          </p:cNvCxnSpPr>
+          <p:nvPr/>
+        </p:nvCxnSpPr>
+        <p:spPr>
+          <a:xfrm>
+            <a:off x="10416886" y="3304309"/>
+            <a:ext cx="1080655" cy="368877"/>
+          </a:xfrm>
+          <a:prstGeom prst="line">
+            <a:avLst/>
+          </a:prstGeom>
+        </p:spPr>
+        <p:style>
+          <a:lnRef idx="1">
+            <a:schemeClr val="accent1"/>
+          </a:lnRef>
+          <a:fillRef idx="0">
+            <a:schemeClr val="accent1"/>
+          </a:fillRef>
+          <a:effectRef idx="0">
+            <a:schemeClr val="accent1"/>
+          </a:effectRef>
+          <a:fontRef idx="minor">
+            <a:schemeClr val="tx1"/>
+          </a:fontRef>
+        </p:style>
+      </p:cxnSp>
     </p:spTree>
     <p:extLst>
       <p:ext uri="{BB962C8B-B14F-4D97-AF65-F5344CB8AC3E}">
-        <p14:creationId xmlns:p14="http://schemas.microsoft.com/office/powerpoint/2010/main" val="2327865510"/>
+        <p14:creationId xmlns:p14="http://schemas.microsoft.com/office/powerpoint/2010/main" val="3313649851"/>
       </p:ext>
     </p:extLst>
   </p:cSld>
@@ -18235,7 +18880,7 @@
         <p:cNvPr id="1" name="">
           <a:extLst>
             <a:ext uri="{FF2B5EF4-FFF2-40B4-BE49-F238E27FC236}">
-              <a16:creationId xmlns:a16="http://schemas.microsoft.com/office/drawing/2014/main" id="{356EBDA6-85C7-246F-6A19-CD93B2E93A29}"/>
+              <a16:creationId xmlns:a16="http://schemas.microsoft.com/office/drawing/2014/main" id="{69FF42E9-E556-11B4-B621-3AE18688AB16}"/>
             </a:ext>
           </a:extLst>
         </p:cNvPr>
@@ -18255,7 +18900,7 @@
           <p:cNvPr id="4" name="Рисунок 3">
             <a:extLst>
               <a:ext uri="{FF2B5EF4-FFF2-40B4-BE49-F238E27FC236}">
-                <a16:creationId xmlns:a16="http://schemas.microsoft.com/office/drawing/2014/main" id="{BFC36EE4-C2D1-0319-C04B-2C9BD9B001C0}"/>
+                <a16:creationId xmlns:a16="http://schemas.microsoft.com/office/drawing/2014/main" id="{BAC73E72-8B46-F000-A79A-ECCAA4EB4E09}"/>
               </a:ext>
             </a:extLst>
           </p:cNvPr>
@@ -18285,7 +18930,7 @@
           <p:cNvPr id="7" name="Прямая соединительная линия 6">
             <a:extLst>
               <a:ext uri="{FF2B5EF4-FFF2-40B4-BE49-F238E27FC236}">
-                <a16:creationId xmlns:a16="http://schemas.microsoft.com/office/drawing/2014/main" id="{3EB97CA6-98D6-DCA3-17E1-C74CD9A0843D}"/>
+                <a16:creationId xmlns:a16="http://schemas.microsoft.com/office/drawing/2014/main" id="{5DBC4EB6-9CAC-05C3-8FB7-59689223D867}"/>
               </a:ext>
             </a:extLst>
           </p:cNvPr>
@@ -18323,10 +18968,10 @@
       </p:cxnSp>
       <p:sp>
         <p:nvSpPr>
-          <p:cNvPr id="6" name="Подзаголовок 2">
+          <p:cNvPr id="2" name="Подзаголовок 2">
             <a:extLst>
               <a:ext uri="{FF2B5EF4-FFF2-40B4-BE49-F238E27FC236}">
-                <a16:creationId xmlns:a16="http://schemas.microsoft.com/office/drawing/2014/main" id="{F815A834-DB0E-D4B4-B970-38CC6D9C9AF3}"/>
+                <a16:creationId xmlns:a16="http://schemas.microsoft.com/office/drawing/2014/main" id="{BAB75DE1-753A-3CB6-D7C5-E5D910E9CA07}"/>
               </a:ext>
             </a:extLst>
           </p:cNvPr>
@@ -18337,8 +18982,8 @@
         </p:nvSpPr>
         <p:spPr>
           <a:xfrm>
-            <a:off x="105335" y="136480"/>
-            <a:ext cx="6582408" cy="515138"/>
+            <a:off x="139454" y="82500"/>
+            <a:ext cx="9004545" cy="464004"/>
           </a:xfrm>
           <a:prstGeom prst="rect">
             <a:avLst/>
@@ -18518,1870 +19163,355 @@
               <a:rPr lang="ru-RU" sz="2400" b="1" dirty="0">
                 <a:latin typeface="Fira Sans Bold"/>
               </a:rPr>
-              <a:t>Модель аккумуляции гидрата коллектором</a:t>
+              <a:t>Анализ исходных данных</a:t>
             </a:r>
           </a:p>
         </p:txBody>
       </p:sp>
-      <p:sp>
-        <p:nvSpPr>
-          <p:cNvPr id="8" name="TextBox 7">
+      <p:pic>
+        <p:nvPicPr>
+          <p:cNvPr id="8" name="Рисунок 7">
             <a:extLst>
               <a:ext uri="{FF2B5EF4-FFF2-40B4-BE49-F238E27FC236}">
-                <a16:creationId xmlns:a16="http://schemas.microsoft.com/office/drawing/2014/main" id="{43042C68-E3A1-306E-4309-DC7FC3394CF9}"/>
+                <a16:creationId xmlns:a16="http://schemas.microsoft.com/office/drawing/2014/main" id="{96015A64-D818-CCBD-A1AC-15273EA88377}"/>
               </a:ext>
             </a:extLst>
           </p:cNvPr>
-          <p:cNvSpPr txBox="1"/>
+          <p:cNvPicPr>
+            <a:picLocks noChangeAspect="1"/>
+          </p:cNvPicPr>
           <p:nvPr/>
-        </p:nvSpPr>
+        </p:nvPicPr>
+        <p:blipFill>
+          <a:blip r:embed="rId3"/>
+          <a:stretch>
+            <a:fillRect/>
+          </a:stretch>
+        </p:blipFill>
         <p:spPr>
           <a:xfrm>
-            <a:off x="678083" y="651618"/>
-            <a:ext cx="9472036" cy="830997"/>
+            <a:off x="488891" y="1162311"/>
+            <a:ext cx="3097086" cy="2282441"/>
           </a:xfrm>
           <a:prstGeom prst="rect">
             <a:avLst/>
           </a:prstGeom>
-          <a:noFill/>
+          <a:ln>
+            <a:solidFill>
+              <a:srgbClr val="FFC000"/>
+            </a:solidFill>
+          </a:ln>
         </p:spPr>
-        <p:txBody>
-          <a:bodyPr wrap="square">
-            <a:spAutoFit/>
-          </a:bodyPr>
-          <a:lstStyle/>
-          <a:p>
-            <a:r>
-              <a:rPr lang="ru-RU" sz="1600" dirty="0"/>
-              <a:t>Для индикации факта выпадения гидратов в </a:t>
-            </a:r>
-            <a:r>
-              <a:rPr lang="en-US" sz="1600" dirty="0" err="1"/>
-              <a:t>tNavigator</a:t>
-            </a:r>
-            <a:r>
-              <a:rPr lang="en-US" sz="1600" dirty="0"/>
-              <a:t> </a:t>
-            </a:r>
-            <a:r>
-              <a:rPr lang="ru-RU" sz="1600" dirty="0"/>
-              <a:t>используется модель адсорбции Ирвинга </a:t>
-            </a:r>
-            <a:r>
-              <a:rPr lang="ru-RU" sz="1600" dirty="0" err="1"/>
-              <a:t>Ленгмюра</a:t>
-            </a:r>
-            <a:r>
-              <a:rPr lang="en-US" sz="1600" dirty="0"/>
-              <a:t>, </a:t>
-            </a:r>
-            <a:r>
-              <a:rPr lang="ru-RU" sz="1600" dirty="0"/>
-              <a:t>в соответствии с которой образование газового гидрата ограничено предельной равновесной концентрацией, определяемой как функция от давления и температуры:</a:t>
-            </a:r>
-          </a:p>
-        </p:txBody>
-      </p:sp>
-      <mc:AlternateContent xmlns:mc="http://schemas.openxmlformats.org/markup-compatibility/2006" xmlns:a14="http://schemas.microsoft.com/office/drawing/2010/main">
-        <mc:Choice Requires="a14">
-          <p:sp>
-            <p:nvSpPr>
-              <p:cNvPr id="9" name="TextBox 8">
-                <a:extLst>
-                  <a:ext uri="{FF2B5EF4-FFF2-40B4-BE49-F238E27FC236}">
-                    <a16:creationId xmlns:a16="http://schemas.microsoft.com/office/drawing/2014/main" id="{2D2A043D-A9E4-1DED-C53F-81FBB475F213}"/>
-                  </a:ext>
-                </a:extLst>
-              </p:cNvPr>
-              <p:cNvSpPr txBox="1"/>
-              <p:nvPr/>
-            </p:nvSpPr>
-            <p:spPr>
-              <a:xfrm>
-                <a:off x="2740826" y="1412253"/>
-                <a:ext cx="5346550" cy="653320"/>
-              </a:xfrm>
-              <a:prstGeom prst="rect">
-                <a:avLst/>
-              </a:prstGeom>
-              <a:noFill/>
-            </p:spPr>
-            <p:txBody>
-              <a:bodyPr wrap="square">
-                <a:spAutoFit/>
-              </a:bodyPr>
-              <a:lstStyle/>
-              <a:p>
-                <a:pPr/>
-                <a14:m>
-                  <m:oMathPara xmlns:m="http://schemas.openxmlformats.org/officeDocument/2006/math">
-                    <m:oMathParaPr>
-                      <m:jc m:val="centerGroup"/>
-                    </m:oMathParaPr>
-                    <m:oMath xmlns:m="http://schemas.openxmlformats.org/officeDocument/2006/math">
-                      <m:sSubSup>
-                        <m:sSubSupPr>
-                          <m:ctrlPr>
-                            <a:rPr lang="ru-RU" sz="1800" i="1" smtClean="0">
-                              <a:latin typeface="Cambria Math" panose="02040503050406030204" pitchFamily="18" charset="0"/>
-                            </a:rPr>
-                          </m:ctrlPr>
-                        </m:sSubSupPr>
-                        <m:e>
-                          <m:r>
-                            <a:rPr lang="ru-RU" sz="1800" i="1">
-                              <a:latin typeface="Cambria Math" panose="02040503050406030204" pitchFamily="18" charset="0"/>
-                            </a:rPr>
-                            <m:t>𝑆</m:t>
-                          </m:r>
-                        </m:e>
-                        <m:sub>
-                          <m:r>
-                            <a:rPr lang="ru-RU" sz="1800" i="1">
-                              <a:latin typeface="Cambria Math" panose="02040503050406030204" pitchFamily="18" charset="0"/>
-                            </a:rPr>
-                            <m:t>h</m:t>
-                          </m:r>
-                        </m:sub>
-                        <m:sup>
-                          <m:r>
-                            <m:rPr>
-                              <m:sty m:val="p"/>
-                            </m:rPr>
-                            <a:rPr lang="ru-RU" sz="1800" i="0">
-                              <a:latin typeface="Cambria Math" panose="02040503050406030204" pitchFamily="18" charset="0"/>
-                            </a:rPr>
-                            <m:t>eq</m:t>
-                          </m:r>
-                        </m:sup>
-                      </m:sSubSup>
-                      <m:d>
-                        <m:dPr>
-                          <m:sepChr m:val=","/>
-                          <m:ctrlPr>
-                            <a:rPr lang="ru-RU" sz="1800" i="1">
-                              <a:latin typeface="Cambria Math" panose="02040503050406030204" pitchFamily="18" charset="0"/>
-                            </a:rPr>
-                          </m:ctrlPr>
-                        </m:dPr>
-                        <m:e>
-                          <m:sSub>
-                            <m:sSubPr>
-                              <m:ctrlPr>
-                                <a:rPr lang="ru-RU" sz="1800" i="1">
-                                  <a:latin typeface="Cambria Math" panose="02040503050406030204" pitchFamily="18" charset="0"/>
-                                </a:rPr>
-                              </m:ctrlPr>
-                            </m:sSubPr>
-                            <m:e>
-                              <m:r>
-                                <a:rPr lang="ru-RU" sz="1800" i="1">
-                                  <a:latin typeface="Cambria Math" panose="02040503050406030204" pitchFamily="18" charset="0"/>
-                                </a:rPr>
-                                <m:t>𝑝</m:t>
-                              </m:r>
-                            </m:e>
-                            <m:sub>
-                              <m:r>
-                                <a:rPr lang="ru-RU" sz="1800" i="1">
-                                  <a:latin typeface="Cambria Math" panose="02040503050406030204" pitchFamily="18" charset="0"/>
-                                </a:rPr>
-                                <m:t>𝑔</m:t>
-                              </m:r>
-                            </m:sub>
-                          </m:sSub>
-                        </m:e>
-                        <m:e>
-                          <m:r>
-                            <a:rPr lang="ru-RU" sz="1800" i="1">
-                              <a:latin typeface="Cambria Math" panose="02040503050406030204" pitchFamily="18" charset="0"/>
-                            </a:rPr>
-                            <m:t>𝑇</m:t>
-                          </m:r>
-                        </m:e>
-                      </m:d>
-                      <m:r>
-                        <a:rPr lang="ru-RU" sz="1800" i="0">
-                          <a:latin typeface="Cambria Math" panose="02040503050406030204" pitchFamily="18" charset="0"/>
-                        </a:rPr>
-                        <m:t>=</m:t>
-                      </m:r>
-                      <m:sSub>
-                        <m:sSubPr>
-                          <m:ctrlPr>
-                            <a:rPr lang="ru-RU" sz="1800" i="1">
-                              <a:latin typeface="Cambria Math" panose="02040503050406030204" pitchFamily="18" charset="0"/>
-                            </a:rPr>
-                          </m:ctrlPr>
-                        </m:sSubPr>
-                        <m:e>
-                          <m:r>
-                            <a:rPr lang="ru-RU" sz="1800" i="1">
-                              <a:latin typeface="Cambria Math" panose="02040503050406030204" pitchFamily="18" charset="0"/>
-                            </a:rPr>
-                            <m:t>𝑆</m:t>
-                          </m:r>
-                        </m:e>
-                        <m:sub>
-                          <m:r>
-                            <a:rPr lang="ru-RU" sz="1800" i="1">
-                              <a:latin typeface="Cambria Math" panose="02040503050406030204" pitchFamily="18" charset="0"/>
-                            </a:rPr>
-                            <m:t>h</m:t>
-                          </m:r>
-                          <m:r>
-                            <a:rPr lang="ru-RU" sz="1800" i="0">
-                              <a:latin typeface="Cambria Math" panose="02040503050406030204" pitchFamily="18" charset="0"/>
-                            </a:rPr>
-                            <m:t>,</m:t>
-                          </m:r>
-                          <m:r>
-                            <m:rPr>
-                              <m:sty m:val="p"/>
-                            </m:rPr>
-                            <a:rPr lang="ru-RU" sz="1800" i="0">
-                              <a:latin typeface="Cambria Math" panose="02040503050406030204" pitchFamily="18" charset="0"/>
-                            </a:rPr>
-                            <m:t>max</m:t>
-                          </m:r>
-                        </m:sub>
-                      </m:sSub>
-                      <m:r>
-                        <a:rPr lang="ru-RU" sz="1800" i="0">
-                          <a:latin typeface="Cambria Math" panose="02040503050406030204" pitchFamily="18" charset="0"/>
-                        </a:rPr>
-                        <m:t> </m:t>
-                      </m:r>
-                      <m:f>
-                        <m:fPr>
-                          <m:ctrlPr>
-                            <a:rPr lang="ru-RU" sz="1800" i="1">
-                              <a:latin typeface="Cambria Math" panose="02040503050406030204" pitchFamily="18" charset="0"/>
-                            </a:rPr>
-                          </m:ctrlPr>
-                        </m:fPr>
-                        <m:num>
-                          <m:sSub>
-                            <m:sSubPr>
-                              <m:ctrlPr>
-                                <a:rPr lang="ru-RU" sz="1800" i="1">
-                                  <a:latin typeface="Cambria Math" panose="02040503050406030204" pitchFamily="18" charset="0"/>
-                                </a:rPr>
-                              </m:ctrlPr>
-                            </m:sSubPr>
-                            <m:e>
-                              <m:r>
-                                <a:rPr lang="ru-RU" sz="1800" i="1">
-                                  <a:latin typeface="Cambria Math" panose="02040503050406030204" pitchFamily="18" charset="0"/>
-                                </a:rPr>
-                                <m:t>𝑝</m:t>
-                              </m:r>
-                            </m:e>
-                            <m:sub>
-                              <m:r>
-                                <a:rPr lang="ru-RU" sz="1800" i="1">
-                                  <a:latin typeface="Cambria Math" panose="02040503050406030204" pitchFamily="18" charset="0"/>
-                                </a:rPr>
-                                <m:t>𝑔</m:t>
-                              </m:r>
-                            </m:sub>
-                          </m:sSub>
-                        </m:num>
-                        <m:den>
-                          <m:sSub>
-                            <m:sSubPr>
-                              <m:ctrlPr>
-                                <a:rPr lang="ru-RU" sz="1800" i="1">
-                                  <a:latin typeface="Cambria Math" panose="02040503050406030204" pitchFamily="18" charset="0"/>
-                                </a:rPr>
-                              </m:ctrlPr>
-                            </m:sSubPr>
-                            <m:e>
-                              <m:r>
-                                <a:rPr lang="ru-RU" sz="1800" i="1">
-                                  <a:latin typeface="Cambria Math" panose="02040503050406030204" pitchFamily="18" charset="0"/>
-                                </a:rPr>
-                                <m:t>𝑝</m:t>
-                              </m:r>
-                            </m:e>
-                            <m:sub>
-                              <m:r>
-                                <a:rPr lang="ru-RU" sz="1800" i="1">
-                                  <a:latin typeface="Cambria Math" panose="02040503050406030204" pitchFamily="18" charset="0"/>
-                                </a:rPr>
-                                <m:t>𝑔</m:t>
-                              </m:r>
-                            </m:sub>
-                          </m:sSub>
-                          <m:r>
-                            <a:rPr lang="ru-RU" sz="1800" i="0">
-                              <a:latin typeface="Cambria Math" panose="02040503050406030204" pitchFamily="18" charset="0"/>
-                            </a:rPr>
-                            <m:t>+</m:t>
-                          </m:r>
-                          <m:sSub>
-                            <m:sSubPr>
-                              <m:ctrlPr>
-                                <a:rPr lang="ru-RU" sz="1800" i="1">
-                                  <a:latin typeface="Cambria Math" panose="02040503050406030204" pitchFamily="18" charset="0"/>
-                                </a:rPr>
-                              </m:ctrlPr>
-                            </m:sSubPr>
-                            <m:e>
-                              <m:r>
-                                <a:rPr lang="ru-RU" sz="1800" i="1">
-                                  <a:latin typeface="Cambria Math" panose="02040503050406030204" pitchFamily="18" charset="0"/>
-                                </a:rPr>
-                                <m:t>𝑃</m:t>
-                              </m:r>
-                            </m:e>
-                            <m:sub>
-                              <m:r>
-                                <a:rPr lang="ru-RU" sz="1800" i="1">
-                                  <a:latin typeface="Cambria Math" panose="02040503050406030204" pitchFamily="18" charset="0"/>
-                                </a:rPr>
-                                <m:t>𝐿</m:t>
-                              </m:r>
-                            </m:sub>
-                          </m:sSub>
-                          <m:d>
-                            <m:dPr>
-                              <m:ctrlPr>
-                                <a:rPr lang="ru-RU" sz="1800" i="1">
-                                  <a:latin typeface="Cambria Math" panose="02040503050406030204" pitchFamily="18" charset="0"/>
-                                </a:rPr>
-                              </m:ctrlPr>
-                            </m:dPr>
-                            <m:e>
-                              <m:r>
-                                <a:rPr lang="ru-RU" sz="1800" i="1">
-                                  <a:latin typeface="Cambria Math" panose="02040503050406030204" pitchFamily="18" charset="0"/>
-                                </a:rPr>
-                                <m:t>𝑇</m:t>
-                              </m:r>
-                            </m:e>
-                          </m:d>
-                        </m:den>
-                      </m:f>
-                    </m:oMath>
-                  </m:oMathPara>
-                </a14:m>
-                <a:endParaRPr lang="ru-RU" sz="1800" dirty="0"/>
-              </a:p>
-            </p:txBody>
-          </p:sp>
-        </mc:Choice>
-        <mc:Fallback xmlns="">
-          <p:sp>
-            <p:nvSpPr>
-              <p:cNvPr id="9" name="TextBox 8">
-                <a:extLst>
-                  <a:ext uri="{FF2B5EF4-FFF2-40B4-BE49-F238E27FC236}">
-                    <a16:creationId xmlns:a16="http://schemas.microsoft.com/office/drawing/2014/main" id="{2D2A043D-A9E4-1DED-C53F-81FBB475F213}"/>
-                  </a:ext>
-                </a:extLst>
-              </p:cNvPr>
-              <p:cNvSpPr txBox="1">
-                <a:spLocks noRot="1" noChangeAspect="1" noMove="1" noResize="1" noEditPoints="1" noAdjustHandles="1" noChangeArrowheads="1" noChangeShapeType="1" noTextEdit="1"/>
-              </p:cNvSpPr>
-              <p:nvPr/>
-            </p:nvSpPr>
-            <p:spPr>
-              <a:xfrm>
-                <a:off x="2740826" y="1412253"/>
-                <a:ext cx="5346550" cy="653320"/>
-              </a:xfrm>
-              <a:prstGeom prst="rect">
-                <a:avLst/>
-              </a:prstGeom>
-              <a:blipFill>
-                <a:blip r:embed="rId3"/>
-                <a:stretch>
-                  <a:fillRect/>
-                </a:stretch>
-              </a:blipFill>
-            </p:spPr>
-            <p:txBody>
-              <a:bodyPr/>
-              <a:lstStyle/>
-              <a:p>
-                <a:r>
-                  <a:rPr lang="ru-RU">
-                    <a:noFill/>
-                  </a:rPr>
-                  <a:t> </a:t>
-                </a:r>
-              </a:p>
-            </p:txBody>
-          </p:sp>
-        </mc:Fallback>
-      </mc:AlternateContent>
-      <mc:AlternateContent xmlns:mc="http://schemas.openxmlformats.org/markup-compatibility/2006" xmlns:a14="http://schemas.microsoft.com/office/drawing/2010/main">
-        <mc:Choice Requires="a14">
-          <p:sp>
-            <p:nvSpPr>
-              <p:cNvPr id="10" name="TextBox 9">
-                <a:extLst>
-                  <a:ext uri="{FF2B5EF4-FFF2-40B4-BE49-F238E27FC236}">
-                    <a16:creationId xmlns:a16="http://schemas.microsoft.com/office/drawing/2014/main" id="{B5A67686-4DF2-CEAF-8623-E3014931D5F6}"/>
-                  </a:ext>
-                </a:extLst>
-              </p:cNvPr>
-              <p:cNvSpPr txBox="1"/>
-              <p:nvPr/>
-            </p:nvSpPr>
-            <p:spPr>
-              <a:xfrm>
-                <a:off x="553466" y="2089003"/>
-                <a:ext cx="10147649" cy="681084"/>
-              </a:xfrm>
-              <a:prstGeom prst="rect">
-                <a:avLst/>
-              </a:prstGeom>
-              <a:noFill/>
-            </p:spPr>
-            <p:txBody>
-              <a:bodyPr wrap="square">
-                <a:spAutoFit/>
-              </a:bodyPr>
-              <a:lstStyle/>
-              <a:p>
-                <a:r>
-                  <a:rPr lang="ru-RU" sz="1800" dirty="0">
-                    <a:effectLst/>
-                    <a:ea typeface="Times New Roman" panose="02020603050405020304" pitchFamily="18" charset="0"/>
-                    <a:cs typeface="Times New Roman" panose="02020603050405020304" pitchFamily="18" charset="0"/>
-                  </a:rPr>
-                  <a:t>где </a:t>
-                </a:r>
-                <a14:m>
-                  <m:oMath xmlns:m="http://schemas.openxmlformats.org/officeDocument/2006/math">
-                    <m:sSub>
-                      <m:sSubPr>
-                        <m:ctrlPr>
-                          <a:rPr lang="ru-RU" sz="1800" i="1">
-                            <a:effectLst/>
-                            <a:latin typeface="Cambria Math" panose="02040503050406030204" pitchFamily="18" charset="0"/>
-                          </a:rPr>
-                        </m:ctrlPr>
-                      </m:sSubPr>
-                      <m:e>
-                        <m:r>
-                          <a:rPr lang="en-US" sz="1800" i="1">
-                            <a:effectLst/>
-                            <a:latin typeface="Cambria Math" panose="02040503050406030204" pitchFamily="18" charset="0"/>
-                            <a:ea typeface="Times New Roman" panose="02020603050405020304" pitchFamily="18" charset="0"/>
-                            <a:cs typeface="Times New Roman" panose="02020603050405020304" pitchFamily="18" charset="0"/>
-                          </a:rPr>
-                          <m:t>𝑆</m:t>
-                        </m:r>
-                      </m:e>
-                      <m:sub>
-                        <m:r>
-                          <a:rPr lang="ru-RU" sz="1800" i="1">
-                            <a:effectLst/>
-                            <a:latin typeface="Cambria Math" panose="02040503050406030204" pitchFamily="18" charset="0"/>
-                            <a:ea typeface="Times New Roman" panose="02020603050405020304" pitchFamily="18" charset="0"/>
-                            <a:cs typeface="Times New Roman" panose="02020603050405020304" pitchFamily="18" charset="0"/>
-                          </a:rPr>
-                          <m:t>h</m:t>
-                        </m:r>
-                        <m:r>
-                          <a:rPr lang="ru-RU" sz="1800">
-                            <a:effectLst/>
-                            <a:latin typeface="Cambria Math" panose="02040503050406030204" pitchFamily="18" charset="0"/>
-                            <a:ea typeface="Times New Roman" panose="02020603050405020304" pitchFamily="18" charset="0"/>
-                            <a:cs typeface="Times New Roman" panose="02020603050405020304" pitchFamily="18" charset="0"/>
-                          </a:rPr>
-                          <m:t>,</m:t>
-                        </m:r>
-                        <m:r>
-                          <m:rPr>
-                            <m:sty m:val="p"/>
-                          </m:rPr>
-                          <a:rPr lang="en-US" sz="1800">
-                            <a:effectLst/>
-                            <a:latin typeface="Cambria Math" panose="02040503050406030204" pitchFamily="18" charset="0"/>
-                            <a:ea typeface="Times New Roman" panose="02020603050405020304" pitchFamily="18" charset="0"/>
-                            <a:cs typeface="Times New Roman" panose="02020603050405020304" pitchFamily="18" charset="0"/>
-                          </a:rPr>
-                          <m:t>max</m:t>
-                        </m:r>
-                      </m:sub>
-                    </m:sSub>
-                  </m:oMath>
-                </a14:m>
-                <a:r>
-                  <a:rPr lang="en-US" sz="1800" dirty="0">
-                    <a:effectLst/>
-                    <a:ea typeface="Times New Roman" panose="02020603050405020304" pitchFamily="18" charset="0"/>
-                    <a:cs typeface="Times New Roman" panose="02020603050405020304" pitchFamily="18" charset="0"/>
-                  </a:rPr>
-                  <a:t> </a:t>
-                </a:r>
-                <a:r>
-                  <a:rPr lang="ru-RU" sz="1800" dirty="0">
-                    <a:ea typeface="Times New Roman" panose="02020603050405020304" pitchFamily="18" charset="0"/>
-                    <a:cs typeface="Times New Roman" panose="02020603050405020304" pitchFamily="18" charset="0"/>
-                  </a:rPr>
-                  <a:t>-</a:t>
-                </a:r>
-                <a:r>
-                  <a:rPr lang="ru-RU" sz="1800" dirty="0">
-                    <a:effectLst/>
-                    <a:ea typeface="Times New Roman" panose="02020603050405020304" pitchFamily="18" charset="0"/>
-                    <a:cs typeface="Times New Roman" panose="02020603050405020304" pitchFamily="18" charset="0"/>
-                  </a:rPr>
-                  <a:t> максимальное гидратное насыщение, </a:t>
-                </a:r>
-                <a14:m>
-                  <m:oMath xmlns:m="http://schemas.openxmlformats.org/officeDocument/2006/math">
-                    <m:sSub>
-                      <m:sSubPr>
-                        <m:ctrlPr>
-                          <a:rPr lang="ru-RU" sz="1800" i="1">
-                            <a:effectLst/>
-                            <a:latin typeface="Cambria Math" panose="02040503050406030204" pitchFamily="18" charset="0"/>
-                          </a:rPr>
-                        </m:ctrlPr>
-                      </m:sSubPr>
-                      <m:e>
-                        <m:r>
-                          <a:rPr lang="en-US" sz="1800" i="1">
-                            <a:effectLst/>
-                            <a:latin typeface="Cambria Math" panose="02040503050406030204" pitchFamily="18" charset="0"/>
-                            <a:ea typeface="Times New Roman" panose="02020603050405020304" pitchFamily="18" charset="0"/>
-                            <a:cs typeface="Times New Roman" panose="02020603050405020304" pitchFamily="18" charset="0"/>
-                          </a:rPr>
-                          <m:t>𝑃</m:t>
-                        </m:r>
-                      </m:e>
-                      <m:sub>
-                        <m:r>
-                          <a:rPr lang="en-US" sz="1800" i="1">
-                            <a:effectLst/>
-                            <a:latin typeface="Cambria Math" panose="02040503050406030204" pitchFamily="18" charset="0"/>
-                            <a:ea typeface="Times New Roman" panose="02020603050405020304" pitchFamily="18" charset="0"/>
-                            <a:cs typeface="Times New Roman" panose="02020603050405020304" pitchFamily="18" charset="0"/>
-                          </a:rPr>
-                          <m:t>𝐿</m:t>
-                        </m:r>
-                      </m:sub>
-                    </m:sSub>
-                    <m:r>
-                      <a:rPr lang="ru-RU" sz="1800">
-                        <a:effectLst/>
-                        <a:latin typeface="Cambria Math" panose="02040503050406030204" pitchFamily="18" charset="0"/>
-                        <a:ea typeface="Times New Roman" panose="02020603050405020304" pitchFamily="18" charset="0"/>
-                        <a:cs typeface="Times New Roman" panose="02020603050405020304" pitchFamily="18" charset="0"/>
-                      </a:rPr>
-                      <m:t>(</m:t>
-                    </m:r>
-                    <m:r>
-                      <a:rPr lang="en-US" sz="1800" i="1">
-                        <a:effectLst/>
-                        <a:latin typeface="Cambria Math" panose="02040503050406030204" pitchFamily="18" charset="0"/>
-                        <a:ea typeface="Times New Roman" panose="02020603050405020304" pitchFamily="18" charset="0"/>
-                        <a:cs typeface="Times New Roman" panose="02020603050405020304" pitchFamily="18" charset="0"/>
-                      </a:rPr>
-                      <m:t>𝑇</m:t>
-                    </m:r>
-                    <m:r>
-                      <a:rPr lang="ru-RU" sz="1800">
-                        <a:effectLst/>
-                        <a:latin typeface="Cambria Math" panose="02040503050406030204" pitchFamily="18" charset="0"/>
-                        <a:ea typeface="Times New Roman" panose="02020603050405020304" pitchFamily="18" charset="0"/>
-                        <a:cs typeface="Times New Roman" panose="02020603050405020304" pitchFamily="18" charset="0"/>
-                      </a:rPr>
-                      <m:t>)</m:t>
-                    </m:r>
-                  </m:oMath>
-                </a14:m>
-                <a:r>
-                  <a:rPr lang="en-US" sz="1800" dirty="0">
-                    <a:effectLst/>
-                    <a:ea typeface="Times New Roman" panose="02020603050405020304" pitchFamily="18" charset="0"/>
-                    <a:cs typeface="Times New Roman" panose="02020603050405020304" pitchFamily="18" charset="0"/>
-                  </a:rPr>
-                  <a:t> </a:t>
-                </a:r>
-                <a:r>
-                  <a:rPr lang="ru-RU" sz="1800" dirty="0">
-                    <a:ea typeface="Times New Roman" panose="02020603050405020304" pitchFamily="18" charset="0"/>
-                    <a:cs typeface="Times New Roman" panose="02020603050405020304" pitchFamily="18" charset="0"/>
-                  </a:rPr>
-                  <a:t>-</a:t>
-                </a:r>
-                <a:r>
-                  <a:rPr lang="ru-RU" sz="1800" dirty="0">
-                    <a:effectLst/>
-                    <a:ea typeface="Times New Roman" panose="02020603050405020304" pitchFamily="18" charset="0"/>
-                    <a:cs typeface="Times New Roman" panose="02020603050405020304" pitchFamily="18" charset="0"/>
-                  </a:rPr>
-                  <a:t> параметр </a:t>
-                </a:r>
-                <a:r>
-                  <a:rPr lang="ru-RU" sz="1800" dirty="0" err="1">
-                    <a:effectLst/>
-                    <a:ea typeface="Times New Roman" panose="02020603050405020304" pitchFamily="18" charset="0"/>
-                    <a:cs typeface="Times New Roman" panose="02020603050405020304" pitchFamily="18" charset="0"/>
-                  </a:rPr>
-                  <a:t>Ленгмюра</a:t>
-                </a:r>
-                <a:r>
-                  <a:rPr lang="ru-RU" sz="1800" dirty="0">
-                    <a:effectLst/>
-                    <a:ea typeface="Times New Roman" panose="02020603050405020304" pitchFamily="18" charset="0"/>
-                    <a:cs typeface="Times New Roman" panose="02020603050405020304" pitchFamily="18" charset="0"/>
-                  </a:rPr>
-                  <a:t> (характерное давление насыщения), </a:t>
-                </a:r>
-                <a14:m>
-                  <m:oMath xmlns:m="http://schemas.openxmlformats.org/officeDocument/2006/math">
-                    <m:sSub>
-                      <m:sSubPr>
-                        <m:ctrlPr>
-                          <a:rPr lang="ru-RU" sz="1800" i="1">
-                            <a:latin typeface="Cambria Math" panose="02040503050406030204" pitchFamily="18" charset="0"/>
-                          </a:rPr>
-                        </m:ctrlPr>
-                      </m:sSubPr>
-                      <m:e>
-                        <m:r>
-                          <a:rPr lang="ru-RU" sz="1800" i="1">
-                            <a:latin typeface="Cambria Math" panose="02040503050406030204" pitchFamily="18" charset="0"/>
-                          </a:rPr>
-                          <m:t>𝑝</m:t>
-                        </m:r>
-                      </m:e>
-                      <m:sub>
-                        <m:r>
-                          <a:rPr lang="ru-RU" sz="1800" i="1">
-                            <a:latin typeface="Cambria Math" panose="02040503050406030204" pitchFamily="18" charset="0"/>
-                          </a:rPr>
-                          <m:t>𝑔</m:t>
-                        </m:r>
-                      </m:sub>
-                    </m:sSub>
-                    <m:r>
-                      <a:rPr lang="ru-RU" sz="1800" b="0" i="1" smtClean="0">
-                        <a:latin typeface="Cambria Math" panose="02040503050406030204" pitchFamily="18" charset="0"/>
-                      </a:rPr>
-                      <m:t> −давление газа</m:t>
-                    </m:r>
-                    <m:r>
-                      <a:rPr lang="en-US" sz="1800" b="0" i="1" smtClean="0">
-                        <a:latin typeface="Cambria Math" panose="02040503050406030204" pitchFamily="18" charset="0"/>
-                      </a:rPr>
-                      <m:t>,</m:t>
-                    </m:r>
-                    <m:r>
-                      <a:rPr lang="ru-RU" sz="1800" i="1">
-                        <a:latin typeface="Cambria Math" panose="02040503050406030204" pitchFamily="18" charset="0"/>
-                      </a:rPr>
-                      <m:t> </m:t>
-                    </m:r>
-                    <m:r>
-                      <a:rPr lang="ru-RU" sz="1800" b="0" i="1" smtClean="0">
-                        <a:latin typeface="Cambria Math" panose="02040503050406030204" pitchFamily="18" charset="0"/>
-                      </a:rPr>
-                      <m:t> </m:t>
-                    </m:r>
-                    <m:sSub>
-                      <m:sSubPr>
-                        <m:ctrlPr>
-                          <a:rPr lang="ru-RU" sz="1800" i="1">
-                            <a:effectLst/>
-                            <a:latin typeface="Cambria Math" panose="02040503050406030204" pitchFamily="18" charset="0"/>
-                          </a:rPr>
-                        </m:ctrlPr>
-                      </m:sSubPr>
-                      <m:e>
-                        <m:r>
-                          <a:rPr lang="en-US" sz="1800" i="1">
-                            <a:effectLst/>
-                            <a:latin typeface="Cambria Math" panose="02040503050406030204" pitchFamily="18" charset="0"/>
-                            <a:ea typeface="Times New Roman" panose="02020603050405020304" pitchFamily="18" charset="0"/>
-                            <a:cs typeface="Times New Roman" panose="02020603050405020304" pitchFamily="18" charset="0"/>
-                          </a:rPr>
-                          <m:t>𝑘</m:t>
-                        </m:r>
-                      </m:e>
-                      <m:sub>
-                        <m:r>
-                          <a:rPr lang="en-US" sz="1800" i="1">
-                            <a:effectLst/>
-                            <a:latin typeface="Cambria Math" panose="02040503050406030204" pitchFamily="18" charset="0"/>
-                            <a:ea typeface="Times New Roman" panose="02020603050405020304" pitchFamily="18" charset="0"/>
-                            <a:cs typeface="Times New Roman" panose="02020603050405020304" pitchFamily="18" charset="0"/>
-                          </a:rPr>
-                          <m:t>𝐿</m:t>
-                        </m:r>
-                      </m:sub>
-                    </m:sSub>
-                  </m:oMath>
-                </a14:m>
-                <a:r>
-                  <a:rPr lang="en-US" sz="1800" dirty="0">
-                    <a:effectLst/>
-                    <a:ea typeface="Times New Roman" panose="02020603050405020304" pitchFamily="18" charset="0"/>
-                    <a:cs typeface="Times New Roman" panose="02020603050405020304" pitchFamily="18" charset="0"/>
-                  </a:rPr>
-                  <a:t> </a:t>
-                </a:r>
-                <a:r>
-                  <a:rPr lang="ru-RU" sz="1800" dirty="0">
-                    <a:ea typeface="Times New Roman" panose="02020603050405020304" pitchFamily="18" charset="0"/>
-                    <a:cs typeface="Times New Roman" panose="02020603050405020304" pitchFamily="18" charset="0"/>
-                  </a:rPr>
-                  <a:t>-</a:t>
-                </a:r>
-                <a:r>
-                  <a:rPr lang="ru-RU" sz="1800" dirty="0">
-                    <a:effectLst/>
-                    <a:ea typeface="Times New Roman" panose="02020603050405020304" pitchFamily="18" charset="0"/>
-                    <a:cs typeface="Times New Roman" panose="02020603050405020304" pitchFamily="18" charset="0"/>
-                  </a:rPr>
-                  <a:t> кинетический коэффициент.</a:t>
-                </a:r>
-                <a:endParaRPr lang="ru-RU" sz="1800" dirty="0"/>
-              </a:p>
-            </p:txBody>
-          </p:sp>
-        </mc:Choice>
-        <mc:Fallback xmlns="">
-          <p:sp>
-            <p:nvSpPr>
-              <p:cNvPr id="10" name="TextBox 9">
-                <a:extLst>
-                  <a:ext uri="{FF2B5EF4-FFF2-40B4-BE49-F238E27FC236}">
-                    <a16:creationId xmlns:a16="http://schemas.microsoft.com/office/drawing/2014/main" id="{B5A67686-4DF2-CEAF-8623-E3014931D5F6}"/>
-                  </a:ext>
-                </a:extLst>
-              </p:cNvPr>
-              <p:cNvSpPr txBox="1">
-                <a:spLocks noRot="1" noChangeAspect="1" noMove="1" noResize="1" noEditPoints="1" noAdjustHandles="1" noChangeArrowheads="1" noChangeShapeType="1" noTextEdit="1"/>
-              </p:cNvSpPr>
-              <p:nvPr/>
-            </p:nvSpPr>
-            <p:spPr>
-              <a:xfrm>
-                <a:off x="553466" y="2089003"/>
-                <a:ext cx="10147649" cy="681084"/>
-              </a:xfrm>
-              <a:prstGeom prst="rect">
-                <a:avLst/>
-              </a:prstGeom>
-              <a:blipFill>
-                <a:blip r:embed="rId4"/>
-                <a:stretch>
-                  <a:fillRect l="-541" t="-4505" r="-962" b="-11712"/>
-                </a:stretch>
-              </a:blipFill>
-            </p:spPr>
-            <p:txBody>
-              <a:bodyPr/>
-              <a:lstStyle/>
-              <a:p>
-                <a:r>
-                  <a:rPr lang="ru-RU">
-                    <a:noFill/>
-                  </a:rPr>
-                  <a:t> </a:t>
-                </a:r>
-              </a:p>
-            </p:txBody>
-          </p:sp>
-        </mc:Fallback>
-      </mc:AlternateContent>
-      <mc:AlternateContent xmlns:mc="http://schemas.openxmlformats.org/markup-compatibility/2006" xmlns:a14="http://schemas.microsoft.com/office/drawing/2010/main">
-        <mc:Choice Requires="a14">
-          <p:sp>
-            <p:nvSpPr>
-              <p:cNvPr id="11" name="TextBox 10">
-                <a:extLst>
-                  <a:ext uri="{FF2B5EF4-FFF2-40B4-BE49-F238E27FC236}">
-                    <a16:creationId xmlns:a16="http://schemas.microsoft.com/office/drawing/2014/main" id="{197C6F81-C173-0326-4B0A-62D429853168}"/>
-                  </a:ext>
-                </a:extLst>
-              </p:cNvPr>
-              <p:cNvSpPr txBox="1"/>
-              <p:nvPr/>
-            </p:nvSpPr>
-            <p:spPr>
-              <a:xfrm>
-                <a:off x="538048" y="2877305"/>
-                <a:ext cx="9752106" cy="584775"/>
-              </a:xfrm>
-              <a:prstGeom prst="rect">
-                <a:avLst/>
-              </a:prstGeom>
-              <a:noFill/>
-            </p:spPr>
-            <p:txBody>
-              <a:bodyPr wrap="square">
-                <a:spAutoFit/>
-              </a:bodyPr>
-              <a:lstStyle/>
-              <a:p>
-                <a:pPr>
-                  <a:spcBef>
-                    <a:spcPts val="900"/>
-                  </a:spcBef>
-                  <a:spcAft>
-                    <a:spcPts val="900"/>
-                  </a:spcAft>
-                  <a:buNone/>
-                </a:pPr>
-                <a:r>
-                  <a:rPr lang="ru-RU" sz="1600" dirty="0">
-                    <a:effectLst/>
-                    <a:ea typeface="Times New Roman" panose="02020603050405020304" pitchFamily="18" charset="0"/>
-                    <a:cs typeface="Times New Roman" panose="02020603050405020304" pitchFamily="18" charset="0"/>
-                  </a:rPr>
-                  <a:t>Рассмотрим произвольную фазу </a:t>
-                </a:r>
-                <a14:m>
-                  <m:oMath xmlns:m="http://schemas.openxmlformats.org/officeDocument/2006/math">
-                    <m:r>
-                      <a:rPr lang="en-US" sz="1600" i="1">
-                        <a:effectLst/>
-                        <a:latin typeface="Cambria Math" panose="02040503050406030204" pitchFamily="18" charset="0"/>
-                        <a:ea typeface="Times New Roman" panose="02020603050405020304" pitchFamily="18" charset="0"/>
-                        <a:cs typeface="Times New Roman" panose="02020603050405020304" pitchFamily="18" charset="0"/>
-                      </a:rPr>
-                      <m:t>𝛼</m:t>
-                    </m:r>
-                    <m:r>
-                      <a:rPr lang="ru-RU" sz="1600">
-                        <a:effectLst/>
-                        <a:latin typeface="Cambria Math" panose="02040503050406030204" pitchFamily="18" charset="0"/>
-                        <a:ea typeface="Times New Roman" panose="02020603050405020304" pitchFamily="18" charset="0"/>
-                        <a:cs typeface="Times New Roman" panose="02020603050405020304" pitchFamily="18" charset="0"/>
-                      </a:rPr>
-                      <m:t>∈{</m:t>
-                    </m:r>
-                    <m:r>
-                      <a:rPr lang="en-US" sz="1600" i="1">
-                        <a:effectLst/>
-                        <a:latin typeface="Cambria Math" panose="02040503050406030204" pitchFamily="18" charset="0"/>
-                        <a:ea typeface="Times New Roman" panose="02020603050405020304" pitchFamily="18" charset="0"/>
-                        <a:cs typeface="Times New Roman" panose="02020603050405020304" pitchFamily="18" charset="0"/>
-                      </a:rPr>
-                      <m:t>𝑔</m:t>
-                    </m:r>
-                    <m:r>
-                      <a:rPr lang="ru-RU" sz="1600">
-                        <a:effectLst/>
-                        <a:latin typeface="Cambria Math" panose="02040503050406030204" pitchFamily="18" charset="0"/>
-                        <a:ea typeface="Times New Roman" panose="02020603050405020304" pitchFamily="18" charset="0"/>
-                        <a:cs typeface="Times New Roman" panose="02020603050405020304" pitchFamily="18" charset="0"/>
-                      </a:rPr>
-                      <m:t>,</m:t>
-                    </m:r>
-                    <m:r>
-                      <a:rPr lang="en-US" sz="1600" i="1">
-                        <a:effectLst/>
-                        <a:latin typeface="Cambria Math" panose="02040503050406030204" pitchFamily="18" charset="0"/>
-                        <a:ea typeface="Times New Roman" panose="02020603050405020304" pitchFamily="18" charset="0"/>
-                        <a:cs typeface="Times New Roman" panose="02020603050405020304" pitchFamily="18" charset="0"/>
-                      </a:rPr>
-                      <m:t>𝑤</m:t>
-                    </m:r>
-                    <m:r>
-                      <a:rPr lang="ru-RU" sz="1600">
-                        <a:effectLst/>
-                        <a:latin typeface="Cambria Math" panose="02040503050406030204" pitchFamily="18" charset="0"/>
-                        <a:ea typeface="Times New Roman" panose="02020603050405020304" pitchFamily="18" charset="0"/>
-                        <a:cs typeface="Times New Roman" panose="02020603050405020304" pitchFamily="18" charset="0"/>
-                      </a:rPr>
-                      <m:t>,</m:t>
-                    </m:r>
-                    <m:r>
-                      <a:rPr lang="ru-RU" sz="1600" i="1">
-                        <a:effectLst/>
-                        <a:latin typeface="Cambria Math" panose="02040503050406030204" pitchFamily="18" charset="0"/>
-                        <a:ea typeface="Times New Roman" panose="02020603050405020304" pitchFamily="18" charset="0"/>
-                        <a:cs typeface="Times New Roman" panose="02020603050405020304" pitchFamily="18" charset="0"/>
-                      </a:rPr>
-                      <m:t>h</m:t>
-                    </m:r>
-                    <m:r>
-                      <a:rPr lang="ru-RU" sz="1600">
-                        <a:effectLst/>
-                        <a:latin typeface="Cambria Math" panose="02040503050406030204" pitchFamily="18" charset="0"/>
-                        <a:ea typeface="Times New Roman" panose="02020603050405020304" pitchFamily="18" charset="0"/>
-                        <a:cs typeface="Times New Roman" panose="02020603050405020304" pitchFamily="18" charset="0"/>
-                      </a:rPr>
-                      <m:t>}</m:t>
-                    </m:r>
-                  </m:oMath>
-                </a14:m>
-                <a:r>
-                  <a:rPr lang="ru-RU" sz="1600" dirty="0">
-                    <a:effectLst/>
-                    <a:ea typeface="Times New Roman" panose="02020603050405020304" pitchFamily="18" charset="0"/>
-                    <a:cs typeface="Times New Roman" panose="02020603050405020304" pitchFamily="18" charset="0"/>
-                  </a:rPr>
-                  <a:t> (газ, вода, гидрат). Запишем локальное уравнение баланса массы для этой фазы в пористой среде:</a:t>
-                </a:r>
-              </a:p>
-            </p:txBody>
-          </p:sp>
-        </mc:Choice>
-        <mc:Fallback xmlns="">
-          <p:sp>
-            <p:nvSpPr>
-              <p:cNvPr id="11" name="TextBox 10">
-                <a:extLst>
-                  <a:ext uri="{FF2B5EF4-FFF2-40B4-BE49-F238E27FC236}">
-                    <a16:creationId xmlns:a16="http://schemas.microsoft.com/office/drawing/2014/main" id="{197C6F81-C173-0326-4B0A-62D429853168}"/>
-                  </a:ext>
-                </a:extLst>
-              </p:cNvPr>
-              <p:cNvSpPr txBox="1">
-                <a:spLocks noRot="1" noChangeAspect="1" noMove="1" noResize="1" noEditPoints="1" noAdjustHandles="1" noChangeArrowheads="1" noChangeShapeType="1" noTextEdit="1"/>
-              </p:cNvSpPr>
-              <p:nvPr/>
-            </p:nvSpPr>
-            <p:spPr>
-              <a:xfrm>
-                <a:off x="538048" y="2877305"/>
-                <a:ext cx="9752106" cy="584775"/>
-              </a:xfrm>
-              <a:prstGeom prst="rect">
-                <a:avLst/>
-              </a:prstGeom>
-              <a:blipFill>
-                <a:blip r:embed="rId5"/>
-                <a:stretch>
-                  <a:fillRect l="-313" t="-3125" b="-12500"/>
-                </a:stretch>
-              </a:blipFill>
-            </p:spPr>
-            <p:txBody>
-              <a:bodyPr/>
-              <a:lstStyle/>
-              <a:p>
-                <a:r>
-                  <a:rPr lang="ru-RU">
-                    <a:noFill/>
-                  </a:rPr>
-                  <a:t> </a:t>
-                </a:r>
-              </a:p>
-            </p:txBody>
-          </p:sp>
-        </mc:Fallback>
-      </mc:AlternateContent>
-      <mc:AlternateContent xmlns:mc="http://schemas.openxmlformats.org/markup-compatibility/2006" xmlns:a14="http://schemas.microsoft.com/office/drawing/2010/main">
-        <mc:Choice Requires="a14">
-          <p:sp>
-            <p:nvSpPr>
-              <p:cNvPr id="12" name="TextBox 11">
-                <a:extLst>
-                  <a:ext uri="{FF2B5EF4-FFF2-40B4-BE49-F238E27FC236}">
-                    <a16:creationId xmlns:a16="http://schemas.microsoft.com/office/drawing/2014/main" id="{932EC4FD-E5AB-8E15-7064-37DF33BAD9EC}"/>
-                  </a:ext>
-                </a:extLst>
-              </p:cNvPr>
-              <p:cNvSpPr txBox="1"/>
-              <p:nvPr/>
-            </p:nvSpPr>
-            <p:spPr>
-              <a:xfrm>
-                <a:off x="2693976" y="3538146"/>
-                <a:ext cx="5346550" cy="735907"/>
-              </a:xfrm>
-              <a:prstGeom prst="rect">
-                <a:avLst/>
-              </a:prstGeom>
-              <a:noFill/>
-            </p:spPr>
-            <p:txBody>
-              <a:bodyPr wrap="square">
-                <a:spAutoFit/>
-              </a:bodyPr>
-              <a:lstStyle/>
-              <a:p>
-                <a:pPr/>
-                <a14:m>
-                  <m:oMathPara xmlns:m="http://schemas.openxmlformats.org/officeDocument/2006/math">
-                    <m:oMathParaPr>
-                      <m:jc m:val="centerGroup"/>
-                    </m:oMathParaPr>
-                    <m:oMath xmlns:m="http://schemas.openxmlformats.org/officeDocument/2006/math">
-                      <m:f>
-                        <m:fPr>
-                          <m:ctrlPr>
-                            <a:rPr lang="ru-RU" i="1" smtClean="0">
-                              <a:effectLst/>
-                              <a:latin typeface="Cambria Math" panose="02040503050406030204" pitchFamily="18" charset="0"/>
-                            </a:rPr>
-                          </m:ctrlPr>
-                        </m:fPr>
-                        <m:num>
-                          <m:r>
-                            <a:rPr lang="en-US" sz="2400">
-                              <a:effectLst/>
-                              <a:latin typeface="Cambria Math" panose="02040503050406030204" pitchFamily="18" charset="0"/>
-                              <a:ea typeface="Times New Roman" panose="02020603050405020304" pitchFamily="18" charset="0"/>
-                              <a:cs typeface="Times New Roman" panose="02020603050405020304" pitchFamily="18" charset="0"/>
-                            </a:rPr>
-                            <m:t>𝜕</m:t>
-                          </m:r>
-                        </m:num>
-                        <m:den>
-                          <m:r>
-                            <a:rPr lang="en-US" sz="2400">
-                              <a:effectLst/>
-                              <a:latin typeface="Cambria Math" panose="02040503050406030204" pitchFamily="18" charset="0"/>
-                              <a:ea typeface="Times New Roman" panose="02020603050405020304" pitchFamily="18" charset="0"/>
-                              <a:cs typeface="Times New Roman" panose="02020603050405020304" pitchFamily="18" charset="0"/>
-                            </a:rPr>
-                            <m:t>𝜕</m:t>
-                          </m:r>
-                          <m:r>
-                            <a:rPr lang="en-US" sz="2400" i="1">
-                              <a:effectLst/>
-                              <a:latin typeface="Cambria Math" panose="02040503050406030204" pitchFamily="18" charset="0"/>
-                              <a:ea typeface="Times New Roman" panose="02020603050405020304" pitchFamily="18" charset="0"/>
-                              <a:cs typeface="Times New Roman" panose="02020603050405020304" pitchFamily="18" charset="0"/>
-                            </a:rPr>
-                            <m:t>𝑡</m:t>
-                          </m:r>
-                        </m:den>
-                      </m:f>
-                      <m:d>
-                        <m:dPr>
-                          <m:ctrlPr>
-                            <a:rPr lang="ru-RU" i="1">
-                              <a:effectLst/>
-                              <a:latin typeface="Cambria Math" panose="02040503050406030204" pitchFamily="18" charset="0"/>
-                            </a:rPr>
-                          </m:ctrlPr>
-                        </m:dPr>
-                        <m:e>
-                          <m:r>
-                            <a:rPr lang="en-US" sz="2400" i="1">
-                              <a:effectLst/>
-                              <a:latin typeface="Cambria Math" panose="02040503050406030204" pitchFamily="18" charset="0"/>
-                              <a:ea typeface="Times New Roman" panose="02020603050405020304" pitchFamily="18" charset="0"/>
-                              <a:cs typeface="Times New Roman" panose="02020603050405020304" pitchFamily="18" charset="0"/>
-                            </a:rPr>
-                            <m:t>𝜙</m:t>
-                          </m:r>
-                          <m:sSub>
-                            <m:sSubPr>
-                              <m:ctrlPr>
-                                <a:rPr lang="ru-RU" i="1">
-                                  <a:effectLst/>
-                                  <a:latin typeface="Cambria Math" panose="02040503050406030204" pitchFamily="18" charset="0"/>
-                                </a:rPr>
-                              </m:ctrlPr>
-                            </m:sSubPr>
-                            <m:e>
-                              <m:r>
-                                <a:rPr lang="en-US" sz="2400" i="1">
-                                  <a:effectLst/>
-                                  <a:latin typeface="Cambria Math" panose="02040503050406030204" pitchFamily="18" charset="0"/>
-                                  <a:ea typeface="Times New Roman" panose="02020603050405020304" pitchFamily="18" charset="0"/>
-                                  <a:cs typeface="Times New Roman" panose="02020603050405020304" pitchFamily="18" charset="0"/>
-                                </a:rPr>
-                                <m:t>𝑆</m:t>
-                              </m:r>
-                            </m:e>
-                            <m:sub>
-                              <m:r>
-                                <a:rPr lang="en-US" sz="2400" i="1">
-                                  <a:effectLst/>
-                                  <a:latin typeface="Cambria Math" panose="02040503050406030204" pitchFamily="18" charset="0"/>
-                                  <a:ea typeface="Times New Roman" panose="02020603050405020304" pitchFamily="18" charset="0"/>
-                                  <a:cs typeface="Times New Roman" panose="02020603050405020304" pitchFamily="18" charset="0"/>
-                                </a:rPr>
-                                <m:t>𝛼</m:t>
-                              </m:r>
-                            </m:sub>
-                          </m:sSub>
-                          <m:sSub>
-                            <m:sSubPr>
-                              <m:ctrlPr>
-                                <a:rPr lang="ru-RU" i="1">
-                                  <a:effectLst/>
-                                  <a:latin typeface="Cambria Math" panose="02040503050406030204" pitchFamily="18" charset="0"/>
-                                </a:rPr>
-                              </m:ctrlPr>
-                            </m:sSubPr>
-                            <m:e>
-                              <m:r>
-                                <a:rPr lang="en-US" sz="2400" i="1">
-                                  <a:effectLst/>
-                                  <a:latin typeface="Cambria Math" panose="02040503050406030204" pitchFamily="18" charset="0"/>
-                                  <a:ea typeface="Times New Roman" panose="02020603050405020304" pitchFamily="18" charset="0"/>
-                                  <a:cs typeface="Times New Roman" panose="02020603050405020304" pitchFamily="18" charset="0"/>
-                                </a:rPr>
-                                <m:t>𝜌</m:t>
-                              </m:r>
-                            </m:e>
-                            <m:sub>
-                              <m:r>
-                                <a:rPr lang="en-US" sz="2400" i="1">
-                                  <a:effectLst/>
-                                  <a:latin typeface="Cambria Math" panose="02040503050406030204" pitchFamily="18" charset="0"/>
-                                  <a:ea typeface="Times New Roman" panose="02020603050405020304" pitchFamily="18" charset="0"/>
-                                  <a:cs typeface="Times New Roman" panose="02020603050405020304" pitchFamily="18" charset="0"/>
-                                </a:rPr>
-                                <m:t>𝛼</m:t>
-                              </m:r>
-                            </m:sub>
-                          </m:sSub>
-                        </m:e>
-                      </m:d>
-                      <m:r>
-                        <a:rPr lang="en-US" sz="2400">
-                          <a:effectLst/>
-                          <a:latin typeface="Cambria Math" panose="02040503050406030204" pitchFamily="18" charset="0"/>
-                          <a:ea typeface="Times New Roman" panose="02020603050405020304" pitchFamily="18" charset="0"/>
-                          <a:cs typeface="Times New Roman" panose="02020603050405020304" pitchFamily="18" charset="0"/>
-                        </a:rPr>
-                        <m:t>+</m:t>
-                      </m:r>
-                      <m:r>
-                        <m:rPr>
-                          <m:sty m:val="p"/>
-                        </m:rPr>
-                        <a:rPr lang="en-US" sz="2400">
-                          <a:effectLst/>
-                          <a:latin typeface="Cambria Math" panose="02040503050406030204" pitchFamily="18" charset="0"/>
-                          <a:ea typeface="Times New Roman" panose="02020603050405020304" pitchFamily="18" charset="0"/>
-                          <a:cs typeface="Times New Roman" panose="02020603050405020304" pitchFamily="18" charset="0"/>
-                        </a:rPr>
-                        <m:t>∇</m:t>
-                      </m:r>
-                      <m:r>
-                        <a:rPr lang="en-US" sz="2400">
-                          <a:effectLst/>
-                          <a:latin typeface="Cambria Math" panose="02040503050406030204" pitchFamily="18" charset="0"/>
-                          <a:ea typeface="Times New Roman" panose="02020603050405020304" pitchFamily="18" charset="0"/>
-                          <a:cs typeface="Times New Roman" panose="02020603050405020304" pitchFamily="18" charset="0"/>
-                        </a:rPr>
-                        <m:t>⋅</m:t>
-                      </m:r>
-                      <m:d>
-                        <m:dPr>
-                          <m:ctrlPr>
-                            <a:rPr lang="ru-RU" i="1">
-                              <a:effectLst/>
-                              <a:latin typeface="Cambria Math" panose="02040503050406030204" pitchFamily="18" charset="0"/>
-                            </a:rPr>
-                          </m:ctrlPr>
-                        </m:dPr>
-                        <m:e>
-                          <m:sSub>
-                            <m:sSubPr>
-                              <m:ctrlPr>
-                                <a:rPr lang="ru-RU" i="1">
-                                  <a:effectLst/>
-                                  <a:latin typeface="Cambria Math" panose="02040503050406030204" pitchFamily="18" charset="0"/>
-                                </a:rPr>
-                              </m:ctrlPr>
-                            </m:sSubPr>
-                            <m:e>
-                              <m:r>
-                                <a:rPr lang="en-US" sz="2400" i="1">
-                                  <a:effectLst/>
-                                  <a:latin typeface="Cambria Math" panose="02040503050406030204" pitchFamily="18" charset="0"/>
-                                  <a:ea typeface="Times New Roman" panose="02020603050405020304" pitchFamily="18" charset="0"/>
-                                  <a:cs typeface="Times New Roman" panose="02020603050405020304" pitchFamily="18" charset="0"/>
-                                </a:rPr>
-                                <m:t>𝜌</m:t>
-                              </m:r>
-                            </m:e>
-                            <m:sub>
-                              <m:r>
-                                <a:rPr lang="en-US" sz="2400" i="1">
-                                  <a:effectLst/>
-                                  <a:latin typeface="Cambria Math" panose="02040503050406030204" pitchFamily="18" charset="0"/>
-                                  <a:ea typeface="Times New Roman" panose="02020603050405020304" pitchFamily="18" charset="0"/>
-                                  <a:cs typeface="Times New Roman" panose="02020603050405020304" pitchFamily="18" charset="0"/>
-                                </a:rPr>
-                                <m:t>𝛼</m:t>
-                              </m:r>
-                            </m:sub>
-                          </m:sSub>
-                          <m:sSub>
-                            <m:sSubPr>
-                              <m:ctrlPr>
-                                <a:rPr lang="ru-RU" i="1">
-                                  <a:effectLst/>
-                                  <a:latin typeface="Cambria Math" panose="02040503050406030204" pitchFamily="18" charset="0"/>
-                                </a:rPr>
-                              </m:ctrlPr>
-                            </m:sSubPr>
-                            <m:e>
-                              <m:r>
-                                <a:rPr lang="en-US" sz="2400" b="1" i="1">
-                                  <a:effectLst/>
-                                  <a:latin typeface="Cambria Math" panose="02040503050406030204" pitchFamily="18" charset="0"/>
-                                  <a:ea typeface="Times New Roman" panose="02020603050405020304" pitchFamily="18" charset="0"/>
-                                  <a:cs typeface="Times New Roman" panose="02020603050405020304" pitchFamily="18" charset="0"/>
-                                </a:rPr>
-                                <m:t>𝐮</m:t>
-                              </m:r>
-                            </m:e>
-                            <m:sub>
-                              <m:r>
-                                <a:rPr lang="en-US" sz="2400" i="1">
-                                  <a:effectLst/>
-                                  <a:latin typeface="Cambria Math" panose="02040503050406030204" pitchFamily="18" charset="0"/>
-                                  <a:ea typeface="Times New Roman" panose="02020603050405020304" pitchFamily="18" charset="0"/>
-                                  <a:cs typeface="Times New Roman" panose="02020603050405020304" pitchFamily="18" charset="0"/>
-                                </a:rPr>
-                                <m:t>𝛼</m:t>
-                              </m:r>
-                            </m:sub>
-                          </m:sSub>
-                        </m:e>
-                      </m:d>
-                      <m:r>
-                        <a:rPr lang="en-US" sz="2400">
-                          <a:effectLst/>
-                          <a:latin typeface="Cambria Math" panose="02040503050406030204" pitchFamily="18" charset="0"/>
-                          <a:ea typeface="Times New Roman" panose="02020603050405020304" pitchFamily="18" charset="0"/>
-                          <a:cs typeface="Times New Roman" panose="02020603050405020304" pitchFamily="18" charset="0"/>
-                        </a:rPr>
-                        <m:t>=</m:t>
-                      </m:r>
-                      <m:sSub>
-                        <m:sSubPr>
-                          <m:ctrlPr>
-                            <a:rPr lang="ru-RU" i="1">
-                              <a:effectLst/>
-                              <a:latin typeface="Cambria Math" panose="02040503050406030204" pitchFamily="18" charset="0"/>
-                            </a:rPr>
-                          </m:ctrlPr>
-                        </m:sSubPr>
-                        <m:e>
-                          <m:r>
-                            <m:rPr>
-                              <m:sty m:val="p"/>
-                            </m:rPr>
-                            <a:rPr lang="en-US" sz="2400">
-                              <a:effectLst/>
-                              <a:latin typeface="Cambria Math" panose="02040503050406030204" pitchFamily="18" charset="0"/>
-                              <a:ea typeface="Times New Roman" panose="02020603050405020304" pitchFamily="18" charset="0"/>
-                              <a:cs typeface="Times New Roman" panose="02020603050405020304" pitchFamily="18" charset="0"/>
-                            </a:rPr>
-                            <m:t>Γ</m:t>
-                          </m:r>
-                        </m:e>
-                        <m:sub>
-                          <m:r>
-                            <a:rPr lang="en-US" sz="2400" i="1">
-                              <a:effectLst/>
-                              <a:latin typeface="Cambria Math" panose="02040503050406030204" pitchFamily="18" charset="0"/>
-                              <a:ea typeface="Times New Roman" panose="02020603050405020304" pitchFamily="18" charset="0"/>
-                              <a:cs typeface="Times New Roman" panose="02020603050405020304" pitchFamily="18" charset="0"/>
-                            </a:rPr>
-                            <m:t>𝛼</m:t>
-                          </m:r>
-                        </m:sub>
-                      </m:sSub>
-                    </m:oMath>
-                  </m:oMathPara>
-                </a14:m>
-                <a:endParaRPr lang="ru-RU" dirty="0"/>
-              </a:p>
-            </p:txBody>
-          </p:sp>
-        </mc:Choice>
-        <mc:Fallback xmlns="">
-          <p:sp>
-            <p:nvSpPr>
-              <p:cNvPr id="12" name="TextBox 11">
-                <a:extLst>
-                  <a:ext uri="{FF2B5EF4-FFF2-40B4-BE49-F238E27FC236}">
-                    <a16:creationId xmlns:a16="http://schemas.microsoft.com/office/drawing/2014/main" id="{932EC4FD-E5AB-8E15-7064-37DF33BAD9EC}"/>
-                  </a:ext>
-                </a:extLst>
-              </p:cNvPr>
-              <p:cNvSpPr txBox="1">
-                <a:spLocks noRot="1" noChangeAspect="1" noMove="1" noResize="1" noEditPoints="1" noAdjustHandles="1" noChangeArrowheads="1" noChangeShapeType="1" noTextEdit="1"/>
-              </p:cNvSpPr>
-              <p:nvPr/>
-            </p:nvSpPr>
-            <p:spPr>
-              <a:xfrm>
-                <a:off x="2693976" y="3538146"/>
-                <a:ext cx="5346550" cy="735907"/>
-              </a:xfrm>
-              <a:prstGeom prst="rect">
-                <a:avLst/>
-              </a:prstGeom>
-              <a:blipFill>
-                <a:blip r:embed="rId6"/>
-                <a:stretch>
-                  <a:fillRect/>
-                </a:stretch>
-              </a:blipFill>
-            </p:spPr>
-            <p:txBody>
-              <a:bodyPr/>
-              <a:lstStyle/>
-              <a:p>
-                <a:r>
-                  <a:rPr lang="ru-RU">
-                    <a:noFill/>
-                  </a:rPr>
-                  <a:t> </a:t>
-                </a:r>
-              </a:p>
-            </p:txBody>
-          </p:sp>
-        </mc:Fallback>
-      </mc:AlternateContent>
-      <mc:AlternateContent xmlns:mc="http://schemas.openxmlformats.org/markup-compatibility/2006" xmlns:a14="http://schemas.microsoft.com/office/drawing/2010/main">
-        <mc:Choice Requires="a14">
-          <p:sp>
-            <p:nvSpPr>
-              <p:cNvPr id="13" name="TextBox 12">
-                <a:extLst>
-                  <a:ext uri="{FF2B5EF4-FFF2-40B4-BE49-F238E27FC236}">
-                    <a16:creationId xmlns:a16="http://schemas.microsoft.com/office/drawing/2014/main" id="{297F7704-1C97-6968-672D-B8A62CC2DD25}"/>
-                  </a:ext>
-                </a:extLst>
-              </p:cNvPr>
-              <p:cNvSpPr txBox="1"/>
-              <p:nvPr/>
-            </p:nvSpPr>
-            <p:spPr>
-              <a:xfrm>
-                <a:off x="553466" y="4014510"/>
-                <a:ext cx="9137647" cy="2198038"/>
-              </a:xfrm>
-              <a:prstGeom prst="rect">
-                <a:avLst/>
-              </a:prstGeom>
-              <a:noFill/>
-            </p:spPr>
-            <p:txBody>
-              <a:bodyPr wrap="square">
-                <a:spAutoFit/>
-              </a:bodyPr>
-              <a:lstStyle/>
-              <a:p>
-                <a:pPr>
-                  <a:spcBef>
-                    <a:spcPts val="900"/>
-                  </a:spcBef>
-                  <a:spcAft>
-                    <a:spcPts val="900"/>
-                  </a:spcAft>
-                  <a:buNone/>
-                </a:pPr>
-                <a:r>
-                  <a:rPr lang="en-US" sz="1600" dirty="0" err="1">
-                    <a:effectLst/>
-                    <a:ea typeface="Times New Roman" panose="02020603050405020304" pitchFamily="18" charset="0"/>
-                    <a:cs typeface="Times New Roman" panose="02020603050405020304" pitchFamily="18" charset="0"/>
-                  </a:rPr>
-                  <a:t>где</a:t>
-                </a:r>
-                <a:endParaRPr lang="ru-RU" sz="1600" dirty="0">
-                  <a:effectLst/>
-                  <a:ea typeface="Times New Roman" panose="02020603050405020304" pitchFamily="18" charset="0"/>
-                  <a:cs typeface="Times New Roman" panose="02020603050405020304" pitchFamily="18" charset="0"/>
-                </a:endParaRPr>
-              </a:p>
-              <a:p>
-                <a:pPr marL="342900" lvl="0" indent="-342900">
-                  <a:spcAft>
-                    <a:spcPts val="1000"/>
-                  </a:spcAft>
-                  <a:buFont typeface="Symbol" panose="05050102010706020507" pitchFamily="18" charset="2"/>
-                  <a:buChar char=""/>
-                </a:pPr>
-                <a14:m>
-                  <m:oMath xmlns:m="http://schemas.openxmlformats.org/officeDocument/2006/math">
-                    <m:r>
-                      <a:rPr lang="en-US" sz="1600" i="1">
-                        <a:effectLst/>
-                        <a:latin typeface="Cambria Math" panose="02040503050406030204" pitchFamily="18" charset="0"/>
-                        <a:ea typeface="Times New Roman" panose="02020603050405020304" pitchFamily="18" charset="0"/>
-                        <a:cs typeface="Symbol" panose="05050102010706020507" pitchFamily="18" charset="2"/>
-                      </a:rPr>
-                      <m:t>𝜙</m:t>
-                    </m:r>
-                  </m:oMath>
-                </a14:m>
-                <a:r>
-                  <a:rPr lang="en-US" sz="1600" dirty="0">
-                    <a:effectLst/>
-                    <a:ea typeface="Times New Roman" panose="02020603050405020304" pitchFamily="18" charset="0"/>
-                    <a:cs typeface="Symbol" panose="05050102010706020507" pitchFamily="18" charset="2"/>
-                  </a:rPr>
-                  <a:t> — </a:t>
-                </a:r>
-                <a:r>
-                  <a:rPr lang="ru-RU" sz="1600" dirty="0">
-                    <a:effectLst/>
-                    <a:ea typeface="Times New Roman" panose="02020603050405020304" pitchFamily="18" charset="0"/>
-                    <a:cs typeface="Symbol" panose="05050102010706020507" pitchFamily="18" charset="2"/>
-                  </a:rPr>
-                  <a:t>открытая </a:t>
-                </a:r>
-                <a:r>
-                  <a:rPr lang="en-US" sz="1600" dirty="0" err="1">
-                    <a:effectLst/>
-                    <a:ea typeface="Times New Roman" panose="02020603050405020304" pitchFamily="18" charset="0"/>
-                    <a:cs typeface="Symbol" panose="05050102010706020507" pitchFamily="18" charset="2"/>
-                  </a:rPr>
-                  <a:t>пористость</a:t>
-                </a:r>
-                <a:r>
-                  <a:rPr lang="en-US" sz="1600" dirty="0">
-                    <a:effectLst/>
-                    <a:ea typeface="Times New Roman" panose="02020603050405020304" pitchFamily="18" charset="0"/>
-                    <a:cs typeface="Symbol" panose="05050102010706020507" pitchFamily="18" charset="2"/>
-                  </a:rPr>
-                  <a:t>;</a:t>
-                </a:r>
-                <a:endParaRPr lang="ru-RU" sz="1600" dirty="0">
-                  <a:effectLst/>
-                  <a:ea typeface="Times New Roman" panose="02020603050405020304" pitchFamily="18" charset="0"/>
-                  <a:cs typeface="Symbol" panose="05050102010706020507" pitchFamily="18" charset="2"/>
-                </a:endParaRPr>
-              </a:p>
-              <a:p>
-                <a:pPr marL="342900" lvl="0" indent="-342900">
-                  <a:spcAft>
-                    <a:spcPts val="1000"/>
-                  </a:spcAft>
-                  <a:buFont typeface="Symbol" panose="05050102010706020507" pitchFamily="18" charset="2"/>
-                  <a:buChar char=""/>
-                </a:pPr>
-                <a14:m>
-                  <m:oMath xmlns:m="http://schemas.openxmlformats.org/officeDocument/2006/math">
-                    <m:sSub>
-                      <m:sSubPr>
-                        <m:ctrlPr>
-                          <a:rPr lang="ru-RU" sz="1600" i="1">
-                            <a:effectLst/>
-                            <a:latin typeface="Cambria Math" panose="02040503050406030204" pitchFamily="18" charset="0"/>
-                            <a:ea typeface="Times New Roman" panose="02020603050405020304" pitchFamily="18" charset="0"/>
-                            <a:cs typeface="Symbol" panose="05050102010706020507" pitchFamily="18" charset="2"/>
-                          </a:rPr>
-                        </m:ctrlPr>
-                      </m:sSubPr>
-                      <m:e>
-                        <m:r>
-                          <a:rPr lang="en-US" sz="1600" i="1">
-                            <a:effectLst/>
-                            <a:latin typeface="Cambria Math" panose="02040503050406030204" pitchFamily="18" charset="0"/>
-                            <a:ea typeface="Times New Roman" panose="02020603050405020304" pitchFamily="18" charset="0"/>
-                            <a:cs typeface="Symbol" panose="05050102010706020507" pitchFamily="18" charset="2"/>
-                          </a:rPr>
-                          <m:t>𝑆</m:t>
-                        </m:r>
-                      </m:e>
-                      <m:sub>
-                        <m:r>
-                          <a:rPr lang="en-US" sz="1600" i="1">
-                            <a:effectLst/>
-                            <a:latin typeface="Cambria Math" panose="02040503050406030204" pitchFamily="18" charset="0"/>
-                            <a:ea typeface="Times New Roman" panose="02020603050405020304" pitchFamily="18" charset="0"/>
-                            <a:cs typeface="Symbol" panose="05050102010706020507" pitchFamily="18" charset="2"/>
-                          </a:rPr>
-                          <m:t>𝛼</m:t>
-                        </m:r>
-                      </m:sub>
-                    </m:sSub>
-                  </m:oMath>
-                </a14:m>
-                <a:r>
-                  <a:rPr lang="en-US" sz="1600" dirty="0">
-                    <a:effectLst/>
-                    <a:ea typeface="Times New Roman" panose="02020603050405020304" pitchFamily="18" charset="0"/>
-                    <a:cs typeface="Symbol" panose="05050102010706020507" pitchFamily="18" charset="2"/>
-                  </a:rPr>
-                  <a:t> </a:t>
-                </a:r>
-                <a:r>
-                  <a:rPr lang="ru-RU" sz="1600" dirty="0">
-                    <a:effectLst/>
-                    <a:ea typeface="Times New Roman" panose="02020603050405020304" pitchFamily="18" charset="0"/>
-                    <a:cs typeface="Symbol" panose="05050102010706020507" pitchFamily="18" charset="2"/>
-                  </a:rPr>
-                  <a:t>— насыщение фазы </a:t>
-                </a:r>
-                <a14:m>
-                  <m:oMath xmlns:m="http://schemas.openxmlformats.org/officeDocument/2006/math">
-                    <m:r>
-                      <a:rPr lang="en-US" sz="1600" i="1">
-                        <a:effectLst/>
-                        <a:latin typeface="Cambria Math" panose="02040503050406030204" pitchFamily="18" charset="0"/>
-                        <a:ea typeface="Times New Roman" panose="02020603050405020304" pitchFamily="18" charset="0"/>
-                        <a:cs typeface="Symbol" panose="05050102010706020507" pitchFamily="18" charset="2"/>
-                      </a:rPr>
-                      <m:t>𝛼</m:t>
-                    </m:r>
-                  </m:oMath>
-                </a14:m>
-                <a:r>
-                  <a:rPr lang="ru-RU" sz="1600" dirty="0">
-                    <a:effectLst/>
-                    <a:ea typeface="Times New Roman" panose="02020603050405020304" pitchFamily="18" charset="0"/>
-                    <a:cs typeface="Symbol" panose="05050102010706020507" pitchFamily="18" charset="2"/>
-                  </a:rPr>
-                  <a:t> (доля порового объёма);</a:t>
-                </a:r>
-              </a:p>
-              <a:p>
-                <a:pPr marL="342900" lvl="0" indent="-342900">
-                  <a:spcAft>
-                    <a:spcPts val="1000"/>
-                  </a:spcAft>
-                  <a:buFont typeface="Symbol" panose="05050102010706020507" pitchFamily="18" charset="2"/>
-                  <a:buChar char=""/>
-                </a:pPr>
-                <a14:m>
-                  <m:oMath xmlns:m="http://schemas.openxmlformats.org/officeDocument/2006/math">
-                    <m:sSub>
-                      <m:sSubPr>
-                        <m:ctrlPr>
-                          <a:rPr lang="ru-RU" sz="1600" i="1">
-                            <a:effectLst/>
-                            <a:latin typeface="Cambria Math" panose="02040503050406030204" pitchFamily="18" charset="0"/>
-                            <a:ea typeface="Times New Roman" panose="02020603050405020304" pitchFamily="18" charset="0"/>
-                            <a:cs typeface="Symbol" panose="05050102010706020507" pitchFamily="18" charset="2"/>
-                          </a:rPr>
-                        </m:ctrlPr>
-                      </m:sSubPr>
-                      <m:e>
-                        <m:r>
-                          <a:rPr lang="en-US" sz="1600" i="1">
-                            <a:effectLst/>
-                            <a:latin typeface="Cambria Math" panose="02040503050406030204" pitchFamily="18" charset="0"/>
-                            <a:ea typeface="Times New Roman" panose="02020603050405020304" pitchFamily="18" charset="0"/>
-                            <a:cs typeface="Symbol" panose="05050102010706020507" pitchFamily="18" charset="2"/>
-                          </a:rPr>
-                          <m:t>𝜌</m:t>
-                        </m:r>
-                      </m:e>
-                      <m:sub>
-                        <m:r>
-                          <a:rPr lang="en-US" sz="1600" i="1">
-                            <a:effectLst/>
-                            <a:latin typeface="Cambria Math" panose="02040503050406030204" pitchFamily="18" charset="0"/>
-                            <a:ea typeface="Times New Roman" panose="02020603050405020304" pitchFamily="18" charset="0"/>
-                            <a:cs typeface="Symbol" panose="05050102010706020507" pitchFamily="18" charset="2"/>
-                          </a:rPr>
-                          <m:t>𝛼</m:t>
-                        </m:r>
-                      </m:sub>
-                    </m:sSub>
-                  </m:oMath>
-                </a14:m>
-                <a:r>
-                  <a:rPr lang="en-US" sz="1600" dirty="0">
-                    <a:effectLst/>
-                    <a:ea typeface="Times New Roman" panose="02020603050405020304" pitchFamily="18" charset="0"/>
-                    <a:cs typeface="Symbol" panose="05050102010706020507" pitchFamily="18" charset="2"/>
-                  </a:rPr>
-                  <a:t> </a:t>
-                </a:r>
-                <a:r>
-                  <a:rPr lang="ru-RU" sz="1600" dirty="0">
-                    <a:effectLst/>
-                    <a:ea typeface="Times New Roman" panose="02020603050405020304" pitchFamily="18" charset="0"/>
-                    <a:cs typeface="Symbol" panose="05050102010706020507" pitchFamily="18" charset="2"/>
-                  </a:rPr>
-                  <a:t>— плотность фазы </a:t>
-                </a:r>
-                <a14:m>
-                  <m:oMath xmlns:m="http://schemas.openxmlformats.org/officeDocument/2006/math">
-                    <m:r>
-                      <a:rPr lang="en-US" sz="1600" i="1">
-                        <a:effectLst/>
-                        <a:latin typeface="Cambria Math" panose="02040503050406030204" pitchFamily="18" charset="0"/>
-                        <a:ea typeface="Times New Roman" panose="02020603050405020304" pitchFamily="18" charset="0"/>
-                        <a:cs typeface="Symbol" panose="05050102010706020507" pitchFamily="18" charset="2"/>
-                      </a:rPr>
-                      <m:t>𝛼</m:t>
-                    </m:r>
-                  </m:oMath>
-                </a14:m>
-                <a:r>
-                  <a:rPr lang="ru-RU" sz="1600" dirty="0">
-                    <a:effectLst/>
-                    <a:ea typeface="Times New Roman" panose="02020603050405020304" pitchFamily="18" charset="0"/>
-                    <a:cs typeface="Symbol" panose="05050102010706020507" pitchFamily="18" charset="2"/>
-                  </a:rPr>
-                  <a:t>;</a:t>
-                </a:r>
-              </a:p>
-              <a:p>
-                <a:pPr marL="342900" lvl="0" indent="-342900">
-                  <a:spcAft>
-                    <a:spcPts val="1000"/>
-                  </a:spcAft>
-                  <a:buFont typeface="Symbol" panose="05050102010706020507" pitchFamily="18" charset="2"/>
-                  <a:buChar char=""/>
-                </a:pPr>
-                <a14:m>
-                  <m:oMath xmlns:m="http://schemas.openxmlformats.org/officeDocument/2006/math">
-                    <m:sSub>
-                      <m:sSubPr>
-                        <m:ctrlPr>
-                          <a:rPr lang="ru-RU" sz="1600" i="1">
-                            <a:effectLst/>
-                            <a:latin typeface="Cambria Math" panose="02040503050406030204" pitchFamily="18" charset="0"/>
-                            <a:ea typeface="Times New Roman" panose="02020603050405020304" pitchFamily="18" charset="0"/>
-                            <a:cs typeface="Symbol" panose="05050102010706020507" pitchFamily="18" charset="2"/>
-                          </a:rPr>
-                        </m:ctrlPr>
-                      </m:sSubPr>
-                      <m:e>
-                        <m:r>
-                          <a:rPr lang="en-US" sz="1600" b="1" i="1">
-                            <a:effectLst/>
-                            <a:latin typeface="Cambria Math" panose="02040503050406030204" pitchFamily="18" charset="0"/>
-                            <a:ea typeface="Times New Roman" panose="02020603050405020304" pitchFamily="18" charset="0"/>
-                            <a:cs typeface="Symbol" panose="05050102010706020507" pitchFamily="18" charset="2"/>
-                          </a:rPr>
-                          <m:t>𝐮</m:t>
-                        </m:r>
-                      </m:e>
-                      <m:sub>
-                        <m:r>
-                          <a:rPr lang="en-US" sz="1600" i="1">
-                            <a:effectLst/>
-                            <a:latin typeface="Cambria Math" panose="02040503050406030204" pitchFamily="18" charset="0"/>
-                            <a:ea typeface="Times New Roman" panose="02020603050405020304" pitchFamily="18" charset="0"/>
-                            <a:cs typeface="Symbol" panose="05050102010706020507" pitchFamily="18" charset="2"/>
-                          </a:rPr>
-                          <m:t>𝛼</m:t>
-                        </m:r>
-                      </m:sub>
-                    </m:sSub>
-                  </m:oMath>
-                </a14:m>
-                <a:r>
-                  <a:rPr lang="en-US" sz="1600" dirty="0">
-                    <a:effectLst/>
-                    <a:ea typeface="Times New Roman" panose="02020603050405020304" pitchFamily="18" charset="0"/>
-                    <a:cs typeface="Symbol" panose="05050102010706020507" pitchFamily="18" charset="2"/>
-                  </a:rPr>
-                  <a:t> </a:t>
-                </a:r>
-                <a:r>
-                  <a:rPr lang="ru-RU" sz="1600" dirty="0">
-                    <a:effectLst/>
-                    <a:ea typeface="Times New Roman" panose="02020603050405020304" pitchFamily="18" charset="0"/>
-                    <a:cs typeface="Symbol" panose="05050102010706020507" pitchFamily="18" charset="2"/>
-                  </a:rPr>
-                  <a:t>— фильтрационная скорость фазы </a:t>
-                </a:r>
-                <a14:m>
-                  <m:oMath xmlns:m="http://schemas.openxmlformats.org/officeDocument/2006/math">
-                    <m:r>
-                      <a:rPr lang="en-US" sz="1600" i="1">
-                        <a:effectLst/>
-                        <a:latin typeface="Cambria Math" panose="02040503050406030204" pitchFamily="18" charset="0"/>
-                        <a:ea typeface="Times New Roman" panose="02020603050405020304" pitchFamily="18" charset="0"/>
-                        <a:cs typeface="Symbol" panose="05050102010706020507" pitchFamily="18" charset="2"/>
-                      </a:rPr>
-                      <m:t>𝛼</m:t>
-                    </m:r>
-                  </m:oMath>
-                </a14:m>
-                <a:r>
-                  <a:rPr lang="ru-RU" sz="1600" dirty="0">
-                    <a:effectLst/>
-                    <a:ea typeface="Times New Roman" panose="02020603050405020304" pitchFamily="18" charset="0"/>
-                    <a:cs typeface="Symbol" panose="05050102010706020507" pitchFamily="18" charset="2"/>
-                  </a:rPr>
-                  <a:t> (скорость Дарси);</a:t>
-                </a:r>
-              </a:p>
-              <a:p>
-                <a:pPr marL="342900" lvl="0" indent="-342900">
-                  <a:spcAft>
-                    <a:spcPts val="1000"/>
-                  </a:spcAft>
-                  <a:buFont typeface="Symbol" panose="05050102010706020507" pitchFamily="18" charset="2"/>
-                  <a:buChar char=""/>
-                </a:pPr>
-                <a14:m>
-                  <m:oMath xmlns:m="http://schemas.openxmlformats.org/officeDocument/2006/math">
-                    <m:sSub>
-                      <m:sSubPr>
-                        <m:ctrlPr>
-                          <a:rPr lang="ru-RU" sz="1600" i="1">
-                            <a:effectLst/>
-                            <a:latin typeface="Cambria Math" panose="02040503050406030204" pitchFamily="18" charset="0"/>
-                            <a:ea typeface="Times New Roman" panose="02020603050405020304" pitchFamily="18" charset="0"/>
-                            <a:cs typeface="Symbol" panose="05050102010706020507" pitchFamily="18" charset="2"/>
-                          </a:rPr>
-                        </m:ctrlPr>
-                      </m:sSubPr>
-                      <m:e>
-                        <m:r>
-                          <m:rPr>
-                            <m:sty m:val="p"/>
-                          </m:rPr>
-                          <a:rPr lang="en-US" sz="1600">
-                            <a:effectLst/>
-                            <a:latin typeface="Cambria Math" panose="02040503050406030204" pitchFamily="18" charset="0"/>
-                            <a:ea typeface="Times New Roman" panose="02020603050405020304" pitchFamily="18" charset="0"/>
-                            <a:cs typeface="Symbol" panose="05050102010706020507" pitchFamily="18" charset="2"/>
-                          </a:rPr>
-                          <m:t>Γ</m:t>
-                        </m:r>
-                      </m:e>
-                      <m:sub>
-                        <m:r>
-                          <a:rPr lang="en-US" sz="1600" i="1">
-                            <a:effectLst/>
-                            <a:latin typeface="Cambria Math" panose="02040503050406030204" pitchFamily="18" charset="0"/>
-                            <a:ea typeface="Times New Roman" panose="02020603050405020304" pitchFamily="18" charset="0"/>
-                            <a:cs typeface="Symbol" panose="05050102010706020507" pitchFamily="18" charset="2"/>
-                          </a:rPr>
-                          <m:t>𝛼</m:t>
-                        </m:r>
-                      </m:sub>
-                    </m:sSub>
-                  </m:oMath>
-                </a14:m>
-                <a:r>
-                  <a:rPr lang="en-US" sz="1600" dirty="0">
-                    <a:effectLst/>
-                    <a:ea typeface="Times New Roman" panose="02020603050405020304" pitchFamily="18" charset="0"/>
-                    <a:cs typeface="Symbol" panose="05050102010706020507" pitchFamily="18" charset="2"/>
-                  </a:rPr>
-                  <a:t> </a:t>
-                </a:r>
-                <a:r>
-                  <a:rPr lang="ru-RU" sz="1600" dirty="0">
-                    <a:effectLst/>
-                    <a:ea typeface="Times New Roman" panose="02020603050405020304" pitchFamily="18" charset="0"/>
-                    <a:cs typeface="Symbol" panose="05050102010706020507" pitchFamily="18" charset="2"/>
-                  </a:rPr>
-                  <a:t>— источник (если </a:t>
-                </a:r>
-                <a14:m>
-                  <m:oMath xmlns:m="http://schemas.openxmlformats.org/officeDocument/2006/math">
-                    <m:r>
-                      <a:rPr lang="ru-RU" sz="1600">
-                        <a:effectLst/>
-                        <a:latin typeface="Cambria Math" panose="02040503050406030204" pitchFamily="18" charset="0"/>
-                        <a:ea typeface="Times New Roman" panose="02020603050405020304" pitchFamily="18" charset="0"/>
-                        <a:cs typeface="Symbol" panose="05050102010706020507" pitchFamily="18" charset="2"/>
-                      </a:rPr>
-                      <m:t>&gt;</m:t>
-                    </m:r>
-                    <m:r>
-                      <a:rPr lang="ru-RU" sz="1600" i="1">
-                        <a:effectLst/>
-                        <a:latin typeface="Cambria Math" panose="02040503050406030204" pitchFamily="18" charset="0"/>
-                        <a:ea typeface="Times New Roman" panose="02020603050405020304" pitchFamily="18" charset="0"/>
-                        <a:cs typeface="Symbol" panose="05050102010706020507" pitchFamily="18" charset="2"/>
-                      </a:rPr>
-                      <m:t>0</m:t>
-                    </m:r>
-                  </m:oMath>
-                </a14:m>
-                <a:r>
-                  <a:rPr lang="ru-RU" sz="1600" dirty="0">
-                    <a:effectLst/>
-                    <a:ea typeface="Times New Roman" panose="02020603050405020304" pitchFamily="18" charset="0"/>
-                    <a:cs typeface="Symbol" panose="05050102010706020507" pitchFamily="18" charset="2"/>
-                  </a:rPr>
-                  <a:t>) или сток (если </a:t>
-                </a:r>
-                <a14:m>
-                  <m:oMath xmlns:m="http://schemas.openxmlformats.org/officeDocument/2006/math">
-                    <m:r>
-                      <a:rPr lang="ru-RU" sz="1600">
-                        <a:effectLst/>
-                        <a:latin typeface="Cambria Math" panose="02040503050406030204" pitchFamily="18" charset="0"/>
-                        <a:ea typeface="Times New Roman" panose="02020603050405020304" pitchFamily="18" charset="0"/>
-                        <a:cs typeface="Symbol" panose="05050102010706020507" pitchFamily="18" charset="2"/>
-                      </a:rPr>
-                      <m:t>&lt;</m:t>
-                    </m:r>
-                    <m:r>
-                      <a:rPr lang="ru-RU" sz="1600" i="1">
-                        <a:effectLst/>
-                        <a:latin typeface="Cambria Math" panose="02040503050406030204" pitchFamily="18" charset="0"/>
-                        <a:ea typeface="Times New Roman" panose="02020603050405020304" pitchFamily="18" charset="0"/>
-                        <a:cs typeface="Symbol" panose="05050102010706020507" pitchFamily="18" charset="2"/>
-                      </a:rPr>
-                      <m:t>0</m:t>
-                    </m:r>
-                  </m:oMath>
-                </a14:m>
-                <a:r>
-                  <a:rPr lang="ru-RU" sz="1600" dirty="0">
-                    <a:effectLst/>
-                    <a:ea typeface="Times New Roman" panose="02020603050405020304" pitchFamily="18" charset="0"/>
-                    <a:cs typeface="Symbol" panose="05050102010706020507" pitchFamily="18" charset="2"/>
-                  </a:rPr>
-                  <a:t>) массы фазы за счёт фазового перехода.</a:t>
-                </a:r>
-              </a:p>
-            </p:txBody>
-          </p:sp>
-        </mc:Choice>
-        <mc:Fallback xmlns="">
-          <p:sp>
-            <p:nvSpPr>
-              <p:cNvPr id="13" name="TextBox 12">
-                <a:extLst>
-                  <a:ext uri="{FF2B5EF4-FFF2-40B4-BE49-F238E27FC236}">
-                    <a16:creationId xmlns:a16="http://schemas.microsoft.com/office/drawing/2014/main" id="{297F7704-1C97-6968-672D-B8A62CC2DD25}"/>
-                  </a:ext>
-                </a:extLst>
-              </p:cNvPr>
-              <p:cNvSpPr txBox="1">
-                <a:spLocks noRot="1" noChangeAspect="1" noMove="1" noResize="1" noEditPoints="1" noAdjustHandles="1" noChangeArrowheads="1" noChangeShapeType="1" noTextEdit="1"/>
-              </p:cNvSpPr>
-              <p:nvPr/>
-            </p:nvSpPr>
-            <p:spPr>
-              <a:xfrm>
-                <a:off x="553466" y="4014510"/>
-                <a:ext cx="9137647" cy="2198038"/>
-              </a:xfrm>
-              <a:prstGeom prst="rect">
-                <a:avLst/>
-              </a:prstGeom>
-              <a:blipFill>
-                <a:blip r:embed="rId7"/>
-                <a:stretch>
-                  <a:fillRect l="-400" t="-833" b="-2778"/>
-                </a:stretch>
-              </a:blipFill>
-            </p:spPr>
-            <p:txBody>
-              <a:bodyPr/>
-              <a:lstStyle/>
-              <a:p>
-                <a:r>
-                  <a:rPr lang="ru-RU">
-                    <a:noFill/>
-                  </a:rPr>
-                  <a:t> </a:t>
-                </a:r>
-              </a:p>
-            </p:txBody>
-          </p:sp>
-        </mc:Fallback>
-      </mc:AlternateContent>
+      </p:pic>
+      <p:pic>
+        <p:nvPicPr>
+          <p:cNvPr id="9" name="Рисунок 8">
+            <a:extLst>
+              <a:ext uri="{FF2B5EF4-FFF2-40B4-BE49-F238E27FC236}">
+                <a16:creationId xmlns:a16="http://schemas.microsoft.com/office/drawing/2014/main" id="{A3BF5FBF-00FD-E266-A106-3D0C9CF2F53F}"/>
+              </a:ext>
+            </a:extLst>
+          </p:cNvPr>
+          <p:cNvPicPr>
+            <a:picLocks noChangeAspect="1"/>
+          </p:cNvPicPr>
+          <p:nvPr/>
+        </p:nvPicPr>
+        <p:blipFill>
+          <a:blip r:embed="rId4"/>
+          <a:stretch>
+            <a:fillRect/>
+          </a:stretch>
+        </p:blipFill>
+        <p:spPr>
+          <a:xfrm>
+            <a:off x="3856152" y="1111731"/>
+            <a:ext cx="3131233" cy="2307606"/>
+          </a:xfrm>
+          <a:prstGeom prst="rect">
+            <a:avLst/>
+          </a:prstGeom>
+        </p:spPr>
+      </p:pic>
+      <p:pic>
+        <p:nvPicPr>
+          <p:cNvPr id="10" name="Рисунок 9">
+            <a:extLst>
+              <a:ext uri="{FF2B5EF4-FFF2-40B4-BE49-F238E27FC236}">
+                <a16:creationId xmlns:a16="http://schemas.microsoft.com/office/drawing/2014/main" id="{A7989527-E941-BFA7-3A67-828AAD9F92D3}"/>
+              </a:ext>
+            </a:extLst>
+          </p:cNvPr>
+          <p:cNvPicPr>
+            <a:picLocks noChangeAspect="1"/>
+          </p:cNvPicPr>
+          <p:nvPr/>
+        </p:nvPicPr>
+        <p:blipFill>
+          <a:blip r:embed="rId5"/>
+          <a:stretch>
+            <a:fillRect/>
+          </a:stretch>
+        </p:blipFill>
+        <p:spPr>
+          <a:xfrm>
+            <a:off x="7221229" y="1152648"/>
+            <a:ext cx="3075710" cy="2266689"/>
+          </a:xfrm>
+          <a:prstGeom prst="rect">
+            <a:avLst/>
+          </a:prstGeom>
+          <a:ln>
+            <a:solidFill>
+              <a:srgbClr val="FFC000"/>
+            </a:solidFill>
+          </a:ln>
+        </p:spPr>
+      </p:pic>
+      <p:pic>
+        <p:nvPicPr>
+          <p:cNvPr id="12" name="Рисунок 11">
+            <a:extLst>
+              <a:ext uri="{FF2B5EF4-FFF2-40B4-BE49-F238E27FC236}">
+                <a16:creationId xmlns:a16="http://schemas.microsoft.com/office/drawing/2014/main" id="{35C6A8C9-F1B2-7B0D-5441-6B0BE95BBB9D}"/>
+              </a:ext>
+            </a:extLst>
+          </p:cNvPr>
+          <p:cNvPicPr>
+            <a:picLocks noChangeAspect="1"/>
+          </p:cNvPicPr>
+          <p:nvPr/>
+        </p:nvPicPr>
+        <p:blipFill>
+          <a:blip r:embed="rId6"/>
+          <a:stretch>
+            <a:fillRect/>
+          </a:stretch>
+        </p:blipFill>
+        <p:spPr>
+          <a:xfrm>
+            <a:off x="441620" y="3647663"/>
+            <a:ext cx="3144357" cy="2317278"/>
+          </a:xfrm>
+          <a:prstGeom prst="rect">
+            <a:avLst/>
+          </a:prstGeom>
+        </p:spPr>
+      </p:pic>
+      <p:pic>
+        <p:nvPicPr>
+          <p:cNvPr id="13" name="Рисунок 12">
+            <a:extLst>
+              <a:ext uri="{FF2B5EF4-FFF2-40B4-BE49-F238E27FC236}">
+                <a16:creationId xmlns:a16="http://schemas.microsoft.com/office/drawing/2014/main" id="{09EC0496-7FDA-023C-8554-DC3BC91576BC}"/>
+              </a:ext>
+            </a:extLst>
+          </p:cNvPr>
+          <p:cNvPicPr>
+            <a:picLocks noChangeAspect="1"/>
+          </p:cNvPicPr>
+          <p:nvPr/>
+        </p:nvPicPr>
+        <p:blipFill>
+          <a:blip r:embed="rId7"/>
+          <a:stretch>
+            <a:fillRect/>
+          </a:stretch>
+        </p:blipFill>
+        <p:spPr>
+          <a:xfrm>
+            <a:off x="3856152" y="3622220"/>
+            <a:ext cx="3178881" cy="2342721"/>
+          </a:xfrm>
+          <a:prstGeom prst="rect">
+            <a:avLst/>
+          </a:prstGeom>
+        </p:spPr>
+      </p:pic>
+      <p:pic>
+        <p:nvPicPr>
+          <p:cNvPr id="14" name="Рисунок 13">
+            <a:extLst>
+              <a:ext uri="{FF2B5EF4-FFF2-40B4-BE49-F238E27FC236}">
+                <a16:creationId xmlns:a16="http://schemas.microsoft.com/office/drawing/2014/main" id="{994EFD3F-23B5-CC69-51CF-00E5145AD275}"/>
+              </a:ext>
+            </a:extLst>
+          </p:cNvPr>
+          <p:cNvPicPr>
+            <a:picLocks noChangeAspect="1"/>
+          </p:cNvPicPr>
+          <p:nvPr/>
+        </p:nvPicPr>
+        <p:blipFill>
+          <a:blip r:embed="rId8"/>
+          <a:stretch>
+            <a:fillRect/>
+          </a:stretch>
+        </p:blipFill>
+        <p:spPr>
+          <a:xfrm>
+            <a:off x="7259693" y="3593360"/>
+            <a:ext cx="3257200" cy="2400439"/>
+          </a:xfrm>
+          <a:prstGeom prst="rect">
+            <a:avLst/>
+          </a:prstGeom>
+        </p:spPr>
+      </p:pic>
+      <p:cxnSp>
+        <p:nvCxnSpPr>
+          <p:cNvPr id="16" name="Прямая соединительная линия 15">
+            <a:extLst>
+              <a:ext uri="{FF2B5EF4-FFF2-40B4-BE49-F238E27FC236}">
+                <a16:creationId xmlns:a16="http://schemas.microsoft.com/office/drawing/2014/main" id="{EAA2A14E-BF26-20C4-5F7C-9CB481FEEA86}"/>
+              </a:ext>
+            </a:extLst>
+          </p:cNvPr>
+          <p:cNvCxnSpPr/>
+          <p:nvPr/>
+        </p:nvCxnSpPr>
+        <p:spPr>
+          <a:xfrm>
+            <a:off x="7966213" y="1386509"/>
+            <a:ext cx="2211457" cy="427382"/>
+          </a:xfrm>
+          <a:prstGeom prst="line">
+            <a:avLst/>
+          </a:prstGeom>
+        </p:spPr>
+        <p:style>
+          <a:lnRef idx="1">
+            <a:schemeClr val="accent1"/>
+          </a:lnRef>
+          <a:fillRef idx="0">
+            <a:schemeClr val="accent1"/>
+          </a:fillRef>
+          <a:effectRef idx="0">
+            <a:schemeClr val="accent1"/>
+          </a:effectRef>
+          <a:fontRef idx="minor">
+            <a:schemeClr val="tx1"/>
+          </a:fontRef>
+        </p:style>
+      </p:cxnSp>
+      <p:cxnSp>
+        <p:nvCxnSpPr>
+          <p:cNvPr id="17" name="Прямая соединительная линия 16">
+            <a:extLst>
+              <a:ext uri="{FF2B5EF4-FFF2-40B4-BE49-F238E27FC236}">
+                <a16:creationId xmlns:a16="http://schemas.microsoft.com/office/drawing/2014/main" id="{7EA943AA-83CA-31F0-7FB6-BFD4F9D12A64}"/>
+              </a:ext>
+            </a:extLst>
+          </p:cNvPr>
+          <p:cNvCxnSpPr>
+            <a:cxnSpLocks/>
+          </p:cNvCxnSpPr>
+          <p:nvPr/>
+        </p:nvCxnSpPr>
+        <p:spPr>
+          <a:xfrm>
+            <a:off x="9884465" y="1545535"/>
+            <a:ext cx="129209" cy="596348"/>
+          </a:xfrm>
+          <a:prstGeom prst="line">
+            <a:avLst/>
+          </a:prstGeom>
+        </p:spPr>
+        <p:style>
+          <a:lnRef idx="1">
+            <a:schemeClr val="accent1"/>
+          </a:lnRef>
+          <a:fillRef idx="0">
+            <a:schemeClr val="accent1"/>
+          </a:fillRef>
+          <a:effectRef idx="0">
+            <a:schemeClr val="accent1"/>
+          </a:effectRef>
+          <a:fontRef idx="minor">
+            <a:schemeClr val="tx1"/>
+          </a:fontRef>
+        </p:style>
+      </p:cxnSp>
+      <p:cxnSp>
+        <p:nvCxnSpPr>
+          <p:cNvPr id="21" name="Прямая соединительная линия 20">
+            <a:extLst>
+              <a:ext uri="{FF2B5EF4-FFF2-40B4-BE49-F238E27FC236}">
+                <a16:creationId xmlns:a16="http://schemas.microsoft.com/office/drawing/2014/main" id="{4FDD6E2F-F246-443A-0BBF-B18BC3286BC5}"/>
+              </a:ext>
+            </a:extLst>
+          </p:cNvPr>
+          <p:cNvCxnSpPr>
+            <a:cxnSpLocks/>
+          </p:cNvCxnSpPr>
+          <p:nvPr/>
+        </p:nvCxnSpPr>
+        <p:spPr>
+          <a:xfrm>
+            <a:off x="1152939" y="1416329"/>
+            <a:ext cx="2117035" cy="159026"/>
+          </a:xfrm>
+          <a:prstGeom prst="line">
+            <a:avLst/>
+          </a:prstGeom>
+        </p:spPr>
+        <p:style>
+          <a:lnRef idx="1">
+            <a:schemeClr val="accent1"/>
+          </a:lnRef>
+          <a:fillRef idx="0">
+            <a:schemeClr val="accent1"/>
+          </a:fillRef>
+          <a:effectRef idx="0">
+            <a:schemeClr val="accent1"/>
+          </a:effectRef>
+          <a:fontRef idx="minor">
+            <a:schemeClr val="tx1"/>
+          </a:fontRef>
+        </p:style>
+      </p:cxnSp>
+      <p:cxnSp>
+        <p:nvCxnSpPr>
+          <p:cNvPr id="24" name="Прямая соединительная линия 23">
+            <a:extLst>
+              <a:ext uri="{FF2B5EF4-FFF2-40B4-BE49-F238E27FC236}">
+                <a16:creationId xmlns:a16="http://schemas.microsoft.com/office/drawing/2014/main" id="{38E1B695-D906-A1CF-41DD-00096B998556}"/>
+              </a:ext>
+            </a:extLst>
+          </p:cNvPr>
+          <p:cNvCxnSpPr>
+            <a:cxnSpLocks/>
+          </p:cNvCxnSpPr>
+          <p:nvPr/>
+        </p:nvCxnSpPr>
+        <p:spPr>
+          <a:xfrm>
+            <a:off x="2668657" y="1386509"/>
+            <a:ext cx="529795" cy="755374"/>
+          </a:xfrm>
+          <a:prstGeom prst="line">
+            <a:avLst/>
+          </a:prstGeom>
+        </p:spPr>
+        <p:style>
+          <a:lnRef idx="1">
+            <a:schemeClr val="accent1"/>
+          </a:lnRef>
+          <a:fillRef idx="0">
+            <a:schemeClr val="accent1"/>
+          </a:fillRef>
+          <a:effectRef idx="0">
+            <a:schemeClr val="accent1"/>
+          </a:effectRef>
+          <a:fontRef idx="minor">
+            <a:schemeClr val="tx1"/>
+          </a:fontRef>
+        </p:style>
+      </p:cxnSp>
     </p:spTree>
     <p:extLst>
       <p:ext uri="{BB962C8B-B14F-4D97-AF65-F5344CB8AC3E}">
-        <p14:creationId xmlns:p14="http://schemas.microsoft.com/office/powerpoint/2010/main" val="457716752"/>
+        <p14:creationId xmlns:p14="http://schemas.microsoft.com/office/powerpoint/2010/main" val="1593355328"/>
       </p:ext>
     </p:extLst>
   </p:cSld>

--- a/my_articles/3_course/автореферат/Kolbeko_AB.pptx
+++ b/my_articles/3_course/автореферат/Kolbeko_AB.pptx
@@ -18,20 +18,17 @@
     <p:sldId id="283" r:id="rId12"/>
     <p:sldId id="284" r:id="rId13"/>
     <p:sldId id="264" r:id="rId14"/>
-    <p:sldId id="265" r:id="rId15"/>
-    <p:sldId id="266" r:id="rId16"/>
-    <p:sldId id="267" r:id="rId17"/>
-    <p:sldId id="268" r:id="rId18"/>
-    <p:sldId id="269" r:id="rId19"/>
-    <p:sldId id="270" r:id="rId20"/>
-    <p:sldId id="279" r:id="rId21"/>
-    <p:sldId id="271" r:id="rId22"/>
-    <p:sldId id="276" r:id="rId23"/>
-    <p:sldId id="259" r:id="rId24"/>
-    <p:sldId id="277" r:id="rId25"/>
-    <p:sldId id="278" r:id="rId26"/>
-    <p:sldId id="274" r:id="rId27"/>
-    <p:sldId id="275" r:id="rId28"/>
+    <p:sldId id="266" r:id="rId15"/>
+    <p:sldId id="268" r:id="rId16"/>
+    <p:sldId id="269" r:id="rId17"/>
+    <p:sldId id="270" r:id="rId18"/>
+    <p:sldId id="279" r:id="rId19"/>
+    <p:sldId id="271" r:id="rId20"/>
+    <p:sldId id="276" r:id="rId21"/>
+    <p:sldId id="277" r:id="rId22"/>
+    <p:sldId id="278" r:id="rId23"/>
+    <p:sldId id="274" r:id="rId24"/>
+    <p:sldId id="275" r:id="rId25"/>
   </p:sldIdLst>
   <p:sldSz cx="12192000" cy="6858000"/>
   <p:notesSz cx="6858000" cy="9144000"/>
@@ -267,7 +264,7 @@
           <a:p>
             <a:fld id="{D4804C8C-A16D-40ED-B7C8-20CC6A7D0227}" type="datetimeFigureOut">
               <a:rPr lang="ru-RU" smtClean="0"/>
-              <a:t>21.12.2025</a:t>
+              <a:t>22.12.2025</a:t>
             </a:fld>
             <a:endParaRPr lang="ru-RU"/>
           </a:p>
@@ -435,7 +432,7 @@
           <a:p>
             <a:fld id="{D4804C8C-A16D-40ED-B7C8-20CC6A7D0227}" type="datetimeFigureOut">
               <a:rPr lang="ru-RU" smtClean="0"/>
-              <a:t>21.12.2025</a:t>
+              <a:t>22.12.2025</a:t>
             </a:fld>
             <a:endParaRPr lang="ru-RU"/>
           </a:p>
@@ -613,7 +610,7 @@
           <a:p>
             <a:fld id="{D4804C8C-A16D-40ED-B7C8-20CC6A7D0227}" type="datetimeFigureOut">
               <a:rPr lang="ru-RU" smtClean="0"/>
-              <a:t>21.12.2025</a:t>
+              <a:t>22.12.2025</a:t>
             </a:fld>
             <a:endParaRPr lang="ru-RU"/>
           </a:p>
@@ -781,7 +778,7 @@
           <a:p>
             <a:fld id="{D4804C8C-A16D-40ED-B7C8-20CC6A7D0227}" type="datetimeFigureOut">
               <a:rPr lang="ru-RU" smtClean="0"/>
-              <a:t>21.12.2025</a:t>
+              <a:t>22.12.2025</a:t>
             </a:fld>
             <a:endParaRPr lang="ru-RU"/>
           </a:p>
@@ -1026,7 +1023,7 @@
           <a:p>
             <a:fld id="{D4804C8C-A16D-40ED-B7C8-20CC6A7D0227}" type="datetimeFigureOut">
               <a:rPr lang="ru-RU" smtClean="0"/>
-              <a:t>21.12.2025</a:t>
+              <a:t>22.12.2025</a:t>
             </a:fld>
             <a:endParaRPr lang="ru-RU"/>
           </a:p>
@@ -1255,7 +1252,7 @@
           <a:p>
             <a:fld id="{D4804C8C-A16D-40ED-B7C8-20CC6A7D0227}" type="datetimeFigureOut">
               <a:rPr lang="ru-RU" smtClean="0"/>
-              <a:t>21.12.2025</a:t>
+              <a:t>22.12.2025</a:t>
             </a:fld>
             <a:endParaRPr lang="ru-RU"/>
           </a:p>
@@ -1619,7 +1616,7 @@
           <a:p>
             <a:fld id="{D4804C8C-A16D-40ED-B7C8-20CC6A7D0227}" type="datetimeFigureOut">
               <a:rPr lang="ru-RU" smtClean="0"/>
-              <a:t>21.12.2025</a:t>
+              <a:t>22.12.2025</a:t>
             </a:fld>
             <a:endParaRPr lang="ru-RU"/>
           </a:p>
@@ -1736,7 +1733,7 @@
           <a:p>
             <a:fld id="{D4804C8C-A16D-40ED-B7C8-20CC6A7D0227}" type="datetimeFigureOut">
               <a:rPr lang="ru-RU" smtClean="0"/>
-              <a:t>21.12.2025</a:t>
+              <a:t>22.12.2025</a:t>
             </a:fld>
             <a:endParaRPr lang="ru-RU"/>
           </a:p>
@@ -1831,7 +1828,7 @@
           <a:p>
             <a:fld id="{D4804C8C-A16D-40ED-B7C8-20CC6A7D0227}" type="datetimeFigureOut">
               <a:rPr lang="ru-RU" smtClean="0"/>
-              <a:t>21.12.2025</a:t>
+              <a:t>22.12.2025</a:t>
             </a:fld>
             <a:endParaRPr lang="ru-RU"/>
           </a:p>
@@ -2106,7 +2103,7 @@
           <a:p>
             <a:fld id="{D4804C8C-A16D-40ED-B7C8-20CC6A7D0227}" type="datetimeFigureOut">
               <a:rPr lang="ru-RU" smtClean="0"/>
-              <a:t>21.12.2025</a:t>
+              <a:t>22.12.2025</a:t>
             </a:fld>
             <a:endParaRPr lang="ru-RU"/>
           </a:p>
@@ -2358,7 +2355,7 @@
           <a:p>
             <a:fld id="{D4804C8C-A16D-40ED-B7C8-20CC6A7D0227}" type="datetimeFigureOut">
               <a:rPr lang="ru-RU" smtClean="0"/>
-              <a:t>21.12.2025</a:t>
+              <a:t>22.12.2025</a:t>
             </a:fld>
             <a:endParaRPr lang="ru-RU"/>
           </a:p>
@@ -2569,7 +2566,7 @@
           <a:p>
             <a:fld id="{D4804C8C-A16D-40ED-B7C8-20CC6A7D0227}" type="datetimeFigureOut">
               <a:rPr lang="ru-RU" smtClean="0"/>
-              <a:t>21.12.2025</a:t>
+              <a:t>22.12.2025</a:t>
             </a:fld>
             <a:endParaRPr lang="ru-RU"/>
           </a:p>
@@ -5270,81 +5267,6 @@
   <p:cSld>
     <p:spTree>
       <p:nvGrpSpPr>
-        <p:cNvPr id="1" name=""/>
-        <p:cNvGrpSpPr/>
-        <p:nvPr/>
-      </p:nvGrpSpPr>
-      <p:grpSpPr>
-        <a:xfrm>
-          <a:off x="0" y="0"/>
-          <a:ext cx="0" cy="0"/>
-          <a:chOff x="0" y="0"/>
-          <a:chExt cx="0" cy="0"/>
-        </a:xfrm>
-      </p:grpSpPr>
-      <p:sp>
-        <p:nvSpPr>
-          <p:cNvPr id="2" name="Заголовок 1">
-            <a:extLst>
-              <a:ext uri="{FF2B5EF4-FFF2-40B4-BE49-F238E27FC236}">
-                <a16:creationId xmlns:a16="http://schemas.microsoft.com/office/drawing/2014/main" id="{179772FC-040C-6C99-50E6-42F78CA735CA}"/>
-              </a:ext>
-            </a:extLst>
-          </p:cNvPr>
-          <p:cNvSpPr>
-            <a:spLocks noGrp="1"/>
-          </p:cNvSpPr>
-          <p:nvPr>
-            <p:ph type="ctrTitle"/>
-          </p:nvPr>
-        </p:nvSpPr>
-        <p:spPr/>
-        <p:txBody>
-          <a:bodyPr/>
-          <a:lstStyle/>
-          <a:p>
-            <a:endParaRPr lang="ru-RU"/>
-          </a:p>
-        </p:txBody>
-      </p:sp>
-      <p:sp>
-        <p:nvSpPr>
-          <p:cNvPr id="3" name="Подзаголовок 2">
-            <a:extLst>
-              <a:ext uri="{FF2B5EF4-FFF2-40B4-BE49-F238E27FC236}">
-                <a16:creationId xmlns:a16="http://schemas.microsoft.com/office/drawing/2014/main" id="{2004B410-5F19-D2DF-C317-5EEE6B2348BB}"/>
-              </a:ext>
-            </a:extLst>
-          </p:cNvPr>
-          <p:cNvSpPr>
-            <a:spLocks noGrp="1"/>
-          </p:cNvSpPr>
-          <p:nvPr>
-            <p:ph type="subTitle" idx="1"/>
-          </p:nvPr>
-        </p:nvSpPr>
-        <p:spPr/>
-        <p:txBody>
-          <a:bodyPr/>
-          <a:lstStyle/>
-          <a:p>
-            <a:endParaRPr lang="ru-RU"/>
-          </a:p>
-        </p:txBody>
-      </p:sp>
-    </p:spTree>
-  </p:cSld>
-  <p:clrMapOvr>
-    <a:masterClrMapping/>
-  </p:clrMapOvr>
-</p:sld>
-</file>
-
-<file path=ppt/slides/slide15.xml><?xml version="1.0" encoding="utf-8"?>
-<p:sld xmlns:a="http://schemas.openxmlformats.org/drawingml/2006/main" xmlns:r="http://schemas.openxmlformats.org/officeDocument/2006/relationships" xmlns:p="http://schemas.openxmlformats.org/presentationml/2006/main">
-  <p:cSld>
-    <p:spTree>
-      <p:nvGrpSpPr>
         <p:cNvPr id="1" name="">
           <a:extLst>
             <a:ext uri="{FF2B5EF4-FFF2-40B4-BE49-F238E27FC236}">
@@ -5636,8 +5558,8 @@
           </a:p>
         </p:txBody>
       </p:sp>
-      <mc:AlternateContent xmlns:mc="http://schemas.openxmlformats.org/markup-compatibility/2006" xmlns:a14="http://schemas.microsoft.com/office/drawing/2010/main">
-        <mc:Choice Requires="a14">
+      <mc:AlternateContent xmlns:mc="http://schemas.openxmlformats.org/markup-compatibility/2006">
+        <mc:Choice xmlns:a14="http://schemas.microsoft.com/office/drawing/2010/main" Requires="a14">
           <p:sp>
             <p:nvSpPr>
               <p:cNvPr id="3" name="TextBox 2">
@@ -5653,7 +5575,7 @@
             <p:spPr>
               <a:xfrm>
                 <a:off x="807555" y="658294"/>
-                <a:ext cx="9752106" cy="1308050"/>
+                <a:ext cx="10359058" cy="1061829"/>
               </a:xfrm>
               <a:prstGeom prst="rect">
                 <a:avLst/>
@@ -5941,7 +5863,7 @@
             </p:txBody>
           </p:sp>
         </mc:Choice>
-        <mc:Fallback xmlns="">
+        <mc:Fallback>
           <p:sp>
             <p:nvSpPr>
               <p:cNvPr id="3" name="TextBox 2">
@@ -5959,7 +5881,7 @@
             <p:spPr>
               <a:xfrm>
                 <a:off x="807555" y="658294"/>
-                <a:ext cx="9752106" cy="1308050"/>
+                <a:ext cx="10359058" cy="1061829"/>
               </a:xfrm>
               <a:prstGeom prst="rect">
                 <a:avLst/>
@@ -5967,7 +5889,7 @@
               <a:blipFill>
                 <a:blip r:embed="rId3"/>
                 <a:stretch>
-                  <a:fillRect l="-313" t="-1395"/>
+                  <a:fillRect l="-294" t="-1724"/>
                 </a:stretch>
               </a:blipFill>
             </p:spPr>
@@ -5986,8 +5908,8 @@
           </p:sp>
         </mc:Fallback>
       </mc:AlternateContent>
-      <mc:AlternateContent xmlns:mc="http://schemas.openxmlformats.org/markup-compatibility/2006" xmlns:a14="http://schemas.microsoft.com/office/drawing/2010/main">
-        <mc:Choice Requires="a14">
+      <mc:AlternateContent xmlns:mc="http://schemas.openxmlformats.org/markup-compatibility/2006">
+        <mc:Choice xmlns:a14="http://schemas.microsoft.com/office/drawing/2010/main" Requires="a14">
           <p:sp>
             <p:nvSpPr>
               <p:cNvPr id="5" name="TextBox 4">
@@ -6002,7 +5924,7 @@
             </p:nvSpPr>
             <p:spPr>
               <a:xfrm>
-                <a:off x="2716056" y="1580797"/>
+                <a:off x="2893947" y="1432910"/>
                 <a:ext cx="5346550" cy="497893"/>
               </a:xfrm>
               <a:prstGeom prst="rect">
@@ -6199,6 +6121,86 @@
                           </m:r>
                         </m:e>
                       </m:d>
+                      <m:r>
+                        <a:rPr lang="en-US" sz="2400" b="0" i="1" smtClean="0">
+                          <a:latin typeface="Cambria Math" panose="02040503050406030204" pitchFamily="18" charset="0"/>
+                          <a:ea typeface="Times New Roman" panose="02020603050405020304" pitchFamily="18" charset="0"/>
+                          <a:cs typeface="Times New Roman" panose="02020603050405020304" pitchFamily="18" charset="0"/>
+                        </a:rPr>
+                        <m:t>, </m:t>
+                      </m:r>
+                      <m:r>
+                        <a:rPr lang="ru-RU" sz="2400" b="0" i="1" smtClean="0">
+                          <a:latin typeface="Cambria Math" panose="02040503050406030204" pitchFamily="18" charset="0"/>
+                          <a:ea typeface="Times New Roman" panose="02020603050405020304" pitchFamily="18" charset="0"/>
+                          <a:cs typeface="Times New Roman" panose="02020603050405020304" pitchFamily="18" charset="0"/>
+                        </a:rPr>
+                        <m:t>где </m:t>
+                      </m:r>
+                      <m:r>
+                        <a:rPr lang="en-US" sz="2400" i="1">
+                          <a:latin typeface="Cambria Math" panose="02040503050406030204" pitchFamily="18" charset="0"/>
+                          <a:ea typeface="Times New Roman" panose="02020603050405020304" pitchFamily="18" charset="0"/>
+                          <a:cs typeface="Times New Roman" panose="02020603050405020304" pitchFamily="18" charset="0"/>
+                        </a:rPr>
+                        <m:t>𝛼</m:t>
+                      </m:r>
+                      <m:r>
+                        <a:rPr lang="en-US" sz="2400">
+                          <a:latin typeface="Cambria Math" panose="02040503050406030204" pitchFamily="18" charset="0"/>
+                          <a:ea typeface="Times New Roman" panose="02020603050405020304" pitchFamily="18" charset="0"/>
+                          <a:cs typeface="Times New Roman" panose="02020603050405020304" pitchFamily="18" charset="0"/>
+                        </a:rPr>
+                        <m:t>∈{</m:t>
+                      </m:r>
+                      <m:r>
+                        <a:rPr lang="en-US" sz="2400" i="1">
+                          <a:latin typeface="Cambria Math" panose="02040503050406030204" pitchFamily="18" charset="0"/>
+                          <a:ea typeface="Times New Roman" panose="02020603050405020304" pitchFamily="18" charset="0"/>
+                          <a:cs typeface="Times New Roman" panose="02020603050405020304" pitchFamily="18" charset="0"/>
+                        </a:rPr>
+                        <m:t>𝑔</m:t>
+                      </m:r>
+                      <m:r>
+                        <a:rPr lang="en-US" sz="2400">
+                          <a:latin typeface="Cambria Math" panose="02040503050406030204" pitchFamily="18" charset="0"/>
+                          <a:ea typeface="Times New Roman" panose="02020603050405020304" pitchFamily="18" charset="0"/>
+                          <a:cs typeface="Times New Roman" panose="02020603050405020304" pitchFamily="18" charset="0"/>
+                        </a:rPr>
+                        <m:t>,</m:t>
+                      </m:r>
+                      <m:r>
+                        <a:rPr lang="en-US" sz="2400" i="1">
+                          <a:latin typeface="Cambria Math" panose="02040503050406030204" pitchFamily="18" charset="0"/>
+                          <a:ea typeface="Times New Roman" panose="02020603050405020304" pitchFamily="18" charset="0"/>
+                          <a:cs typeface="Times New Roman" panose="02020603050405020304" pitchFamily="18" charset="0"/>
+                        </a:rPr>
+                        <m:t>𝑤</m:t>
+                      </m:r>
+                      <m:r>
+                        <a:rPr lang="en-US" sz="2400">
+                          <a:latin typeface="Cambria Math" panose="02040503050406030204" pitchFamily="18" charset="0"/>
+                          <a:ea typeface="Times New Roman" panose="02020603050405020304" pitchFamily="18" charset="0"/>
+                          <a:cs typeface="Times New Roman" panose="02020603050405020304" pitchFamily="18" charset="0"/>
+                        </a:rPr>
+                        <m:t>,</m:t>
+                      </m:r>
+                      <m:r>
+                        <a:rPr lang="en-US" sz="2400" i="1">
+                          <a:latin typeface="Cambria Math" panose="02040503050406030204" pitchFamily="18" charset="0"/>
+                          <a:ea typeface="Times New Roman" panose="02020603050405020304" pitchFamily="18" charset="0"/>
+                          <a:cs typeface="Times New Roman" panose="02020603050405020304" pitchFamily="18" charset="0"/>
+                        </a:rPr>
+                        <m:t>h</m:t>
+                      </m:r>
+                      <m:r>
+                        <a:rPr lang="en-US" sz="2400">
+                          <a:latin typeface="Cambria Math" panose="02040503050406030204" pitchFamily="18" charset="0"/>
+                          <a:ea typeface="Times New Roman" panose="02020603050405020304" pitchFamily="18" charset="0"/>
+                          <a:cs typeface="Times New Roman" panose="02020603050405020304" pitchFamily="18" charset="0"/>
+                        </a:rPr>
+                        <m:t>}</m:t>
+                      </m:r>
                     </m:oMath>
                   </m:oMathPara>
                 </a14:m>
@@ -6207,7 +6209,7 @@
             </p:txBody>
           </p:sp>
         </mc:Choice>
-        <mc:Fallback xmlns="">
+        <mc:Fallback>
           <p:sp>
             <p:nvSpPr>
               <p:cNvPr id="5" name="TextBox 4">
@@ -6224,7 +6226,7 @@
             </p:nvSpPr>
             <p:spPr>
               <a:xfrm>
-                <a:off x="2716056" y="1580797"/>
+                <a:off x="2893947" y="1432910"/>
                 <a:ext cx="5346550" cy="497893"/>
               </a:xfrm>
               <a:prstGeom prst="rect">
@@ -6233,7 +6235,7 @@
               <a:blipFill>
                 <a:blip r:embed="rId4"/>
                 <a:stretch>
-                  <a:fillRect b="-2439"/>
+                  <a:fillRect b="-8537"/>
                 </a:stretch>
               </a:blipFill>
             </p:spPr>
@@ -6252,8 +6254,8 @@
           </p:sp>
         </mc:Fallback>
       </mc:AlternateContent>
-      <mc:AlternateContent xmlns:mc="http://schemas.openxmlformats.org/markup-compatibility/2006" xmlns:a14="http://schemas.microsoft.com/office/drawing/2010/main">
-        <mc:Choice Requires="a14">
+      <mc:AlternateContent xmlns:mc="http://schemas.openxmlformats.org/markup-compatibility/2006">
+        <mc:Choice xmlns:a14="http://schemas.microsoft.com/office/drawing/2010/main" Requires="a14">
           <p:sp>
             <p:nvSpPr>
               <p:cNvPr id="6" name="TextBox 5">
@@ -6268,7 +6270,7 @@
             </p:nvSpPr>
             <p:spPr>
               <a:xfrm>
-                <a:off x="807555" y="2266101"/>
+                <a:off x="887068" y="2031970"/>
                 <a:ext cx="9752106" cy="584775"/>
               </a:xfrm>
               <a:prstGeom prst="rect">
@@ -6392,7 +6394,7 @@
             </p:txBody>
           </p:sp>
         </mc:Choice>
-        <mc:Fallback xmlns="">
+        <mc:Fallback>
           <p:sp>
             <p:nvSpPr>
               <p:cNvPr id="6" name="TextBox 5">
@@ -6409,7 +6411,7 @@
             </p:nvSpPr>
             <p:spPr>
               <a:xfrm>
-                <a:off x="807555" y="2266101"/>
+                <a:off x="887068" y="2031970"/>
                 <a:ext cx="9752106" cy="584775"/>
               </a:xfrm>
               <a:prstGeom prst="rect">
@@ -6418,7 +6420,7 @@
               <a:blipFill>
                 <a:blip r:embed="rId5"/>
                 <a:stretch>
-                  <a:fillRect l="-313" t="-3125" b="-12500"/>
+                  <a:fillRect l="-375" t="-3125" b="-12500"/>
                 </a:stretch>
               </a:blipFill>
             </p:spPr>
@@ -6437,904 +6439,8 @@
           </p:sp>
         </mc:Fallback>
       </mc:AlternateContent>
-      <mc:AlternateContent xmlns:mc="http://schemas.openxmlformats.org/markup-compatibility/2006" xmlns:a14="http://schemas.microsoft.com/office/drawing/2010/main">
-        <mc:Choice Requires="a14">
-          <p:sp>
-            <p:nvSpPr>
-              <p:cNvPr id="8" name="TextBox 7">
-                <a:extLst>
-                  <a:ext uri="{FF2B5EF4-FFF2-40B4-BE49-F238E27FC236}">
-                    <a16:creationId xmlns:a16="http://schemas.microsoft.com/office/drawing/2014/main" id="{C4D5A854-91A8-BC7A-611C-0208F7BA1A46}"/>
-                  </a:ext>
-                </a:extLst>
-              </p:cNvPr>
-              <p:cNvSpPr txBox="1"/>
-              <p:nvPr/>
-            </p:nvSpPr>
-            <p:spPr>
-              <a:xfrm>
-                <a:off x="2455395" y="2917197"/>
-                <a:ext cx="5346550" cy="706860"/>
-              </a:xfrm>
-              <a:prstGeom prst="rect">
-                <a:avLst/>
-              </a:prstGeom>
-              <a:noFill/>
-            </p:spPr>
-            <p:txBody>
-              <a:bodyPr wrap="square">
-                <a:spAutoFit/>
-              </a:bodyPr>
-              <a:lstStyle/>
-              <a:p>
-                <a:pPr/>
-                <a14:m>
-                  <m:oMathPara xmlns:m="http://schemas.openxmlformats.org/officeDocument/2006/math">
-                    <m:oMathParaPr>
-                      <m:jc m:val="centerGroup"/>
-                    </m:oMathParaPr>
-                    <m:oMath xmlns:m="http://schemas.openxmlformats.org/officeDocument/2006/math">
-                      <m:f>
-                        <m:fPr>
-                          <m:ctrlPr>
-                            <a:rPr lang="ru-RU" i="1" smtClean="0">
-                              <a:latin typeface="Cambria Math" panose="02040503050406030204" pitchFamily="18" charset="0"/>
-                            </a:rPr>
-                          </m:ctrlPr>
-                        </m:fPr>
-                        <m:num>
-                          <m:r>
-                            <a:rPr lang="ru-RU">
-                              <a:latin typeface="Cambria Math" panose="02040503050406030204" pitchFamily="18" charset="0"/>
-                            </a:rPr>
-                            <m:t>𝜕</m:t>
-                          </m:r>
-                        </m:num>
-                        <m:den>
-                          <m:r>
-                            <a:rPr lang="ru-RU" i="0">
-                              <a:latin typeface="Cambria Math" panose="02040503050406030204" pitchFamily="18" charset="0"/>
-                            </a:rPr>
-                            <m:t>𝜕</m:t>
-                          </m:r>
-                          <m:r>
-                            <a:rPr lang="ru-RU" i="1">
-                              <a:latin typeface="Cambria Math" panose="02040503050406030204" pitchFamily="18" charset="0"/>
-                            </a:rPr>
-                            <m:t>𝑡</m:t>
-                          </m:r>
-                        </m:den>
-                      </m:f>
-                      <m:d>
-                        <m:dPr>
-                          <m:ctrlPr>
-                            <a:rPr lang="ru-RU" i="1">
-                              <a:latin typeface="Cambria Math" panose="02040503050406030204" pitchFamily="18" charset="0"/>
-                            </a:rPr>
-                          </m:ctrlPr>
-                        </m:dPr>
-                        <m:e>
-                          <m:r>
-                            <a:rPr lang="ru-RU" i="1">
-                              <a:latin typeface="Cambria Math" panose="02040503050406030204" pitchFamily="18" charset="0"/>
-                            </a:rPr>
-                            <m:t>𝜙</m:t>
-                          </m:r>
-                          <m:sSub>
-                            <m:sSubPr>
-                              <m:ctrlPr>
-                                <a:rPr lang="ru-RU" i="1">
-                                  <a:latin typeface="Cambria Math" panose="02040503050406030204" pitchFamily="18" charset="0"/>
-                                </a:rPr>
-                              </m:ctrlPr>
-                            </m:sSubPr>
-                            <m:e>
-                              <m:r>
-                                <a:rPr lang="ru-RU" i="1">
-                                  <a:latin typeface="Cambria Math" panose="02040503050406030204" pitchFamily="18" charset="0"/>
-                                </a:rPr>
-                                <m:t>𝑆</m:t>
-                              </m:r>
-                            </m:e>
-                            <m:sub>
-                              <m:r>
-                                <a:rPr lang="ru-RU" i="1">
-                                  <a:latin typeface="Cambria Math" panose="02040503050406030204" pitchFamily="18" charset="0"/>
-                                </a:rPr>
-                                <m:t>𝑔</m:t>
-                              </m:r>
-                            </m:sub>
-                          </m:sSub>
-                          <m:sSub>
-                            <m:sSubPr>
-                              <m:ctrlPr>
-                                <a:rPr lang="ru-RU" i="1">
-                                  <a:latin typeface="Cambria Math" panose="02040503050406030204" pitchFamily="18" charset="0"/>
-                                </a:rPr>
-                              </m:ctrlPr>
-                            </m:sSubPr>
-                            <m:e>
-                              <m:r>
-                                <a:rPr lang="ru-RU" i="1">
-                                  <a:latin typeface="Cambria Math" panose="02040503050406030204" pitchFamily="18" charset="0"/>
-                                </a:rPr>
-                                <m:t>𝜌</m:t>
-                              </m:r>
-                            </m:e>
-                            <m:sub>
-                              <m:r>
-                                <a:rPr lang="ru-RU" i="1">
-                                  <a:latin typeface="Cambria Math" panose="02040503050406030204" pitchFamily="18" charset="0"/>
-                                </a:rPr>
-                                <m:t>𝑔</m:t>
-                              </m:r>
-                            </m:sub>
-                          </m:sSub>
-                        </m:e>
-                      </m:d>
-                      <m:r>
-                        <a:rPr lang="ru-RU" i="0">
-                          <a:latin typeface="Cambria Math" panose="02040503050406030204" pitchFamily="18" charset="0"/>
-                        </a:rPr>
-                        <m:t>+</m:t>
-                      </m:r>
-                      <m:r>
-                        <m:rPr>
-                          <m:sty m:val="p"/>
-                        </m:rPr>
-                        <a:rPr lang="ru-RU" i="0">
-                          <a:latin typeface="Cambria Math" panose="02040503050406030204" pitchFamily="18" charset="0"/>
-                        </a:rPr>
-                        <m:t>∇</m:t>
-                      </m:r>
-                      <m:r>
-                        <a:rPr lang="ru-RU" i="0">
-                          <a:latin typeface="Cambria Math" panose="02040503050406030204" pitchFamily="18" charset="0"/>
-                        </a:rPr>
-                        <m:t>⋅</m:t>
-                      </m:r>
-                      <m:d>
-                        <m:dPr>
-                          <m:ctrlPr>
-                            <a:rPr lang="ru-RU" i="1">
-                              <a:latin typeface="Cambria Math" panose="02040503050406030204" pitchFamily="18" charset="0"/>
-                            </a:rPr>
-                          </m:ctrlPr>
-                        </m:dPr>
-                        <m:e>
-                          <m:sSub>
-                            <m:sSubPr>
-                              <m:ctrlPr>
-                                <a:rPr lang="ru-RU" i="1">
-                                  <a:latin typeface="Cambria Math" panose="02040503050406030204" pitchFamily="18" charset="0"/>
-                                </a:rPr>
-                              </m:ctrlPr>
-                            </m:sSubPr>
-                            <m:e>
-                              <m:r>
-                                <a:rPr lang="ru-RU" i="1">
-                                  <a:latin typeface="Cambria Math" panose="02040503050406030204" pitchFamily="18" charset="0"/>
-                                </a:rPr>
-                                <m:t>𝜌</m:t>
-                              </m:r>
-                            </m:e>
-                            <m:sub>
-                              <m:r>
-                                <a:rPr lang="ru-RU" i="1">
-                                  <a:latin typeface="Cambria Math" panose="02040503050406030204" pitchFamily="18" charset="0"/>
-                                </a:rPr>
-                                <m:t>𝑔</m:t>
-                              </m:r>
-                            </m:sub>
-                          </m:sSub>
-                          <m:sSub>
-                            <m:sSubPr>
-                              <m:ctrlPr>
-                                <a:rPr lang="ru-RU" i="1">
-                                  <a:latin typeface="Cambria Math" panose="02040503050406030204" pitchFamily="18" charset="0"/>
-                                </a:rPr>
-                              </m:ctrlPr>
-                            </m:sSubPr>
-                            <m:e>
-                              <m:r>
-                                <a:rPr lang="ru-RU" b="1" i="0">
-                                  <a:latin typeface="Cambria Math" panose="02040503050406030204" pitchFamily="18" charset="0"/>
-                                </a:rPr>
-                                <m:t>𝐮</m:t>
-                              </m:r>
-                            </m:e>
-                            <m:sub>
-                              <m:r>
-                                <a:rPr lang="ru-RU" b="0" i="1">
-                                  <a:latin typeface="Cambria Math" panose="02040503050406030204" pitchFamily="18" charset="0"/>
-                                </a:rPr>
-                                <m:t>𝑔</m:t>
-                              </m:r>
-                            </m:sub>
-                          </m:sSub>
-                        </m:e>
-                      </m:d>
-                      <m:r>
-                        <a:rPr lang="ru-RU" b="0" i="0">
-                          <a:latin typeface="Cambria Math" panose="02040503050406030204" pitchFamily="18" charset="0"/>
-                        </a:rPr>
-                        <m:t>=−</m:t>
-                      </m:r>
-                      <m:sSub>
-                        <m:sSubPr>
-                          <m:ctrlPr>
-                            <a:rPr lang="ru-RU" b="0" i="1">
-                              <a:latin typeface="Cambria Math" panose="02040503050406030204" pitchFamily="18" charset="0"/>
-                            </a:rPr>
-                          </m:ctrlPr>
-                        </m:sSubPr>
-                        <m:e>
-                          <m:r>
-                            <a:rPr lang="ru-RU" b="0" i="1">
-                              <a:latin typeface="Cambria Math" panose="02040503050406030204" pitchFamily="18" charset="0"/>
-                            </a:rPr>
-                            <m:t>𝜈</m:t>
-                          </m:r>
-                        </m:e>
-                        <m:sub>
-                          <m:r>
-                            <a:rPr lang="ru-RU" b="0" i="1">
-                              <a:latin typeface="Cambria Math" panose="02040503050406030204" pitchFamily="18" charset="0"/>
-                            </a:rPr>
-                            <m:t>𝑔</m:t>
-                          </m:r>
-                        </m:sub>
-                      </m:sSub>
-                      <m:sSub>
-                        <m:sSubPr>
-                          <m:ctrlPr>
-                            <a:rPr lang="ru-RU" b="0" i="1">
-                              <a:latin typeface="Cambria Math" panose="02040503050406030204" pitchFamily="18" charset="0"/>
-                            </a:rPr>
-                          </m:ctrlPr>
-                        </m:sSubPr>
-                        <m:e>
-                          <m:r>
-                            <a:rPr lang="ru-RU" b="0" i="1">
-                              <a:latin typeface="Cambria Math" panose="02040503050406030204" pitchFamily="18" charset="0"/>
-                            </a:rPr>
-                            <m:t>𝑅</m:t>
-                          </m:r>
-                        </m:e>
-                        <m:sub>
-                          <m:r>
-                            <a:rPr lang="ru-RU" b="0" i="1">
-                              <a:latin typeface="Cambria Math" panose="02040503050406030204" pitchFamily="18" charset="0"/>
-                            </a:rPr>
-                            <m:t>h</m:t>
-                          </m:r>
-                        </m:sub>
-                      </m:sSub>
-                    </m:oMath>
-                  </m:oMathPara>
-                </a14:m>
-                <a:endParaRPr lang="ru-RU" dirty="0"/>
-              </a:p>
-            </p:txBody>
-          </p:sp>
-        </mc:Choice>
-        <mc:Fallback xmlns="">
-          <p:sp>
-            <p:nvSpPr>
-              <p:cNvPr id="8" name="TextBox 7">
-                <a:extLst>
-                  <a:ext uri="{FF2B5EF4-FFF2-40B4-BE49-F238E27FC236}">
-                    <a16:creationId xmlns:a16="http://schemas.microsoft.com/office/drawing/2014/main" id="{C4D5A854-91A8-BC7A-611C-0208F7BA1A46}"/>
-                  </a:ext>
-                </a:extLst>
-              </p:cNvPr>
-              <p:cNvSpPr txBox="1">
-                <a:spLocks noRot="1" noChangeAspect="1" noMove="1" noResize="1" noEditPoints="1" noAdjustHandles="1" noChangeArrowheads="1" noChangeShapeType="1" noTextEdit="1"/>
-              </p:cNvSpPr>
-              <p:nvPr/>
-            </p:nvSpPr>
-            <p:spPr>
-              <a:xfrm>
-                <a:off x="2455395" y="2917197"/>
-                <a:ext cx="5346550" cy="706860"/>
-              </a:xfrm>
-              <a:prstGeom prst="rect">
-                <a:avLst/>
-              </a:prstGeom>
-              <a:blipFill>
-                <a:blip r:embed="rId6"/>
-                <a:stretch>
-                  <a:fillRect/>
-                </a:stretch>
-              </a:blipFill>
-            </p:spPr>
-            <p:txBody>
-              <a:bodyPr/>
-              <a:lstStyle/>
-              <a:p>
-                <a:r>
-                  <a:rPr lang="ru-RU">
-                    <a:noFill/>
-                  </a:rPr>
-                  <a:t> </a:t>
-                </a:r>
-              </a:p>
-            </p:txBody>
-          </p:sp>
-        </mc:Fallback>
-      </mc:AlternateContent>
-      <mc:AlternateContent xmlns:mc="http://schemas.openxmlformats.org/markup-compatibility/2006" xmlns:a14="http://schemas.microsoft.com/office/drawing/2010/main">
-        <mc:Choice Requires="a14">
-          <p:sp>
-            <p:nvSpPr>
-              <p:cNvPr id="9" name="TextBox 8">
-                <a:extLst>
-                  <a:ext uri="{FF2B5EF4-FFF2-40B4-BE49-F238E27FC236}">
-                    <a16:creationId xmlns:a16="http://schemas.microsoft.com/office/drawing/2014/main" id="{30CFF749-6904-ACA5-D26C-4D16C43EB812}"/>
-                  </a:ext>
-                </a:extLst>
-              </p:cNvPr>
-              <p:cNvSpPr txBox="1"/>
-              <p:nvPr/>
-            </p:nvSpPr>
-            <p:spPr>
-              <a:xfrm>
-                <a:off x="2527025" y="3796761"/>
-                <a:ext cx="5346550" cy="706860"/>
-              </a:xfrm>
-              <a:prstGeom prst="rect">
-                <a:avLst/>
-              </a:prstGeom>
-              <a:noFill/>
-            </p:spPr>
-            <p:txBody>
-              <a:bodyPr wrap="square">
-                <a:spAutoFit/>
-              </a:bodyPr>
-              <a:lstStyle/>
-              <a:p>
-                <a:pPr/>
-                <a14:m>
-                  <m:oMathPara xmlns:m="http://schemas.openxmlformats.org/officeDocument/2006/math">
-                    <m:oMathParaPr>
-                      <m:jc m:val="centerGroup"/>
-                    </m:oMathParaPr>
-                    <m:oMath xmlns:m="http://schemas.openxmlformats.org/officeDocument/2006/math">
-                      <m:f>
-                        <m:fPr>
-                          <m:ctrlPr>
-                            <a:rPr lang="ru-RU" i="1" smtClean="0">
-                              <a:latin typeface="Cambria Math" panose="02040503050406030204" pitchFamily="18" charset="0"/>
-                            </a:rPr>
-                          </m:ctrlPr>
-                        </m:fPr>
-                        <m:num>
-                          <m:r>
-                            <a:rPr lang="ru-RU">
-                              <a:latin typeface="Cambria Math" panose="02040503050406030204" pitchFamily="18" charset="0"/>
-                            </a:rPr>
-                            <m:t>𝜕</m:t>
-                          </m:r>
-                        </m:num>
-                        <m:den>
-                          <m:r>
-                            <a:rPr lang="ru-RU" i="0">
-                              <a:latin typeface="Cambria Math" panose="02040503050406030204" pitchFamily="18" charset="0"/>
-                            </a:rPr>
-                            <m:t>𝜕</m:t>
-                          </m:r>
-                          <m:r>
-                            <a:rPr lang="ru-RU" i="1">
-                              <a:latin typeface="Cambria Math" panose="02040503050406030204" pitchFamily="18" charset="0"/>
-                            </a:rPr>
-                            <m:t>𝑡</m:t>
-                          </m:r>
-                        </m:den>
-                      </m:f>
-                      <m:d>
-                        <m:dPr>
-                          <m:ctrlPr>
-                            <a:rPr lang="ru-RU" i="1">
-                              <a:latin typeface="Cambria Math" panose="02040503050406030204" pitchFamily="18" charset="0"/>
-                            </a:rPr>
-                          </m:ctrlPr>
-                        </m:dPr>
-                        <m:e>
-                          <m:r>
-                            <a:rPr lang="ru-RU" i="1">
-                              <a:latin typeface="Cambria Math" panose="02040503050406030204" pitchFamily="18" charset="0"/>
-                            </a:rPr>
-                            <m:t>𝜙</m:t>
-                          </m:r>
-                          <m:sSub>
-                            <m:sSubPr>
-                              <m:ctrlPr>
-                                <a:rPr lang="ru-RU" i="1">
-                                  <a:latin typeface="Cambria Math" panose="02040503050406030204" pitchFamily="18" charset="0"/>
-                                </a:rPr>
-                              </m:ctrlPr>
-                            </m:sSubPr>
-                            <m:e>
-                              <m:r>
-                                <a:rPr lang="ru-RU" i="1">
-                                  <a:latin typeface="Cambria Math" panose="02040503050406030204" pitchFamily="18" charset="0"/>
-                                </a:rPr>
-                                <m:t>𝑆</m:t>
-                              </m:r>
-                            </m:e>
-                            <m:sub>
-                              <m:r>
-                                <a:rPr lang="ru-RU" i="1">
-                                  <a:latin typeface="Cambria Math" panose="02040503050406030204" pitchFamily="18" charset="0"/>
-                                </a:rPr>
-                                <m:t>𝑤</m:t>
-                              </m:r>
-                            </m:sub>
-                          </m:sSub>
-                          <m:sSub>
-                            <m:sSubPr>
-                              <m:ctrlPr>
-                                <a:rPr lang="ru-RU" i="1">
-                                  <a:latin typeface="Cambria Math" panose="02040503050406030204" pitchFamily="18" charset="0"/>
-                                </a:rPr>
-                              </m:ctrlPr>
-                            </m:sSubPr>
-                            <m:e>
-                              <m:r>
-                                <a:rPr lang="ru-RU" i="1">
-                                  <a:latin typeface="Cambria Math" panose="02040503050406030204" pitchFamily="18" charset="0"/>
-                                </a:rPr>
-                                <m:t>𝜌</m:t>
-                              </m:r>
-                            </m:e>
-                            <m:sub>
-                              <m:r>
-                                <a:rPr lang="ru-RU" i="1">
-                                  <a:latin typeface="Cambria Math" panose="02040503050406030204" pitchFamily="18" charset="0"/>
-                                </a:rPr>
-                                <m:t>𝑤</m:t>
-                              </m:r>
-                            </m:sub>
-                          </m:sSub>
-                        </m:e>
-                      </m:d>
-                      <m:r>
-                        <a:rPr lang="ru-RU" i="0">
-                          <a:latin typeface="Cambria Math" panose="02040503050406030204" pitchFamily="18" charset="0"/>
-                        </a:rPr>
-                        <m:t>+</m:t>
-                      </m:r>
-                      <m:r>
-                        <m:rPr>
-                          <m:sty m:val="p"/>
-                        </m:rPr>
-                        <a:rPr lang="ru-RU" i="0">
-                          <a:latin typeface="Cambria Math" panose="02040503050406030204" pitchFamily="18" charset="0"/>
-                        </a:rPr>
-                        <m:t>∇</m:t>
-                      </m:r>
-                      <m:r>
-                        <a:rPr lang="ru-RU" i="0">
-                          <a:latin typeface="Cambria Math" panose="02040503050406030204" pitchFamily="18" charset="0"/>
-                        </a:rPr>
-                        <m:t>⋅</m:t>
-                      </m:r>
-                      <m:d>
-                        <m:dPr>
-                          <m:ctrlPr>
-                            <a:rPr lang="ru-RU" i="1">
-                              <a:latin typeface="Cambria Math" panose="02040503050406030204" pitchFamily="18" charset="0"/>
-                            </a:rPr>
-                          </m:ctrlPr>
-                        </m:dPr>
-                        <m:e>
-                          <m:sSub>
-                            <m:sSubPr>
-                              <m:ctrlPr>
-                                <a:rPr lang="ru-RU" i="1">
-                                  <a:latin typeface="Cambria Math" panose="02040503050406030204" pitchFamily="18" charset="0"/>
-                                </a:rPr>
-                              </m:ctrlPr>
-                            </m:sSubPr>
-                            <m:e>
-                              <m:r>
-                                <a:rPr lang="ru-RU" i="1">
-                                  <a:latin typeface="Cambria Math" panose="02040503050406030204" pitchFamily="18" charset="0"/>
-                                </a:rPr>
-                                <m:t>𝜌</m:t>
-                              </m:r>
-                            </m:e>
-                            <m:sub>
-                              <m:r>
-                                <a:rPr lang="ru-RU" i="1">
-                                  <a:latin typeface="Cambria Math" panose="02040503050406030204" pitchFamily="18" charset="0"/>
-                                </a:rPr>
-                                <m:t>𝑤</m:t>
-                              </m:r>
-                            </m:sub>
-                          </m:sSub>
-                          <m:sSub>
-                            <m:sSubPr>
-                              <m:ctrlPr>
-                                <a:rPr lang="ru-RU" i="1">
-                                  <a:latin typeface="Cambria Math" panose="02040503050406030204" pitchFamily="18" charset="0"/>
-                                </a:rPr>
-                              </m:ctrlPr>
-                            </m:sSubPr>
-                            <m:e>
-                              <m:r>
-                                <a:rPr lang="ru-RU" b="1" i="0">
-                                  <a:latin typeface="Cambria Math" panose="02040503050406030204" pitchFamily="18" charset="0"/>
-                                </a:rPr>
-                                <m:t>𝐮</m:t>
-                              </m:r>
-                            </m:e>
-                            <m:sub>
-                              <m:r>
-                                <a:rPr lang="ru-RU" b="0" i="1">
-                                  <a:latin typeface="Cambria Math" panose="02040503050406030204" pitchFamily="18" charset="0"/>
-                                </a:rPr>
-                                <m:t>𝑤</m:t>
-                              </m:r>
-                            </m:sub>
-                          </m:sSub>
-                        </m:e>
-                      </m:d>
-                      <m:r>
-                        <a:rPr lang="ru-RU" b="0" i="0">
-                          <a:latin typeface="Cambria Math" panose="02040503050406030204" pitchFamily="18" charset="0"/>
-                        </a:rPr>
-                        <m:t>=−</m:t>
-                      </m:r>
-                      <m:sSub>
-                        <m:sSubPr>
-                          <m:ctrlPr>
-                            <a:rPr lang="ru-RU" b="0" i="1">
-                              <a:latin typeface="Cambria Math" panose="02040503050406030204" pitchFamily="18" charset="0"/>
-                            </a:rPr>
-                          </m:ctrlPr>
-                        </m:sSubPr>
-                        <m:e>
-                          <m:r>
-                            <a:rPr lang="ru-RU" b="0" i="1">
-                              <a:latin typeface="Cambria Math" panose="02040503050406030204" pitchFamily="18" charset="0"/>
-                            </a:rPr>
-                            <m:t>𝜈</m:t>
-                          </m:r>
-                        </m:e>
-                        <m:sub>
-                          <m:r>
-                            <a:rPr lang="ru-RU" b="0" i="1">
-                              <a:latin typeface="Cambria Math" panose="02040503050406030204" pitchFamily="18" charset="0"/>
-                            </a:rPr>
-                            <m:t>𝑤</m:t>
-                          </m:r>
-                        </m:sub>
-                      </m:sSub>
-                      <m:sSub>
-                        <m:sSubPr>
-                          <m:ctrlPr>
-                            <a:rPr lang="ru-RU" b="0" i="1">
-                              <a:latin typeface="Cambria Math" panose="02040503050406030204" pitchFamily="18" charset="0"/>
-                            </a:rPr>
-                          </m:ctrlPr>
-                        </m:sSubPr>
-                        <m:e>
-                          <m:r>
-                            <a:rPr lang="ru-RU" b="0" i="1">
-                              <a:latin typeface="Cambria Math" panose="02040503050406030204" pitchFamily="18" charset="0"/>
-                            </a:rPr>
-                            <m:t>𝑅</m:t>
-                          </m:r>
-                        </m:e>
-                        <m:sub>
-                          <m:r>
-                            <a:rPr lang="ru-RU" b="0" i="1">
-                              <a:latin typeface="Cambria Math" panose="02040503050406030204" pitchFamily="18" charset="0"/>
-                            </a:rPr>
-                            <m:t>h</m:t>
-                          </m:r>
-                        </m:sub>
-                      </m:sSub>
-                    </m:oMath>
-                  </m:oMathPara>
-                </a14:m>
-                <a:endParaRPr lang="ru-RU" dirty="0"/>
-              </a:p>
-            </p:txBody>
-          </p:sp>
-        </mc:Choice>
-        <mc:Fallback xmlns="">
-          <p:sp>
-            <p:nvSpPr>
-              <p:cNvPr id="9" name="TextBox 8">
-                <a:extLst>
-                  <a:ext uri="{FF2B5EF4-FFF2-40B4-BE49-F238E27FC236}">
-                    <a16:creationId xmlns:a16="http://schemas.microsoft.com/office/drawing/2014/main" id="{30CFF749-6904-ACA5-D26C-4D16C43EB812}"/>
-                  </a:ext>
-                </a:extLst>
-              </p:cNvPr>
-              <p:cNvSpPr txBox="1">
-                <a:spLocks noRot="1" noChangeAspect="1" noMove="1" noResize="1" noEditPoints="1" noAdjustHandles="1" noChangeArrowheads="1" noChangeShapeType="1" noTextEdit="1"/>
-              </p:cNvSpPr>
-              <p:nvPr/>
-            </p:nvSpPr>
-            <p:spPr>
-              <a:xfrm>
-                <a:off x="2527025" y="3796761"/>
-                <a:ext cx="5346550" cy="706860"/>
-              </a:xfrm>
-              <a:prstGeom prst="rect">
-                <a:avLst/>
-              </a:prstGeom>
-              <a:blipFill>
-                <a:blip r:embed="rId7"/>
-                <a:stretch>
-                  <a:fillRect/>
-                </a:stretch>
-              </a:blipFill>
-            </p:spPr>
-            <p:txBody>
-              <a:bodyPr/>
-              <a:lstStyle/>
-              <a:p>
-                <a:r>
-                  <a:rPr lang="ru-RU">
-                    <a:noFill/>
-                  </a:rPr>
-                  <a:t> </a:t>
-                </a:r>
-              </a:p>
-            </p:txBody>
-          </p:sp>
-        </mc:Fallback>
-      </mc:AlternateContent>
-      <mc:AlternateContent xmlns:mc="http://schemas.openxmlformats.org/markup-compatibility/2006" xmlns:a14="http://schemas.microsoft.com/office/drawing/2010/main">
-        <mc:Choice Requires="a14">
-          <p:sp>
-            <p:nvSpPr>
-              <p:cNvPr id="10" name="TextBox 9">
-                <a:extLst>
-                  <a:ext uri="{FF2B5EF4-FFF2-40B4-BE49-F238E27FC236}">
-                    <a16:creationId xmlns:a16="http://schemas.microsoft.com/office/drawing/2014/main" id="{BE76C120-FEC9-A1E8-C422-85444699A924}"/>
-                  </a:ext>
-                </a:extLst>
-              </p:cNvPr>
-              <p:cNvSpPr txBox="1"/>
-              <p:nvPr/>
-            </p:nvSpPr>
-            <p:spPr>
-              <a:xfrm>
-                <a:off x="1702360" y="4569942"/>
-                <a:ext cx="5346550" cy="706860"/>
-              </a:xfrm>
-              <a:prstGeom prst="rect">
-                <a:avLst/>
-              </a:prstGeom>
-              <a:noFill/>
-            </p:spPr>
-            <p:txBody>
-              <a:bodyPr wrap="square">
-                <a:spAutoFit/>
-              </a:bodyPr>
-              <a:lstStyle/>
-              <a:p>
-                <a:pPr/>
-                <a14:m>
-                  <m:oMathPara xmlns:m="http://schemas.openxmlformats.org/officeDocument/2006/math">
-                    <m:oMathParaPr>
-                      <m:jc m:val="centerGroup"/>
-                    </m:oMathParaPr>
-                    <m:oMath xmlns:m="http://schemas.openxmlformats.org/officeDocument/2006/math">
-                      <m:f>
-                        <m:fPr>
-                          <m:ctrlPr>
-                            <a:rPr lang="ru-RU" i="1" smtClean="0">
-                              <a:latin typeface="Cambria Math" panose="02040503050406030204" pitchFamily="18" charset="0"/>
-                            </a:rPr>
-                          </m:ctrlPr>
-                        </m:fPr>
-                        <m:num>
-                          <m:r>
-                            <a:rPr lang="ru-RU">
-                              <a:latin typeface="Cambria Math" panose="02040503050406030204" pitchFamily="18" charset="0"/>
-                            </a:rPr>
-                            <m:t>𝜕</m:t>
-                          </m:r>
-                        </m:num>
-                        <m:den>
-                          <m:r>
-                            <a:rPr lang="ru-RU" i="0">
-                              <a:latin typeface="Cambria Math" panose="02040503050406030204" pitchFamily="18" charset="0"/>
-                            </a:rPr>
-                            <m:t>𝜕</m:t>
-                          </m:r>
-                          <m:r>
-                            <a:rPr lang="ru-RU" i="1">
-                              <a:latin typeface="Cambria Math" panose="02040503050406030204" pitchFamily="18" charset="0"/>
-                            </a:rPr>
-                            <m:t>𝑡</m:t>
-                          </m:r>
-                        </m:den>
-                      </m:f>
-                      <m:d>
-                        <m:dPr>
-                          <m:ctrlPr>
-                            <a:rPr lang="ru-RU" i="1">
-                              <a:latin typeface="Cambria Math" panose="02040503050406030204" pitchFamily="18" charset="0"/>
-                            </a:rPr>
-                          </m:ctrlPr>
-                        </m:dPr>
-                        <m:e>
-                          <m:r>
-                            <a:rPr lang="ru-RU" i="1">
-                              <a:latin typeface="Cambria Math" panose="02040503050406030204" pitchFamily="18" charset="0"/>
-                            </a:rPr>
-                            <m:t>𝜙</m:t>
-                          </m:r>
-                          <m:sSub>
-                            <m:sSubPr>
-                              <m:ctrlPr>
-                                <a:rPr lang="ru-RU" i="1">
-                                  <a:latin typeface="Cambria Math" panose="02040503050406030204" pitchFamily="18" charset="0"/>
-                                </a:rPr>
-                              </m:ctrlPr>
-                            </m:sSubPr>
-                            <m:e>
-                              <m:r>
-                                <a:rPr lang="ru-RU" i="1">
-                                  <a:latin typeface="Cambria Math" panose="02040503050406030204" pitchFamily="18" charset="0"/>
-                                </a:rPr>
-                                <m:t>𝑆</m:t>
-                              </m:r>
-                            </m:e>
-                            <m:sub>
-                              <m:r>
-                                <a:rPr lang="ru-RU" i="1">
-                                  <a:latin typeface="Cambria Math" panose="02040503050406030204" pitchFamily="18" charset="0"/>
-                                </a:rPr>
-                                <m:t>h</m:t>
-                              </m:r>
-                            </m:sub>
-                          </m:sSub>
-                          <m:sSub>
-                            <m:sSubPr>
-                              <m:ctrlPr>
-                                <a:rPr lang="ru-RU" i="1">
-                                  <a:latin typeface="Cambria Math" panose="02040503050406030204" pitchFamily="18" charset="0"/>
-                                </a:rPr>
-                              </m:ctrlPr>
-                            </m:sSubPr>
-                            <m:e>
-                              <m:r>
-                                <a:rPr lang="ru-RU" i="1">
-                                  <a:latin typeface="Cambria Math" panose="02040503050406030204" pitchFamily="18" charset="0"/>
-                                </a:rPr>
-                                <m:t>𝜌</m:t>
-                              </m:r>
-                            </m:e>
-                            <m:sub>
-                              <m:r>
-                                <a:rPr lang="ru-RU" i="1">
-                                  <a:latin typeface="Cambria Math" panose="02040503050406030204" pitchFamily="18" charset="0"/>
-                                </a:rPr>
-                                <m:t>h</m:t>
-                              </m:r>
-                            </m:sub>
-                          </m:sSub>
-                        </m:e>
-                      </m:d>
-                      <m:r>
-                        <a:rPr lang="ru-RU" i="0">
-                          <a:latin typeface="Cambria Math" panose="02040503050406030204" pitchFamily="18" charset="0"/>
-                        </a:rPr>
-                        <m:t>=+</m:t>
-                      </m:r>
-                      <m:sSub>
-                        <m:sSubPr>
-                          <m:ctrlPr>
-                            <a:rPr lang="ru-RU" i="1">
-                              <a:latin typeface="Cambria Math" panose="02040503050406030204" pitchFamily="18" charset="0"/>
-                            </a:rPr>
-                          </m:ctrlPr>
-                        </m:sSubPr>
-                        <m:e>
-                          <m:r>
-                            <a:rPr lang="ru-RU" i="1">
-                              <a:latin typeface="Cambria Math" panose="02040503050406030204" pitchFamily="18" charset="0"/>
-                            </a:rPr>
-                            <m:t>𝜈</m:t>
-                          </m:r>
-                        </m:e>
-                        <m:sub>
-                          <m:r>
-                            <a:rPr lang="ru-RU" i="1">
-                              <a:latin typeface="Cambria Math" panose="02040503050406030204" pitchFamily="18" charset="0"/>
-                            </a:rPr>
-                            <m:t>h</m:t>
-                          </m:r>
-                        </m:sub>
-                      </m:sSub>
-                      <m:sSub>
-                        <m:sSubPr>
-                          <m:ctrlPr>
-                            <a:rPr lang="ru-RU" i="1">
-                              <a:latin typeface="Cambria Math" panose="02040503050406030204" pitchFamily="18" charset="0"/>
-                            </a:rPr>
-                          </m:ctrlPr>
-                        </m:sSubPr>
-                        <m:e>
-                          <m:r>
-                            <a:rPr lang="ru-RU" i="1">
-                              <a:latin typeface="Cambria Math" panose="02040503050406030204" pitchFamily="18" charset="0"/>
-                            </a:rPr>
-                            <m:t>𝑅</m:t>
-                          </m:r>
-                        </m:e>
-                        <m:sub>
-                          <m:r>
-                            <a:rPr lang="ru-RU" i="1">
-                              <a:latin typeface="Cambria Math" panose="02040503050406030204" pitchFamily="18" charset="0"/>
-                            </a:rPr>
-                            <m:t>h</m:t>
-                          </m:r>
-                        </m:sub>
-                      </m:sSub>
-                    </m:oMath>
-                  </m:oMathPara>
-                </a14:m>
-                <a:endParaRPr lang="ru-RU" dirty="0"/>
-              </a:p>
-            </p:txBody>
-          </p:sp>
-        </mc:Choice>
-        <mc:Fallback xmlns="">
-          <p:sp>
-            <p:nvSpPr>
-              <p:cNvPr id="10" name="TextBox 9">
-                <a:extLst>
-                  <a:ext uri="{FF2B5EF4-FFF2-40B4-BE49-F238E27FC236}">
-                    <a16:creationId xmlns:a16="http://schemas.microsoft.com/office/drawing/2014/main" id="{BE76C120-FEC9-A1E8-C422-85444699A924}"/>
-                  </a:ext>
-                </a:extLst>
-              </p:cNvPr>
-              <p:cNvSpPr txBox="1">
-                <a:spLocks noRot="1" noChangeAspect="1" noMove="1" noResize="1" noEditPoints="1" noAdjustHandles="1" noChangeArrowheads="1" noChangeShapeType="1" noTextEdit="1"/>
-              </p:cNvSpPr>
-              <p:nvPr/>
-            </p:nvSpPr>
-            <p:spPr>
-              <a:xfrm>
-                <a:off x="1702360" y="4569942"/>
-                <a:ext cx="5346550" cy="706860"/>
-              </a:xfrm>
-              <a:prstGeom prst="rect">
-                <a:avLst/>
-              </a:prstGeom>
-              <a:blipFill>
-                <a:blip r:embed="rId8"/>
-                <a:stretch>
-                  <a:fillRect/>
-                </a:stretch>
-              </a:blipFill>
-            </p:spPr>
-            <p:txBody>
-              <a:bodyPr/>
-              <a:lstStyle/>
-              <a:p>
-                <a:r>
-                  <a:rPr lang="ru-RU">
-                    <a:noFill/>
-                  </a:rPr>
-                  <a:t> </a:t>
-                </a:r>
-              </a:p>
-            </p:txBody>
-          </p:sp>
-        </mc:Fallback>
-      </mc:AlternateContent>
-      <mc:AlternateContent xmlns:mc="http://schemas.openxmlformats.org/markup-compatibility/2006" xmlns:a14="http://schemas.microsoft.com/office/drawing/2010/main">
-        <mc:Choice Requires="a14">
+      <mc:AlternateContent xmlns:mc="http://schemas.openxmlformats.org/markup-compatibility/2006">
+        <mc:Choice xmlns:a14="http://schemas.microsoft.com/office/drawing/2010/main" Requires="a14">
           <p:sp>
             <p:nvSpPr>
               <p:cNvPr id="11" name="TextBox 10">
@@ -7349,8 +6455,8 @@
             </p:nvSpPr>
             <p:spPr>
               <a:xfrm>
-                <a:off x="807555" y="5408562"/>
-                <a:ext cx="8471647" cy="604781"/>
+                <a:off x="896735" y="5039471"/>
+                <a:ext cx="10781743" cy="851002"/>
               </a:xfrm>
               <a:prstGeom prst="rect">
                 <a:avLst/>
@@ -7802,13 +6908,63 @@
                     <a:ea typeface="Times New Roman" panose="02020603050405020304" pitchFamily="18" charset="0"/>
                     <a:cs typeface="Times New Roman" panose="02020603050405020304" pitchFamily="18" charset="0"/>
                   </a:rPr>
-                  <a:t>- стехиометрические коэффициенты переноса массы.</a:t>
+                  <a:t>- стехиометрические коэффициенты переноса массы (могут быть вычислены на </a:t>
+                </a:r>
+                <a:r>
+                  <a:rPr lang="ru-RU" sz="1600" dirty="0">
+                    <a:latin typeface="Aptos" panose="020B0004020202020204" pitchFamily="34" charset="0"/>
+                    <a:ea typeface="Times New Roman" panose="02020603050405020304" pitchFamily="18" charset="0"/>
+                    <a:cs typeface="Times New Roman" panose="02020603050405020304" pitchFamily="18" charset="0"/>
+                  </a:rPr>
+                  <a:t>о</a:t>
+                </a:r>
+                <a:r>
+                  <a:rPr lang="ru-RU" sz="1600" dirty="0">
+                    <a:effectLst/>
+                    <a:latin typeface="Aptos" panose="020B0004020202020204" pitchFamily="34" charset="0"/>
+                    <a:ea typeface="Times New Roman" panose="02020603050405020304" pitchFamily="18" charset="0"/>
+                    <a:cs typeface="Times New Roman" panose="02020603050405020304" pitchFamily="18" charset="0"/>
+                  </a:rPr>
+                  <a:t>снове уравнения состояния</a:t>
+                </a:r>
+                <a:r>
+                  <a:rPr lang="ru-RU" sz="1600" dirty="0">
+                    <a:latin typeface="Aptos" panose="020B0004020202020204" pitchFamily="34" charset="0"/>
+                    <a:ea typeface="Times New Roman" panose="02020603050405020304" pitchFamily="18" charset="0"/>
+                    <a:cs typeface="Times New Roman" panose="02020603050405020304" pitchFamily="18" charset="0"/>
+                  </a:rPr>
+                  <a:t> (</a:t>
+                </a:r>
+                <a:r>
+                  <a:rPr lang="ru-RU" sz="1600" dirty="0" err="1">
+                    <a:latin typeface="Aptos" panose="020B0004020202020204" pitchFamily="34" charset="0"/>
+                    <a:ea typeface="Times New Roman" panose="02020603050405020304" pitchFamily="18" charset="0"/>
+                    <a:cs typeface="Times New Roman" panose="02020603050405020304" pitchFamily="18" charset="0"/>
+                  </a:rPr>
+                  <a:t>Пенга</a:t>
+                </a:r>
+                <a:r>
+                  <a:rPr lang="ru-RU" sz="1600" dirty="0">
+                    <a:latin typeface="Aptos" panose="020B0004020202020204" pitchFamily="34" charset="0"/>
+                    <a:ea typeface="Times New Roman" panose="02020603050405020304" pitchFamily="18" charset="0"/>
+                    <a:cs typeface="Times New Roman" panose="02020603050405020304" pitchFamily="18" charset="0"/>
+                  </a:rPr>
+                  <a:t>-Робинсона) или взяты экспериментальные</a:t>
+                </a:r>
+                <a:r>
+                  <a:rPr lang="ru-RU" sz="1600" dirty="0">
+                    <a:effectLst/>
+                    <a:latin typeface="Aptos" panose="020B0004020202020204" pitchFamily="34" charset="0"/>
+                    <a:ea typeface="Times New Roman" panose="02020603050405020304" pitchFamily="18" charset="0"/>
+                    <a:cs typeface="Times New Roman" panose="02020603050405020304" pitchFamily="18" charset="0"/>
+                  </a:rPr>
+                  <a:t>).</a:t>
                 </a:r>
               </a:p>
             </p:txBody>
           </p:sp>
         </mc:Choice>
-        <mc:Fallback xmlns="">
+        <mc:Fallback>
           <p:sp>
             <p:nvSpPr>
               <p:cNvPr id="11" name="TextBox 10">
@@ -7825,16 +6981,16 @@
             </p:nvSpPr>
             <p:spPr>
               <a:xfrm>
-                <a:off x="807555" y="5408562"/>
-                <a:ext cx="8471647" cy="604781"/>
+                <a:off x="896735" y="5039471"/>
+                <a:ext cx="10781743" cy="851002"/>
               </a:xfrm>
               <a:prstGeom prst="rect">
                 <a:avLst/>
               </a:prstGeom>
               <a:blipFill>
-                <a:blip r:embed="rId9"/>
+                <a:blip r:embed="rId6"/>
                 <a:stretch>
-                  <a:fillRect l="-360" t="-3030" b="-10101"/>
+                  <a:fillRect l="-283" t="-2158" b="-8633"/>
                 </a:stretch>
               </a:blipFill>
             </p:spPr>
@@ -7853,6 +7009,1054 @@
           </p:sp>
         </mc:Fallback>
       </mc:AlternateContent>
+      <p:grpSp>
+        <p:nvGrpSpPr>
+          <p:cNvPr id="13" name="Группа 12">
+            <a:extLst>
+              <a:ext uri="{FF2B5EF4-FFF2-40B4-BE49-F238E27FC236}">
+                <a16:creationId xmlns:a16="http://schemas.microsoft.com/office/drawing/2014/main" id="{41F3B8D3-9502-44C2-A404-52D6DBC06412}"/>
+              </a:ext>
+            </a:extLst>
+          </p:cNvPr>
+          <p:cNvGrpSpPr/>
+          <p:nvPr/>
+        </p:nvGrpSpPr>
+        <p:grpSpPr>
+          <a:xfrm>
+            <a:off x="82276" y="2613545"/>
+            <a:ext cx="6171215" cy="2359605"/>
+            <a:chOff x="1056315" y="2613545"/>
+            <a:chExt cx="6171215" cy="2359605"/>
+          </a:xfrm>
+        </p:grpSpPr>
+        <mc:AlternateContent xmlns:mc="http://schemas.openxmlformats.org/markup-compatibility/2006">
+          <mc:Choice xmlns:a14="http://schemas.microsoft.com/office/drawing/2010/main" Requires="a14">
+            <p:sp>
+              <p:nvSpPr>
+                <p:cNvPr id="8" name="TextBox 7">
+                  <a:extLst>
+                    <a:ext uri="{FF2B5EF4-FFF2-40B4-BE49-F238E27FC236}">
+                      <a16:creationId xmlns:a16="http://schemas.microsoft.com/office/drawing/2014/main" id="{C4D5A854-91A8-BC7A-611C-0208F7BA1A46}"/>
+                    </a:ext>
+                  </a:extLst>
+                </p:cNvPr>
+                <p:cNvSpPr txBox="1"/>
+                <p:nvPr/>
+              </p:nvSpPr>
+              <p:spPr>
+                <a:xfrm>
+                  <a:off x="1809350" y="2613545"/>
+                  <a:ext cx="5346550" cy="706860"/>
+                </a:xfrm>
+                <a:prstGeom prst="rect">
+                  <a:avLst/>
+                </a:prstGeom>
+                <a:noFill/>
+              </p:spPr>
+              <p:txBody>
+                <a:bodyPr wrap="square">
+                  <a:spAutoFit/>
+                </a:bodyPr>
+                <a:lstStyle/>
+                <a:p>
+                  <a:pPr/>
+                  <a14:m>
+                    <m:oMathPara xmlns:m="http://schemas.openxmlformats.org/officeDocument/2006/math">
+                      <m:oMathParaPr>
+                        <m:jc m:val="centerGroup"/>
+                      </m:oMathParaPr>
+                      <m:oMath xmlns:m="http://schemas.openxmlformats.org/officeDocument/2006/math">
+                        <m:f>
+                          <m:fPr>
+                            <m:ctrlPr>
+                              <a:rPr lang="ru-RU" i="1" smtClean="0">
+                                <a:latin typeface="Cambria Math" panose="02040503050406030204" pitchFamily="18" charset="0"/>
+                              </a:rPr>
+                            </m:ctrlPr>
+                          </m:fPr>
+                          <m:num>
+                            <m:r>
+                              <a:rPr lang="ru-RU">
+                                <a:latin typeface="Cambria Math" panose="02040503050406030204" pitchFamily="18" charset="0"/>
+                              </a:rPr>
+                              <m:t>𝜕</m:t>
+                            </m:r>
+                          </m:num>
+                          <m:den>
+                            <m:r>
+                              <a:rPr lang="ru-RU" i="0">
+                                <a:latin typeface="Cambria Math" panose="02040503050406030204" pitchFamily="18" charset="0"/>
+                              </a:rPr>
+                              <m:t>𝜕</m:t>
+                            </m:r>
+                            <m:r>
+                              <a:rPr lang="ru-RU" i="1">
+                                <a:latin typeface="Cambria Math" panose="02040503050406030204" pitchFamily="18" charset="0"/>
+                              </a:rPr>
+                              <m:t>𝑡</m:t>
+                            </m:r>
+                          </m:den>
+                        </m:f>
+                        <m:d>
+                          <m:dPr>
+                            <m:ctrlPr>
+                              <a:rPr lang="ru-RU" i="1">
+                                <a:latin typeface="Cambria Math" panose="02040503050406030204" pitchFamily="18" charset="0"/>
+                              </a:rPr>
+                            </m:ctrlPr>
+                          </m:dPr>
+                          <m:e>
+                            <m:r>
+                              <a:rPr lang="ru-RU" i="1">
+                                <a:latin typeface="Cambria Math" panose="02040503050406030204" pitchFamily="18" charset="0"/>
+                              </a:rPr>
+                              <m:t>𝜙</m:t>
+                            </m:r>
+                            <m:sSub>
+                              <m:sSubPr>
+                                <m:ctrlPr>
+                                  <a:rPr lang="ru-RU" i="1">
+                                    <a:latin typeface="Cambria Math" panose="02040503050406030204" pitchFamily="18" charset="0"/>
+                                  </a:rPr>
+                                </m:ctrlPr>
+                              </m:sSubPr>
+                              <m:e>
+                                <m:r>
+                                  <a:rPr lang="ru-RU" i="1">
+                                    <a:latin typeface="Cambria Math" panose="02040503050406030204" pitchFamily="18" charset="0"/>
+                                  </a:rPr>
+                                  <m:t>𝑆</m:t>
+                                </m:r>
+                              </m:e>
+                              <m:sub>
+                                <m:r>
+                                  <a:rPr lang="ru-RU" i="1">
+                                    <a:latin typeface="Cambria Math" panose="02040503050406030204" pitchFamily="18" charset="0"/>
+                                  </a:rPr>
+                                  <m:t>𝑔</m:t>
+                                </m:r>
+                              </m:sub>
+                            </m:sSub>
+                            <m:sSub>
+                              <m:sSubPr>
+                                <m:ctrlPr>
+                                  <a:rPr lang="ru-RU" i="1">
+                                    <a:latin typeface="Cambria Math" panose="02040503050406030204" pitchFamily="18" charset="0"/>
+                                  </a:rPr>
+                                </m:ctrlPr>
+                              </m:sSubPr>
+                              <m:e>
+                                <m:r>
+                                  <a:rPr lang="ru-RU" i="1">
+                                    <a:latin typeface="Cambria Math" panose="02040503050406030204" pitchFamily="18" charset="0"/>
+                                  </a:rPr>
+                                  <m:t>𝜌</m:t>
+                                </m:r>
+                              </m:e>
+                              <m:sub>
+                                <m:r>
+                                  <a:rPr lang="ru-RU" i="1">
+                                    <a:latin typeface="Cambria Math" panose="02040503050406030204" pitchFamily="18" charset="0"/>
+                                  </a:rPr>
+                                  <m:t>𝑔</m:t>
+                                </m:r>
+                              </m:sub>
+                            </m:sSub>
+                          </m:e>
+                        </m:d>
+                        <m:r>
+                          <a:rPr lang="ru-RU" i="0">
+                            <a:latin typeface="Cambria Math" panose="02040503050406030204" pitchFamily="18" charset="0"/>
+                          </a:rPr>
+                          <m:t>+</m:t>
+                        </m:r>
+                        <m:r>
+                          <m:rPr>
+                            <m:sty m:val="p"/>
+                          </m:rPr>
+                          <a:rPr lang="ru-RU" i="0">
+                            <a:latin typeface="Cambria Math" panose="02040503050406030204" pitchFamily="18" charset="0"/>
+                          </a:rPr>
+                          <m:t>∇</m:t>
+                        </m:r>
+                        <m:r>
+                          <a:rPr lang="ru-RU" i="0">
+                            <a:latin typeface="Cambria Math" panose="02040503050406030204" pitchFamily="18" charset="0"/>
+                          </a:rPr>
+                          <m:t>⋅</m:t>
+                        </m:r>
+                        <m:d>
+                          <m:dPr>
+                            <m:ctrlPr>
+                              <a:rPr lang="ru-RU" i="1">
+                                <a:latin typeface="Cambria Math" panose="02040503050406030204" pitchFamily="18" charset="0"/>
+                              </a:rPr>
+                            </m:ctrlPr>
+                          </m:dPr>
+                          <m:e>
+                            <m:sSub>
+                              <m:sSubPr>
+                                <m:ctrlPr>
+                                  <a:rPr lang="ru-RU" i="1">
+                                    <a:latin typeface="Cambria Math" panose="02040503050406030204" pitchFamily="18" charset="0"/>
+                                  </a:rPr>
+                                </m:ctrlPr>
+                              </m:sSubPr>
+                              <m:e>
+                                <m:r>
+                                  <a:rPr lang="ru-RU" i="1">
+                                    <a:latin typeface="Cambria Math" panose="02040503050406030204" pitchFamily="18" charset="0"/>
+                                  </a:rPr>
+                                  <m:t>𝜌</m:t>
+                                </m:r>
+                              </m:e>
+                              <m:sub>
+                                <m:r>
+                                  <a:rPr lang="ru-RU" i="1">
+                                    <a:latin typeface="Cambria Math" panose="02040503050406030204" pitchFamily="18" charset="0"/>
+                                  </a:rPr>
+                                  <m:t>𝑔</m:t>
+                                </m:r>
+                              </m:sub>
+                            </m:sSub>
+                            <m:sSub>
+                              <m:sSubPr>
+                                <m:ctrlPr>
+                                  <a:rPr lang="ru-RU" i="1">
+                                    <a:latin typeface="Cambria Math" panose="02040503050406030204" pitchFamily="18" charset="0"/>
+                                  </a:rPr>
+                                </m:ctrlPr>
+                              </m:sSubPr>
+                              <m:e>
+                                <m:r>
+                                  <a:rPr lang="ru-RU" b="1" i="0">
+                                    <a:latin typeface="Cambria Math" panose="02040503050406030204" pitchFamily="18" charset="0"/>
+                                  </a:rPr>
+                                  <m:t>𝐮</m:t>
+                                </m:r>
+                              </m:e>
+                              <m:sub>
+                                <m:r>
+                                  <a:rPr lang="ru-RU" b="0" i="1">
+                                    <a:latin typeface="Cambria Math" panose="02040503050406030204" pitchFamily="18" charset="0"/>
+                                  </a:rPr>
+                                  <m:t>𝑔</m:t>
+                                </m:r>
+                              </m:sub>
+                            </m:sSub>
+                          </m:e>
+                        </m:d>
+                        <m:r>
+                          <a:rPr lang="ru-RU" b="0" i="0">
+                            <a:latin typeface="Cambria Math" panose="02040503050406030204" pitchFamily="18" charset="0"/>
+                          </a:rPr>
+                          <m:t>=−</m:t>
+                        </m:r>
+                        <m:sSub>
+                          <m:sSubPr>
+                            <m:ctrlPr>
+                              <a:rPr lang="ru-RU" b="0" i="1">
+                                <a:latin typeface="Cambria Math" panose="02040503050406030204" pitchFamily="18" charset="0"/>
+                              </a:rPr>
+                            </m:ctrlPr>
+                          </m:sSubPr>
+                          <m:e>
+                            <m:r>
+                              <a:rPr lang="ru-RU" b="0" i="1">
+                                <a:latin typeface="Cambria Math" panose="02040503050406030204" pitchFamily="18" charset="0"/>
+                              </a:rPr>
+                              <m:t>𝜈</m:t>
+                            </m:r>
+                          </m:e>
+                          <m:sub>
+                            <m:r>
+                              <a:rPr lang="ru-RU" b="0" i="1">
+                                <a:latin typeface="Cambria Math" panose="02040503050406030204" pitchFamily="18" charset="0"/>
+                              </a:rPr>
+                              <m:t>𝑔</m:t>
+                            </m:r>
+                          </m:sub>
+                        </m:sSub>
+                        <m:sSub>
+                          <m:sSubPr>
+                            <m:ctrlPr>
+                              <a:rPr lang="ru-RU" b="0" i="1">
+                                <a:latin typeface="Cambria Math" panose="02040503050406030204" pitchFamily="18" charset="0"/>
+                              </a:rPr>
+                            </m:ctrlPr>
+                          </m:sSubPr>
+                          <m:e>
+                            <m:r>
+                              <a:rPr lang="ru-RU" b="0" i="1">
+                                <a:latin typeface="Cambria Math" panose="02040503050406030204" pitchFamily="18" charset="0"/>
+                              </a:rPr>
+                              <m:t>𝑅</m:t>
+                            </m:r>
+                          </m:e>
+                          <m:sub>
+                            <m:r>
+                              <a:rPr lang="ru-RU" b="0" i="1">
+                                <a:latin typeface="Cambria Math" panose="02040503050406030204" pitchFamily="18" charset="0"/>
+                              </a:rPr>
+                              <m:t>h</m:t>
+                            </m:r>
+                          </m:sub>
+                        </m:sSub>
+                      </m:oMath>
+                    </m:oMathPara>
+                  </a14:m>
+                  <a:endParaRPr lang="ru-RU" dirty="0"/>
+                </a:p>
+              </p:txBody>
+            </p:sp>
+          </mc:Choice>
+          <mc:Fallback>
+            <p:sp>
+              <p:nvSpPr>
+                <p:cNvPr id="8" name="TextBox 7">
+                  <a:extLst>
+                    <a:ext uri="{FF2B5EF4-FFF2-40B4-BE49-F238E27FC236}">
+                      <a16:creationId xmlns:a16="http://schemas.microsoft.com/office/drawing/2014/main" id="{C4D5A854-91A8-BC7A-611C-0208F7BA1A46}"/>
+                    </a:ext>
+                  </a:extLst>
+                </p:cNvPr>
+                <p:cNvSpPr txBox="1">
+                  <a:spLocks noRot="1" noChangeAspect="1" noMove="1" noResize="1" noEditPoints="1" noAdjustHandles="1" noChangeArrowheads="1" noChangeShapeType="1" noTextEdit="1"/>
+                </p:cNvSpPr>
+                <p:nvPr/>
+              </p:nvSpPr>
+              <p:spPr>
+                <a:xfrm>
+                  <a:off x="1809350" y="2613545"/>
+                  <a:ext cx="5346550" cy="706860"/>
+                </a:xfrm>
+                <a:prstGeom prst="rect">
+                  <a:avLst/>
+                </a:prstGeom>
+                <a:blipFill>
+                  <a:blip r:embed="rId7"/>
+                  <a:stretch>
+                    <a:fillRect/>
+                  </a:stretch>
+                </a:blipFill>
+              </p:spPr>
+              <p:txBody>
+                <a:bodyPr/>
+                <a:lstStyle/>
+                <a:p>
+                  <a:r>
+                    <a:rPr lang="ru-RU">
+                      <a:noFill/>
+                    </a:rPr>
+                    <a:t> </a:t>
+                  </a:r>
+                </a:p>
+              </p:txBody>
+            </p:sp>
+          </mc:Fallback>
+        </mc:AlternateContent>
+        <mc:AlternateContent xmlns:mc="http://schemas.openxmlformats.org/markup-compatibility/2006">
+          <mc:Choice xmlns:a14="http://schemas.microsoft.com/office/drawing/2010/main" Requires="a14">
+            <p:sp>
+              <p:nvSpPr>
+                <p:cNvPr id="9" name="TextBox 8">
+                  <a:extLst>
+                    <a:ext uri="{FF2B5EF4-FFF2-40B4-BE49-F238E27FC236}">
+                      <a16:creationId xmlns:a16="http://schemas.microsoft.com/office/drawing/2014/main" id="{30CFF749-6904-ACA5-D26C-4D16C43EB812}"/>
+                    </a:ext>
+                  </a:extLst>
+                </p:cNvPr>
+                <p:cNvSpPr txBox="1"/>
+                <p:nvPr/>
+              </p:nvSpPr>
+              <p:spPr>
+                <a:xfrm>
+                  <a:off x="1880980" y="3493109"/>
+                  <a:ext cx="5346550" cy="706860"/>
+                </a:xfrm>
+                <a:prstGeom prst="rect">
+                  <a:avLst/>
+                </a:prstGeom>
+                <a:noFill/>
+              </p:spPr>
+              <p:txBody>
+                <a:bodyPr wrap="square">
+                  <a:spAutoFit/>
+                </a:bodyPr>
+                <a:lstStyle/>
+                <a:p>
+                  <a:pPr/>
+                  <a14:m>
+                    <m:oMathPara xmlns:m="http://schemas.openxmlformats.org/officeDocument/2006/math">
+                      <m:oMathParaPr>
+                        <m:jc m:val="centerGroup"/>
+                      </m:oMathParaPr>
+                      <m:oMath xmlns:m="http://schemas.openxmlformats.org/officeDocument/2006/math">
+                        <m:f>
+                          <m:fPr>
+                            <m:ctrlPr>
+                              <a:rPr lang="ru-RU" i="1" smtClean="0">
+                                <a:latin typeface="Cambria Math" panose="02040503050406030204" pitchFamily="18" charset="0"/>
+                              </a:rPr>
+                            </m:ctrlPr>
+                          </m:fPr>
+                          <m:num>
+                            <m:r>
+                              <a:rPr lang="ru-RU">
+                                <a:latin typeface="Cambria Math" panose="02040503050406030204" pitchFamily="18" charset="0"/>
+                              </a:rPr>
+                              <m:t>𝜕</m:t>
+                            </m:r>
+                          </m:num>
+                          <m:den>
+                            <m:r>
+                              <a:rPr lang="ru-RU" i="0">
+                                <a:latin typeface="Cambria Math" panose="02040503050406030204" pitchFamily="18" charset="0"/>
+                              </a:rPr>
+                              <m:t>𝜕</m:t>
+                            </m:r>
+                            <m:r>
+                              <a:rPr lang="ru-RU" i="1">
+                                <a:latin typeface="Cambria Math" panose="02040503050406030204" pitchFamily="18" charset="0"/>
+                              </a:rPr>
+                              <m:t>𝑡</m:t>
+                            </m:r>
+                          </m:den>
+                        </m:f>
+                        <m:d>
+                          <m:dPr>
+                            <m:ctrlPr>
+                              <a:rPr lang="ru-RU" i="1">
+                                <a:latin typeface="Cambria Math" panose="02040503050406030204" pitchFamily="18" charset="0"/>
+                              </a:rPr>
+                            </m:ctrlPr>
+                          </m:dPr>
+                          <m:e>
+                            <m:r>
+                              <a:rPr lang="ru-RU" i="1">
+                                <a:latin typeface="Cambria Math" panose="02040503050406030204" pitchFamily="18" charset="0"/>
+                              </a:rPr>
+                              <m:t>𝜙</m:t>
+                            </m:r>
+                            <m:sSub>
+                              <m:sSubPr>
+                                <m:ctrlPr>
+                                  <a:rPr lang="ru-RU" i="1">
+                                    <a:latin typeface="Cambria Math" panose="02040503050406030204" pitchFamily="18" charset="0"/>
+                                  </a:rPr>
+                                </m:ctrlPr>
+                              </m:sSubPr>
+                              <m:e>
+                                <m:r>
+                                  <a:rPr lang="ru-RU" i="1">
+                                    <a:latin typeface="Cambria Math" panose="02040503050406030204" pitchFamily="18" charset="0"/>
+                                  </a:rPr>
+                                  <m:t>𝑆</m:t>
+                                </m:r>
+                              </m:e>
+                              <m:sub>
+                                <m:r>
+                                  <a:rPr lang="ru-RU" i="1">
+                                    <a:latin typeface="Cambria Math" panose="02040503050406030204" pitchFamily="18" charset="0"/>
+                                  </a:rPr>
+                                  <m:t>𝑤</m:t>
+                                </m:r>
+                              </m:sub>
+                            </m:sSub>
+                            <m:sSub>
+                              <m:sSubPr>
+                                <m:ctrlPr>
+                                  <a:rPr lang="ru-RU" i="1">
+                                    <a:latin typeface="Cambria Math" panose="02040503050406030204" pitchFamily="18" charset="0"/>
+                                  </a:rPr>
+                                </m:ctrlPr>
+                              </m:sSubPr>
+                              <m:e>
+                                <m:r>
+                                  <a:rPr lang="ru-RU" i="1">
+                                    <a:latin typeface="Cambria Math" panose="02040503050406030204" pitchFamily="18" charset="0"/>
+                                  </a:rPr>
+                                  <m:t>𝜌</m:t>
+                                </m:r>
+                              </m:e>
+                              <m:sub>
+                                <m:r>
+                                  <a:rPr lang="ru-RU" i="1">
+                                    <a:latin typeface="Cambria Math" panose="02040503050406030204" pitchFamily="18" charset="0"/>
+                                  </a:rPr>
+                                  <m:t>𝑤</m:t>
+                                </m:r>
+                              </m:sub>
+                            </m:sSub>
+                          </m:e>
+                        </m:d>
+                        <m:r>
+                          <a:rPr lang="ru-RU" i="0">
+                            <a:latin typeface="Cambria Math" panose="02040503050406030204" pitchFamily="18" charset="0"/>
+                          </a:rPr>
+                          <m:t>+</m:t>
+                        </m:r>
+                        <m:r>
+                          <m:rPr>
+                            <m:sty m:val="p"/>
+                          </m:rPr>
+                          <a:rPr lang="ru-RU" i="0">
+                            <a:latin typeface="Cambria Math" panose="02040503050406030204" pitchFamily="18" charset="0"/>
+                          </a:rPr>
+                          <m:t>∇</m:t>
+                        </m:r>
+                        <m:r>
+                          <a:rPr lang="ru-RU" i="0">
+                            <a:latin typeface="Cambria Math" panose="02040503050406030204" pitchFamily="18" charset="0"/>
+                          </a:rPr>
+                          <m:t>⋅</m:t>
+                        </m:r>
+                        <m:d>
+                          <m:dPr>
+                            <m:ctrlPr>
+                              <a:rPr lang="ru-RU" i="1">
+                                <a:latin typeface="Cambria Math" panose="02040503050406030204" pitchFamily="18" charset="0"/>
+                              </a:rPr>
+                            </m:ctrlPr>
+                          </m:dPr>
+                          <m:e>
+                            <m:sSub>
+                              <m:sSubPr>
+                                <m:ctrlPr>
+                                  <a:rPr lang="ru-RU" i="1">
+                                    <a:latin typeface="Cambria Math" panose="02040503050406030204" pitchFamily="18" charset="0"/>
+                                  </a:rPr>
+                                </m:ctrlPr>
+                              </m:sSubPr>
+                              <m:e>
+                                <m:r>
+                                  <a:rPr lang="ru-RU" i="1">
+                                    <a:latin typeface="Cambria Math" panose="02040503050406030204" pitchFamily="18" charset="0"/>
+                                  </a:rPr>
+                                  <m:t>𝜌</m:t>
+                                </m:r>
+                              </m:e>
+                              <m:sub>
+                                <m:r>
+                                  <a:rPr lang="ru-RU" i="1">
+                                    <a:latin typeface="Cambria Math" panose="02040503050406030204" pitchFamily="18" charset="0"/>
+                                  </a:rPr>
+                                  <m:t>𝑤</m:t>
+                                </m:r>
+                              </m:sub>
+                            </m:sSub>
+                            <m:sSub>
+                              <m:sSubPr>
+                                <m:ctrlPr>
+                                  <a:rPr lang="ru-RU" i="1">
+                                    <a:latin typeface="Cambria Math" panose="02040503050406030204" pitchFamily="18" charset="0"/>
+                                  </a:rPr>
+                                </m:ctrlPr>
+                              </m:sSubPr>
+                              <m:e>
+                                <m:r>
+                                  <a:rPr lang="ru-RU" b="1" i="0">
+                                    <a:latin typeface="Cambria Math" panose="02040503050406030204" pitchFamily="18" charset="0"/>
+                                  </a:rPr>
+                                  <m:t>𝐮</m:t>
+                                </m:r>
+                              </m:e>
+                              <m:sub>
+                                <m:r>
+                                  <a:rPr lang="ru-RU" b="0" i="1">
+                                    <a:latin typeface="Cambria Math" panose="02040503050406030204" pitchFamily="18" charset="0"/>
+                                  </a:rPr>
+                                  <m:t>𝑤</m:t>
+                                </m:r>
+                              </m:sub>
+                            </m:sSub>
+                          </m:e>
+                        </m:d>
+                        <m:r>
+                          <a:rPr lang="ru-RU" b="0" i="0">
+                            <a:latin typeface="Cambria Math" panose="02040503050406030204" pitchFamily="18" charset="0"/>
+                          </a:rPr>
+                          <m:t>=−</m:t>
+                        </m:r>
+                        <m:sSub>
+                          <m:sSubPr>
+                            <m:ctrlPr>
+                              <a:rPr lang="ru-RU" b="0" i="1">
+                                <a:latin typeface="Cambria Math" panose="02040503050406030204" pitchFamily="18" charset="0"/>
+                              </a:rPr>
+                            </m:ctrlPr>
+                          </m:sSubPr>
+                          <m:e>
+                            <m:r>
+                              <a:rPr lang="ru-RU" b="0" i="1">
+                                <a:latin typeface="Cambria Math" panose="02040503050406030204" pitchFamily="18" charset="0"/>
+                              </a:rPr>
+                              <m:t>𝜈</m:t>
+                            </m:r>
+                          </m:e>
+                          <m:sub>
+                            <m:r>
+                              <a:rPr lang="ru-RU" b="0" i="1">
+                                <a:latin typeface="Cambria Math" panose="02040503050406030204" pitchFamily="18" charset="0"/>
+                              </a:rPr>
+                              <m:t>𝑤</m:t>
+                            </m:r>
+                          </m:sub>
+                        </m:sSub>
+                        <m:sSub>
+                          <m:sSubPr>
+                            <m:ctrlPr>
+                              <a:rPr lang="ru-RU" b="0" i="1">
+                                <a:latin typeface="Cambria Math" panose="02040503050406030204" pitchFamily="18" charset="0"/>
+                              </a:rPr>
+                            </m:ctrlPr>
+                          </m:sSubPr>
+                          <m:e>
+                            <m:r>
+                              <a:rPr lang="ru-RU" b="0" i="1">
+                                <a:latin typeface="Cambria Math" panose="02040503050406030204" pitchFamily="18" charset="0"/>
+                              </a:rPr>
+                              <m:t>𝑅</m:t>
+                            </m:r>
+                          </m:e>
+                          <m:sub>
+                            <m:r>
+                              <a:rPr lang="ru-RU" b="0" i="1">
+                                <a:latin typeface="Cambria Math" panose="02040503050406030204" pitchFamily="18" charset="0"/>
+                              </a:rPr>
+                              <m:t>h</m:t>
+                            </m:r>
+                          </m:sub>
+                        </m:sSub>
+                      </m:oMath>
+                    </m:oMathPara>
+                  </a14:m>
+                  <a:endParaRPr lang="ru-RU" dirty="0"/>
+                </a:p>
+              </p:txBody>
+            </p:sp>
+          </mc:Choice>
+          <mc:Fallback>
+            <p:sp>
+              <p:nvSpPr>
+                <p:cNvPr id="9" name="TextBox 8">
+                  <a:extLst>
+                    <a:ext uri="{FF2B5EF4-FFF2-40B4-BE49-F238E27FC236}">
+                      <a16:creationId xmlns:a16="http://schemas.microsoft.com/office/drawing/2014/main" id="{30CFF749-6904-ACA5-D26C-4D16C43EB812}"/>
+                    </a:ext>
+                  </a:extLst>
+                </p:cNvPr>
+                <p:cNvSpPr txBox="1">
+                  <a:spLocks noRot="1" noChangeAspect="1" noMove="1" noResize="1" noEditPoints="1" noAdjustHandles="1" noChangeArrowheads="1" noChangeShapeType="1" noTextEdit="1"/>
+                </p:cNvSpPr>
+                <p:nvPr/>
+              </p:nvSpPr>
+              <p:spPr>
+                <a:xfrm>
+                  <a:off x="1880980" y="3493109"/>
+                  <a:ext cx="5346550" cy="706860"/>
+                </a:xfrm>
+                <a:prstGeom prst="rect">
+                  <a:avLst/>
+                </a:prstGeom>
+                <a:blipFill>
+                  <a:blip r:embed="rId8"/>
+                  <a:stretch>
+                    <a:fillRect/>
+                  </a:stretch>
+                </a:blipFill>
+              </p:spPr>
+              <p:txBody>
+                <a:bodyPr/>
+                <a:lstStyle/>
+                <a:p>
+                  <a:r>
+                    <a:rPr lang="ru-RU">
+                      <a:noFill/>
+                    </a:rPr>
+                    <a:t> </a:t>
+                  </a:r>
+                </a:p>
+              </p:txBody>
+            </p:sp>
+          </mc:Fallback>
+        </mc:AlternateContent>
+        <mc:AlternateContent xmlns:mc="http://schemas.openxmlformats.org/markup-compatibility/2006">
+          <mc:Choice xmlns:a14="http://schemas.microsoft.com/office/drawing/2010/main" Requires="a14">
+            <p:sp>
+              <p:nvSpPr>
+                <p:cNvPr id="10" name="TextBox 9">
+                  <a:extLst>
+                    <a:ext uri="{FF2B5EF4-FFF2-40B4-BE49-F238E27FC236}">
+                      <a16:creationId xmlns:a16="http://schemas.microsoft.com/office/drawing/2014/main" id="{BE76C120-FEC9-A1E8-C422-85444699A924}"/>
+                    </a:ext>
+                  </a:extLst>
+                </p:cNvPr>
+                <p:cNvSpPr txBox="1"/>
+                <p:nvPr/>
+              </p:nvSpPr>
+              <p:spPr>
+                <a:xfrm>
+                  <a:off x="1056315" y="4266290"/>
+                  <a:ext cx="5346550" cy="706860"/>
+                </a:xfrm>
+                <a:prstGeom prst="rect">
+                  <a:avLst/>
+                </a:prstGeom>
+                <a:noFill/>
+              </p:spPr>
+              <p:txBody>
+                <a:bodyPr wrap="square">
+                  <a:spAutoFit/>
+                </a:bodyPr>
+                <a:lstStyle/>
+                <a:p>
+                  <a:pPr/>
+                  <a14:m>
+                    <m:oMathPara xmlns:m="http://schemas.openxmlformats.org/officeDocument/2006/math">
+                      <m:oMathParaPr>
+                        <m:jc m:val="centerGroup"/>
+                      </m:oMathParaPr>
+                      <m:oMath xmlns:m="http://schemas.openxmlformats.org/officeDocument/2006/math">
+                        <m:f>
+                          <m:fPr>
+                            <m:ctrlPr>
+                              <a:rPr lang="ru-RU" i="1" smtClean="0">
+                                <a:latin typeface="Cambria Math" panose="02040503050406030204" pitchFamily="18" charset="0"/>
+                              </a:rPr>
+                            </m:ctrlPr>
+                          </m:fPr>
+                          <m:num>
+                            <m:r>
+                              <a:rPr lang="ru-RU">
+                                <a:latin typeface="Cambria Math" panose="02040503050406030204" pitchFamily="18" charset="0"/>
+                              </a:rPr>
+                              <m:t>𝜕</m:t>
+                            </m:r>
+                          </m:num>
+                          <m:den>
+                            <m:r>
+                              <a:rPr lang="ru-RU" i="0">
+                                <a:latin typeface="Cambria Math" panose="02040503050406030204" pitchFamily="18" charset="0"/>
+                              </a:rPr>
+                              <m:t>𝜕</m:t>
+                            </m:r>
+                            <m:r>
+                              <a:rPr lang="ru-RU" i="1">
+                                <a:latin typeface="Cambria Math" panose="02040503050406030204" pitchFamily="18" charset="0"/>
+                              </a:rPr>
+                              <m:t>𝑡</m:t>
+                            </m:r>
+                          </m:den>
+                        </m:f>
+                        <m:d>
+                          <m:dPr>
+                            <m:ctrlPr>
+                              <a:rPr lang="ru-RU" i="1">
+                                <a:latin typeface="Cambria Math" panose="02040503050406030204" pitchFamily="18" charset="0"/>
+                              </a:rPr>
+                            </m:ctrlPr>
+                          </m:dPr>
+                          <m:e>
+                            <m:r>
+                              <a:rPr lang="ru-RU" i="1">
+                                <a:latin typeface="Cambria Math" panose="02040503050406030204" pitchFamily="18" charset="0"/>
+                              </a:rPr>
+                              <m:t>𝜙</m:t>
+                            </m:r>
+                            <m:sSub>
+                              <m:sSubPr>
+                                <m:ctrlPr>
+                                  <a:rPr lang="ru-RU" i="1">
+                                    <a:latin typeface="Cambria Math" panose="02040503050406030204" pitchFamily="18" charset="0"/>
+                                  </a:rPr>
+                                </m:ctrlPr>
+                              </m:sSubPr>
+                              <m:e>
+                                <m:r>
+                                  <a:rPr lang="ru-RU" i="1">
+                                    <a:latin typeface="Cambria Math" panose="02040503050406030204" pitchFamily="18" charset="0"/>
+                                  </a:rPr>
+                                  <m:t>𝑆</m:t>
+                                </m:r>
+                              </m:e>
+                              <m:sub>
+                                <m:r>
+                                  <a:rPr lang="ru-RU" i="1">
+                                    <a:latin typeface="Cambria Math" panose="02040503050406030204" pitchFamily="18" charset="0"/>
+                                  </a:rPr>
+                                  <m:t>h</m:t>
+                                </m:r>
+                              </m:sub>
+                            </m:sSub>
+                            <m:sSub>
+                              <m:sSubPr>
+                                <m:ctrlPr>
+                                  <a:rPr lang="ru-RU" i="1">
+                                    <a:latin typeface="Cambria Math" panose="02040503050406030204" pitchFamily="18" charset="0"/>
+                                  </a:rPr>
+                                </m:ctrlPr>
+                              </m:sSubPr>
+                              <m:e>
+                                <m:r>
+                                  <a:rPr lang="ru-RU" i="1">
+                                    <a:latin typeface="Cambria Math" panose="02040503050406030204" pitchFamily="18" charset="0"/>
+                                  </a:rPr>
+                                  <m:t>𝜌</m:t>
+                                </m:r>
+                              </m:e>
+                              <m:sub>
+                                <m:r>
+                                  <a:rPr lang="ru-RU" i="1">
+                                    <a:latin typeface="Cambria Math" panose="02040503050406030204" pitchFamily="18" charset="0"/>
+                                  </a:rPr>
+                                  <m:t>h</m:t>
+                                </m:r>
+                              </m:sub>
+                            </m:sSub>
+                          </m:e>
+                        </m:d>
+                        <m:r>
+                          <a:rPr lang="ru-RU" i="0">
+                            <a:latin typeface="Cambria Math" panose="02040503050406030204" pitchFamily="18" charset="0"/>
+                          </a:rPr>
+                          <m:t>=+</m:t>
+                        </m:r>
+                        <m:sSub>
+                          <m:sSubPr>
+                            <m:ctrlPr>
+                              <a:rPr lang="ru-RU" i="1">
+                                <a:latin typeface="Cambria Math" panose="02040503050406030204" pitchFamily="18" charset="0"/>
+                              </a:rPr>
+                            </m:ctrlPr>
+                          </m:sSubPr>
+                          <m:e>
+                            <m:r>
+                              <a:rPr lang="ru-RU" i="1">
+                                <a:latin typeface="Cambria Math" panose="02040503050406030204" pitchFamily="18" charset="0"/>
+                              </a:rPr>
+                              <m:t>𝜈</m:t>
+                            </m:r>
+                          </m:e>
+                          <m:sub>
+                            <m:r>
+                              <a:rPr lang="ru-RU" i="1">
+                                <a:latin typeface="Cambria Math" panose="02040503050406030204" pitchFamily="18" charset="0"/>
+                              </a:rPr>
+                              <m:t>h</m:t>
+                            </m:r>
+                          </m:sub>
+                        </m:sSub>
+                        <m:sSub>
+                          <m:sSubPr>
+                            <m:ctrlPr>
+                              <a:rPr lang="ru-RU" i="1">
+                                <a:latin typeface="Cambria Math" panose="02040503050406030204" pitchFamily="18" charset="0"/>
+                              </a:rPr>
+                            </m:ctrlPr>
+                          </m:sSubPr>
+                          <m:e>
+                            <m:r>
+                              <a:rPr lang="ru-RU" i="1">
+                                <a:latin typeface="Cambria Math" panose="02040503050406030204" pitchFamily="18" charset="0"/>
+                              </a:rPr>
+                              <m:t>𝑅</m:t>
+                            </m:r>
+                          </m:e>
+                          <m:sub>
+                            <m:r>
+                              <a:rPr lang="ru-RU" i="1">
+                                <a:latin typeface="Cambria Math" panose="02040503050406030204" pitchFamily="18" charset="0"/>
+                              </a:rPr>
+                              <m:t>h</m:t>
+                            </m:r>
+                          </m:sub>
+                        </m:sSub>
+                      </m:oMath>
+                    </m:oMathPara>
+                  </a14:m>
+                  <a:endParaRPr lang="ru-RU" dirty="0"/>
+                </a:p>
+              </p:txBody>
+            </p:sp>
+          </mc:Choice>
+          <mc:Fallback>
+            <p:sp>
+              <p:nvSpPr>
+                <p:cNvPr id="10" name="TextBox 9">
+                  <a:extLst>
+                    <a:ext uri="{FF2B5EF4-FFF2-40B4-BE49-F238E27FC236}">
+                      <a16:creationId xmlns:a16="http://schemas.microsoft.com/office/drawing/2014/main" id="{BE76C120-FEC9-A1E8-C422-85444699A924}"/>
+                    </a:ext>
+                  </a:extLst>
+                </p:cNvPr>
+                <p:cNvSpPr txBox="1">
+                  <a:spLocks noRot="1" noChangeAspect="1" noMove="1" noResize="1" noEditPoints="1" noAdjustHandles="1" noChangeArrowheads="1" noChangeShapeType="1" noTextEdit="1"/>
+                </p:cNvSpPr>
+                <p:nvPr/>
+              </p:nvSpPr>
+              <p:spPr>
+                <a:xfrm>
+                  <a:off x="1056315" y="4266290"/>
+                  <a:ext cx="5346550" cy="706860"/>
+                </a:xfrm>
+                <a:prstGeom prst="rect">
+                  <a:avLst/>
+                </a:prstGeom>
+                <a:blipFill>
+                  <a:blip r:embed="rId9"/>
+                  <a:stretch>
+                    <a:fillRect/>
+                  </a:stretch>
+                </a:blipFill>
+              </p:spPr>
+              <p:txBody>
+                <a:bodyPr/>
+                <a:lstStyle/>
+                <a:p>
+                  <a:r>
+                    <a:rPr lang="ru-RU">
+                      <a:noFill/>
+                    </a:rPr>
+                    <a:t> </a:t>
+                  </a:r>
+                </a:p>
+              </p:txBody>
+            </p:sp>
+          </mc:Fallback>
+        </mc:AlternateContent>
+        <p:sp>
+          <p:nvSpPr>
+            <p:cNvPr id="12" name="Левая фигурная скобка 11">
+              <a:extLst>
+                <a:ext uri="{FF2B5EF4-FFF2-40B4-BE49-F238E27FC236}">
+                  <a16:creationId xmlns:a16="http://schemas.microsoft.com/office/drawing/2014/main" id="{9475C009-BEE2-C7E4-07B9-02667EB7B3C1}"/>
+                </a:ext>
+              </a:extLst>
+            </p:cNvPr>
+            <p:cNvSpPr/>
+            <p:nvPr/>
+          </p:nvSpPr>
+          <p:spPr>
+            <a:xfrm>
+              <a:off x="1784502" y="2683066"/>
+              <a:ext cx="586408" cy="2221395"/>
+            </a:xfrm>
+            <a:prstGeom prst="leftBrace">
+              <a:avLst/>
+            </a:prstGeom>
+            <a:ln>
+              <a:solidFill>
+                <a:schemeClr val="tx1"/>
+              </a:solidFill>
+            </a:ln>
+          </p:spPr>
+          <p:style>
+            <a:lnRef idx="1">
+              <a:schemeClr val="accent1"/>
+            </a:lnRef>
+            <a:fillRef idx="0">
+              <a:schemeClr val="accent1"/>
+            </a:fillRef>
+            <a:effectRef idx="0">
+              <a:schemeClr val="accent1"/>
+            </a:effectRef>
+            <a:fontRef idx="minor">
+              <a:schemeClr val="tx1"/>
+            </a:fontRef>
+          </p:style>
+          <p:txBody>
+            <a:bodyPr rtlCol="0" anchor="ctr"/>
+            <a:lstStyle/>
+            <a:p>
+              <a:pPr algn="ctr"/>
+              <a:endParaRPr lang="ru-RU" dirty="0"/>
+            </a:p>
+          </p:txBody>
+        </p:sp>
+      </p:grpSp>
+      <p:pic>
+        <p:nvPicPr>
+          <p:cNvPr id="15" name="Рисунок 14" descr="Изображение выглядит как текст, Шрифт, снимок экрана, линия&#10;&#10;Содержимое, созданное искусственным интеллектом, может быть неверным.">
+            <a:extLst>
+              <a:ext uri="{FF2B5EF4-FFF2-40B4-BE49-F238E27FC236}">
+                <a16:creationId xmlns:a16="http://schemas.microsoft.com/office/drawing/2014/main" id="{4445489B-AE78-7ABA-279C-A00E049A4D9A}"/>
+              </a:ext>
+            </a:extLst>
+          </p:cNvPr>
+          <p:cNvPicPr>
+            <a:picLocks noChangeAspect="1"/>
+          </p:cNvPicPr>
+          <p:nvPr/>
+        </p:nvPicPr>
+        <p:blipFill>
+          <a:blip r:embed="rId10"/>
+          <a:stretch>
+            <a:fillRect/>
+          </a:stretch>
+        </p:blipFill>
+        <p:spPr>
+          <a:xfrm>
+            <a:off x="6096000" y="2900698"/>
+            <a:ext cx="5442221" cy="1891681"/>
+          </a:xfrm>
+          <a:prstGeom prst="rect">
+            <a:avLst/>
+          </a:prstGeom>
+        </p:spPr>
+      </p:pic>
+      <p:sp>
+        <p:nvSpPr>
+          <p:cNvPr id="16" name="Прямоугольник 15">
+            <a:extLst>
+              <a:ext uri="{FF2B5EF4-FFF2-40B4-BE49-F238E27FC236}">
+                <a16:creationId xmlns:a16="http://schemas.microsoft.com/office/drawing/2014/main" id="{646513EE-3D36-EF44-1E5E-BD6FD5CAF244}"/>
+              </a:ext>
+            </a:extLst>
+          </p:cNvPr>
+          <p:cNvSpPr/>
+          <p:nvPr/>
+        </p:nvSpPr>
+        <p:spPr>
+          <a:xfrm>
+            <a:off x="10759108" y="3428999"/>
+            <a:ext cx="1132237" cy="770969"/>
+          </a:xfrm>
+          <a:prstGeom prst="rect">
+            <a:avLst/>
+          </a:prstGeom>
+          <a:solidFill>
+            <a:schemeClr val="bg1"/>
+          </a:solidFill>
+          <a:ln>
+            <a:noFill/>
+          </a:ln>
+        </p:spPr>
+        <p:style>
+          <a:lnRef idx="2">
+            <a:schemeClr val="accent1">
+              <a:shade val="15000"/>
+            </a:schemeClr>
+          </a:lnRef>
+          <a:fillRef idx="1">
+            <a:schemeClr val="accent1"/>
+          </a:fillRef>
+          <a:effectRef idx="0">
+            <a:schemeClr val="accent1"/>
+          </a:effectRef>
+          <a:fontRef idx="minor">
+            <a:schemeClr val="lt1"/>
+          </a:fontRef>
+        </p:style>
+        <p:txBody>
+          <a:bodyPr rtlCol="0" anchor="ctr"/>
+          <a:lstStyle/>
+          <a:p>
+            <a:pPr algn="ctr"/>
+            <a:endParaRPr lang="ru-RU"/>
+          </a:p>
+        </p:txBody>
+      </p:sp>
     </p:spTree>
     <p:extLst>
       <p:ext uri="{BB962C8B-B14F-4D97-AF65-F5344CB8AC3E}">
@@ -7866,82 +8070,7 @@
 </p:sld>
 </file>
 
-<file path=ppt/slides/slide16.xml><?xml version="1.0" encoding="utf-8"?>
-<p:sld xmlns:a="http://schemas.openxmlformats.org/drawingml/2006/main" xmlns:r="http://schemas.openxmlformats.org/officeDocument/2006/relationships" xmlns:p="http://schemas.openxmlformats.org/presentationml/2006/main">
-  <p:cSld>
-    <p:spTree>
-      <p:nvGrpSpPr>
-        <p:cNvPr id="1" name=""/>
-        <p:cNvGrpSpPr/>
-        <p:nvPr/>
-      </p:nvGrpSpPr>
-      <p:grpSpPr>
-        <a:xfrm>
-          <a:off x="0" y="0"/>
-          <a:ext cx="0" cy="0"/>
-          <a:chOff x="0" y="0"/>
-          <a:chExt cx="0" cy="0"/>
-        </a:xfrm>
-      </p:grpSpPr>
-      <p:sp>
-        <p:nvSpPr>
-          <p:cNvPr id="2" name="Заголовок 1">
-            <a:extLst>
-              <a:ext uri="{FF2B5EF4-FFF2-40B4-BE49-F238E27FC236}">
-                <a16:creationId xmlns:a16="http://schemas.microsoft.com/office/drawing/2014/main" id="{8A3167B2-90E3-582A-53D1-3A759DE7F0E4}"/>
-              </a:ext>
-            </a:extLst>
-          </p:cNvPr>
-          <p:cNvSpPr>
-            <a:spLocks noGrp="1"/>
-          </p:cNvSpPr>
-          <p:nvPr>
-            <p:ph type="ctrTitle"/>
-          </p:nvPr>
-        </p:nvSpPr>
-        <p:spPr/>
-        <p:txBody>
-          <a:bodyPr/>
-          <a:lstStyle/>
-          <a:p>
-            <a:endParaRPr lang="ru-RU"/>
-          </a:p>
-        </p:txBody>
-      </p:sp>
-      <p:sp>
-        <p:nvSpPr>
-          <p:cNvPr id="3" name="Подзаголовок 2">
-            <a:extLst>
-              <a:ext uri="{FF2B5EF4-FFF2-40B4-BE49-F238E27FC236}">
-                <a16:creationId xmlns:a16="http://schemas.microsoft.com/office/drawing/2014/main" id="{449A6609-5011-D6E8-075D-6FDF71295D35}"/>
-              </a:ext>
-            </a:extLst>
-          </p:cNvPr>
-          <p:cNvSpPr>
-            <a:spLocks noGrp="1"/>
-          </p:cNvSpPr>
-          <p:nvPr>
-            <p:ph type="subTitle" idx="1"/>
-          </p:nvPr>
-        </p:nvSpPr>
-        <p:spPr/>
-        <p:txBody>
-          <a:bodyPr/>
-          <a:lstStyle/>
-          <a:p>
-            <a:endParaRPr lang="ru-RU"/>
-          </a:p>
-        </p:txBody>
-      </p:sp>
-    </p:spTree>
-  </p:cSld>
-  <p:clrMapOvr>
-    <a:masterClrMapping/>
-  </p:clrMapOvr>
-</p:sld>
-</file>
-
-<file path=ppt/slides/slide17.xml><?xml version="1.0" encoding="utf-8"?>
+<file path=ppt/slides/slide15.xml><?xml version="1.0" encoding="utf-8"?>
 <p:sld xmlns:a="http://schemas.openxmlformats.org/drawingml/2006/main" xmlns:r="http://schemas.openxmlformats.org/officeDocument/2006/relationships" xmlns:p="http://schemas.openxmlformats.org/presentationml/2006/main">
   <p:cSld>
     <p:spTree>
@@ -9908,7 +10037,7 @@
 </p:sld>
 </file>
 
-<file path=ppt/slides/slide18.xml><?xml version="1.0" encoding="utf-8"?>
+<file path=ppt/slides/slide16.xml><?xml version="1.0" encoding="utf-8"?>
 <p:sld xmlns:a="http://schemas.openxmlformats.org/drawingml/2006/main" xmlns:r="http://schemas.openxmlformats.org/officeDocument/2006/relationships" xmlns:p="http://schemas.openxmlformats.org/presentationml/2006/main">
   <p:cSld>
     <p:spTree>
@@ -10555,7 +10684,7 @@
 </p:sld>
 </file>
 
-<file path=ppt/slides/slide19.xml><?xml version="1.0" encoding="utf-8"?>
+<file path=ppt/slides/slide17.xml><?xml version="1.0" encoding="utf-8"?>
 <p:sld xmlns:a="http://schemas.openxmlformats.org/drawingml/2006/main" xmlns:r="http://schemas.openxmlformats.org/officeDocument/2006/relationships" xmlns:p="http://schemas.openxmlformats.org/presentationml/2006/main">
   <p:cSld>
     <p:spTree>
@@ -11002,441 +11131,7 @@
 </p:sld>
 </file>
 
-<file path=ppt/slides/slide2.xml><?xml version="1.0" encoding="utf-8"?>
-<p:sld xmlns:a="http://schemas.openxmlformats.org/drawingml/2006/main" xmlns:r="http://schemas.openxmlformats.org/officeDocument/2006/relationships" xmlns:p="http://schemas.openxmlformats.org/presentationml/2006/main">
-  <p:cSld>
-    <p:bg>
-      <p:bgPr>
-        <a:blipFill>
-          <a:blip r:embed="rId2"/>
-          <a:stretch>
-            <a:fillRect/>
-          </a:stretch>
-        </a:blipFill>
-        <a:effectLst/>
-      </p:bgPr>
-    </p:bg>
-    <p:spTree>
-      <p:nvGrpSpPr>
-        <p:cNvPr id="1" name=""/>
-        <p:cNvGrpSpPr/>
-        <p:nvPr/>
-      </p:nvGrpSpPr>
-      <p:grpSpPr>
-        <a:xfrm>
-          <a:off x="0" y="0"/>
-          <a:ext cx="0" cy="0"/>
-          <a:chOff x="0" y="0"/>
-          <a:chExt cx="0" cy="0"/>
-        </a:xfrm>
-      </p:grpSpPr>
-      <p:pic>
-        <p:nvPicPr>
-          <p:cNvPr id="4" name="Рисунок 3"/>
-          <p:cNvPicPr>
-            <a:picLocks noChangeAspect="1"/>
-          </p:cNvPicPr>
-          <p:nvPr/>
-        </p:nvPicPr>
-        <p:blipFill>
-          <a:blip r:embed="rId3"/>
-          <a:stretch>
-            <a:fillRect/>
-          </a:stretch>
-        </p:blipFill>
-        <p:spPr>
-          <a:xfrm>
-            <a:off x="5567222" y="6213254"/>
-            <a:ext cx="1057557" cy="467471"/>
-          </a:xfrm>
-          <a:prstGeom prst="rect">
-            <a:avLst/>
-          </a:prstGeom>
-        </p:spPr>
-      </p:pic>
-      <p:cxnSp>
-        <p:nvCxnSpPr>
-          <p:cNvPr id="7" name="Прямая соединительная линия 6"/>
-          <p:cNvCxnSpPr/>
-          <p:nvPr/>
-        </p:nvCxnSpPr>
-        <p:spPr>
-          <a:xfrm>
-            <a:off x="0" y="617517"/>
-            <a:ext cx="12192000" cy="0"/>
-          </a:xfrm>
-          <a:prstGeom prst="line">
-            <a:avLst/>
-          </a:prstGeom>
-          <a:ln w="12700">
-            <a:solidFill>
-              <a:srgbClr val="00B0F0"/>
-            </a:solidFill>
-          </a:ln>
-        </p:spPr>
-        <p:style>
-          <a:lnRef idx="1">
-            <a:schemeClr val="accent1"/>
-          </a:lnRef>
-          <a:fillRef idx="0">
-            <a:schemeClr val="accent1"/>
-          </a:fillRef>
-          <a:effectRef idx="0">
-            <a:schemeClr val="accent1"/>
-          </a:effectRef>
-          <a:fontRef idx="minor">
-            <a:schemeClr val="tx1"/>
-          </a:fontRef>
-        </p:style>
-      </p:cxnSp>
-      <p:sp>
-        <p:nvSpPr>
-          <p:cNvPr id="12" name="Заголовок 1"/>
-          <p:cNvSpPr txBox="1">
-            <a:spLocks/>
-          </p:cNvSpPr>
-          <p:nvPr/>
-        </p:nvSpPr>
-        <p:spPr>
-          <a:xfrm>
-            <a:off x="301124" y="131506"/>
-            <a:ext cx="7325803" cy="232898"/>
-          </a:xfrm>
-          <a:prstGeom prst="rect">
-            <a:avLst/>
-          </a:prstGeom>
-        </p:spPr>
-        <p:txBody>
-          <a:bodyPr vert="horz" lIns="91440" tIns="45720" rIns="91440" bIns="45720" rtlCol="0" anchor="t">
-            <a:noAutofit/>
-          </a:bodyPr>
-          <a:lstStyle>
-            <a:lvl1pPr algn="ctr" defTabSz="914400" rtl="0" eaLnBrk="1" latinLnBrk="0" hangingPunct="1">
-              <a:lnSpc>
-                <a:spcPct val="90000"/>
-              </a:lnSpc>
-              <a:spcBef>
-                <a:spcPct val="0"/>
-              </a:spcBef>
-              <a:buNone/>
-              <a:defRPr sz="6000" kern="1200">
-                <a:solidFill>
-                  <a:schemeClr val="tx1"/>
-                </a:solidFill>
-                <a:latin typeface="+mj-lt"/>
-                <a:ea typeface="+mj-ea"/>
-                <a:cs typeface="+mj-cs"/>
-              </a:defRPr>
-            </a:lvl1pPr>
-          </a:lstStyle>
-          <a:p>
-            <a:pPr algn="l"/>
-            <a:r>
-              <a:rPr lang="ru-RU" sz="2800" b="1" dirty="0">
-                <a:solidFill>
-                  <a:schemeClr val="tx1">
-                    <a:lumMod val="75000"/>
-                    <a:lumOff val="25000"/>
-                  </a:schemeClr>
-                </a:solidFill>
-              </a:rPr>
-              <a:t>Актуальность проблема</a:t>
-            </a:r>
-          </a:p>
-        </p:txBody>
-      </p:sp>
-      <p:sp>
-        <p:nvSpPr>
-          <p:cNvPr id="3" name="Подзаголовок 2">
-            <a:extLst>
-              <a:ext uri="{FF2B5EF4-FFF2-40B4-BE49-F238E27FC236}">
-                <a16:creationId xmlns:a16="http://schemas.microsoft.com/office/drawing/2014/main" id="{3BEEB70D-F326-5285-61B9-3BD1379EDC90}"/>
-              </a:ext>
-            </a:extLst>
-          </p:cNvPr>
-          <p:cNvSpPr txBox="1">
-            <a:spLocks/>
-          </p:cNvSpPr>
-          <p:nvPr/>
-        </p:nvSpPr>
-        <p:spPr>
-          <a:xfrm>
-            <a:off x="301124" y="808805"/>
-            <a:ext cx="9783667" cy="948430"/>
-          </a:xfrm>
-          <a:prstGeom prst="rect">
-            <a:avLst/>
-          </a:prstGeom>
-        </p:spPr>
-        <p:txBody>
-          <a:bodyPr vert="horz" lIns="104306" tIns="52153" rIns="104306" bIns="52153" rtlCol="0">
-            <a:normAutofit fontScale="92500"/>
-          </a:bodyPr>
-          <a:lstStyle>
-            <a:lvl1pPr marL="0" indent="0" algn="ctr" defTabSz="1043056" rtl="0" eaLnBrk="1" latinLnBrk="0" hangingPunct="1">
-              <a:lnSpc>
-                <a:spcPct val="90000"/>
-              </a:lnSpc>
-              <a:spcBef>
-                <a:spcPts val="1141"/>
-              </a:spcBef>
-              <a:buFont typeface="Arial" panose="020B0604020202020204" pitchFamily="34" charset="0"/>
-              <a:buNone/>
-              <a:defRPr sz="2700" kern="1200">
-                <a:solidFill>
-                  <a:schemeClr val="tx1"/>
-                </a:solidFill>
-                <a:latin typeface="+mn-lt"/>
-                <a:ea typeface="+mn-ea"/>
-                <a:cs typeface="+mn-cs"/>
-              </a:defRPr>
-            </a:lvl1pPr>
-            <a:lvl2pPr marL="521528" indent="0" algn="ctr" defTabSz="1043056" rtl="0" eaLnBrk="1" latinLnBrk="0" hangingPunct="1">
-              <a:lnSpc>
-                <a:spcPct val="90000"/>
-              </a:lnSpc>
-              <a:spcBef>
-                <a:spcPts val="570"/>
-              </a:spcBef>
-              <a:buFont typeface="Arial" panose="020B0604020202020204" pitchFamily="34" charset="0"/>
-              <a:buNone/>
-              <a:defRPr sz="2300" kern="1200">
-                <a:solidFill>
-                  <a:schemeClr val="tx1"/>
-                </a:solidFill>
-                <a:latin typeface="+mn-lt"/>
-                <a:ea typeface="+mn-ea"/>
-                <a:cs typeface="+mn-cs"/>
-              </a:defRPr>
-            </a:lvl2pPr>
-            <a:lvl3pPr marL="1043056" indent="0" algn="ctr" defTabSz="1043056" rtl="0" eaLnBrk="1" latinLnBrk="0" hangingPunct="1">
-              <a:lnSpc>
-                <a:spcPct val="90000"/>
-              </a:lnSpc>
-              <a:spcBef>
-                <a:spcPts val="570"/>
-              </a:spcBef>
-              <a:buFont typeface="Arial" panose="020B0604020202020204" pitchFamily="34" charset="0"/>
-              <a:buNone/>
-              <a:defRPr sz="2100" kern="1200">
-                <a:solidFill>
-                  <a:schemeClr val="tx1"/>
-                </a:solidFill>
-                <a:latin typeface="+mn-lt"/>
-                <a:ea typeface="+mn-ea"/>
-                <a:cs typeface="+mn-cs"/>
-              </a:defRPr>
-            </a:lvl3pPr>
-            <a:lvl4pPr marL="1564584" indent="0" algn="ctr" defTabSz="1043056" rtl="0" eaLnBrk="1" latinLnBrk="0" hangingPunct="1">
-              <a:lnSpc>
-                <a:spcPct val="90000"/>
-              </a:lnSpc>
-              <a:spcBef>
-                <a:spcPts val="570"/>
-              </a:spcBef>
-              <a:buFont typeface="Arial" panose="020B0604020202020204" pitchFamily="34" charset="0"/>
-              <a:buNone/>
-              <a:defRPr sz="1800" kern="1200">
-                <a:solidFill>
-                  <a:schemeClr val="tx1"/>
-                </a:solidFill>
-                <a:latin typeface="+mn-lt"/>
-                <a:ea typeface="+mn-ea"/>
-                <a:cs typeface="+mn-cs"/>
-              </a:defRPr>
-            </a:lvl4pPr>
-            <a:lvl5pPr marL="2086112" indent="0" algn="ctr" defTabSz="1043056" rtl="0" eaLnBrk="1" latinLnBrk="0" hangingPunct="1">
-              <a:lnSpc>
-                <a:spcPct val="90000"/>
-              </a:lnSpc>
-              <a:spcBef>
-                <a:spcPts val="570"/>
-              </a:spcBef>
-              <a:buFont typeface="Arial" panose="020B0604020202020204" pitchFamily="34" charset="0"/>
-              <a:buNone/>
-              <a:defRPr sz="1800" kern="1200">
-                <a:solidFill>
-                  <a:schemeClr val="tx1"/>
-                </a:solidFill>
-                <a:latin typeface="+mn-lt"/>
-                <a:ea typeface="+mn-ea"/>
-                <a:cs typeface="+mn-cs"/>
-              </a:defRPr>
-            </a:lvl5pPr>
-            <a:lvl6pPr marL="2607640" indent="0" algn="ctr" defTabSz="1043056" rtl="0" eaLnBrk="1" latinLnBrk="0" hangingPunct="1">
-              <a:lnSpc>
-                <a:spcPct val="90000"/>
-              </a:lnSpc>
-              <a:spcBef>
-                <a:spcPts val="570"/>
-              </a:spcBef>
-              <a:buFont typeface="Arial" panose="020B0604020202020204" pitchFamily="34" charset="0"/>
-              <a:buNone/>
-              <a:defRPr sz="1800" kern="1200">
-                <a:solidFill>
-                  <a:schemeClr val="tx1"/>
-                </a:solidFill>
-                <a:latin typeface="+mn-lt"/>
-                <a:ea typeface="+mn-ea"/>
-                <a:cs typeface="+mn-cs"/>
-              </a:defRPr>
-            </a:lvl6pPr>
-            <a:lvl7pPr marL="3129168" indent="0" algn="ctr" defTabSz="1043056" rtl="0" eaLnBrk="1" latinLnBrk="0" hangingPunct="1">
-              <a:lnSpc>
-                <a:spcPct val="90000"/>
-              </a:lnSpc>
-              <a:spcBef>
-                <a:spcPts val="570"/>
-              </a:spcBef>
-              <a:buFont typeface="Arial" panose="020B0604020202020204" pitchFamily="34" charset="0"/>
-              <a:buNone/>
-              <a:defRPr sz="1800" kern="1200">
-                <a:solidFill>
-                  <a:schemeClr val="tx1"/>
-                </a:solidFill>
-                <a:latin typeface="+mn-lt"/>
-                <a:ea typeface="+mn-ea"/>
-                <a:cs typeface="+mn-cs"/>
-              </a:defRPr>
-            </a:lvl7pPr>
-            <a:lvl8pPr marL="3650696" indent="0" algn="ctr" defTabSz="1043056" rtl="0" eaLnBrk="1" latinLnBrk="0" hangingPunct="1">
-              <a:lnSpc>
-                <a:spcPct val="90000"/>
-              </a:lnSpc>
-              <a:spcBef>
-                <a:spcPts val="570"/>
-              </a:spcBef>
-              <a:buFont typeface="Arial" panose="020B0604020202020204" pitchFamily="34" charset="0"/>
-              <a:buNone/>
-              <a:defRPr sz="1800" kern="1200">
-                <a:solidFill>
-                  <a:schemeClr val="tx1"/>
-                </a:solidFill>
-                <a:latin typeface="+mn-lt"/>
-                <a:ea typeface="+mn-ea"/>
-                <a:cs typeface="+mn-cs"/>
-              </a:defRPr>
-            </a:lvl8pPr>
-            <a:lvl9pPr marL="4172224" indent="0" algn="ctr" defTabSz="1043056" rtl="0" eaLnBrk="1" latinLnBrk="0" hangingPunct="1">
-              <a:lnSpc>
-                <a:spcPct val="90000"/>
-              </a:lnSpc>
-              <a:spcBef>
-                <a:spcPts val="570"/>
-              </a:spcBef>
-              <a:buFont typeface="Arial" panose="020B0604020202020204" pitchFamily="34" charset="0"/>
-              <a:buNone/>
-              <a:defRPr sz="1800" kern="1200">
-                <a:solidFill>
-                  <a:schemeClr val="tx1"/>
-                </a:solidFill>
-                <a:latin typeface="+mn-lt"/>
-                <a:ea typeface="+mn-ea"/>
-                <a:cs typeface="+mn-cs"/>
-              </a:defRPr>
-            </a:lvl9pPr>
-          </a:lstStyle>
-          <a:p>
-            <a:pPr algn="l"/>
-            <a:r>
-              <a:rPr lang="ru-RU" dirty="0"/>
-              <a:t>Вовлечение в разработку залежей с аномальными термобарическими условиями – актуальный вызов для нефтегазовой отрасли.</a:t>
-            </a:r>
-          </a:p>
-        </p:txBody>
-      </p:sp>
-      <p:pic>
-        <p:nvPicPr>
-          <p:cNvPr id="5" name="Рисунок 4">
-            <a:extLst>
-              <a:ext uri="{FF2B5EF4-FFF2-40B4-BE49-F238E27FC236}">
-                <a16:creationId xmlns:a16="http://schemas.microsoft.com/office/drawing/2014/main" id="{1C659C20-D0AE-75CF-2D85-1A52497962F5}"/>
-              </a:ext>
-            </a:extLst>
-          </p:cNvPr>
-          <p:cNvPicPr>
-            <a:picLocks noChangeAspect="1"/>
-          </p:cNvPicPr>
-          <p:nvPr/>
-        </p:nvPicPr>
-        <p:blipFill>
-          <a:blip r:embed="rId4"/>
-          <a:stretch>
-            <a:fillRect/>
-          </a:stretch>
-        </p:blipFill>
-        <p:spPr>
-          <a:xfrm>
-            <a:off x="2826495" y="1617511"/>
-            <a:ext cx="5450872" cy="4049458"/>
-          </a:xfrm>
-          <a:prstGeom prst="rect">
-            <a:avLst/>
-          </a:prstGeom>
-        </p:spPr>
-      </p:pic>
-      <p:sp>
-        <p:nvSpPr>
-          <p:cNvPr id="6" name="TextBox 5">
-            <a:extLst>
-              <a:ext uri="{FF2B5EF4-FFF2-40B4-BE49-F238E27FC236}">
-                <a16:creationId xmlns:a16="http://schemas.microsoft.com/office/drawing/2014/main" id="{4EC3AA89-6608-DFE6-34D3-9D703EC8C04E}"/>
-              </a:ext>
-            </a:extLst>
-          </p:cNvPr>
-          <p:cNvSpPr txBox="1"/>
-          <p:nvPr/>
-        </p:nvSpPr>
-        <p:spPr>
-          <a:xfrm>
-            <a:off x="1418597" y="5609099"/>
-            <a:ext cx="9354806" cy="568041"/>
-          </a:xfrm>
-          <a:prstGeom prst="rect">
-            <a:avLst/>
-          </a:prstGeom>
-          <a:noFill/>
-        </p:spPr>
-        <p:txBody>
-          <a:bodyPr wrap="square">
-            <a:spAutoFit/>
-          </a:bodyPr>
-          <a:lstStyle/>
-          <a:p>
-            <a:pPr algn="just">
-              <a:lnSpc>
-                <a:spcPct val="115000"/>
-              </a:lnSpc>
-              <a:spcAft>
-                <a:spcPts val="1000"/>
-              </a:spcAft>
-              <a:buNone/>
-            </a:pPr>
-            <a:r>
-              <a:rPr lang="ru-RU" sz="1400" dirty="0">
-                <a:effectLst/>
-                <a:latin typeface="Times New Roman" panose="02020603050405020304" pitchFamily="18" charset="0"/>
-                <a:ea typeface="Calibri" panose="020F0502020204030204" pitchFamily="34" charset="0"/>
-              </a:rPr>
-              <a:t>Укрупненная группировка упоминаемых в публикациях месторождений на стратиграфической шкале (на основе материалов всероссийского научно-исследовательского геологического института им. А.П. Карпинского)</a:t>
-            </a:r>
-          </a:p>
-        </p:txBody>
-      </p:sp>
-    </p:spTree>
-    <p:extLst>
-      <p:ext uri="{BB962C8B-B14F-4D97-AF65-F5344CB8AC3E}">
-        <p14:creationId xmlns:p14="http://schemas.microsoft.com/office/powerpoint/2010/main" val="3683339947"/>
-      </p:ext>
-    </p:extLst>
-  </p:cSld>
-  <p:clrMapOvr>
-    <a:masterClrMapping/>
-  </p:clrMapOvr>
-</p:sld>
-</file>
-
-<file path=ppt/slides/slide20.xml><?xml version="1.0" encoding="utf-8"?>
+<file path=ppt/slides/slide18.xml><?xml version="1.0" encoding="utf-8"?>
 <p:sld xmlns:a="http://schemas.openxmlformats.org/drawingml/2006/main" xmlns:r="http://schemas.openxmlformats.org/officeDocument/2006/relationships" xmlns:p="http://schemas.openxmlformats.org/presentationml/2006/main">
   <p:cSld>
     <p:spTree>
@@ -11808,6 +11503,213 @@
           </a:p>
         </p:txBody>
       </p:sp>
+      <p:sp>
+        <p:nvSpPr>
+          <p:cNvPr id="6" name="TextBox 5">
+            <a:extLst>
+              <a:ext uri="{FF2B5EF4-FFF2-40B4-BE49-F238E27FC236}">
+                <a16:creationId xmlns:a16="http://schemas.microsoft.com/office/drawing/2014/main" id="{4B43F90F-3941-B5EB-293E-BE483FAB7563}"/>
+              </a:ext>
+            </a:extLst>
+          </p:cNvPr>
+          <p:cNvSpPr txBox="1"/>
+          <p:nvPr/>
+        </p:nvSpPr>
+        <p:spPr>
+          <a:xfrm>
+            <a:off x="5246646" y="1182756"/>
+            <a:ext cx="6694461" cy="861774"/>
+          </a:xfrm>
+          <a:prstGeom prst="rect">
+            <a:avLst/>
+          </a:prstGeom>
+          <a:noFill/>
+        </p:spPr>
+        <p:txBody>
+          <a:bodyPr wrap="none" rtlCol="0">
+            <a:spAutoFit/>
+          </a:bodyPr>
+          <a:lstStyle/>
+          <a:p>
+            <a:r>
+              <a:rPr lang="en-US" sz="1000" dirty="0"/>
+              <a:t>.DATA – </a:t>
+            </a:r>
+            <a:r>
+              <a:rPr lang="ru-RU" sz="1000" dirty="0"/>
+              <a:t>основной файл</a:t>
+            </a:r>
+            <a:r>
+              <a:rPr lang="en-US" sz="1000" dirty="0"/>
+              <a:t>, </a:t>
+            </a:r>
+            <a:r>
+              <a:rPr lang="ru-RU" sz="1000" dirty="0"/>
+              <a:t>содержит данные о свойствах флюидов и используемой модели</a:t>
+            </a:r>
+            <a:r>
+              <a:rPr lang="en-US" sz="1000" dirty="0"/>
+              <a:t>,</a:t>
+            </a:r>
+            <a:r>
+              <a:rPr lang="ru-RU" sz="1000" dirty="0"/>
+              <a:t> ссылки на вспомогательные</a:t>
+            </a:r>
+            <a:r>
+              <a:rPr lang="en-US" sz="1000" dirty="0"/>
+              <a:t>,</a:t>
+            </a:r>
+          </a:p>
+          <a:p>
+            <a:r>
+              <a:rPr lang="ru-RU" sz="1000" dirty="0"/>
+              <a:t>может включать в себя разделение модели на регионы для кривых насыщения</a:t>
+            </a:r>
+            <a:r>
+              <a:rPr lang="en-US" sz="1000" dirty="0"/>
+              <a:t>, </a:t>
+            </a:r>
+            <a:r>
+              <a:rPr lang="ru-RU" sz="1000" dirty="0"/>
+              <a:t>границы контактов и др.</a:t>
+            </a:r>
+          </a:p>
+          <a:p>
+            <a:r>
+              <a:rPr lang="ru-RU" sz="1000" dirty="0"/>
+              <a:t>.INIT — начальные условия (давления, насыщенности PORO, PERMX, SWAT, SOIL и т.д.) для инициализации модели</a:t>
+            </a:r>
+            <a:r>
+              <a:rPr lang="en-US" sz="1000" dirty="0"/>
+              <a:t>,</a:t>
+            </a:r>
+          </a:p>
+          <a:p>
+            <a:r>
+              <a:rPr lang="en-US" sz="1000" dirty="0"/>
+              <a:t>.GRDECL — </a:t>
+            </a:r>
+            <a:r>
+              <a:rPr lang="ru-RU" sz="1000" dirty="0"/>
+              <a:t>описание геометрии сетки в формате </a:t>
+            </a:r>
+            <a:r>
+              <a:rPr lang="en-US" sz="1000" dirty="0"/>
+              <a:t>GRDECL (COORD, ZCORN, ACTNUM),</a:t>
+            </a:r>
+          </a:p>
+          <a:p>
+            <a:r>
+              <a:rPr lang="ru-RU" sz="1000" dirty="0"/>
+              <a:t>.GRID</a:t>
+            </a:r>
+            <a:r>
+              <a:rPr lang="en-US" sz="1000" dirty="0"/>
+              <a:t> </a:t>
+            </a:r>
+            <a:r>
+              <a:rPr lang="ru-RU" sz="1000" dirty="0"/>
+              <a:t>— бинарный или текстовый файл сетки, определяет ячейки, связи, проницаемость</a:t>
+            </a:r>
+          </a:p>
+        </p:txBody>
+      </p:sp>
+      <p:sp>
+        <p:nvSpPr>
+          <p:cNvPr id="8" name="TextBox 7">
+            <a:extLst>
+              <a:ext uri="{FF2B5EF4-FFF2-40B4-BE49-F238E27FC236}">
+                <a16:creationId xmlns:a16="http://schemas.microsoft.com/office/drawing/2014/main" id="{7B57F947-8833-4B85-BDED-5366A18C7FCF}"/>
+              </a:ext>
+            </a:extLst>
+          </p:cNvPr>
+          <p:cNvSpPr txBox="1"/>
+          <p:nvPr/>
+        </p:nvSpPr>
+        <p:spPr>
+          <a:xfrm>
+            <a:off x="4830086" y="4870836"/>
+            <a:ext cx="6829114" cy="553998"/>
+          </a:xfrm>
+          <a:prstGeom prst="rect">
+            <a:avLst/>
+          </a:prstGeom>
+          <a:noFill/>
+        </p:spPr>
+        <p:txBody>
+          <a:bodyPr wrap="none" rtlCol="0">
+            <a:spAutoFit/>
+          </a:bodyPr>
+          <a:lstStyle/>
+          <a:p>
+            <a:r>
+              <a:rPr lang="en-US" sz="1000" dirty="0"/>
+              <a:t>VTK – visualization toolkit (</a:t>
+            </a:r>
+            <a:r>
+              <a:rPr lang="ru-RU" sz="1000" dirty="0"/>
+              <a:t>экспорт сеток</a:t>
+            </a:r>
+            <a:r>
+              <a:rPr lang="en-US" sz="1000" dirty="0"/>
+              <a:t>, </a:t>
+            </a:r>
+            <a:r>
+              <a:rPr lang="ru-RU" sz="1000" dirty="0"/>
+              <a:t>полей физических параметров для последующей визуализации</a:t>
+            </a:r>
+            <a:r>
+              <a:rPr lang="en-US" sz="1000" dirty="0"/>
+              <a:t>)</a:t>
+            </a:r>
+            <a:r>
+              <a:rPr lang="ru-RU" sz="1000" dirty="0"/>
+              <a:t> в </a:t>
+            </a:r>
+            <a:r>
+              <a:rPr lang="en-US" sz="1000" dirty="0" err="1"/>
+              <a:t>ParaView</a:t>
+            </a:r>
+            <a:r>
+              <a:rPr lang="en-US" sz="1000" dirty="0"/>
+              <a:t> </a:t>
+            </a:r>
+            <a:r>
+              <a:rPr lang="ru-RU" sz="1000" dirty="0"/>
+              <a:t>и др.</a:t>
+            </a:r>
+          </a:p>
+          <a:p>
+            <a:r>
+              <a:rPr lang="en-US" sz="1000" dirty="0"/>
+              <a:t>HDF5 – </a:t>
+            </a:r>
+            <a:r>
+              <a:rPr lang="ru-RU" sz="1000" dirty="0"/>
+              <a:t>хранение и представление многофакторных параметров данных симуляции</a:t>
+            </a:r>
+            <a:r>
+              <a:rPr lang="en-US" sz="1000" dirty="0"/>
+              <a:t>, </a:t>
+            </a:r>
+            <a:r>
+              <a:rPr lang="ru-RU" sz="1000" dirty="0"/>
+              <a:t>возможность экспорта и импорта</a:t>
+            </a:r>
+            <a:r>
+              <a:rPr lang="en-US" sz="1000" dirty="0"/>
+              <a:t>, </a:t>
+            </a:r>
+            <a:endParaRPr lang="ru-RU" sz="1000" dirty="0"/>
+          </a:p>
+          <a:p>
+            <a:r>
+              <a:rPr lang="ru-RU" sz="1000" dirty="0"/>
+              <a:t>разделяемое состояние для параллелизма обработки</a:t>
+            </a:r>
+          </a:p>
+        </p:txBody>
+      </p:sp>
     </p:spTree>
     <p:extLst>
       <p:ext uri="{BB962C8B-B14F-4D97-AF65-F5344CB8AC3E}">
@@ -11821,7 +11723,7 @@
 </p:sld>
 </file>
 
-<file path=ppt/slides/slide21.xml><?xml version="1.0" encoding="utf-8"?>
+<file path=ppt/slides/slide19.xml><?xml version="1.0" encoding="utf-8"?>
 <p:sld xmlns:a="http://schemas.openxmlformats.org/drawingml/2006/main" xmlns:r="http://schemas.openxmlformats.org/officeDocument/2006/relationships" xmlns:p="http://schemas.openxmlformats.org/presentationml/2006/main">
   <p:cSld>
     <p:spTree>
@@ -12240,7 +12142,441 @@
 </p:sld>
 </file>
 
-<file path=ppt/slides/slide22.xml><?xml version="1.0" encoding="utf-8"?>
+<file path=ppt/slides/slide2.xml><?xml version="1.0" encoding="utf-8"?>
+<p:sld xmlns:a="http://schemas.openxmlformats.org/drawingml/2006/main" xmlns:r="http://schemas.openxmlformats.org/officeDocument/2006/relationships" xmlns:p="http://schemas.openxmlformats.org/presentationml/2006/main">
+  <p:cSld>
+    <p:bg>
+      <p:bgPr>
+        <a:blipFill>
+          <a:blip r:embed="rId2"/>
+          <a:stretch>
+            <a:fillRect/>
+          </a:stretch>
+        </a:blipFill>
+        <a:effectLst/>
+      </p:bgPr>
+    </p:bg>
+    <p:spTree>
+      <p:nvGrpSpPr>
+        <p:cNvPr id="1" name=""/>
+        <p:cNvGrpSpPr/>
+        <p:nvPr/>
+      </p:nvGrpSpPr>
+      <p:grpSpPr>
+        <a:xfrm>
+          <a:off x="0" y="0"/>
+          <a:ext cx="0" cy="0"/>
+          <a:chOff x="0" y="0"/>
+          <a:chExt cx="0" cy="0"/>
+        </a:xfrm>
+      </p:grpSpPr>
+      <p:pic>
+        <p:nvPicPr>
+          <p:cNvPr id="4" name="Рисунок 3"/>
+          <p:cNvPicPr>
+            <a:picLocks noChangeAspect="1"/>
+          </p:cNvPicPr>
+          <p:nvPr/>
+        </p:nvPicPr>
+        <p:blipFill>
+          <a:blip r:embed="rId3"/>
+          <a:stretch>
+            <a:fillRect/>
+          </a:stretch>
+        </p:blipFill>
+        <p:spPr>
+          <a:xfrm>
+            <a:off x="5567222" y="6213254"/>
+            <a:ext cx="1057557" cy="467471"/>
+          </a:xfrm>
+          <a:prstGeom prst="rect">
+            <a:avLst/>
+          </a:prstGeom>
+        </p:spPr>
+      </p:pic>
+      <p:cxnSp>
+        <p:nvCxnSpPr>
+          <p:cNvPr id="7" name="Прямая соединительная линия 6"/>
+          <p:cNvCxnSpPr/>
+          <p:nvPr/>
+        </p:nvCxnSpPr>
+        <p:spPr>
+          <a:xfrm>
+            <a:off x="0" y="617517"/>
+            <a:ext cx="12192000" cy="0"/>
+          </a:xfrm>
+          <a:prstGeom prst="line">
+            <a:avLst/>
+          </a:prstGeom>
+          <a:ln w="12700">
+            <a:solidFill>
+              <a:srgbClr val="00B0F0"/>
+            </a:solidFill>
+          </a:ln>
+        </p:spPr>
+        <p:style>
+          <a:lnRef idx="1">
+            <a:schemeClr val="accent1"/>
+          </a:lnRef>
+          <a:fillRef idx="0">
+            <a:schemeClr val="accent1"/>
+          </a:fillRef>
+          <a:effectRef idx="0">
+            <a:schemeClr val="accent1"/>
+          </a:effectRef>
+          <a:fontRef idx="minor">
+            <a:schemeClr val="tx1"/>
+          </a:fontRef>
+        </p:style>
+      </p:cxnSp>
+      <p:sp>
+        <p:nvSpPr>
+          <p:cNvPr id="12" name="Заголовок 1"/>
+          <p:cNvSpPr txBox="1">
+            <a:spLocks/>
+          </p:cNvSpPr>
+          <p:nvPr/>
+        </p:nvSpPr>
+        <p:spPr>
+          <a:xfrm>
+            <a:off x="301124" y="131506"/>
+            <a:ext cx="7325803" cy="232898"/>
+          </a:xfrm>
+          <a:prstGeom prst="rect">
+            <a:avLst/>
+          </a:prstGeom>
+        </p:spPr>
+        <p:txBody>
+          <a:bodyPr vert="horz" lIns="91440" tIns="45720" rIns="91440" bIns="45720" rtlCol="0" anchor="t">
+            <a:noAutofit/>
+          </a:bodyPr>
+          <a:lstStyle>
+            <a:lvl1pPr algn="ctr" defTabSz="914400" rtl="0" eaLnBrk="1" latinLnBrk="0" hangingPunct="1">
+              <a:lnSpc>
+                <a:spcPct val="90000"/>
+              </a:lnSpc>
+              <a:spcBef>
+                <a:spcPct val="0"/>
+              </a:spcBef>
+              <a:buNone/>
+              <a:defRPr sz="6000" kern="1200">
+                <a:solidFill>
+                  <a:schemeClr val="tx1"/>
+                </a:solidFill>
+                <a:latin typeface="+mj-lt"/>
+                <a:ea typeface="+mj-ea"/>
+                <a:cs typeface="+mj-cs"/>
+              </a:defRPr>
+            </a:lvl1pPr>
+          </a:lstStyle>
+          <a:p>
+            <a:pPr algn="l"/>
+            <a:r>
+              <a:rPr lang="ru-RU" sz="2800" b="1" dirty="0">
+                <a:solidFill>
+                  <a:schemeClr val="tx1">
+                    <a:lumMod val="75000"/>
+                    <a:lumOff val="25000"/>
+                  </a:schemeClr>
+                </a:solidFill>
+              </a:rPr>
+              <a:t>Актуальность проблема</a:t>
+            </a:r>
+          </a:p>
+        </p:txBody>
+      </p:sp>
+      <p:sp>
+        <p:nvSpPr>
+          <p:cNvPr id="3" name="Подзаголовок 2">
+            <a:extLst>
+              <a:ext uri="{FF2B5EF4-FFF2-40B4-BE49-F238E27FC236}">
+                <a16:creationId xmlns:a16="http://schemas.microsoft.com/office/drawing/2014/main" id="{3BEEB70D-F326-5285-61B9-3BD1379EDC90}"/>
+              </a:ext>
+            </a:extLst>
+          </p:cNvPr>
+          <p:cNvSpPr txBox="1">
+            <a:spLocks/>
+          </p:cNvSpPr>
+          <p:nvPr/>
+        </p:nvSpPr>
+        <p:spPr>
+          <a:xfrm>
+            <a:off x="301124" y="709411"/>
+            <a:ext cx="9783667" cy="948430"/>
+          </a:xfrm>
+          <a:prstGeom prst="rect">
+            <a:avLst/>
+          </a:prstGeom>
+        </p:spPr>
+        <p:txBody>
+          <a:bodyPr vert="horz" lIns="104306" tIns="52153" rIns="104306" bIns="52153" rtlCol="0">
+            <a:normAutofit fontScale="92500"/>
+          </a:bodyPr>
+          <a:lstStyle>
+            <a:lvl1pPr marL="0" indent="0" algn="ctr" defTabSz="1043056" rtl="0" eaLnBrk="1" latinLnBrk="0" hangingPunct="1">
+              <a:lnSpc>
+                <a:spcPct val="90000"/>
+              </a:lnSpc>
+              <a:spcBef>
+                <a:spcPts val="1141"/>
+              </a:spcBef>
+              <a:buFont typeface="Arial" panose="020B0604020202020204" pitchFamily="34" charset="0"/>
+              <a:buNone/>
+              <a:defRPr sz="2700" kern="1200">
+                <a:solidFill>
+                  <a:schemeClr val="tx1"/>
+                </a:solidFill>
+                <a:latin typeface="+mn-lt"/>
+                <a:ea typeface="+mn-ea"/>
+                <a:cs typeface="+mn-cs"/>
+              </a:defRPr>
+            </a:lvl1pPr>
+            <a:lvl2pPr marL="521528" indent="0" algn="ctr" defTabSz="1043056" rtl="0" eaLnBrk="1" latinLnBrk="0" hangingPunct="1">
+              <a:lnSpc>
+                <a:spcPct val="90000"/>
+              </a:lnSpc>
+              <a:spcBef>
+                <a:spcPts val="570"/>
+              </a:spcBef>
+              <a:buFont typeface="Arial" panose="020B0604020202020204" pitchFamily="34" charset="0"/>
+              <a:buNone/>
+              <a:defRPr sz="2300" kern="1200">
+                <a:solidFill>
+                  <a:schemeClr val="tx1"/>
+                </a:solidFill>
+                <a:latin typeface="+mn-lt"/>
+                <a:ea typeface="+mn-ea"/>
+                <a:cs typeface="+mn-cs"/>
+              </a:defRPr>
+            </a:lvl2pPr>
+            <a:lvl3pPr marL="1043056" indent="0" algn="ctr" defTabSz="1043056" rtl="0" eaLnBrk="1" latinLnBrk="0" hangingPunct="1">
+              <a:lnSpc>
+                <a:spcPct val="90000"/>
+              </a:lnSpc>
+              <a:spcBef>
+                <a:spcPts val="570"/>
+              </a:spcBef>
+              <a:buFont typeface="Arial" panose="020B0604020202020204" pitchFamily="34" charset="0"/>
+              <a:buNone/>
+              <a:defRPr sz="2100" kern="1200">
+                <a:solidFill>
+                  <a:schemeClr val="tx1"/>
+                </a:solidFill>
+                <a:latin typeface="+mn-lt"/>
+                <a:ea typeface="+mn-ea"/>
+                <a:cs typeface="+mn-cs"/>
+              </a:defRPr>
+            </a:lvl3pPr>
+            <a:lvl4pPr marL="1564584" indent="0" algn="ctr" defTabSz="1043056" rtl="0" eaLnBrk="1" latinLnBrk="0" hangingPunct="1">
+              <a:lnSpc>
+                <a:spcPct val="90000"/>
+              </a:lnSpc>
+              <a:spcBef>
+                <a:spcPts val="570"/>
+              </a:spcBef>
+              <a:buFont typeface="Arial" panose="020B0604020202020204" pitchFamily="34" charset="0"/>
+              <a:buNone/>
+              <a:defRPr sz="1800" kern="1200">
+                <a:solidFill>
+                  <a:schemeClr val="tx1"/>
+                </a:solidFill>
+                <a:latin typeface="+mn-lt"/>
+                <a:ea typeface="+mn-ea"/>
+                <a:cs typeface="+mn-cs"/>
+              </a:defRPr>
+            </a:lvl4pPr>
+            <a:lvl5pPr marL="2086112" indent="0" algn="ctr" defTabSz="1043056" rtl="0" eaLnBrk="1" latinLnBrk="0" hangingPunct="1">
+              <a:lnSpc>
+                <a:spcPct val="90000"/>
+              </a:lnSpc>
+              <a:spcBef>
+                <a:spcPts val="570"/>
+              </a:spcBef>
+              <a:buFont typeface="Arial" panose="020B0604020202020204" pitchFamily="34" charset="0"/>
+              <a:buNone/>
+              <a:defRPr sz="1800" kern="1200">
+                <a:solidFill>
+                  <a:schemeClr val="tx1"/>
+                </a:solidFill>
+                <a:latin typeface="+mn-lt"/>
+                <a:ea typeface="+mn-ea"/>
+                <a:cs typeface="+mn-cs"/>
+              </a:defRPr>
+            </a:lvl5pPr>
+            <a:lvl6pPr marL="2607640" indent="0" algn="ctr" defTabSz="1043056" rtl="0" eaLnBrk="1" latinLnBrk="0" hangingPunct="1">
+              <a:lnSpc>
+                <a:spcPct val="90000"/>
+              </a:lnSpc>
+              <a:spcBef>
+                <a:spcPts val="570"/>
+              </a:spcBef>
+              <a:buFont typeface="Arial" panose="020B0604020202020204" pitchFamily="34" charset="0"/>
+              <a:buNone/>
+              <a:defRPr sz="1800" kern="1200">
+                <a:solidFill>
+                  <a:schemeClr val="tx1"/>
+                </a:solidFill>
+                <a:latin typeface="+mn-lt"/>
+                <a:ea typeface="+mn-ea"/>
+                <a:cs typeface="+mn-cs"/>
+              </a:defRPr>
+            </a:lvl6pPr>
+            <a:lvl7pPr marL="3129168" indent="0" algn="ctr" defTabSz="1043056" rtl="0" eaLnBrk="1" latinLnBrk="0" hangingPunct="1">
+              <a:lnSpc>
+                <a:spcPct val="90000"/>
+              </a:lnSpc>
+              <a:spcBef>
+                <a:spcPts val="570"/>
+              </a:spcBef>
+              <a:buFont typeface="Arial" panose="020B0604020202020204" pitchFamily="34" charset="0"/>
+              <a:buNone/>
+              <a:defRPr sz="1800" kern="1200">
+                <a:solidFill>
+                  <a:schemeClr val="tx1"/>
+                </a:solidFill>
+                <a:latin typeface="+mn-lt"/>
+                <a:ea typeface="+mn-ea"/>
+                <a:cs typeface="+mn-cs"/>
+              </a:defRPr>
+            </a:lvl7pPr>
+            <a:lvl8pPr marL="3650696" indent="0" algn="ctr" defTabSz="1043056" rtl="0" eaLnBrk="1" latinLnBrk="0" hangingPunct="1">
+              <a:lnSpc>
+                <a:spcPct val="90000"/>
+              </a:lnSpc>
+              <a:spcBef>
+                <a:spcPts val="570"/>
+              </a:spcBef>
+              <a:buFont typeface="Arial" panose="020B0604020202020204" pitchFamily="34" charset="0"/>
+              <a:buNone/>
+              <a:defRPr sz="1800" kern="1200">
+                <a:solidFill>
+                  <a:schemeClr val="tx1"/>
+                </a:solidFill>
+                <a:latin typeface="+mn-lt"/>
+                <a:ea typeface="+mn-ea"/>
+                <a:cs typeface="+mn-cs"/>
+              </a:defRPr>
+            </a:lvl8pPr>
+            <a:lvl9pPr marL="4172224" indent="0" algn="ctr" defTabSz="1043056" rtl="0" eaLnBrk="1" latinLnBrk="0" hangingPunct="1">
+              <a:lnSpc>
+                <a:spcPct val="90000"/>
+              </a:lnSpc>
+              <a:spcBef>
+                <a:spcPts val="570"/>
+              </a:spcBef>
+              <a:buFont typeface="Arial" panose="020B0604020202020204" pitchFamily="34" charset="0"/>
+              <a:buNone/>
+              <a:defRPr sz="1800" kern="1200">
+                <a:solidFill>
+                  <a:schemeClr val="tx1"/>
+                </a:solidFill>
+                <a:latin typeface="+mn-lt"/>
+                <a:ea typeface="+mn-ea"/>
+                <a:cs typeface="+mn-cs"/>
+              </a:defRPr>
+            </a:lvl9pPr>
+          </a:lstStyle>
+          <a:p>
+            <a:pPr algn="l"/>
+            <a:r>
+              <a:rPr lang="ru-RU" dirty="0"/>
+              <a:t>Вовлечение в разработку залежей с аномальными термобарическими условиями – актуальный вызов для нефтегазовой отрасли.</a:t>
+            </a:r>
+          </a:p>
+        </p:txBody>
+      </p:sp>
+      <p:pic>
+        <p:nvPicPr>
+          <p:cNvPr id="5" name="Рисунок 4">
+            <a:extLst>
+              <a:ext uri="{FF2B5EF4-FFF2-40B4-BE49-F238E27FC236}">
+                <a16:creationId xmlns:a16="http://schemas.microsoft.com/office/drawing/2014/main" id="{1C659C20-D0AE-75CF-2D85-1A52497962F5}"/>
+              </a:ext>
+            </a:extLst>
+          </p:cNvPr>
+          <p:cNvPicPr>
+            <a:picLocks noChangeAspect="1"/>
+          </p:cNvPicPr>
+          <p:nvPr/>
+        </p:nvPicPr>
+        <p:blipFill>
+          <a:blip r:embed="rId4"/>
+          <a:stretch>
+            <a:fillRect/>
+          </a:stretch>
+        </p:blipFill>
+        <p:spPr>
+          <a:xfrm>
+            <a:off x="2826495" y="1617511"/>
+            <a:ext cx="5450872" cy="4049458"/>
+          </a:xfrm>
+          <a:prstGeom prst="rect">
+            <a:avLst/>
+          </a:prstGeom>
+        </p:spPr>
+      </p:pic>
+      <p:sp>
+        <p:nvSpPr>
+          <p:cNvPr id="6" name="TextBox 5">
+            <a:extLst>
+              <a:ext uri="{FF2B5EF4-FFF2-40B4-BE49-F238E27FC236}">
+                <a16:creationId xmlns:a16="http://schemas.microsoft.com/office/drawing/2014/main" id="{4EC3AA89-6608-DFE6-34D3-9D703EC8C04E}"/>
+              </a:ext>
+            </a:extLst>
+          </p:cNvPr>
+          <p:cNvSpPr txBox="1"/>
+          <p:nvPr/>
+        </p:nvSpPr>
+        <p:spPr>
+          <a:xfrm>
+            <a:off x="1418597" y="5609099"/>
+            <a:ext cx="9354806" cy="568041"/>
+          </a:xfrm>
+          <a:prstGeom prst="rect">
+            <a:avLst/>
+          </a:prstGeom>
+          <a:noFill/>
+        </p:spPr>
+        <p:txBody>
+          <a:bodyPr wrap="square">
+            <a:spAutoFit/>
+          </a:bodyPr>
+          <a:lstStyle/>
+          <a:p>
+            <a:pPr algn="just">
+              <a:lnSpc>
+                <a:spcPct val="115000"/>
+              </a:lnSpc>
+              <a:spcAft>
+                <a:spcPts val="1000"/>
+              </a:spcAft>
+              <a:buNone/>
+            </a:pPr>
+            <a:r>
+              <a:rPr lang="ru-RU" sz="1400" dirty="0">
+                <a:effectLst/>
+                <a:latin typeface="Times New Roman" panose="02020603050405020304" pitchFamily="18" charset="0"/>
+                <a:ea typeface="Calibri" panose="020F0502020204030204" pitchFamily="34" charset="0"/>
+              </a:rPr>
+              <a:t>Укрупненная группировка упоминаемых в публикациях месторождений на стратиграфической шкале (на основе материалов всероссийского научно-исследовательского геологического института им. А.П. Карпинского)</a:t>
+            </a:r>
+          </a:p>
+        </p:txBody>
+      </p:sp>
+    </p:spTree>
+    <p:extLst>
+      <p:ext uri="{BB962C8B-B14F-4D97-AF65-F5344CB8AC3E}">
+        <p14:creationId xmlns:p14="http://schemas.microsoft.com/office/powerpoint/2010/main" val="3683339947"/>
+      </p:ext>
+    </p:extLst>
+  </p:cSld>
+  <p:clrMapOvr>
+    <a:masterClrMapping/>
+  </p:clrMapOvr>
+</p:sld>
+</file>
+
+<file path=ppt/slides/slide20.xml><?xml version="1.0" encoding="utf-8"?>
 <p:sld xmlns:a="http://schemas.openxmlformats.org/drawingml/2006/main" xmlns:r="http://schemas.openxmlformats.org/officeDocument/2006/relationships" xmlns:p="http://schemas.openxmlformats.org/presentationml/2006/main">
   <p:cSld>
     <p:spTree>
@@ -13027,127 +13363,7 @@
 </p:sld>
 </file>
 
-<file path=ppt/slides/slide23.xml><?xml version="1.0" encoding="utf-8"?>
-<p:sld xmlns:a="http://schemas.openxmlformats.org/drawingml/2006/main" xmlns:r="http://schemas.openxmlformats.org/officeDocument/2006/relationships" xmlns:p="http://schemas.openxmlformats.org/presentationml/2006/main">
-  <p:cSld>
-    <p:bg>
-      <p:bgPr>
-        <a:blipFill>
-          <a:blip r:embed="rId2"/>
-          <a:stretch>
-            <a:fillRect/>
-          </a:stretch>
-        </a:blipFill>
-        <a:effectLst/>
-      </p:bgPr>
-    </p:bg>
-    <p:spTree>
-      <p:nvGrpSpPr>
-        <p:cNvPr id="1" name=""/>
-        <p:cNvGrpSpPr/>
-        <p:nvPr/>
-      </p:nvGrpSpPr>
-      <p:grpSpPr>
-        <a:xfrm>
-          <a:off x="0" y="0"/>
-          <a:ext cx="0" cy="0"/>
-          <a:chOff x="0" y="0"/>
-          <a:chExt cx="0" cy="0"/>
-        </a:xfrm>
-      </p:grpSpPr>
-      <p:sp>
-        <p:nvSpPr>
-          <p:cNvPr id="12" name="Заголовок 1"/>
-          <p:cNvSpPr txBox="1">
-            <a:spLocks/>
-          </p:cNvSpPr>
-          <p:nvPr/>
-        </p:nvSpPr>
-        <p:spPr>
-          <a:xfrm>
-            <a:off x="838200" y="2766219"/>
-            <a:ext cx="10515600" cy="1325563"/>
-          </a:xfrm>
-          <a:prstGeom prst="rect">
-            <a:avLst/>
-          </a:prstGeom>
-        </p:spPr>
-        <p:txBody>
-          <a:bodyPr vert="horz" lIns="91440" tIns="45720" rIns="91440" bIns="45720" rtlCol="0" anchor="t">
-            <a:normAutofit/>
-          </a:bodyPr>
-          <a:lstStyle>
-            <a:lvl1pPr algn="ctr" defTabSz="914400" rtl="0" eaLnBrk="1" latinLnBrk="0" hangingPunct="1">
-              <a:lnSpc>
-                <a:spcPct val="90000"/>
-              </a:lnSpc>
-              <a:spcBef>
-                <a:spcPct val="0"/>
-              </a:spcBef>
-              <a:buNone/>
-              <a:defRPr sz="6000" kern="1200">
-                <a:solidFill>
-                  <a:schemeClr val="tx1"/>
-                </a:solidFill>
-                <a:latin typeface="+mj-lt"/>
-                <a:ea typeface="+mj-ea"/>
-                <a:cs typeface="+mj-cs"/>
-              </a:defRPr>
-            </a:lvl1pPr>
-          </a:lstStyle>
-          <a:p>
-            <a:r>
-              <a:rPr lang="ru-RU" b="1" dirty="0">
-                <a:solidFill>
-                  <a:schemeClr val="tx1">
-                    <a:lumMod val="85000"/>
-                    <a:lumOff val="15000"/>
-                  </a:schemeClr>
-                </a:solidFill>
-              </a:rPr>
-              <a:t>СПАСИБО ЗА ВНИМАНИЕ!</a:t>
-            </a:r>
-          </a:p>
-        </p:txBody>
-      </p:sp>
-      <p:pic>
-        <p:nvPicPr>
-          <p:cNvPr id="5" name="Рисунок 4"/>
-          <p:cNvPicPr>
-            <a:picLocks noChangeAspect="1"/>
-          </p:cNvPicPr>
-          <p:nvPr/>
-        </p:nvPicPr>
-        <p:blipFill>
-          <a:blip r:embed="rId3"/>
-          <a:stretch>
-            <a:fillRect/>
-          </a:stretch>
-        </p:blipFill>
-        <p:spPr>
-          <a:xfrm>
-            <a:off x="5296515" y="5782738"/>
-            <a:ext cx="1598971" cy="706792"/>
-          </a:xfrm>
-          <a:prstGeom prst="rect">
-            <a:avLst/>
-          </a:prstGeom>
-        </p:spPr>
-      </p:pic>
-    </p:spTree>
-    <p:extLst>
-      <p:ext uri="{BB962C8B-B14F-4D97-AF65-F5344CB8AC3E}">
-        <p14:creationId xmlns:p14="http://schemas.microsoft.com/office/powerpoint/2010/main" val="1410265704"/>
-      </p:ext>
-    </p:extLst>
-  </p:cSld>
-  <p:clrMapOvr>
-    <a:masterClrMapping/>
-  </p:clrMapOvr>
-</p:sld>
-</file>
-
-<file path=ppt/slides/slide24.xml><?xml version="1.0" encoding="utf-8"?>
+<file path=ppt/slides/slide21.xml><?xml version="1.0" encoding="utf-8"?>
 <p:sld xmlns:a="http://schemas.openxmlformats.org/drawingml/2006/main" xmlns:r="http://schemas.openxmlformats.org/officeDocument/2006/relationships" xmlns:p="http://schemas.openxmlformats.org/presentationml/2006/main">
   <p:cSld>
     <p:spTree>
@@ -13486,7 +13702,7 @@
 </p:sld>
 </file>
 
-<file path=ppt/slides/slide25.xml><?xml version="1.0" encoding="utf-8"?>
+<file path=ppt/slides/slide22.xml><?xml version="1.0" encoding="utf-8"?>
 <p:sld xmlns:a="http://schemas.openxmlformats.org/drawingml/2006/main" xmlns:r="http://schemas.openxmlformats.org/officeDocument/2006/relationships" xmlns:p="http://schemas.openxmlformats.org/presentationml/2006/main">
   <p:cSld>
     <p:spTree>
@@ -13825,7 +14041,7 @@
 </p:sld>
 </file>
 
-<file path=ppt/slides/slide26.xml><?xml version="1.0" encoding="utf-8"?>
+<file path=ppt/slides/slide23.xml><?xml version="1.0" encoding="utf-8"?>
 <p:sld xmlns:a="http://schemas.openxmlformats.org/drawingml/2006/main" xmlns:r="http://schemas.openxmlformats.org/officeDocument/2006/relationships" xmlns:p="http://schemas.openxmlformats.org/presentationml/2006/main">
   <p:cSld>
     <p:spTree>
@@ -14213,7 +14429,7 @@
 </p:sld>
 </file>
 
-<file path=ppt/slides/slide27.xml><?xml version="1.0" encoding="utf-8"?>
+<file path=ppt/slides/slide24.xml><?xml version="1.0" encoding="utf-8"?>
 <p:sld xmlns:a="http://schemas.openxmlformats.org/drawingml/2006/main" xmlns:r="http://schemas.openxmlformats.org/officeDocument/2006/relationships" xmlns:p="http://schemas.openxmlformats.org/presentationml/2006/main">
   <p:cSld>
     <p:spTree>
@@ -15652,7 +15868,7 @@
             </a:pPr>
             <a:r>
               <a:rPr lang="ru-RU" sz="1800" dirty="0"/>
-              <a:t>Проведение численных экспериментов по моделированию залежей с аномальными термобарическими условиями с применением существующих программных комплексов.</a:t>
+              <a:t>Проведение численных экспериментов по моделированию работы скважин в залежах с аномальными термобарическими условиями с применением существующих программных комплексов.</a:t>
             </a:r>
           </a:p>
           <a:p>
@@ -15725,7 +15941,7 @@
         </p:blipFill>
         <p:spPr bwMode="auto">
           <a:xfrm>
-            <a:off x="2606722" y="4334204"/>
+            <a:off x="2606722" y="4418689"/>
             <a:ext cx="6408606" cy="1769996"/>
           </a:xfrm>
           <a:prstGeom prst="rect">
@@ -16109,15 +16325,15 @@
             <a:pPr algn="just"/>
             <a:r>
               <a:rPr lang="ru-RU" sz="1800" dirty="0"/>
-              <a:t>3) Метод математического моделирования изменения минерализации в призабойной зоне</a:t>
-            </a:r>
-            <a:r>
-              <a:rPr lang="en-US" sz="1800" dirty="0"/>
-              <a:t>, </a:t>
+              <a:t>3) Метод математического моделирования изменения минерализации в призабойной зоне для учета влияни</a:t>
+            </a:r>
+            <a:r>
+              <a:rPr lang="ru-RU" dirty="0"/>
+              <a:t>я на </a:t>
             </a:r>
             <a:r>
               <a:rPr lang="ru-RU" sz="1800" dirty="0"/>
-              <a:t> влияние на термодинамическое равновесие пластового флюида и фазовые переходы.</a:t>
+              <a:t>термодинамическое равновесие пластового флюида и фазовые переходы в газовые гидраты.</a:t>
             </a:r>
           </a:p>
           <a:p>
@@ -16128,23 +16344,7 @@
             <a:pPr algn="just"/>
             <a:r>
               <a:rPr lang="ru-RU" sz="1800" dirty="0"/>
-              <a:t>4) Программный комплекс, реализующий предлагаемые методы </a:t>
-            </a:r>
-            <a:r>
-              <a:rPr lang="ru-RU" sz="1800" dirty="0" err="1"/>
-              <a:t>дл</a:t>
-            </a:r>
-            <a:r>
-              <a:rPr lang="ru-RU" sz="1800" dirty="0"/>
-              <a:t> моделирования процессов тепломассопереноса с учетом фазового перехода </a:t>
-            </a:r>
-            <a:r>
-              <a:rPr lang="ru-RU" sz="1800" dirty="0" err="1"/>
-              <a:t>пластовыъ</a:t>
-            </a:r>
-            <a:r>
-              <a:rPr lang="ru-RU" sz="1800" dirty="0"/>
-              <a:t> флюидов в газовый гидрат</a:t>
+              <a:t>4) Программный комплекс, реализующий предлагаемые методы для моделирования процессов тепломассопереноса с учетом фазового перехода пластовых флюидов в газовый гидрат</a:t>
             </a:r>
             <a:r>
               <a:rPr lang="en-US" sz="1800" dirty="0"/>
@@ -16707,7 +16907,7 @@
           <p:nvPr>
             <p:extLst>
               <p:ext uri="{D42A27DB-BD31-4B8C-83A1-F6EECF244321}">
-                <p14:modId xmlns:p14="http://schemas.microsoft.com/office/powerpoint/2010/main" val="1758647397"/>
+                <p14:modId xmlns:p14="http://schemas.microsoft.com/office/powerpoint/2010/main" val="1800349496"/>
               </p:ext>
             </p:extLst>
           </p:nvPr>
@@ -17752,7 +17952,7 @@
                           <a:ea typeface="Times New Roman" panose="02020603050405020304" pitchFamily="18" charset="0"/>
                           <a:cs typeface="Times New Roman" panose="02020603050405020304" pitchFamily="18" charset="0"/>
                         </a:rPr>
-                        <a:t>", Композиционные модели и различные термические процессы (так же ).</a:t>
+                        <a:t>", Композиционные модели и различные термические процессы (так же).</a:t>
                       </a:r>
                       <a:r>
                         <a:rPr lang="en-US" sz="1300" dirty="0">
@@ -18147,7 +18347,7 @@
         </p:nvSpPr>
         <p:spPr>
           <a:xfrm>
-            <a:off x="214516" y="1135348"/>
+            <a:off x="298999" y="1128380"/>
             <a:ext cx="11229131" cy="1477328"/>
           </a:xfrm>
           <a:prstGeom prst="rect">

--- a/my_articles/3_course/автореферат/Kolbeko_AB.pptx
+++ b/my_articles/3_course/автореферат/Kolbeko_AB.pptx
@@ -4,6 +4,9 @@
   <p:sldMasterIdLst>
     <p:sldMasterId id="2147483648" r:id="rId1"/>
   </p:sldMasterIdLst>
+  <p:notesMasterIdLst>
+    <p:notesMasterId r:id="rId26"/>
+  </p:notesMasterIdLst>
   <p:sldIdLst>
     <p:sldId id="258" r:id="rId2"/>
     <p:sldId id="257" r:id="rId3"/>
@@ -135,6 +138,355 @@
 </p:presentation>
 </file>
 
+<file path=ppt/notesMasters/notesMaster1.xml><?xml version="1.0" encoding="utf-8"?>
+<p:notesMaster xmlns:a="http://schemas.openxmlformats.org/drawingml/2006/main" xmlns:r="http://schemas.openxmlformats.org/officeDocument/2006/relationships" xmlns:p="http://schemas.openxmlformats.org/presentationml/2006/main">
+  <p:cSld>
+    <p:bg>
+      <p:bgRef idx="1001">
+        <a:schemeClr val="bg1"/>
+      </p:bgRef>
+    </p:bg>
+    <p:spTree>
+      <p:nvGrpSpPr>
+        <p:cNvPr id="1" name=""/>
+        <p:cNvGrpSpPr/>
+        <p:nvPr/>
+      </p:nvGrpSpPr>
+      <p:grpSpPr>
+        <a:xfrm>
+          <a:off x="0" y="0"/>
+          <a:ext cx="0" cy="0"/>
+          <a:chOff x="0" y="0"/>
+          <a:chExt cx="0" cy="0"/>
+        </a:xfrm>
+      </p:grpSpPr>
+      <p:sp>
+        <p:nvSpPr>
+          <p:cNvPr id="2" name="Верхний колонтитул 1"/>
+          <p:cNvSpPr>
+            <a:spLocks noGrp="1"/>
+          </p:cNvSpPr>
+          <p:nvPr>
+            <p:ph type="hdr" sz="quarter"/>
+          </p:nvPr>
+        </p:nvSpPr>
+        <p:spPr>
+          <a:xfrm>
+            <a:off x="0" y="0"/>
+            <a:ext cx="2971800" cy="458788"/>
+          </a:xfrm>
+          <a:prstGeom prst="rect">
+            <a:avLst/>
+          </a:prstGeom>
+        </p:spPr>
+        <p:txBody>
+          <a:bodyPr vert="horz" lIns="91440" tIns="45720" rIns="91440" bIns="45720" rtlCol="0"/>
+          <a:lstStyle>
+            <a:lvl1pPr algn="l">
+              <a:defRPr sz="1200"/>
+            </a:lvl1pPr>
+          </a:lstStyle>
+          <a:p>
+            <a:endParaRPr lang="ru-RU"/>
+          </a:p>
+        </p:txBody>
+      </p:sp>
+      <p:sp>
+        <p:nvSpPr>
+          <p:cNvPr id="3" name="Дата 2"/>
+          <p:cNvSpPr>
+            <a:spLocks noGrp="1"/>
+          </p:cNvSpPr>
+          <p:nvPr>
+            <p:ph type="dt" idx="1"/>
+          </p:nvPr>
+        </p:nvSpPr>
+        <p:spPr>
+          <a:xfrm>
+            <a:off x="3884613" y="0"/>
+            <a:ext cx="2971800" cy="458788"/>
+          </a:xfrm>
+          <a:prstGeom prst="rect">
+            <a:avLst/>
+          </a:prstGeom>
+        </p:spPr>
+        <p:txBody>
+          <a:bodyPr vert="horz" lIns="91440" tIns="45720" rIns="91440" bIns="45720" rtlCol="0"/>
+          <a:lstStyle>
+            <a:lvl1pPr algn="r">
+              <a:defRPr sz="1200"/>
+            </a:lvl1pPr>
+          </a:lstStyle>
+          <a:p>
+            <a:fld id="{35C49C6E-035B-4F70-8000-D874F4F10440}" type="datetimeFigureOut">
+              <a:rPr lang="ru-RU" smtClean="0"/>
+              <a:t>23.12.2025</a:t>
+            </a:fld>
+            <a:endParaRPr lang="ru-RU"/>
+          </a:p>
+        </p:txBody>
+      </p:sp>
+      <p:sp>
+        <p:nvSpPr>
+          <p:cNvPr id="4" name="Образ слайда 3"/>
+          <p:cNvSpPr>
+            <a:spLocks noGrp="1" noRot="1" noChangeAspect="1"/>
+          </p:cNvSpPr>
+          <p:nvPr>
+            <p:ph type="sldImg" idx="2"/>
+          </p:nvPr>
+        </p:nvSpPr>
+        <p:spPr>
+          <a:xfrm>
+            <a:off x="685800" y="1143000"/>
+            <a:ext cx="5486400" cy="3086100"/>
+          </a:xfrm>
+          <a:prstGeom prst="rect">
+            <a:avLst/>
+          </a:prstGeom>
+          <a:noFill/>
+          <a:ln w="12700">
+            <a:solidFill>
+              <a:prstClr val="black"/>
+            </a:solidFill>
+          </a:ln>
+        </p:spPr>
+        <p:txBody>
+          <a:bodyPr vert="horz" lIns="91440" tIns="45720" rIns="91440" bIns="45720" rtlCol="0" anchor="ctr"/>
+          <a:lstStyle/>
+          <a:p>
+            <a:endParaRPr lang="ru-RU"/>
+          </a:p>
+        </p:txBody>
+      </p:sp>
+      <p:sp>
+        <p:nvSpPr>
+          <p:cNvPr id="5" name="Заметки 4"/>
+          <p:cNvSpPr>
+            <a:spLocks noGrp="1"/>
+          </p:cNvSpPr>
+          <p:nvPr>
+            <p:ph type="body" sz="quarter" idx="3"/>
+          </p:nvPr>
+        </p:nvSpPr>
+        <p:spPr>
+          <a:xfrm>
+            <a:off x="685800" y="4400550"/>
+            <a:ext cx="5486400" cy="3600450"/>
+          </a:xfrm>
+          <a:prstGeom prst="rect">
+            <a:avLst/>
+          </a:prstGeom>
+        </p:spPr>
+        <p:txBody>
+          <a:bodyPr vert="horz" lIns="91440" tIns="45720" rIns="91440" bIns="45720" rtlCol="0"/>
+          <a:lstStyle/>
+          <a:p>
+            <a:pPr lvl="0"/>
+            <a:r>
+              <a:rPr lang="ru-RU"/>
+              <a:t>Образец текста</a:t>
+            </a:r>
+          </a:p>
+          <a:p>
+            <a:pPr lvl="1"/>
+            <a:r>
+              <a:rPr lang="ru-RU"/>
+              <a:t>Второй уровень</a:t>
+            </a:r>
+          </a:p>
+          <a:p>
+            <a:pPr lvl="2"/>
+            <a:r>
+              <a:rPr lang="ru-RU"/>
+              <a:t>Третий уровень</a:t>
+            </a:r>
+          </a:p>
+          <a:p>
+            <a:pPr lvl="3"/>
+            <a:r>
+              <a:rPr lang="ru-RU"/>
+              <a:t>Четвертый уровень</a:t>
+            </a:r>
+          </a:p>
+          <a:p>
+            <a:pPr lvl="4"/>
+            <a:r>
+              <a:rPr lang="ru-RU"/>
+              <a:t>Пятый уровень</a:t>
+            </a:r>
+          </a:p>
+        </p:txBody>
+      </p:sp>
+      <p:sp>
+        <p:nvSpPr>
+          <p:cNvPr id="6" name="Нижний колонтитул 5"/>
+          <p:cNvSpPr>
+            <a:spLocks noGrp="1"/>
+          </p:cNvSpPr>
+          <p:nvPr>
+            <p:ph type="ftr" sz="quarter" idx="4"/>
+          </p:nvPr>
+        </p:nvSpPr>
+        <p:spPr>
+          <a:xfrm>
+            <a:off x="0" y="8685213"/>
+            <a:ext cx="2971800" cy="458787"/>
+          </a:xfrm>
+          <a:prstGeom prst="rect">
+            <a:avLst/>
+          </a:prstGeom>
+        </p:spPr>
+        <p:txBody>
+          <a:bodyPr vert="horz" lIns="91440" tIns="45720" rIns="91440" bIns="45720" rtlCol="0" anchor="b"/>
+          <a:lstStyle>
+            <a:lvl1pPr algn="l">
+              <a:defRPr sz="1200"/>
+            </a:lvl1pPr>
+          </a:lstStyle>
+          <a:p>
+            <a:endParaRPr lang="ru-RU"/>
+          </a:p>
+        </p:txBody>
+      </p:sp>
+      <p:sp>
+        <p:nvSpPr>
+          <p:cNvPr id="7" name="Номер слайда 6"/>
+          <p:cNvSpPr>
+            <a:spLocks noGrp="1"/>
+          </p:cNvSpPr>
+          <p:nvPr>
+            <p:ph type="sldNum" sz="quarter" idx="5"/>
+          </p:nvPr>
+        </p:nvSpPr>
+        <p:spPr>
+          <a:xfrm>
+            <a:off x="3884613" y="8685213"/>
+            <a:ext cx="2971800" cy="458787"/>
+          </a:xfrm>
+          <a:prstGeom prst="rect">
+            <a:avLst/>
+          </a:prstGeom>
+        </p:spPr>
+        <p:txBody>
+          <a:bodyPr vert="horz" lIns="91440" tIns="45720" rIns="91440" bIns="45720" rtlCol="0" anchor="b"/>
+          <a:lstStyle>
+            <a:lvl1pPr algn="r">
+              <a:defRPr sz="1200"/>
+            </a:lvl1pPr>
+          </a:lstStyle>
+          <a:p>
+            <a:fld id="{E2639B07-DCF8-4AEE-94B7-EF3F9B6EE9EB}" type="slidenum">
+              <a:rPr lang="ru-RU" smtClean="0"/>
+              <a:t>‹#›</a:t>
+            </a:fld>
+            <a:endParaRPr lang="ru-RU"/>
+          </a:p>
+        </p:txBody>
+      </p:sp>
+    </p:spTree>
+    <p:extLst>
+      <p:ext uri="{BB962C8B-B14F-4D97-AF65-F5344CB8AC3E}">
+        <p14:creationId xmlns:p14="http://schemas.microsoft.com/office/powerpoint/2010/main" val="2023224192"/>
+      </p:ext>
+    </p:extLst>
+  </p:cSld>
+  <p:clrMap bg1="lt1" tx1="dk1" bg2="lt2" tx2="dk2" accent1="accent1" accent2="accent2" accent3="accent3" accent4="accent4" accent5="accent5" accent6="accent6" hlink="hlink" folHlink="folHlink"/>
+  <p:notesStyle>
+    <a:lvl1pPr marL="0" algn="l" defTabSz="914400" rtl="0" eaLnBrk="1" latinLnBrk="0" hangingPunct="1">
+      <a:defRPr sz="1200" kern="1200">
+        <a:solidFill>
+          <a:schemeClr val="tx1"/>
+        </a:solidFill>
+        <a:latin typeface="+mn-lt"/>
+        <a:ea typeface="+mn-ea"/>
+        <a:cs typeface="+mn-cs"/>
+      </a:defRPr>
+    </a:lvl1pPr>
+    <a:lvl2pPr marL="457200" algn="l" defTabSz="914400" rtl="0" eaLnBrk="1" latinLnBrk="0" hangingPunct="1">
+      <a:defRPr sz="1200" kern="1200">
+        <a:solidFill>
+          <a:schemeClr val="tx1"/>
+        </a:solidFill>
+        <a:latin typeface="+mn-lt"/>
+        <a:ea typeface="+mn-ea"/>
+        <a:cs typeface="+mn-cs"/>
+      </a:defRPr>
+    </a:lvl2pPr>
+    <a:lvl3pPr marL="914400" algn="l" defTabSz="914400" rtl="0" eaLnBrk="1" latinLnBrk="0" hangingPunct="1">
+      <a:defRPr sz="1200" kern="1200">
+        <a:solidFill>
+          <a:schemeClr val="tx1"/>
+        </a:solidFill>
+        <a:latin typeface="+mn-lt"/>
+        <a:ea typeface="+mn-ea"/>
+        <a:cs typeface="+mn-cs"/>
+      </a:defRPr>
+    </a:lvl3pPr>
+    <a:lvl4pPr marL="1371600" algn="l" defTabSz="914400" rtl="0" eaLnBrk="1" latinLnBrk="0" hangingPunct="1">
+      <a:defRPr sz="1200" kern="1200">
+        <a:solidFill>
+          <a:schemeClr val="tx1"/>
+        </a:solidFill>
+        <a:latin typeface="+mn-lt"/>
+        <a:ea typeface="+mn-ea"/>
+        <a:cs typeface="+mn-cs"/>
+      </a:defRPr>
+    </a:lvl4pPr>
+    <a:lvl5pPr marL="1828800" algn="l" defTabSz="914400" rtl="0" eaLnBrk="1" latinLnBrk="0" hangingPunct="1">
+      <a:defRPr sz="1200" kern="1200">
+        <a:solidFill>
+          <a:schemeClr val="tx1"/>
+        </a:solidFill>
+        <a:latin typeface="+mn-lt"/>
+        <a:ea typeface="+mn-ea"/>
+        <a:cs typeface="+mn-cs"/>
+      </a:defRPr>
+    </a:lvl5pPr>
+    <a:lvl6pPr marL="2286000" algn="l" defTabSz="914400" rtl="0" eaLnBrk="1" latinLnBrk="0" hangingPunct="1">
+      <a:defRPr sz="1200" kern="1200">
+        <a:solidFill>
+          <a:schemeClr val="tx1"/>
+        </a:solidFill>
+        <a:latin typeface="+mn-lt"/>
+        <a:ea typeface="+mn-ea"/>
+        <a:cs typeface="+mn-cs"/>
+      </a:defRPr>
+    </a:lvl6pPr>
+    <a:lvl7pPr marL="2743200" algn="l" defTabSz="914400" rtl="0" eaLnBrk="1" latinLnBrk="0" hangingPunct="1">
+      <a:defRPr sz="1200" kern="1200">
+        <a:solidFill>
+          <a:schemeClr val="tx1"/>
+        </a:solidFill>
+        <a:latin typeface="+mn-lt"/>
+        <a:ea typeface="+mn-ea"/>
+        <a:cs typeface="+mn-cs"/>
+      </a:defRPr>
+    </a:lvl7pPr>
+    <a:lvl8pPr marL="3200400" algn="l" defTabSz="914400" rtl="0" eaLnBrk="1" latinLnBrk="0" hangingPunct="1">
+      <a:defRPr sz="1200" kern="1200">
+        <a:solidFill>
+          <a:schemeClr val="tx1"/>
+        </a:solidFill>
+        <a:latin typeface="+mn-lt"/>
+        <a:ea typeface="+mn-ea"/>
+        <a:cs typeface="+mn-cs"/>
+      </a:defRPr>
+    </a:lvl8pPr>
+    <a:lvl9pPr marL="3657600" algn="l" defTabSz="914400" rtl="0" eaLnBrk="1" latinLnBrk="0" hangingPunct="1">
+      <a:defRPr sz="1200" kern="1200">
+        <a:solidFill>
+          <a:schemeClr val="tx1"/>
+        </a:solidFill>
+        <a:latin typeface="+mn-lt"/>
+        <a:ea typeface="+mn-ea"/>
+        <a:cs typeface="+mn-cs"/>
+      </a:defRPr>
+    </a:lvl9pPr>
+  </p:notesStyle>
+</p:notesMaster>
+</file>
+
 <file path=ppt/slideLayouts/slideLayout1.xml><?xml version="1.0" encoding="utf-8"?>
 <p:sldLayout xmlns:a="http://schemas.openxmlformats.org/drawingml/2006/main" xmlns:r="http://schemas.openxmlformats.org/officeDocument/2006/relationships" xmlns:p="http://schemas.openxmlformats.org/presentationml/2006/main" type="title" preserve="1">
   <p:cSld name="Титульный слайд">
@@ -262,9 +614,9 @@
           <a:bodyPr/>
           <a:lstStyle/>
           <a:p>
-            <a:fld id="{D4804C8C-A16D-40ED-B7C8-20CC6A7D0227}" type="datetimeFigureOut">
+            <a:fld id="{33A505B3-F41B-427C-80BB-A688A6689C6B}" type="datetime1">
               <a:rPr lang="ru-RU" smtClean="0"/>
-              <a:t>22.12.2025</a:t>
+              <a:t>23.12.2025</a:t>
             </a:fld>
             <a:endParaRPr lang="ru-RU"/>
           </a:p>
@@ -430,9 +782,9 @@
           <a:bodyPr/>
           <a:lstStyle/>
           <a:p>
-            <a:fld id="{D4804C8C-A16D-40ED-B7C8-20CC6A7D0227}" type="datetimeFigureOut">
+            <a:fld id="{B276B4B7-56F2-447E-9729-4D33381F345C}" type="datetime1">
               <a:rPr lang="ru-RU" smtClean="0"/>
-              <a:t>22.12.2025</a:t>
+              <a:t>23.12.2025</a:t>
             </a:fld>
             <a:endParaRPr lang="ru-RU"/>
           </a:p>
@@ -608,9 +960,9 @@
           <a:bodyPr/>
           <a:lstStyle/>
           <a:p>
-            <a:fld id="{D4804C8C-A16D-40ED-B7C8-20CC6A7D0227}" type="datetimeFigureOut">
+            <a:fld id="{7E4A6E2F-A8A2-4938-9AC0-DAFE7B1245A6}" type="datetime1">
               <a:rPr lang="ru-RU" smtClean="0"/>
-              <a:t>22.12.2025</a:t>
+              <a:t>23.12.2025</a:t>
             </a:fld>
             <a:endParaRPr lang="ru-RU"/>
           </a:p>
@@ -776,9 +1128,9 @@
           <a:bodyPr/>
           <a:lstStyle/>
           <a:p>
-            <a:fld id="{D4804C8C-A16D-40ED-B7C8-20CC6A7D0227}" type="datetimeFigureOut">
+            <a:fld id="{4FE1C2D5-ED12-4B99-A8E1-39CA7FB09485}" type="datetime1">
               <a:rPr lang="ru-RU" smtClean="0"/>
-              <a:t>22.12.2025</a:t>
+              <a:t>23.12.2025</a:t>
             </a:fld>
             <a:endParaRPr lang="ru-RU"/>
           </a:p>
@@ -1021,9 +1373,9 @@
           <a:bodyPr/>
           <a:lstStyle/>
           <a:p>
-            <a:fld id="{D4804C8C-A16D-40ED-B7C8-20CC6A7D0227}" type="datetimeFigureOut">
+            <a:fld id="{44373428-08DD-4DB4-806D-52136AFA4210}" type="datetime1">
               <a:rPr lang="ru-RU" smtClean="0"/>
-              <a:t>22.12.2025</a:t>
+              <a:t>23.12.2025</a:t>
             </a:fld>
             <a:endParaRPr lang="ru-RU"/>
           </a:p>
@@ -1250,9 +1602,9 @@
           <a:bodyPr/>
           <a:lstStyle/>
           <a:p>
-            <a:fld id="{D4804C8C-A16D-40ED-B7C8-20CC6A7D0227}" type="datetimeFigureOut">
+            <a:fld id="{FBB1317D-EE05-422C-8BD5-2E1731177917}" type="datetime1">
               <a:rPr lang="ru-RU" smtClean="0"/>
-              <a:t>22.12.2025</a:t>
+              <a:t>23.12.2025</a:t>
             </a:fld>
             <a:endParaRPr lang="ru-RU"/>
           </a:p>
@@ -1614,9 +1966,9 @@
           <a:bodyPr/>
           <a:lstStyle/>
           <a:p>
-            <a:fld id="{D4804C8C-A16D-40ED-B7C8-20CC6A7D0227}" type="datetimeFigureOut">
+            <a:fld id="{9B1C2390-4B9D-445F-87EF-CDCBAC486F90}" type="datetime1">
               <a:rPr lang="ru-RU" smtClean="0"/>
-              <a:t>22.12.2025</a:t>
+              <a:t>23.12.2025</a:t>
             </a:fld>
             <a:endParaRPr lang="ru-RU"/>
           </a:p>
@@ -1731,9 +2083,9 @@
           <a:bodyPr/>
           <a:lstStyle/>
           <a:p>
-            <a:fld id="{D4804C8C-A16D-40ED-B7C8-20CC6A7D0227}" type="datetimeFigureOut">
+            <a:fld id="{B72FE28B-29F8-4405-84BD-18E16F5BB3A1}" type="datetime1">
               <a:rPr lang="ru-RU" smtClean="0"/>
-              <a:t>22.12.2025</a:t>
+              <a:t>23.12.2025</a:t>
             </a:fld>
             <a:endParaRPr lang="ru-RU"/>
           </a:p>
@@ -1826,9 +2178,9 @@
           <a:bodyPr/>
           <a:lstStyle/>
           <a:p>
-            <a:fld id="{D4804C8C-A16D-40ED-B7C8-20CC6A7D0227}" type="datetimeFigureOut">
+            <a:fld id="{28523E67-4852-467E-B482-C068760DAEDE}" type="datetime1">
               <a:rPr lang="ru-RU" smtClean="0"/>
-              <a:t>22.12.2025</a:t>
+              <a:t>23.12.2025</a:t>
             </a:fld>
             <a:endParaRPr lang="ru-RU"/>
           </a:p>
@@ -2101,9 +2453,9 @@
           <a:bodyPr/>
           <a:lstStyle/>
           <a:p>
-            <a:fld id="{D4804C8C-A16D-40ED-B7C8-20CC6A7D0227}" type="datetimeFigureOut">
+            <a:fld id="{8C771C97-312D-4E09-923E-7FA261204C8D}" type="datetime1">
               <a:rPr lang="ru-RU" smtClean="0"/>
-              <a:t>22.12.2025</a:t>
+              <a:t>23.12.2025</a:t>
             </a:fld>
             <a:endParaRPr lang="ru-RU"/>
           </a:p>
@@ -2353,9 +2705,9 @@
           <a:bodyPr/>
           <a:lstStyle/>
           <a:p>
-            <a:fld id="{D4804C8C-A16D-40ED-B7C8-20CC6A7D0227}" type="datetimeFigureOut">
+            <a:fld id="{82205990-6714-4880-ABDC-58C72C70B6FE}" type="datetime1">
               <a:rPr lang="ru-RU" smtClean="0"/>
-              <a:t>22.12.2025</a:t>
+              <a:t>23.12.2025</a:t>
             </a:fld>
             <a:endParaRPr lang="ru-RU"/>
           </a:p>
@@ -2564,9 +2916,9 @@
             </a:lvl1pPr>
           </a:lstStyle>
           <a:p>
-            <a:fld id="{D4804C8C-A16D-40ED-B7C8-20CC6A7D0227}" type="datetimeFigureOut">
+            <a:fld id="{192EE296-6673-4508-83F2-1D7CAC52A998}" type="datetime1">
               <a:rPr lang="ru-RU" smtClean="0"/>
-              <a:t>22.12.2025</a:t>
+              <a:t>23.12.2025</a:t>
             </a:fld>
             <a:endParaRPr lang="ru-RU"/>
           </a:p>
@@ -2671,6 +3023,7 @@
     <p:sldLayoutId id="2147483658" r:id="rId10"/>
     <p:sldLayoutId id="2147483659" r:id="rId11"/>
   </p:sldLayoutIdLst>
+  <p:hf hdr="0" ftr="0" dt="0"/>
   <p:txStyles>
     <p:titleStyle>
       <a:lvl1pPr algn="l" defTabSz="914400" rtl="0" eaLnBrk="1" latinLnBrk="0" hangingPunct="1">
@@ -3180,6 +3533,35 @@
           </a:fontRef>
         </p:style>
       </p:cxnSp>
+      <p:sp>
+        <p:nvSpPr>
+          <p:cNvPr id="5" name="Номер слайда 4">
+            <a:extLst>
+              <a:ext uri="{FF2B5EF4-FFF2-40B4-BE49-F238E27FC236}">
+                <a16:creationId xmlns:a16="http://schemas.microsoft.com/office/drawing/2014/main" id="{49491C75-6F7D-91B5-E03B-40FCDBA29508}"/>
+              </a:ext>
+            </a:extLst>
+          </p:cNvPr>
+          <p:cNvSpPr>
+            <a:spLocks noGrp="1"/>
+          </p:cNvSpPr>
+          <p:nvPr>
+            <p:ph type="sldNum" sz="quarter" idx="12"/>
+          </p:nvPr>
+        </p:nvSpPr>
+        <p:spPr/>
+        <p:txBody>
+          <a:bodyPr/>
+          <a:lstStyle/>
+          <a:p>
+            <a:fld id="{D16B7048-13AE-42EF-977F-20BE1693D16B}" type="slidenum">
+              <a:rPr lang="ru-RU" smtClean="0"/>
+              <a:t>1</a:t>
+            </a:fld>
+            <a:endParaRPr lang="ru-RU"/>
+          </a:p>
+        </p:txBody>
+      </p:sp>
     </p:spTree>
     <p:extLst>
       <p:ext uri="{BB962C8B-B14F-4D97-AF65-F5344CB8AC3E}">
@@ -3857,6 +4239,35 @@
           </a:ln>
         </p:spPr>
       </p:pic>
+      <p:sp>
+        <p:nvSpPr>
+          <p:cNvPr id="5" name="Номер слайда 4">
+            <a:extLst>
+              <a:ext uri="{FF2B5EF4-FFF2-40B4-BE49-F238E27FC236}">
+                <a16:creationId xmlns:a16="http://schemas.microsoft.com/office/drawing/2014/main" id="{905FDC66-CB34-B395-EEF1-FEFABCA3B9CB}"/>
+              </a:ext>
+            </a:extLst>
+          </p:cNvPr>
+          <p:cNvSpPr>
+            <a:spLocks noGrp="1"/>
+          </p:cNvSpPr>
+          <p:nvPr>
+            <p:ph type="sldNum" sz="quarter" idx="12"/>
+          </p:nvPr>
+        </p:nvSpPr>
+        <p:spPr/>
+        <p:txBody>
+          <a:bodyPr/>
+          <a:lstStyle/>
+          <a:p>
+            <a:fld id="{D16B7048-13AE-42EF-977F-20BE1693D16B}" type="slidenum">
+              <a:rPr lang="ru-RU" smtClean="0"/>
+              <a:t>10</a:t>
+            </a:fld>
+            <a:endParaRPr lang="ru-RU"/>
+          </a:p>
+        </p:txBody>
+      </p:sp>
     </p:spTree>
     <p:extLst>
       <p:ext uri="{BB962C8B-B14F-4D97-AF65-F5344CB8AC3E}">
@@ -4286,6 +4697,35 @@
           </a:prstGeom>
         </p:spPr>
       </p:pic>
+      <p:sp>
+        <p:nvSpPr>
+          <p:cNvPr id="3" name="Номер слайда 2">
+            <a:extLst>
+              <a:ext uri="{FF2B5EF4-FFF2-40B4-BE49-F238E27FC236}">
+                <a16:creationId xmlns:a16="http://schemas.microsoft.com/office/drawing/2014/main" id="{F1F9CCC2-2B16-8F1B-3574-7B7240710460}"/>
+              </a:ext>
+            </a:extLst>
+          </p:cNvPr>
+          <p:cNvSpPr>
+            <a:spLocks noGrp="1"/>
+          </p:cNvSpPr>
+          <p:nvPr>
+            <p:ph type="sldNum" sz="quarter" idx="12"/>
+          </p:nvPr>
+        </p:nvSpPr>
+        <p:spPr/>
+        <p:txBody>
+          <a:bodyPr/>
+          <a:lstStyle/>
+          <a:p>
+            <a:fld id="{D16B7048-13AE-42EF-977F-20BE1693D16B}" type="slidenum">
+              <a:rPr lang="ru-RU" smtClean="0"/>
+              <a:t>11</a:t>
+            </a:fld>
+            <a:endParaRPr lang="ru-RU"/>
+          </a:p>
+        </p:txBody>
+      </p:sp>
     </p:spTree>
     <p:extLst>
       <p:ext uri="{BB962C8B-B14F-4D97-AF65-F5344CB8AC3E}">
@@ -4775,6 +5215,35 @@
           </a:prstGeom>
         </p:spPr>
       </p:pic>
+      <p:sp>
+        <p:nvSpPr>
+          <p:cNvPr id="6" name="Номер слайда 5">
+            <a:extLst>
+              <a:ext uri="{FF2B5EF4-FFF2-40B4-BE49-F238E27FC236}">
+                <a16:creationId xmlns:a16="http://schemas.microsoft.com/office/drawing/2014/main" id="{B7140583-0A29-8CF3-211A-3A8064D2D561}"/>
+              </a:ext>
+            </a:extLst>
+          </p:cNvPr>
+          <p:cNvSpPr>
+            <a:spLocks noGrp="1"/>
+          </p:cNvSpPr>
+          <p:nvPr>
+            <p:ph type="sldNum" sz="quarter" idx="12"/>
+          </p:nvPr>
+        </p:nvSpPr>
+        <p:spPr/>
+        <p:txBody>
+          <a:bodyPr/>
+          <a:lstStyle/>
+          <a:p>
+            <a:fld id="{D16B7048-13AE-42EF-977F-20BE1693D16B}" type="slidenum">
+              <a:rPr lang="ru-RU" smtClean="0"/>
+              <a:t>12</a:t>
+            </a:fld>
+            <a:endParaRPr lang="ru-RU"/>
+          </a:p>
+        </p:txBody>
+      </p:sp>
     </p:spTree>
     <p:extLst>
       <p:ext uri="{BB962C8B-B14F-4D97-AF65-F5344CB8AC3E}">
@@ -5246,6 +5715,35 @@
               <a:rPr lang="ru-RU" sz="1600" dirty="0"/>
               <a:t>Нет учета падения минерализации связанной воды</a:t>
             </a:r>
+          </a:p>
+        </p:txBody>
+      </p:sp>
+      <p:sp>
+        <p:nvSpPr>
+          <p:cNvPr id="6" name="Номер слайда 5">
+            <a:extLst>
+              <a:ext uri="{FF2B5EF4-FFF2-40B4-BE49-F238E27FC236}">
+                <a16:creationId xmlns:a16="http://schemas.microsoft.com/office/drawing/2014/main" id="{B170E62A-98CB-908C-2795-6CC5966AC603}"/>
+              </a:ext>
+            </a:extLst>
+          </p:cNvPr>
+          <p:cNvSpPr>
+            <a:spLocks noGrp="1"/>
+          </p:cNvSpPr>
+          <p:nvPr>
+            <p:ph type="sldNum" sz="quarter" idx="12"/>
+          </p:nvPr>
+        </p:nvSpPr>
+        <p:spPr/>
+        <p:txBody>
+          <a:bodyPr/>
+          <a:lstStyle/>
+          <a:p>
+            <a:fld id="{D16B7048-13AE-42EF-977F-20BE1693D16B}" type="slidenum">
+              <a:rPr lang="ru-RU" smtClean="0"/>
+              <a:t>13</a:t>
+            </a:fld>
+            <a:endParaRPr lang="ru-RU"/>
           </a:p>
         </p:txBody>
       </p:sp>
@@ -5558,8 +6056,8 @@
           </a:p>
         </p:txBody>
       </p:sp>
-      <mc:AlternateContent xmlns:mc="http://schemas.openxmlformats.org/markup-compatibility/2006">
-        <mc:Choice xmlns:a14="http://schemas.microsoft.com/office/drawing/2010/main" Requires="a14">
+      <mc:AlternateContent xmlns:mc="http://schemas.openxmlformats.org/markup-compatibility/2006" xmlns:a14="http://schemas.microsoft.com/office/drawing/2010/main">
+        <mc:Choice Requires="a14">
           <p:sp>
             <p:nvSpPr>
               <p:cNvPr id="3" name="TextBox 2">
@@ -5863,7 +6361,7 @@
             </p:txBody>
           </p:sp>
         </mc:Choice>
-        <mc:Fallback>
+        <mc:Fallback xmlns="">
           <p:sp>
             <p:nvSpPr>
               <p:cNvPr id="3" name="TextBox 2">
@@ -5908,8 +6406,8 @@
           </p:sp>
         </mc:Fallback>
       </mc:AlternateContent>
-      <mc:AlternateContent xmlns:mc="http://schemas.openxmlformats.org/markup-compatibility/2006">
-        <mc:Choice xmlns:a14="http://schemas.microsoft.com/office/drawing/2010/main" Requires="a14">
+      <mc:AlternateContent xmlns:mc="http://schemas.openxmlformats.org/markup-compatibility/2006" xmlns:a14="http://schemas.microsoft.com/office/drawing/2010/main">
+        <mc:Choice Requires="a14">
           <p:sp>
             <p:nvSpPr>
               <p:cNvPr id="5" name="TextBox 4">
@@ -6209,7 +6707,7 @@
             </p:txBody>
           </p:sp>
         </mc:Choice>
-        <mc:Fallback>
+        <mc:Fallback xmlns="">
           <p:sp>
             <p:nvSpPr>
               <p:cNvPr id="5" name="TextBox 4">
@@ -6254,8 +6752,8 @@
           </p:sp>
         </mc:Fallback>
       </mc:AlternateContent>
-      <mc:AlternateContent xmlns:mc="http://schemas.openxmlformats.org/markup-compatibility/2006">
-        <mc:Choice xmlns:a14="http://schemas.microsoft.com/office/drawing/2010/main" Requires="a14">
+      <mc:AlternateContent xmlns:mc="http://schemas.openxmlformats.org/markup-compatibility/2006" xmlns:a14="http://schemas.microsoft.com/office/drawing/2010/main">
+        <mc:Choice Requires="a14">
           <p:sp>
             <p:nvSpPr>
               <p:cNvPr id="6" name="TextBox 5">
@@ -6394,7 +6892,7 @@
             </p:txBody>
           </p:sp>
         </mc:Choice>
-        <mc:Fallback>
+        <mc:Fallback xmlns="">
           <p:sp>
             <p:nvSpPr>
               <p:cNvPr id="6" name="TextBox 5">
@@ -6439,8 +6937,8 @@
           </p:sp>
         </mc:Fallback>
       </mc:AlternateContent>
-      <mc:AlternateContent xmlns:mc="http://schemas.openxmlformats.org/markup-compatibility/2006">
-        <mc:Choice xmlns:a14="http://schemas.microsoft.com/office/drawing/2010/main" Requires="a14">
+      <mc:AlternateContent xmlns:mc="http://schemas.openxmlformats.org/markup-compatibility/2006" xmlns:a14="http://schemas.microsoft.com/office/drawing/2010/main">
+        <mc:Choice Requires="a14">
           <p:sp>
             <p:nvSpPr>
               <p:cNvPr id="11" name="TextBox 10">
@@ -6964,7 +7462,7 @@
             </p:txBody>
           </p:sp>
         </mc:Choice>
-        <mc:Fallback>
+        <mc:Fallback xmlns="">
           <p:sp>
             <p:nvSpPr>
               <p:cNvPr id="11" name="TextBox 10">
@@ -7029,8 +7527,8 @@
             <a:chExt cx="6171215" cy="2359605"/>
           </a:xfrm>
         </p:grpSpPr>
-        <mc:AlternateContent xmlns:mc="http://schemas.openxmlformats.org/markup-compatibility/2006">
-          <mc:Choice xmlns:a14="http://schemas.microsoft.com/office/drawing/2010/main" Requires="a14">
+        <mc:AlternateContent xmlns:mc="http://schemas.openxmlformats.org/markup-compatibility/2006" xmlns:a14="http://schemas.microsoft.com/office/drawing/2010/main">
+          <mc:Choice Requires="a14">
             <p:sp>
               <p:nvSpPr>
                 <p:cNvPr id="8" name="TextBox 7">
@@ -7310,7 +7808,7 @@
               </p:txBody>
             </p:sp>
           </mc:Choice>
-          <mc:Fallback>
+          <mc:Fallback xmlns="">
             <p:sp>
               <p:nvSpPr>
                 <p:cNvPr id="8" name="TextBox 7">
@@ -7355,8 +7853,8 @@
             </p:sp>
           </mc:Fallback>
         </mc:AlternateContent>
-        <mc:AlternateContent xmlns:mc="http://schemas.openxmlformats.org/markup-compatibility/2006">
-          <mc:Choice xmlns:a14="http://schemas.microsoft.com/office/drawing/2010/main" Requires="a14">
+        <mc:AlternateContent xmlns:mc="http://schemas.openxmlformats.org/markup-compatibility/2006" xmlns:a14="http://schemas.microsoft.com/office/drawing/2010/main">
+          <mc:Choice Requires="a14">
             <p:sp>
               <p:nvSpPr>
                 <p:cNvPr id="9" name="TextBox 8">
@@ -7636,7 +8134,7 @@
               </p:txBody>
             </p:sp>
           </mc:Choice>
-          <mc:Fallback>
+          <mc:Fallback xmlns="">
             <p:sp>
               <p:nvSpPr>
                 <p:cNvPr id="9" name="TextBox 8">
@@ -7681,8 +8179,8 @@
             </p:sp>
           </mc:Fallback>
         </mc:AlternateContent>
-        <mc:AlternateContent xmlns:mc="http://schemas.openxmlformats.org/markup-compatibility/2006">
-          <mc:Choice xmlns:a14="http://schemas.microsoft.com/office/drawing/2010/main" Requires="a14">
+        <mc:AlternateContent xmlns:mc="http://schemas.openxmlformats.org/markup-compatibility/2006" xmlns:a14="http://schemas.microsoft.com/office/drawing/2010/main">
+          <mc:Choice Requires="a14">
             <p:sp>
               <p:nvSpPr>
                 <p:cNvPr id="10" name="TextBox 9">
@@ -7880,7 +8378,7 @@
               </p:txBody>
             </p:sp>
           </mc:Choice>
-          <mc:Fallback>
+          <mc:Fallback xmlns="">
             <p:sp>
               <p:nvSpPr>
                 <p:cNvPr id="10" name="TextBox 9">
@@ -8053,6 +8551,35 @@
           <a:lstStyle/>
           <a:p>
             <a:pPr algn="ctr"/>
+            <a:endParaRPr lang="ru-RU"/>
+          </a:p>
+        </p:txBody>
+      </p:sp>
+      <p:sp>
+        <p:nvSpPr>
+          <p:cNvPr id="14" name="Номер слайда 13">
+            <a:extLst>
+              <a:ext uri="{FF2B5EF4-FFF2-40B4-BE49-F238E27FC236}">
+                <a16:creationId xmlns:a16="http://schemas.microsoft.com/office/drawing/2014/main" id="{C65E9AF8-EC74-F0BF-D486-B131037CB8E8}"/>
+              </a:ext>
+            </a:extLst>
+          </p:cNvPr>
+          <p:cNvSpPr>
+            <a:spLocks noGrp="1"/>
+          </p:cNvSpPr>
+          <p:nvPr>
+            <p:ph type="sldNum" sz="quarter" idx="12"/>
+          </p:nvPr>
+        </p:nvSpPr>
+        <p:spPr/>
+        <p:txBody>
+          <a:bodyPr/>
+          <a:lstStyle/>
+          <a:p>
+            <a:fld id="{D16B7048-13AE-42EF-977F-20BE1693D16B}" type="slidenum">
+              <a:rPr lang="ru-RU" smtClean="0"/>
+              <a:t>14</a:t>
+            </a:fld>
             <a:endParaRPr lang="ru-RU"/>
           </a:p>
         </p:txBody>
@@ -10024,6 +10551,35 @@
           </a:p>
         </p:txBody>
       </p:sp>
+      <p:sp>
+        <p:nvSpPr>
+          <p:cNvPr id="12" name="Номер слайда 11">
+            <a:extLst>
+              <a:ext uri="{FF2B5EF4-FFF2-40B4-BE49-F238E27FC236}">
+                <a16:creationId xmlns:a16="http://schemas.microsoft.com/office/drawing/2014/main" id="{98E1FE4F-4D4D-68E0-E48D-CB0BF058060E}"/>
+              </a:ext>
+            </a:extLst>
+          </p:cNvPr>
+          <p:cNvSpPr>
+            <a:spLocks noGrp="1"/>
+          </p:cNvSpPr>
+          <p:nvPr>
+            <p:ph type="sldNum" sz="quarter" idx="12"/>
+          </p:nvPr>
+        </p:nvSpPr>
+        <p:spPr/>
+        <p:txBody>
+          <a:bodyPr/>
+          <a:lstStyle/>
+          <a:p>
+            <a:fld id="{D16B7048-13AE-42EF-977F-20BE1693D16B}" type="slidenum">
+              <a:rPr lang="ru-RU" smtClean="0"/>
+              <a:t>15</a:t>
+            </a:fld>
+            <a:endParaRPr lang="ru-RU"/>
+          </a:p>
+        </p:txBody>
+      </p:sp>
     </p:spTree>
     <p:extLst>
       <p:ext uri="{BB962C8B-B14F-4D97-AF65-F5344CB8AC3E}">
@@ -10668,6 +11224,35 @@
               <a:t>.</a:t>
             </a:r>
             <a:endParaRPr lang="ru-RU" dirty="0"/>
+          </a:p>
+        </p:txBody>
+      </p:sp>
+      <p:sp>
+        <p:nvSpPr>
+          <p:cNvPr id="3" name="Номер слайда 2">
+            <a:extLst>
+              <a:ext uri="{FF2B5EF4-FFF2-40B4-BE49-F238E27FC236}">
+                <a16:creationId xmlns:a16="http://schemas.microsoft.com/office/drawing/2014/main" id="{FFD759C6-10FF-9315-759F-E3F56E000064}"/>
+              </a:ext>
+            </a:extLst>
+          </p:cNvPr>
+          <p:cNvSpPr>
+            <a:spLocks noGrp="1"/>
+          </p:cNvSpPr>
+          <p:nvPr>
+            <p:ph type="sldNum" sz="quarter" idx="12"/>
+          </p:nvPr>
+        </p:nvSpPr>
+        <p:spPr/>
+        <p:txBody>
+          <a:bodyPr/>
+          <a:lstStyle/>
+          <a:p>
+            <a:fld id="{D16B7048-13AE-42EF-977F-20BE1693D16B}" type="slidenum">
+              <a:rPr lang="ru-RU" smtClean="0"/>
+              <a:t>16</a:t>
+            </a:fld>
+            <a:endParaRPr lang="ru-RU"/>
           </a:p>
         </p:txBody>
       </p:sp>
@@ -11118,6 +11703,35 @@
           </a:p>
         </p:txBody>
       </p:sp>
+      <p:sp>
+        <p:nvSpPr>
+          <p:cNvPr id="3" name="Номер слайда 2">
+            <a:extLst>
+              <a:ext uri="{FF2B5EF4-FFF2-40B4-BE49-F238E27FC236}">
+                <a16:creationId xmlns:a16="http://schemas.microsoft.com/office/drawing/2014/main" id="{0172B27E-A5AB-2EB4-08F1-F7F72F89CDBD}"/>
+              </a:ext>
+            </a:extLst>
+          </p:cNvPr>
+          <p:cNvSpPr>
+            <a:spLocks noGrp="1"/>
+          </p:cNvSpPr>
+          <p:nvPr>
+            <p:ph type="sldNum" sz="quarter" idx="12"/>
+          </p:nvPr>
+        </p:nvSpPr>
+        <p:spPr/>
+        <p:txBody>
+          <a:bodyPr/>
+          <a:lstStyle/>
+          <a:p>
+            <a:fld id="{D16B7048-13AE-42EF-977F-20BE1693D16B}" type="slidenum">
+              <a:rPr lang="ru-RU" smtClean="0"/>
+              <a:t>17</a:t>
+            </a:fld>
+            <a:endParaRPr lang="ru-RU"/>
+          </a:p>
+        </p:txBody>
+      </p:sp>
     </p:spTree>
     <p:extLst>
       <p:ext uri="{BB962C8B-B14F-4D97-AF65-F5344CB8AC3E}">
@@ -11710,6 +12324,35 @@
           </a:p>
         </p:txBody>
       </p:sp>
+      <p:sp>
+        <p:nvSpPr>
+          <p:cNvPr id="9" name="Номер слайда 8">
+            <a:extLst>
+              <a:ext uri="{FF2B5EF4-FFF2-40B4-BE49-F238E27FC236}">
+                <a16:creationId xmlns:a16="http://schemas.microsoft.com/office/drawing/2014/main" id="{2B7B9875-F191-3FEF-57F2-9B57D18DEA7C}"/>
+              </a:ext>
+            </a:extLst>
+          </p:cNvPr>
+          <p:cNvSpPr>
+            <a:spLocks noGrp="1"/>
+          </p:cNvSpPr>
+          <p:nvPr>
+            <p:ph type="sldNum" sz="quarter" idx="12"/>
+          </p:nvPr>
+        </p:nvSpPr>
+        <p:spPr/>
+        <p:txBody>
+          <a:bodyPr/>
+          <a:lstStyle/>
+          <a:p>
+            <a:fld id="{D16B7048-13AE-42EF-977F-20BE1693D16B}" type="slidenum">
+              <a:rPr lang="ru-RU" smtClean="0"/>
+              <a:t>18</a:t>
+            </a:fld>
+            <a:endParaRPr lang="ru-RU"/>
+          </a:p>
+        </p:txBody>
+      </p:sp>
     </p:spTree>
     <p:extLst>
       <p:ext uri="{BB962C8B-B14F-4D97-AF65-F5344CB8AC3E}">
@@ -12129,6 +12772,35 @@
           </a:p>
         </p:txBody>
       </p:sp>
+      <p:sp>
+        <p:nvSpPr>
+          <p:cNvPr id="2" name="Номер слайда 1">
+            <a:extLst>
+              <a:ext uri="{FF2B5EF4-FFF2-40B4-BE49-F238E27FC236}">
+                <a16:creationId xmlns:a16="http://schemas.microsoft.com/office/drawing/2014/main" id="{82E80E38-521A-D69F-DBAC-DE59A8E8C517}"/>
+              </a:ext>
+            </a:extLst>
+          </p:cNvPr>
+          <p:cNvSpPr>
+            <a:spLocks noGrp="1"/>
+          </p:cNvSpPr>
+          <p:nvPr>
+            <p:ph type="sldNum" sz="quarter" idx="12"/>
+          </p:nvPr>
+        </p:nvSpPr>
+        <p:spPr/>
+        <p:txBody>
+          <a:bodyPr/>
+          <a:lstStyle/>
+          <a:p>
+            <a:fld id="{D16B7048-13AE-42EF-977F-20BE1693D16B}" type="slidenum">
+              <a:rPr lang="ru-RU" smtClean="0"/>
+              <a:t>19</a:t>
+            </a:fld>
+            <a:endParaRPr lang="ru-RU"/>
+          </a:p>
+        </p:txBody>
+      </p:sp>
     </p:spTree>
     <p:extLst>
       <p:ext uri="{BB962C8B-B14F-4D97-AF65-F5344CB8AC3E}">
@@ -12560,6 +13232,35 @@
               </a:rPr>
               <a:t>Укрупненная группировка упоминаемых в публикациях месторождений на стратиграфической шкале (на основе материалов всероссийского научно-исследовательского геологического института им. А.П. Карпинского)</a:t>
             </a:r>
+          </a:p>
+        </p:txBody>
+      </p:sp>
+      <p:sp>
+        <p:nvSpPr>
+          <p:cNvPr id="2" name="Номер слайда 1">
+            <a:extLst>
+              <a:ext uri="{FF2B5EF4-FFF2-40B4-BE49-F238E27FC236}">
+                <a16:creationId xmlns:a16="http://schemas.microsoft.com/office/drawing/2014/main" id="{938482CC-0FD5-E005-49AA-3F19AC73247A}"/>
+              </a:ext>
+            </a:extLst>
+          </p:cNvPr>
+          <p:cNvSpPr>
+            <a:spLocks noGrp="1"/>
+          </p:cNvSpPr>
+          <p:nvPr>
+            <p:ph type="sldNum" sz="quarter" idx="12"/>
+          </p:nvPr>
+        </p:nvSpPr>
+        <p:spPr/>
+        <p:txBody>
+          <a:bodyPr/>
+          <a:lstStyle/>
+          <a:p>
+            <a:fld id="{D16B7048-13AE-42EF-977F-20BE1693D16B}" type="slidenum">
+              <a:rPr lang="ru-RU" smtClean="0"/>
+              <a:t>2</a:t>
+            </a:fld>
+            <a:endParaRPr lang="ru-RU"/>
           </a:p>
         </p:txBody>
       </p:sp>
@@ -13265,7 +13966,7 @@
                 <a:ea typeface="Times New Roman" panose="02020603050405020304" pitchFamily="18" charset="0"/>
                 <a:cs typeface="Arial" panose="020B0604020202020204" pitchFamily="34" charset="0"/>
               </a:rPr>
-              <a:t>Обзор прикладных задач и методов моделирования процессов тепломассопереноса в пласте при моделировании тепловых методов увеличение нефтеотдачи</a:t>
+              <a:t>Обзор прикладных задач и методов моделирования процессов тепломассопереноса в пласте при моделировании тепловых методов воздействия на пласт</a:t>
             </a:r>
             <a:r>
               <a:rPr lang="en-US" sz="1800" dirty="0">
@@ -13347,6 +14048,35 @@
               <a:latin typeface="Times New Roman" panose="02020603050405020304" pitchFamily="18" charset="0"/>
               <a:ea typeface="Calibri" panose="020F0502020204030204" pitchFamily="34" charset="0"/>
             </a:endParaRPr>
+          </a:p>
+        </p:txBody>
+      </p:sp>
+      <p:sp>
+        <p:nvSpPr>
+          <p:cNvPr id="6" name="Номер слайда 5">
+            <a:extLst>
+              <a:ext uri="{FF2B5EF4-FFF2-40B4-BE49-F238E27FC236}">
+                <a16:creationId xmlns:a16="http://schemas.microsoft.com/office/drawing/2014/main" id="{B90C22B9-93EB-662B-20C9-1795290ED582}"/>
+              </a:ext>
+            </a:extLst>
+          </p:cNvPr>
+          <p:cNvSpPr>
+            <a:spLocks noGrp="1"/>
+          </p:cNvSpPr>
+          <p:nvPr>
+            <p:ph type="sldNum" sz="quarter" idx="12"/>
+          </p:nvPr>
+        </p:nvSpPr>
+        <p:spPr/>
+        <p:txBody>
+          <a:bodyPr/>
+          <a:lstStyle/>
+          <a:p>
+            <a:fld id="{D16B7048-13AE-42EF-977F-20BE1693D16B}" type="slidenum">
+              <a:rPr lang="ru-RU" smtClean="0"/>
+              <a:t>20</a:t>
+            </a:fld>
+            <a:endParaRPr lang="ru-RU"/>
           </a:p>
         </p:txBody>
       </p:sp>
@@ -13689,6 +14419,35 @@
           </a:prstGeom>
         </p:spPr>
       </p:pic>
+      <p:sp>
+        <p:nvSpPr>
+          <p:cNvPr id="3" name="Номер слайда 2">
+            <a:extLst>
+              <a:ext uri="{FF2B5EF4-FFF2-40B4-BE49-F238E27FC236}">
+                <a16:creationId xmlns:a16="http://schemas.microsoft.com/office/drawing/2014/main" id="{99925EA5-E8E5-BCEF-15E9-1F9A6A114EBA}"/>
+              </a:ext>
+            </a:extLst>
+          </p:cNvPr>
+          <p:cNvSpPr>
+            <a:spLocks noGrp="1"/>
+          </p:cNvSpPr>
+          <p:nvPr>
+            <p:ph type="sldNum" sz="quarter" idx="12"/>
+          </p:nvPr>
+        </p:nvSpPr>
+        <p:spPr/>
+        <p:txBody>
+          <a:bodyPr/>
+          <a:lstStyle/>
+          <a:p>
+            <a:fld id="{D16B7048-13AE-42EF-977F-20BE1693D16B}" type="slidenum">
+              <a:rPr lang="ru-RU" smtClean="0"/>
+              <a:t>21</a:t>
+            </a:fld>
+            <a:endParaRPr lang="ru-RU"/>
+          </a:p>
+        </p:txBody>
+      </p:sp>
     </p:spTree>
     <p:extLst>
       <p:ext uri="{BB962C8B-B14F-4D97-AF65-F5344CB8AC3E}">
@@ -14028,6 +14787,35 @@
           </a:prstGeom>
         </p:spPr>
       </p:pic>
+      <p:sp>
+        <p:nvSpPr>
+          <p:cNvPr id="3" name="Номер слайда 2">
+            <a:extLst>
+              <a:ext uri="{FF2B5EF4-FFF2-40B4-BE49-F238E27FC236}">
+                <a16:creationId xmlns:a16="http://schemas.microsoft.com/office/drawing/2014/main" id="{97F2F2C4-ABCC-962F-29EF-E81FB851CB98}"/>
+              </a:ext>
+            </a:extLst>
+          </p:cNvPr>
+          <p:cNvSpPr>
+            <a:spLocks noGrp="1"/>
+          </p:cNvSpPr>
+          <p:nvPr>
+            <p:ph type="sldNum" sz="quarter" idx="12"/>
+          </p:nvPr>
+        </p:nvSpPr>
+        <p:spPr/>
+        <p:txBody>
+          <a:bodyPr/>
+          <a:lstStyle/>
+          <a:p>
+            <a:fld id="{D16B7048-13AE-42EF-977F-20BE1693D16B}" type="slidenum">
+              <a:rPr lang="ru-RU" smtClean="0"/>
+              <a:t>22</a:t>
+            </a:fld>
+            <a:endParaRPr lang="ru-RU"/>
+          </a:p>
+        </p:txBody>
+      </p:sp>
     </p:spTree>
     <p:extLst>
       <p:ext uri="{BB962C8B-B14F-4D97-AF65-F5344CB8AC3E}">
@@ -14416,6 +15204,35 @@
           </a:prstGeom>
         </p:spPr>
       </p:pic>
+      <p:sp>
+        <p:nvSpPr>
+          <p:cNvPr id="3" name="Номер слайда 2">
+            <a:extLst>
+              <a:ext uri="{FF2B5EF4-FFF2-40B4-BE49-F238E27FC236}">
+                <a16:creationId xmlns:a16="http://schemas.microsoft.com/office/drawing/2014/main" id="{6805C295-5907-78E4-26CD-0D3B718E370C}"/>
+              </a:ext>
+            </a:extLst>
+          </p:cNvPr>
+          <p:cNvSpPr>
+            <a:spLocks noGrp="1"/>
+          </p:cNvSpPr>
+          <p:nvPr>
+            <p:ph type="sldNum" sz="quarter" idx="12"/>
+          </p:nvPr>
+        </p:nvSpPr>
+        <p:spPr/>
+        <p:txBody>
+          <a:bodyPr/>
+          <a:lstStyle/>
+          <a:p>
+            <a:fld id="{D16B7048-13AE-42EF-977F-20BE1693D16B}" type="slidenum">
+              <a:rPr lang="ru-RU" smtClean="0"/>
+              <a:t>23</a:t>
+            </a:fld>
+            <a:endParaRPr lang="ru-RU"/>
+          </a:p>
+        </p:txBody>
+      </p:sp>
     </p:spTree>
     <p:extLst>
       <p:ext uri="{BB962C8B-B14F-4D97-AF65-F5344CB8AC3E}">
@@ -14804,6 +15621,35 @@
           </a:prstGeom>
         </p:spPr>
       </p:pic>
+      <p:sp>
+        <p:nvSpPr>
+          <p:cNvPr id="5" name="Номер слайда 4">
+            <a:extLst>
+              <a:ext uri="{FF2B5EF4-FFF2-40B4-BE49-F238E27FC236}">
+                <a16:creationId xmlns:a16="http://schemas.microsoft.com/office/drawing/2014/main" id="{BD4BACC8-ECBC-379F-3DC5-4A8B22722494}"/>
+              </a:ext>
+            </a:extLst>
+          </p:cNvPr>
+          <p:cNvSpPr>
+            <a:spLocks noGrp="1"/>
+          </p:cNvSpPr>
+          <p:nvPr>
+            <p:ph type="sldNum" sz="quarter" idx="12"/>
+          </p:nvPr>
+        </p:nvSpPr>
+        <p:spPr/>
+        <p:txBody>
+          <a:bodyPr/>
+          <a:lstStyle/>
+          <a:p>
+            <a:fld id="{D16B7048-13AE-42EF-977F-20BE1693D16B}" type="slidenum">
+              <a:rPr lang="ru-RU" smtClean="0"/>
+              <a:t>24</a:t>
+            </a:fld>
+            <a:endParaRPr lang="ru-RU"/>
+          </a:p>
+        </p:txBody>
+      </p:sp>
     </p:spTree>
     <p:extLst>
       <p:ext uri="{BB962C8B-B14F-4D97-AF65-F5344CB8AC3E}">
@@ -14989,8 +15835,8 @@
         </p:nvSpPr>
         <p:spPr>
           <a:xfrm>
-            <a:off x="150322" y="910678"/>
-            <a:ext cx="10201688" cy="5036643"/>
+            <a:off x="150321" y="910678"/>
+            <a:ext cx="11021261" cy="5036643"/>
           </a:xfrm>
           <a:prstGeom prst="rect">
             <a:avLst/>
@@ -15255,7 +16101,7 @@
             </a:r>
             <a:r>
               <a:rPr lang="ru-RU" sz="1800" dirty="0"/>
-              <a:t>эксплуатация скважин на месторождениях с аномальными пластовыми давлениями и температурами сопровождается вынужденными остановки и проведением ГТМ для ликвидации последствий</a:t>
+              <a:t>эксплуатация скважин на месторождениях с аномальными пластовыми давлениями и температурами сопровождается вынужденными остановками для проведения ГТМ обработок ПЗП от газовых гидратов</a:t>
             </a:r>
             <a:r>
               <a:rPr lang="en-US" sz="1800" dirty="0"/>
@@ -15308,6 +16154,35 @@
               <a:rPr lang="ru-RU" sz="1800" dirty="0"/>
               <a:t>программные комплексы не в полной мере позволяют достоверно моделировать процессы тепломассопереноса в газовых и газоконденсатных пластах с аномальными термобарическими условиями с учетом падения ФЭС призабойной зоны вследствие образования газовых гидратов.</a:t>
             </a:r>
+          </a:p>
+        </p:txBody>
+      </p:sp>
+      <p:sp>
+        <p:nvSpPr>
+          <p:cNvPr id="3" name="Номер слайда 2">
+            <a:extLst>
+              <a:ext uri="{FF2B5EF4-FFF2-40B4-BE49-F238E27FC236}">
+                <a16:creationId xmlns:a16="http://schemas.microsoft.com/office/drawing/2014/main" id="{522187ED-ACDA-3ECD-065E-A0C3281D65D2}"/>
+              </a:ext>
+            </a:extLst>
+          </p:cNvPr>
+          <p:cNvSpPr>
+            <a:spLocks noGrp="1"/>
+          </p:cNvSpPr>
+          <p:nvPr>
+            <p:ph type="sldNum" sz="quarter" idx="12"/>
+          </p:nvPr>
+        </p:nvSpPr>
+        <p:spPr/>
+        <p:txBody>
+          <a:bodyPr/>
+          <a:lstStyle/>
+          <a:p>
+            <a:fld id="{D16B7048-13AE-42EF-977F-20BE1693D16B}" type="slidenum">
+              <a:rPr lang="ru-RU" smtClean="0"/>
+              <a:t>3</a:t>
+            </a:fld>
+            <a:endParaRPr lang="ru-RU"/>
           </a:p>
         </p:txBody>
       </p:sp>
@@ -15959,6 +16834,35 @@
           </a:extLst>
         </p:spPr>
       </p:pic>
+      <p:sp>
+        <p:nvSpPr>
+          <p:cNvPr id="2" name="Номер слайда 1">
+            <a:extLst>
+              <a:ext uri="{FF2B5EF4-FFF2-40B4-BE49-F238E27FC236}">
+                <a16:creationId xmlns:a16="http://schemas.microsoft.com/office/drawing/2014/main" id="{7A8FA78C-350B-395E-900C-CFA8DB3BC626}"/>
+              </a:ext>
+            </a:extLst>
+          </p:cNvPr>
+          <p:cNvSpPr>
+            <a:spLocks noGrp="1"/>
+          </p:cNvSpPr>
+          <p:nvPr>
+            <p:ph type="sldNum" sz="quarter" idx="12"/>
+          </p:nvPr>
+        </p:nvSpPr>
+        <p:spPr/>
+        <p:txBody>
+          <a:bodyPr/>
+          <a:lstStyle/>
+          <a:p>
+            <a:fld id="{D16B7048-13AE-42EF-977F-20BE1693D16B}" type="slidenum">
+              <a:rPr lang="ru-RU" smtClean="0"/>
+              <a:t>4</a:t>
+            </a:fld>
+            <a:endParaRPr lang="ru-RU"/>
+          </a:p>
+        </p:txBody>
+      </p:sp>
     </p:spTree>
     <p:extLst>
       <p:ext uri="{BB962C8B-B14F-4D97-AF65-F5344CB8AC3E}">
@@ -16324,27 +17228,12 @@
           <a:p>
             <a:pPr algn="just"/>
             <a:r>
+              <a:rPr lang="ru-RU" dirty="0"/>
+              <a:t>3)</a:t>
+            </a:r>
+            <a:r>
               <a:rPr lang="ru-RU" sz="1800" dirty="0"/>
-              <a:t>3) Метод математического моделирования изменения минерализации в призабойной зоне для учета влияни</a:t>
-            </a:r>
-            <a:r>
-              <a:rPr lang="ru-RU" dirty="0"/>
-              <a:t>я на </a:t>
-            </a:r>
-            <a:r>
-              <a:rPr lang="ru-RU" sz="1800" dirty="0"/>
-              <a:t>термодинамическое равновесие пластового флюида и фазовые переходы в газовые гидраты.</a:t>
-            </a:r>
-          </a:p>
-          <a:p>
-            <a:pPr algn="just"/>
-            <a:endParaRPr lang="ru-RU" sz="1800" dirty="0"/>
-          </a:p>
-          <a:p>
-            <a:pPr algn="just"/>
-            <a:r>
-              <a:rPr lang="ru-RU" sz="1800" dirty="0"/>
-              <a:t>4) Программный комплекс, реализующий предлагаемые методы для моделирования процессов тепломассопереноса с учетом фазового перехода пластовых флюидов в газовый гидрат</a:t>
+              <a:t> Программный комплекс, реализующий предлагаемые методы для моделирования процессов тепломассопереноса с учетом фазового перехода пластовых флюидов в газовый гидрат</a:t>
             </a:r>
             <a:r>
               <a:rPr lang="en-US" sz="1800" dirty="0"/>
@@ -16354,6 +17243,47 @@
               <a:rPr lang="ru-RU" sz="1800" dirty="0"/>
               <a:t>верификация результатов моделирования на прогноз с историческими данными работы скважин месторождения Х.</a:t>
             </a:r>
+          </a:p>
+          <a:p>
+            <a:pPr algn="just"/>
+            <a:endParaRPr lang="ru-RU" dirty="0"/>
+          </a:p>
+          <a:p>
+            <a:pPr algn="just"/>
+            <a:r>
+              <a:rPr lang="ru-RU" dirty="0"/>
+              <a:t>4) Метод математического моделирования изменения минерализации в призабойной зоне для учета влияния на термодинамическое равновесие пластового флюида и фазовые переходы в газовые гидраты.</a:t>
+            </a:r>
+            <a:endParaRPr lang="ru-RU" sz="1800" dirty="0"/>
+          </a:p>
+        </p:txBody>
+      </p:sp>
+      <p:sp>
+        <p:nvSpPr>
+          <p:cNvPr id="5" name="Номер слайда 4">
+            <a:extLst>
+              <a:ext uri="{FF2B5EF4-FFF2-40B4-BE49-F238E27FC236}">
+                <a16:creationId xmlns:a16="http://schemas.microsoft.com/office/drawing/2014/main" id="{491CC8CA-9B75-AFAF-3543-C34670B41BC8}"/>
+              </a:ext>
+            </a:extLst>
+          </p:cNvPr>
+          <p:cNvSpPr>
+            <a:spLocks noGrp="1"/>
+          </p:cNvSpPr>
+          <p:nvPr>
+            <p:ph type="sldNum" sz="quarter" idx="12"/>
+          </p:nvPr>
+        </p:nvSpPr>
+        <p:spPr/>
+        <p:txBody>
+          <a:bodyPr/>
+          <a:lstStyle/>
+          <a:p>
+            <a:fld id="{D16B7048-13AE-42EF-977F-20BE1693D16B}" type="slidenum">
+              <a:rPr lang="ru-RU" smtClean="0"/>
+              <a:t>5</a:t>
+            </a:fld>
+            <a:endParaRPr lang="ru-RU"/>
           </a:p>
         </p:txBody>
       </p:sp>
@@ -16907,7 +17837,7 @@
           <p:nvPr>
             <p:extLst>
               <p:ext uri="{D42A27DB-BD31-4B8C-83A1-F6EECF244321}">
-                <p14:modId xmlns:p14="http://schemas.microsoft.com/office/powerpoint/2010/main" val="1800349496"/>
+                <p14:modId xmlns:p14="http://schemas.microsoft.com/office/powerpoint/2010/main" val="207452285"/>
               </p:ext>
             </p:extLst>
           </p:nvPr>
@@ -17505,6 +18435,24 @@
                         </a:rPr>
                         <a:t>условия накопления</a:t>
                       </a:r>
+                      <a:r>
+                        <a:rPr lang="en-US" sz="1300" dirty="0">
+                          <a:effectLst/>
+                          <a:latin typeface="Times New Roman" panose="02020603050405020304" pitchFamily="18" charset="0"/>
+                          <a:ea typeface="Times New Roman" panose="02020603050405020304" pitchFamily="18" charset="0"/>
+                          <a:cs typeface="Times New Roman" panose="02020603050405020304" pitchFamily="18" charset="0"/>
+                        </a:rPr>
+                        <a:t>, </a:t>
+                      </a:r>
+                      <a:r>
+                        <a:rPr lang="ru-RU" sz="1300" dirty="0">
+                          <a:effectLst/>
+                          <a:latin typeface="Times New Roman" panose="02020603050405020304" pitchFamily="18" charset="0"/>
+                          <a:ea typeface="Times New Roman" panose="02020603050405020304" pitchFamily="18" charset="0"/>
+                          <a:cs typeface="Times New Roman" panose="02020603050405020304" pitchFamily="18" charset="0"/>
+                        </a:rPr>
+                        <a:t>но нет учета влияния на проницаемость</a:t>
+                      </a:r>
                       <a:endParaRPr lang="ru-RU" sz="1000" dirty="0">
                         <a:effectLst/>
                         <a:latin typeface="Times New Roman" panose="02020603050405020304" pitchFamily="18" charset="0"/>
@@ -18024,6 +18972,35 @@
           </a:graphicData>
         </a:graphic>
       </p:graphicFrame>
+      <p:sp>
+        <p:nvSpPr>
+          <p:cNvPr id="8" name="Номер слайда 7">
+            <a:extLst>
+              <a:ext uri="{FF2B5EF4-FFF2-40B4-BE49-F238E27FC236}">
+                <a16:creationId xmlns:a16="http://schemas.microsoft.com/office/drawing/2014/main" id="{0A6CA42B-1ECA-96FA-5D8C-E7F46ED3FDC1}"/>
+              </a:ext>
+            </a:extLst>
+          </p:cNvPr>
+          <p:cNvSpPr>
+            <a:spLocks noGrp="1"/>
+          </p:cNvSpPr>
+          <p:nvPr>
+            <p:ph type="sldNum" sz="quarter" idx="12"/>
+          </p:nvPr>
+        </p:nvSpPr>
+        <p:spPr/>
+        <p:txBody>
+          <a:bodyPr/>
+          <a:lstStyle/>
+          <a:p>
+            <a:fld id="{D16B7048-13AE-42EF-977F-20BE1693D16B}" type="slidenum">
+              <a:rPr lang="ru-RU" smtClean="0"/>
+              <a:t>6</a:t>
+            </a:fld>
+            <a:endParaRPr lang="ru-RU"/>
+          </a:p>
+        </p:txBody>
+      </p:sp>
     </p:spTree>
     <p:extLst>
       <p:ext uri="{BB962C8B-B14F-4D97-AF65-F5344CB8AC3E}">
@@ -18434,6 +19411,35 @@
               <a:rPr lang="ru-RU" sz="1800" dirty="0"/>
               <a:t>выводы о применимости симулятора для скважин месторождения Х.</a:t>
             </a:r>
+          </a:p>
+        </p:txBody>
+      </p:sp>
+      <p:sp>
+        <p:nvSpPr>
+          <p:cNvPr id="5" name="Номер слайда 4">
+            <a:extLst>
+              <a:ext uri="{FF2B5EF4-FFF2-40B4-BE49-F238E27FC236}">
+                <a16:creationId xmlns:a16="http://schemas.microsoft.com/office/drawing/2014/main" id="{134E593F-6CFA-BF94-427E-28C2BD2EE856}"/>
+              </a:ext>
+            </a:extLst>
+          </p:cNvPr>
+          <p:cNvSpPr>
+            <a:spLocks noGrp="1"/>
+          </p:cNvSpPr>
+          <p:nvPr>
+            <p:ph type="sldNum" sz="quarter" idx="12"/>
+          </p:nvPr>
+        </p:nvSpPr>
+        <p:spPr/>
+        <p:txBody>
+          <a:bodyPr/>
+          <a:lstStyle/>
+          <a:p>
+            <a:fld id="{D16B7048-13AE-42EF-977F-20BE1693D16B}" type="slidenum">
+              <a:rPr lang="ru-RU" smtClean="0"/>
+              <a:t>7</a:t>
+            </a:fld>
+            <a:endParaRPr lang="ru-RU"/>
           </a:p>
         </p:txBody>
       </p:sp>
@@ -19059,6 +20065,35 @@
           </a:fontRef>
         </p:style>
       </p:cxnSp>
+      <p:sp>
+        <p:nvSpPr>
+          <p:cNvPr id="6" name="Номер слайда 5">
+            <a:extLst>
+              <a:ext uri="{FF2B5EF4-FFF2-40B4-BE49-F238E27FC236}">
+                <a16:creationId xmlns:a16="http://schemas.microsoft.com/office/drawing/2014/main" id="{98E315BB-7C9D-ED93-1A59-C0B6B4CB7D01}"/>
+              </a:ext>
+            </a:extLst>
+          </p:cNvPr>
+          <p:cNvSpPr>
+            <a:spLocks noGrp="1"/>
+          </p:cNvSpPr>
+          <p:nvPr>
+            <p:ph type="sldNum" sz="quarter" idx="12"/>
+          </p:nvPr>
+        </p:nvSpPr>
+        <p:spPr/>
+        <p:txBody>
+          <a:bodyPr/>
+          <a:lstStyle/>
+          <a:p>
+            <a:fld id="{D16B7048-13AE-42EF-977F-20BE1693D16B}" type="slidenum">
+              <a:rPr lang="ru-RU" smtClean="0"/>
+              <a:t>8</a:t>
+            </a:fld>
+            <a:endParaRPr lang="ru-RU"/>
+          </a:p>
+        </p:txBody>
+      </p:sp>
     </p:spTree>
     <p:extLst>
       <p:ext uri="{BB962C8B-B14F-4D97-AF65-F5344CB8AC3E}">
@@ -19708,6 +20743,35 @@
           </a:fontRef>
         </p:style>
       </p:cxnSp>
+      <p:sp>
+        <p:nvSpPr>
+          <p:cNvPr id="3" name="Номер слайда 2">
+            <a:extLst>
+              <a:ext uri="{FF2B5EF4-FFF2-40B4-BE49-F238E27FC236}">
+                <a16:creationId xmlns:a16="http://schemas.microsoft.com/office/drawing/2014/main" id="{368E855D-692C-7D2D-E1ED-20C6D7D8F893}"/>
+              </a:ext>
+            </a:extLst>
+          </p:cNvPr>
+          <p:cNvSpPr>
+            <a:spLocks noGrp="1"/>
+          </p:cNvSpPr>
+          <p:nvPr>
+            <p:ph type="sldNum" sz="quarter" idx="12"/>
+          </p:nvPr>
+        </p:nvSpPr>
+        <p:spPr/>
+        <p:txBody>
+          <a:bodyPr/>
+          <a:lstStyle/>
+          <a:p>
+            <a:fld id="{D16B7048-13AE-42EF-977F-20BE1693D16B}" type="slidenum">
+              <a:rPr lang="ru-RU" smtClean="0"/>
+              <a:t>9</a:t>
+            </a:fld>
+            <a:endParaRPr lang="ru-RU"/>
+          </a:p>
+        </p:txBody>
+      </p:sp>
     </p:spTree>
     <p:extLst>
       <p:ext uri="{BB962C8B-B14F-4D97-AF65-F5344CB8AC3E}">
@@ -19980,4 +21044,299 @@
     </a:ext>
   </a:extLst>
 </a:theme>
+</file>
+
+<file path=ppt/theme/theme2.xml><?xml version="1.0" encoding="utf-8"?>
+<a:theme xmlns:a="http://schemas.openxmlformats.org/drawingml/2006/main" name="Тема Office">
+  <a:themeElements>
+    <a:clrScheme name="Стандартная">
+      <a:dk1>
+        <a:sysClr val="windowText" lastClr="000000"/>
+      </a:dk1>
+      <a:lt1>
+        <a:sysClr val="window" lastClr="FFFFFF"/>
+      </a:lt1>
+      <a:dk2>
+        <a:srgbClr val="44546A"/>
+      </a:dk2>
+      <a:lt2>
+        <a:srgbClr val="E7E6E6"/>
+      </a:lt2>
+      <a:accent1>
+        <a:srgbClr val="4472C4"/>
+      </a:accent1>
+      <a:accent2>
+        <a:srgbClr val="ED7D31"/>
+      </a:accent2>
+      <a:accent3>
+        <a:srgbClr val="A5A5A5"/>
+      </a:accent3>
+      <a:accent4>
+        <a:srgbClr val="FFC000"/>
+      </a:accent4>
+      <a:accent5>
+        <a:srgbClr val="5B9BD5"/>
+      </a:accent5>
+      <a:accent6>
+        <a:srgbClr val="70AD47"/>
+      </a:accent6>
+      <a:hlink>
+        <a:srgbClr val="0563C1"/>
+      </a:hlink>
+      <a:folHlink>
+        <a:srgbClr val="954F72"/>
+      </a:folHlink>
+    </a:clrScheme>
+    <a:fontScheme name="Стандартная">
+      <a:majorFont>
+        <a:latin typeface="Calibri Light" panose="020F0302020204030204"/>
+        <a:ea typeface=""/>
+        <a:cs typeface=""/>
+        <a:font script="Jpan" typeface="游ゴシック Light"/>
+        <a:font script="Hang" typeface="맑은 고딕"/>
+        <a:font script="Hans" typeface="等线 Light"/>
+        <a:font script="Hant" typeface="新細明體"/>
+        <a:font script="Arab" typeface="Times New Roman"/>
+        <a:font script="Hebr" typeface="Times New Roman"/>
+        <a:font script="Thai" typeface="Angsana New"/>
+        <a:font script="Ethi" typeface="Nyala"/>
+        <a:font script="Beng" typeface="Vrinda"/>
+        <a:font script="Gujr" typeface="Shruti"/>
+        <a:font script="Khmr" typeface="MoolBoran"/>
+        <a:font script="Knda" typeface="Tunga"/>
+        <a:font script="Guru" typeface="Raavi"/>
+        <a:font script="Cans" typeface="Euphemia"/>
+        <a:font script="Cher" typeface="Plantagenet Cherokee"/>
+        <a:font script="Yiii" typeface="Microsoft Yi Baiti"/>
+        <a:font script="Tibt" typeface="Microsoft Himalaya"/>
+        <a:font script="Thaa" typeface="MV Boli"/>
+        <a:font script="Deva" typeface="Mangal"/>
+        <a:font script="Telu" typeface="Gautami"/>
+        <a:font script="Taml" typeface="Latha"/>
+        <a:font script="Syrc" typeface="Estrangelo Edessa"/>
+        <a:font script="Orya" typeface="Kalinga"/>
+        <a:font script="Mlym" typeface="Kartika"/>
+        <a:font script="Laoo" typeface="DokChampa"/>
+        <a:font script="Sinh" typeface="Iskoola Pota"/>
+        <a:font script="Mong" typeface="Mongolian Baiti"/>
+        <a:font script="Viet" typeface="Times New Roman"/>
+        <a:font script="Uigh" typeface="Microsoft Uighur"/>
+        <a:font script="Geor" typeface="Sylfaen"/>
+        <a:font script="Armn" typeface="Arial"/>
+        <a:font script="Bugi" typeface="Leelawadee UI"/>
+        <a:font script="Bopo" typeface="Microsoft JhengHei"/>
+        <a:font script="Java" typeface="Javanese Text"/>
+        <a:font script="Lisu" typeface="Segoe UI"/>
+        <a:font script="Mymr" typeface="Myanmar Text"/>
+        <a:font script="Nkoo" typeface="Ebrima"/>
+        <a:font script="Olck" typeface="Nirmala UI"/>
+        <a:font script="Osma" typeface="Ebrima"/>
+        <a:font script="Phag" typeface="Phagspa"/>
+        <a:font script="Syrn" typeface="Estrangelo Edessa"/>
+        <a:font script="Syrj" typeface="Estrangelo Edessa"/>
+        <a:font script="Syre" typeface="Estrangelo Edessa"/>
+        <a:font script="Sora" typeface="Nirmala UI"/>
+        <a:font script="Tale" typeface="Microsoft Tai Le"/>
+        <a:font script="Talu" typeface="Microsoft New Tai Lue"/>
+        <a:font script="Tfng" typeface="Ebrima"/>
+      </a:majorFont>
+      <a:minorFont>
+        <a:latin typeface="Calibri" panose="020F0502020204030204"/>
+        <a:ea typeface=""/>
+        <a:cs typeface=""/>
+        <a:font script="Jpan" typeface="游ゴシック"/>
+        <a:font script="Hang" typeface="맑은 고딕"/>
+        <a:font script="Hans" typeface="等线"/>
+        <a:font script="Hant" typeface="新細明體"/>
+        <a:font script="Arab" typeface="Arial"/>
+        <a:font script="Hebr" typeface="Arial"/>
+        <a:font script="Thai" typeface="Cordia New"/>
+        <a:font script="Ethi" typeface="Nyala"/>
+        <a:font script="Beng" typeface="Vrinda"/>
+        <a:font script="Gujr" typeface="Shruti"/>
+        <a:font script="Khmr" typeface="DaunPenh"/>
+        <a:font script="Knda" typeface="Tunga"/>
+        <a:font script="Guru" typeface="Raavi"/>
+        <a:font script="Cans" typeface="Euphemia"/>
+        <a:font script="Cher" typeface="Plantagenet Cherokee"/>
+        <a:font script="Yiii" typeface="Microsoft Yi Baiti"/>
+        <a:font script="Tibt" typeface="Microsoft Himalaya"/>
+        <a:font script="Thaa" typeface="MV Boli"/>
+        <a:font script="Deva" typeface="Mangal"/>
+        <a:font script="Telu" typeface="Gautami"/>
+        <a:font script="Taml" typeface="Latha"/>
+        <a:font script="Syrc" typeface="Estrangelo Edessa"/>
+        <a:font script="Orya" typeface="Kalinga"/>
+        <a:font script="Mlym" typeface="Kartika"/>
+        <a:font script="Laoo" typeface="DokChampa"/>
+        <a:font script="Sinh" typeface="Iskoola Pota"/>
+        <a:font script="Mong" typeface="Mongolian Baiti"/>
+        <a:font script="Viet" typeface="Arial"/>
+        <a:font script="Uigh" typeface="Microsoft Uighur"/>
+        <a:font script="Geor" typeface="Sylfaen"/>
+        <a:font script="Armn" typeface="Arial"/>
+        <a:font script="Bugi" typeface="Leelawadee UI"/>
+        <a:font script="Bopo" typeface="Microsoft JhengHei"/>
+        <a:font script="Java" typeface="Javanese Text"/>
+        <a:font script="Lisu" typeface="Segoe UI"/>
+        <a:font script="Mymr" typeface="Myanmar Text"/>
+        <a:font script="Nkoo" typeface="Ebrima"/>
+        <a:font script="Olck" typeface="Nirmala UI"/>
+        <a:font script="Osma" typeface="Ebrima"/>
+        <a:font script="Phag" typeface="Phagspa"/>
+        <a:font script="Syrn" typeface="Estrangelo Edessa"/>
+        <a:font script="Syrj" typeface="Estrangelo Edessa"/>
+        <a:font script="Syre" typeface="Estrangelo Edessa"/>
+        <a:font script="Sora" typeface="Nirmala UI"/>
+        <a:font script="Tale" typeface="Microsoft Tai Le"/>
+        <a:font script="Talu" typeface="Microsoft New Tai Lue"/>
+        <a:font script="Tfng" typeface="Ebrima"/>
+      </a:minorFont>
+    </a:fontScheme>
+    <a:fmtScheme name="Стандартная">
+      <a:fillStyleLst>
+        <a:solidFill>
+          <a:schemeClr val="phClr"/>
+        </a:solidFill>
+        <a:gradFill rotWithShape="1">
+          <a:gsLst>
+            <a:gs pos="0">
+              <a:schemeClr val="phClr">
+                <a:lumMod val="110000"/>
+                <a:satMod val="105000"/>
+                <a:tint val="67000"/>
+              </a:schemeClr>
+            </a:gs>
+            <a:gs pos="50000">
+              <a:schemeClr val="phClr">
+                <a:lumMod val="105000"/>
+                <a:satMod val="103000"/>
+                <a:tint val="73000"/>
+              </a:schemeClr>
+            </a:gs>
+            <a:gs pos="100000">
+              <a:schemeClr val="phClr">
+                <a:lumMod val="105000"/>
+                <a:satMod val="109000"/>
+                <a:tint val="81000"/>
+              </a:schemeClr>
+            </a:gs>
+          </a:gsLst>
+          <a:lin ang="5400000" scaled="0"/>
+        </a:gradFill>
+        <a:gradFill rotWithShape="1">
+          <a:gsLst>
+            <a:gs pos="0">
+              <a:schemeClr val="phClr">
+                <a:satMod val="103000"/>
+                <a:lumMod val="102000"/>
+                <a:tint val="94000"/>
+              </a:schemeClr>
+            </a:gs>
+            <a:gs pos="50000">
+              <a:schemeClr val="phClr">
+                <a:satMod val="110000"/>
+                <a:lumMod val="100000"/>
+                <a:shade val="100000"/>
+              </a:schemeClr>
+            </a:gs>
+            <a:gs pos="100000">
+              <a:schemeClr val="phClr">
+                <a:lumMod val="99000"/>
+                <a:satMod val="120000"/>
+                <a:shade val="78000"/>
+              </a:schemeClr>
+            </a:gs>
+          </a:gsLst>
+          <a:lin ang="5400000" scaled="0"/>
+        </a:gradFill>
+      </a:fillStyleLst>
+      <a:lnStyleLst>
+        <a:ln w="6350" cap="flat" cmpd="sng" algn="ctr">
+          <a:solidFill>
+            <a:schemeClr val="phClr"/>
+          </a:solidFill>
+          <a:prstDash val="solid"/>
+          <a:miter lim="800000"/>
+        </a:ln>
+        <a:ln w="12700" cap="flat" cmpd="sng" algn="ctr">
+          <a:solidFill>
+            <a:schemeClr val="phClr"/>
+          </a:solidFill>
+          <a:prstDash val="solid"/>
+          <a:miter lim="800000"/>
+        </a:ln>
+        <a:ln w="19050" cap="flat" cmpd="sng" algn="ctr">
+          <a:solidFill>
+            <a:schemeClr val="phClr"/>
+          </a:solidFill>
+          <a:prstDash val="solid"/>
+          <a:miter lim="800000"/>
+        </a:ln>
+      </a:lnStyleLst>
+      <a:effectStyleLst>
+        <a:effectStyle>
+          <a:effectLst/>
+        </a:effectStyle>
+        <a:effectStyle>
+          <a:effectLst/>
+        </a:effectStyle>
+        <a:effectStyle>
+          <a:effectLst>
+            <a:outerShdw blurRad="57150" dist="19050" dir="5400000" algn="ctr" rotWithShape="0">
+              <a:srgbClr val="000000">
+                <a:alpha val="63000"/>
+              </a:srgbClr>
+            </a:outerShdw>
+          </a:effectLst>
+        </a:effectStyle>
+      </a:effectStyleLst>
+      <a:bgFillStyleLst>
+        <a:solidFill>
+          <a:schemeClr val="phClr"/>
+        </a:solidFill>
+        <a:solidFill>
+          <a:schemeClr val="phClr">
+            <a:tint val="95000"/>
+            <a:satMod val="170000"/>
+          </a:schemeClr>
+        </a:solidFill>
+        <a:gradFill rotWithShape="1">
+          <a:gsLst>
+            <a:gs pos="0">
+              <a:schemeClr val="phClr">
+                <a:tint val="93000"/>
+                <a:satMod val="150000"/>
+                <a:shade val="98000"/>
+                <a:lumMod val="102000"/>
+              </a:schemeClr>
+            </a:gs>
+            <a:gs pos="50000">
+              <a:schemeClr val="phClr">
+                <a:tint val="98000"/>
+                <a:satMod val="130000"/>
+                <a:shade val="90000"/>
+                <a:lumMod val="103000"/>
+              </a:schemeClr>
+            </a:gs>
+            <a:gs pos="100000">
+              <a:schemeClr val="phClr">
+                <a:shade val="63000"/>
+                <a:satMod val="120000"/>
+              </a:schemeClr>
+            </a:gs>
+          </a:gsLst>
+          <a:lin ang="5400000" scaled="0"/>
+        </a:gradFill>
+      </a:bgFillStyleLst>
+    </a:fmtScheme>
+  </a:themeElements>
+  <a:objectDefaults/>
+  <a:extraClrSchemeLst/>
+  <a:extLst>
+    <a:ext uri="{05A4C25C-085E-4340-85A3-A5531E510DB2}">
+      <thm15:themeFamily xmlns:thm15="http://schemas.microsoft.com/office/thememl/2012/main" name="Office Theme" id="{62F939B6-93AF-4DB8-9C6B-D6C7DFDC589F}" vid="{4A3C46E8-61CC-4603-A589-7422A47A8E4A}"/>
+    </a:ext>
+  </a:extLst>
+</a:theme>
 </file>